--- a/Steel Challenge/Outlaw Stage Template.pptx
+++ b/Steel Challenge/Outlaw Stage Template.pptx
@@ -258,7 +258,7 @@
               <a:pPr>
                 <a:defRPr/>
               </a:pPr>
-              <a:t>11/27/2019</a:t>
+              <a:t>1/3/2020</a:t>
             </a:fld>
             <a:endParaRPr lang="en-US"/>
           </a:p>
@@ -4159,14 +4159,14 @@
           <p:nvPr>
             <p:extLst>
               <p:ext uri="{D42A27DB-BD31-4B8C-83A1-F6EECF244321}">
-                <p14:modId xmlns:p14="http://schemas.microsoft.com/office/powerpoint/2010/main" val="1452422645"/>
+                <p14:modId xmlns:p14="http://schemas.microsoft.com/office/powerpoint/2010/main" val="2375578394"/>
               </p:ext>
             </p:extLst>
           </p:nvPr>
         </p:nvGraphicFramePr>
         <p:xfrm>
           <a:off x="180474" y="223710"/>
-          <a:ext cx="7025777" cy="4042925"/>
+          <a:ext cx="7025777" cy="3409884"/>
         </p:xfrm>
         <a:graphic>
           <a:graphicData uri="http://schemas.openxmlformats.org/drawingml/2006/table">
@@ -4356,21 +4356,18 @@
                         <a:buNone/>
                         <a:tabLst/>
                       </a:pPr>
-                      <a:r>
-                        <a:rPr kumimoji="0" lang="en-US" sz="1200" b="1" i="0" u="none" strike="noStrike" cap="none" normalizeH="0" baseline="0" dirty="0">
-                          <a:ln>
-                            <a:noFill/>
-                          </a:ln>
-                          <a:solidFill>
-                            <a:schemeClr val="tx1"/>
-                          </a:solidFill>
-                          <a:effectLst/>
-                          <a:latin typeface="Arial" charset="0"/>
-                          <a:ea typeface="ＭＳ Ｐゴシック" pitchFamily="-112" charset="-128"/>
-                          <a:cs typeface="Times New Roman" pitchFamily="-112" charset="0"/>
-                        </a:rPr>
-                        <a:t>Course Designer : Drew Coleman</a:t>
-                      </a:r>
+                      <a:endParaRPr kumimoji="0" lang="en-US" sz="1200" b="1" i="0" u="none" strike="noStrike" cap="none" normalizeH="0" baseline="0" dirty="0">
+                        <a:ln>
+                          <a:noFill/>
+                        </a:ln>
+                        <a:solidFill>
+                          <a:schemeClr val="tx1"/>
+                        </a:solidFill>
+                        <a:effectLst/>
+                        <a:latin typeface="Arial" charset="0"/>
+                        <a:ea typeface="ＭＳ Ｐゴシック" pitchFamily="-112" charset="-128"/>
+                        <a:cs typeface="Times New Roman" pitchFamily="-112" charset="0"/>
+                      </a:endParaRPr>
                     </a:p>
                   </a:txBody>
                   <a:tcPr marL="45720" marR="45720" anchor="ctr" horzOverflow="overflow">
@@ -4543,85 +4540,8 @@
                           <a:ea typeface="ＭＳ Ｐゴシック" pitchFamily="-112" charset="-128"/>
                           <a:cs typeface="Times New Roman" pitchFamily="-112" charset="0"/>
                         </a:rPr>
-                        <a:t>START POSITION :  Standing at Position Marker P1 or standing in shooting box P1</a:t>
+                        <a:t>START POSITION : Standing in shooting box.</a:t>
                       </a:r>
-                    </a:p>
-                    <a:p>
-                      <a:pPr marL="0" marR="0" lvl="0" indent="0" algn="l" defTabSz="966788" rtl="0" eaLnBrk="1" fontAlgn="base" latinLnBrk="0" hangingPunct="1">
-                        <a:lnSpc>
-                          <a:spcPct val="90000"/>
-                        </a:lnSpc>
-                        <a:spcBef>
-                          <a:spcPct val="10000"/>
-                        </a:spcBef>
-                        <a:spcAft>
-                          <a:spcPct val="0"/>
-                        </a:spcAft>
-                        <a:buClrTx/>
-                        <a:buSzTx/>
-                        <a:buFontTx/>
-                        <a:buNone/>
-                        <a:tabLst/>
-                        <a:defRPr/>
-                      </a:pPr>
-                      <a:r>
-                        <a:rPr kumimoji="0" lang="en-US" sz="1100" b="1" i="0" u="none" strike="noStrike" kern="1200" cap="none" spc="0" normalizeH="0" baseline="0" dirty="0">
-                          <a:ln>
-                            <a:noFill/>
-                          </a:ln>
-                          <a:solidFill>
-                            <a:schemeClr val="tx1"/>
-                          </a:solidFill>
-                          <a:effectLst/>
-                          <a:uFillTx/>
-                          <a:latin typeface="Arial" charset="0"/>
-                          <a:ea typeface="ＭＳ Ｐゴシック" pitchFamily="-112" charset="-128"/>
-                          <a:cs typeface="Times New Roman" pitchFamily="-112" charset="0"/>
-                        </a:rPr>
-                        <a:t>                                  </a:t>
-                      </a:r>
-                      <a:endParaRPr kumimoji="0" lang="en-US" sz="1100" b="1" i="0" u="none" strike="noStrike" cap="none" normalizeH="0" baseline="0" dirty="0">
-                        <a:ln>
-                          <a:noFill/>
-                        </a:ln>
-                        <a:solidFill>
-                          <a:schemeClr val="tx1"/>
-                        </a:solidFill>
-                        <a:effectLst/>
-                        <a:latin typeface="Arial" charset="0"/>
-                        <a:ea typeface="ＭＳ Ｐゴシック" pitchFamily="-112" charset="-128"/>
-                        <a:cs typeface="Times New Roman" pitchFamily="-112" charset="0"/>
-                      </a:endParaRPr>
-                    </a:p>
-                    <a:p>
-                      <a:pPr marL="0" marR="0" lvl="0" indent="0" algn="l" defTabSz="966788" rtl="0" eaLnBrk="1" fontAlgn="base" latinLnBrk="0" hangingPunct="1">
-                        <a:lnSpc>
-                          <a:spcPct val="90000"/>
-                        </a:lnSpc>
-                        <a:spcBef>
-                          <a:spcPct val="10000"/>
-                        </a:spcBef>
-                        <a:spcAft>
-                          <a:spcPct val="0"/>
-                        </a:spcAft>
-                        <a:buClrTx/>
-                        <a:buSzTx/>
-                        <a:buFontTx/>
-                        <a:buNone/>
-                        <a:tabLst/>
-                      </a:pPr>
-                      <a:endParaRPr kumimoji="0" lang="en-US" sz="1100" b="1" i="0" u="none" strike="noStrike" cap="none" normalizeH="0" baseline="0" dirty="0">
-                        <a:ln>
-                          <a:noFill/>
-                        </a:ln>
-                        <a:solidFill>
-                          <a:schemeClr val="tx1"/>
-                        </a:solidFill>
-                        <a:effectLst/>
-                        <a:latin typeface="Arial" charset="0"/>
-                        <a:ea typeface="ＭＳ Ｐゴシック" pitchFamily="-112" charset="-128"/>
-                        <a:cs typeface="Times New Roman" pitchFamily="-112" charset="0"/>
-                      </a:endParaRPr>
                     </a:p>
                   </a:txBody>
                   <a:tcPr marL="18288" marR="18288" marT="36576" marB="36576" horzOverflow="overflow">
@@ -4741,7 +4661,7 @@
                           <a:ea typeface="Arial" pitchFamily="34"/>
                           <a:cs typeface="Arial" pitchFamily="34"/>
                         </a:rPr>
-                        <a:t>GUN READY CONDITION : </a:t>
+                        <a:t>GUN READY CONDITIONS :</a:t>
                       </a:r>
                     </a:p>
                     <a:p>
@@ -4763,20 +4683,16 @@
                         <a:defRPr/>
                       </a:pPr>
                       <a:r>
-                        <a:rPr kumimoji="0" lang="en-US" sz="1100" b="1" i="0" u="none" strike="noStrike" kern="1200" cap="none" spc="0" normalizeH="0" baseline="0" dirty="0">
-                          <a:ln>
-                            <a:noFill/>
-                          </a:ln>
+                        <a:rPr lang="en-US" sz="1100" b="1" i="0" u="none" strike="noStrike" kern="1200" cap="none" spc="0" baseline="0" dirty="0">
                           <a:solidFill>
                             <a:srgbClr val="000000"/>
                           </a:solidFill>
-                          <a:effectLst/>
                           <a:uFillTx/>
                           <a:latin typeface="Arial" pitchFamily="34"/>
-                          <a:ea typeface="ＭＳ Ｐゴシック" pitchFamily="-112" charset="-128"/>
+                          <a:ea typeface="Arial" pitchFamily="34"/>
                           <a:cs typeface="Arial" pitchFamily="34"/>
                         </a:rPr>
-                        <a:t>       </a:t>
+                        <a:t>Centerfire pistol: gun loaded, holstered, wrists above respective shoulders.</a:t>
                       </a:r>
                     </a:p>
                     <a:p>
@@ -4797,89 +4713,6 @@
                         <a:tabLst/>
                         <a:defRPr/>
                       </a:pPr>
-                      <a:r>
-                        <a:rPr kumimoji="0" lang="en-US" sz="1100" b="1" i="0" u="none" strike="noStrike" kern="1200" cap="none" spc="0" normalizeH="0" baseline="0" dirty="0">
-                          <a:ln>
-                            <a:noFill/>
-                          </a:ln>
-                          <a:solidFill>
-                            <a:srgbClr val="000000"/>
-                          </a:solidFill>
-                          <a:effectLst/>
-                          <a:uFillTx/>
-                          <a:latin typeface="Arial" pitchFamily="34"/>
-                          <a:ea typeface="ＭＳ Ｐゴシック" pitchFamily="-112" charset="-128"/>
-                          <a:cs typeface="Arial" pitchFamily="34"/>
-                        </a:rPr>
-                        <a:t>         </a:t>
-                      </a:r>
-                      <a:r>
-                        <a:rPr kumimoji="0" lang="en-US" sz="1100" b="1" i="0" u="none" strike="noStrike" kern="1200" cap="none" spc="0" normalizeH="0" baseline="0">
-                          <a:ln>
-                            <a:noFill/>
-                          </a:ln>
-                          <a:solidFill>
-                            <a:srgbClr val="000000"/>
-                          </a:solidFill>
-                          <a:effectLst/>
-                          <a:uFillTx/>
-                          <a:latin typeface="Arial" pitchFamily="34"/>
-                          <a:ea typeface="ＭＳ Ｐゴシック" pitchFamily="-112" charset="-128"/>
-                          <a:cs typeface="Arial" pitchFamily="34"/>
-                        </a:rPr>
-                        <a:t>RF OR PCC          – </a:t>
-                      </a:r>
-                      <a:r>
-                        <a:rPr kumimoji="0" lang="en-US" sz="1100" b="1" i="0" u="none" strike="noStrike" kern="1200" cap="none" spc="0" normalizeH="0" baseline="0" dirty="0">
-                          <a:ln>
-                            <a:noFill/>
-                          </a:ln>
-                          <a:solidFill>
-                            <a:srgbClr val="000000"/>
-                          </a:solidFill>
-                          <a:effectLst/>
-                          <a:uFillTx/>
-                          <a:latin typeface="Arial" pitchFamily="34"/>
-                          <a:ea typeface="ＭＳ Ｐゴシック" pitchFamily="-112" charset="-128"/>
-                          <a:cs typeface="Arial" pitchFamily="34"/>
-                        </a:rPr>
-                        <a:t>loaded, held at low-ready, </a:t>
-                      </a:r>
-                    </a:p>
-                    <a:p>
-                      <a:pPr marL="0" marR="0" lvl="0" indent="0" algn="l" defTabSz="966788" rtl="0" eaLnBrk="1" fontAlgn="base" latinLnBrk="0" hangingPunct="1">
-                        <a:lnSpc>
-                          <a:spcPct val="90000"/>
-                        </a:lnSpc>
-                        <a:spcBef>
-                          <a:spcPct val="10000"/>
-                        </a:spcBef>
-                        <a:spcAft>
-                          <a:spcPct val="0"/>
-                        </a:spcAft>
-                        <a:buClrTx/>
-                        <a:buSzTx/>
-                        <a:buFontTx/>
-                        <a:buNone/>
-                        <a:tabLst/>
-                        <a:defRPr/>
-                      </a:pPr>
-                      <a:r>
-                        <a:rPr kumimoji="0" lang="en-US" sz="1100" b="1" i="0" u="none" strike="noStrike" kern="1200" cap="none" spc="0" normalizeH="0" baseline="0" dirty="0">
-                          <a:ln>
-                            <a:noFill/>
-                          </a:ln>
-                          <a:solidFill>
-                            <a:srgbClr val="000000"/>
-                          </a:solidFill>
-                          <a:effectLst/>
-                          <a:uFillTx/>
-                          <a:latin typeface="Arial" pitchFamily="34"/>
-                          <a:ea typeface="ＭＳ Ｐゴシック" pitchFamily="-112" charset="-128"/>
-                          <a:cs typeface="Arial" pitchFamily="34"/>
-                        </a:rPr>
-                        <a:t>                                            aimed at the orange X</a:t>
-                      </a:r>
                       <a:endParaRPr lang="en-US" sz="1100" b="1" i="0" u="none" strike="noStrike" kern="1200" cap="none" spc="0" baseline="0" dirty="0">
                         <a:solidFill>
                           <a:srgbClr val="000000"/>
@@ -4888,37 +4721,6 @@
                         <a:latin typeface="Arial" pitchFamily="34"/>
                         <a:ea typeface="Arial" pitchFamily="34"/>
                         <a:cs typeface="Arial" pitchFamily="34"/>
-                      </a:endParaRPr>
-                    </a:p>
-                    <a:p>
-                      <a:pPr marL="0" marR="0" lvl="0" indent="0" algn="l" defTabSz="966788" rtl="0" eaLnBrk="1" fontAlgn="base" latinLnBrk="0" hangingPunct="1">
-                        <a:lnSpc>
-                          <a:spcPct val="100000"/>
-                        </a:lnSpc>
-                        <a:spcBef>
-                          <a:spcPct val="5000"/>
-                        </a:spcBef>
-                        <a:spcAft>
-                          <a:spcPct val="0"/>
-                        </a:spcAft>
-                        <a:buClrTx/>
-                        <a:buSzTx/>
-                        <a:buFontTx/>
-                        <a:buNone/>
-                        <a:tabLst/>
-                        <a:defRPr/>
-                      </a:pPr>
-                      <a:endParaRPr kumimoji="0" lang="en-US" sz="1100" b="1" i="0" u="none" strike="noStrike" cap="none" normalizeH="0" baseline="0" dirty="0">
-                        <a:ln>
-                          <a:noFill/>
-                        </a:ln>
-                        <a:solidFill>
-                          <a:schemeClr val="tx1"/>
-                        </a:solidFill>
-                        <a:effectLst/>
-                        <a:latin typeface="Arial" charset="0"/>
-                        <a:ea typeface="ＭＳ Ｐゴシック" pitchFamily="-112" charset="-128"/>
-                        <a:cs typeface="Times New Roman" pitchFamily="-112" charset="0"/>
                       </a:endParaRPr>
                     </a:p>
                     <a:p>
@@ -4940,36 +4742,30 @@
                         <a:defRPr/>
                       </a:pPr>
                       <a:r>
-                        <a:rPr kumimoji="0" lang="en-US" sz="1100" b="1" i="0" u="none" strike="noStrike" cap="none" normalizeH="0" baseline="0" dirty="0">
-                          <a:ln>
-                            <a:noFill/>
-                          </a:ln>
-                          <a:solidFill>
-                            <a:schemeClr val="tx1"/>
-                          </a:solidFill>
-                          <a:effectLst/>
-                          <a:latin typeface="Arial" charset="0"/>
-                          <a:ea typeface="ＭＳ Ｐゴシック" pitchFamily="-112" charset="-128"/>
-                          <a:cs typeface="Times New Roman" pitchFamily="-112" charset="0"/>
-                        </a:rPr>
-                        <a:t>         CF Pistol              </a:t>
-                      </a:r>
-                      <a:r>
-                        <a:rPr kumimoji="0" lang="en-US" sz="1100" b="1" i="0" u="none" strike="noStrike" kern="1200" cap="none" spc="0" normalizeH="0" baseline="0" dirty="0">
-                          <a:ln>
-                            <a:noFill/>
-                          </a:ln>
+                        <a:rPr lang="en-US" sz="1100" b="1" i="0" u="none" strike="noStrike" kern="1200" cap="none" spc="0" baseline="0" dirty="0">
                           <a:solidFill>
                             <a:srgbClr val="000000"/>
                           </a:solidFill>
-                          <a:effectLst/>
                           <a:uFillTx/>
                           <a:latin typeface="Arial" pitchFamily="34"/>
-                          <a:ea typeface="ＭＳ Ｐゴシック" pitchFamily="-112" charset="-128"/>
+                          <a:ea typeface="Arial" pitchFamily="34"/>
                           <a:cs typeface="Arial" pitchFamily="34"/>
                         </a:rPr>
-                        <a:t>– loaded and holstered, </a:t>
+                        <a:t>Rimfire pistol, rimfire rifle, and PCC: gun loaded and aimed at orange cone/aiming point.</a:t>
                       </a:r>
+                      <a:endParaRPr kumimoji="0" lang="en-US" sz="1100" b="1" i="0" u="none" strike="noStrike" kern="1200" cap="none" spc="0" normalizeH="0" baseline="0" dirty="0">
+                        <a:ln>
+                          <a:noFill/>
+                        </a:ln>
+                        <a:solidFill>
+                          <a:srgbClr val="000000"/>
+                        </a:solidFill>
+                        <a:effectLst/>
+                        <a:uFillTx/>
+                        <a:latin typeface="Arial" pitchFamily="34"/>
+                        <a:ea typeface="ＭＳ Ｐゴシック" pitchFamily="-112" charset="-128"/>
+                        <a:cs typeface="Arial" pitchFamily="34"/>
+                      </a:endParaRPr>
                     </a:p>
                     <a:p>
                       <a:pPr marL="0" marR="0" lvl="0" indent="0" algn="l" defTabSz="966788" rtl="0" eaLnBrk="1" fontAlgn="base" latinLnBrk="0" hangingPunct="1">
@@ -4988,110 +4784,6 @@
                         <a:buNone/>
                         <a:tabLst/>
                         <a:defRPr/>
-                      </a:pPr>
-                      <a:r>
-                        <a:rPr kumimoji="0" lang="en-US" sz="1100" b="1" i="0" u="none" strike="noStrike" kern="1200" cap="none" spc="0" normalizeH="0" baseline="0" dirty="0">
-                          <a:ln>
-                            <a:noFill/>
-                          </a:ln>
-                          <a:solidFill>
-                            <a:srgbClr val="000000"/>
-                          </a:solidFill>
-                          <a:effectLst/>
-                          <a:uFillTx/>
-                          <a:latin typeface="Arial" pitchFamily="34"/>
-                          <a:ea typeface="ＭＳ Ｐゴシック" pitchFamily="-112" charset="-128"/>
-                          <a:cs typeface="Arial" pitchFamily="34"/>
-                        </a:rPr>
-                        <a:t>                                            hands and wrists </a:t>
-                      </a:r>
-                    </a:p>
-                    <a:p>
-                      <a:pPr marL="0" marR="0" lvl="0" indent="0" algn="l" defTabSz="966788" rtl="0" eaLnBrk="1" fontAlgn="base" latinLnBrk="0" hangingPunct="1">
-                        <a:lnSpc>
-                          <a:spcPct val="90000"/>
-                        </a:lnSpc>
-                        <a:spcBef>
-                          <a:spcPct val="10000"/>
-                        </a:spcBef>
-                        <a:spcAft>
-                          <a:spcPct val="0"/>
-                        </a:spcAft>
-                        <a:buClrTx/>
-                        <a:buSzTx/>
-                        <a:buFontTx/>
-                        <a:buNone/>
-                        <a:tabLst/>
-                        <a:defRPr/>
-                      </a:pPr>
-                      <a:r>
-                        <a:rPr kumimoji="0" lang="en-US" sz="1100" b="1" i="0" u="none" strike="noStrike" kern="1200" cap="none" spc="0" normalizeH="0" baseline="0" dirty="0">
-                          <a:ln>
-                            <a:noFill/>
-                          </a:ln>
-                          <a:solidFill>
-                            <a:srgbClr val="000000"/>
-                          </a:solidFill>
-                          <a:effectLst/>
-                          <a:uFillTx/>
-                          <a:latin typeface="Arial" pitchFamily="34"/>
-                          <a:ea typeface="ＭＳ Ｐゴシック" pitchFamily="-112" charset="-128"/>
-                          <a:cs typeface="Arial" pitchFamily="34"/>
-                        </a:rPr>
-                        <a:t>                                            above shoulders in the </a:t>
-                      </a:r>
-                    </a:p>
-                    <a:p>
-                      <a:pPr marL="0" marR="0" lvl="0" indent="0" algn="l" defTabSz="966788" rtl="0" eaLnBrk="1" fontAlgn="base" latinLnBrk="0" hangingPunct="1">
-                        <a:lnSpc>
-                          <a:spcPct val="90000"/>
-                        </a:lnSpc>
-                        <a:spcBef>
-                          <a:spcPct val="10000"/>
-                        </a:spcBef>
-                        <a:spcAft>
-                          <a:spcPct val="0"/>
-                        </a:spcAft>
-                        <a:buClrTx/>
-                        <a:buSzTx/>
-                        <a:buFontTx/>
-                        <a:buNone/>
-                        <a:tabLst/>
-                        <a:defRPr/>
-                      </a:pPr>
-                      <a:r>
-                        <a:rPr kumimoji="0" lang="en-US" sz="1100" b="1" i="0" u="none" strike="noStrike" kern="1200" cap="none" spc="0" normalizeH="0" baseline="0" dirty="0">
-                          <a:ln>
-                            <a:noFill/>
-                          </a:ln>
-                          <a:solidFill>
-                            <a:srgbClr val="000000"/>
-                          </a:solidFill>
-                          <a:effectLst/>
-                          <a:uFillTx/>
-                          <a:latin typeface="Arial" pitchFamily="34"/>
-                          <a:ea typeface="ＭＳ Ｐゴシック" pitchFamily="-112" charset="-128"/>
-                          <a:cs typeface="Arial" pitchFamily="34"/>
-                        </a:rPr>
-                        <a:t>                                           “surrender position”</a:t>
-                      </a:r>
-                    </a:p>
-                    <a:p>
-                      <a:pPr marL="0" marR="0" lvl="0" indent="0" algn="l" defTabSz="966788" rtl="0" eaLnBrk="1" fontAlgn="base" latinLnBrk="0" hangingPunct="1">
-                        <a:lnSpc>
-                          <a:spcPct val="100000"/>
-                        </a:lnSpc>
-                        <a:spcBef>
-                          <a:spcPct val="5000"/>
-                        </a:spcBef>
-                        <a:spcAft>
-                          <a:spcPct val="0"/>
-                        </a:spcAft>
-                        <a:buClrTx/>
-                        <a:buSzTx/>
-                        <a:buFontTx/>
-                        <a:buNone/>
-                        <a:tabLst/>
                       </a:pPr>
                       <a:endParaRPr kumimoji="0" lang="en-US" sz="1100" b="1" i="0" u="none" strike="noStrike" cap="none" normalizeH="0" baseline="0" dirty="0">
                         <a:ln>
@@ -5572,37 +5264,6 @@
                         <a:t>                                      string 30 seconds.</a:t>
                       </a:r>
                     </a:p>
-                    <a:p>
-                      <a:pPr marL="0" marR="0" lvl="0" indent="0" algn="l" defTabSz="966788" rtl="0" eaLnBrk="0" fontAlgn="base" latinLnBrk="0" hangingPunct="0">
-                        <a:lnSpc>
-                          <a:spcPct val="100000"/>
-                        </a:lnSpc>
-                        <a:spcBef>
-                          <a:spcPct val="0"/>
-                        </a:spcBef>
-                        <a:spcAft>
-                          <a:spcPct val="0"/>
-                        </a:spcAft>
-                        <a:buClrTx/>
-                        <a:buSzTx/>
-                        <a:buFontTx/>
-                        <a:buNone/>
-                        <a:tabLst/>
-                        <a:defRPr/>
-                      </a:pPr>
-                      <a:endParaRPr kumimoji="0" lang="en-US" sz="1100" b="1" i="0" u="none" strike="noStrike" cap="none" normalizeH="0" baseline="0" dirty="0">
-                        <a:ln>
-                          <a:noFill/>
-                        </a:ln>
-                        <a:solidFill>
-                          <a:schemeClr val="tx1"/>
-                        </a:solidFill>
-                        <a:effectLst/>
-                        <a:latin typeface="Arial" charset="0"/>
-                        <a:ea typeface="ＭＳ Ｐゴシック" pitchFamily="-112" charset="-128"/>
-                        <a:cs typeface="Times New Roman" pitchFamily="-112" charset="0"/>
-                      </a:endParaRPr>
-                    </a:p>
                   </a:txBody>
                   <a:tcPr marL="45720" marR="45720" horzOverflow="overflow">
                     <a:lnL w="28575" cap="flat" cmpd="sng" algn="ctr">
@@ -6197,144 +5858,6 @@
           </p:txBody>
         </p:sp>
       </p:grpSp>
-      <p:sp>
-        <p:nvSpPr>
-          <p:cNvPr id="24" name="Line 18"/>
-          <p:cNvSpPr>
-            <a:spLocks noChangeShapeType="1"/>
-          </p:cNvSpPr>
-          <p:nvPr/>
-        </p:nvSpPr>
-        <p:spPr bwMode="auto">
-          <a:xfrm>
-            <a:off x="4559302" y="9294813"/>
-            <a:ext cx="0" cy="0"/>
-          </a:xfrm>
-          <a:prstGeom prst="line">
-            <a:avLst/>
-          </a:prstGeom>
-          <a:noFill/>
-          <a:ln w="12700">
-            <a:solidFill>
-              <a:srgbClr val="000000"/>
-            </a:solidFill>
-            <a:prstDash val="solid"/>
-            <a:round/>
-            <a:headEnd/>
-            <a:tailEnd/>
-          </a:ln>
-          <a:extLst>
-            <a:ext uri="{909E8E84-426E-40DD-AFC4-6F175D3DCCD1}">
-              <a14:hiddenFill xmlns:a14="http://schemas.microsoft.com/office/drawing/2010/main">
-                <a:noFill/>
-              </a14:hiddenFill>
-            </a:ext>
-          </a:extLst>
-        </p:spPr>
-        <p:txBody>
-          <a:bodyPr vert="horz" wrap="square" lIns="91440" tIns="45720" rIns="91440" bIns="45720" numCol="1" anchor="t" anchorCtr="0" compatLnSpc="1">
-            <a:prstTxWarp prst="textNoShape">
-              <a:avLst/>
-            </a:prstTxWarp>
-          </a:bodyPr>
-          <a:lstStyle/>
-          <a:p>
-            <a:endParaRPr lang="en-US"/>
-          </a:p>
-        </p:txBody>
-      </p:sp>
-      <p:sp>
-        <p:nvSpPr>
-          <p:cNvPr id="25" name="Line 19"/>
-          <p:cNvSpPr>
-            <a:spLocks noChangeShapeType="1"/>
-          </p:cNvSpPr>
-          <p:nvPr/>
-        </p:nvSpPr>
-        <p:spPr bwMode="auto">
-          <a:xfrm flipV="1">
-            <a:off x="4559302" y="9291638"/>
-            <a:ext cx="1588" cy="3175"/>
-          </a:xfrm>
-          <a:prstGeom prst="line">
-            <a:avLst/>
-          </a:prstGeom>
-          <a:noFill/>
-          <a:ln w="17463">
-            <a:solidFill>
-              <a:srgbClr val="000000"/>
-            </a:solidFill>
-            <a:prstDash val="solid"/>
-            <a:round/>
-            <a:headEnd/>
-            <a:tailEnd/>
-          </a:ln>
-          <a:extLst>
-            <a:ext uri="{909E8E84-426E-40DD-AFC4-6F175D3DCCD1}">
-              <a14:hiddenFill xmlns:a14="http://schemas.microsoft.com/office/drawing/2010/main">
-                <a:noFill/>
-              </a14:hiddenFill>
-            </a:ext>
-          </a:extLst>
-        </p:spPr>
-        <p:txBody>
-          <a:bodyPr vert="horz" wrap="square" lIns="91440" tIns="45720" rIns="91440" bIns="45720" numCol="1" anchor="t" anchorCtr="0" compatLnSpc="1">
-            <a:prstTxWarp prst="textNoShape">
-              <a:avLst/>
-            </a:prstTxWarp>
-          </a:bodyPr>
-          <a:lstStyle/>
-          <a:p>
-            <a:endParaRPr lang="en-US"/>
-          </a:p>
-        </p:txBody>
-      </p:sp>
-      <p:sp>
-        <p:nvSpPr>
-          <p:cNvPr id="26" name="Line 20"/>
-          <p:cNvSpPr>
-            <a:spLocks noChangeShapeType="1"/>
-          </p:cNvSpPr>
-          <p:nvPr/>
-        </p:nvSpPr>
-        <p:spPr bwMode="auto">
-          <a:xfrm flipV="1">
-            <a:off x="4560889" y="9290050"/>
-            <a:ext cx="0" cy="1588"/>
-          </a:xfrm>
-          <a:prstGeom prst="line">
-            <a:avLst/>
-          </a:prstGeom>
-          <a:noFill/>
-          <a:ln w="12700">
-            <a:solidFill>
-              <a:srgbClr val="000000"/>
-            </a:solidFill>
-            <a:prstDash val="solid"/>
-            <a:round/>
-            <a:headEnd/>
-            <a:tailEnd/>
-          </a:ln>
-          <a:extLst>
-            <a:ext uri="{909E8E84-426E-40DD-AFC4-6F175D3DCCD1}">
-              <a14:hiddenFill xmlns:a14="http://schemas.microsoft.com/office/drawing/2010/main">
-                <a:noFill/>
-              </a14:hiddenFill>
-            </a:ext>
-          </a:extLst>
-        </p:spPr>
-        <p:txBody>
-          <a:bodyPr vert="horz" wrap="square" lIns="91440" tIns="45720" rIns="91440" bIns="45720" numCol="1" anchor="t" anchorCtr="0" compatLnSpc="1">
-            <a:prstTxWarp prst="textNoShape">
-              <a:avLst/>
-            </a:prstTxWarp>
-          </a:bodyPr>
-          <a:lstStyle/>
-          <a:p>
-            <a:endParaRPr lang="en-US"/>
-          </a:p>
-        </p:txBody>
-      </p:sp>
       <p:grpSp>
         <p:nvGrpSpPr>
           <p:cNvPr id="138" name="Group 137"/>
@@ -6602,1165 +6125,6 @@
       </p:grpSp>
       <p:grpSp>
         <p:nvGrpSpPr>
-          <p:cNvPr id="147" name="Group 519"/>
-          <p:cNvGrpSpPr>
-            <a:grpSpLocks/>
-          </p:cNvGrpSpPr>
-          <p:nvPr/>
-        </p:nvGrpSpPr>
-        <p:grpSpPr bwMode="auto">
-          <a:xfrm flipH="1">
-            <a:off x="-3767393" y="3007416"/>
-            <a:ext cx="311150" cy="487362"/>
-            <a:chOff x="3742" y="1056"/>
-            <a:chExt cx="196" cy="307"/>
-          </a:xfrm>
-        </p:grpSpPr>
-        <p:grpSp>
-          <p:nvGrpSpPr>
-            <p:cNvPr id="148" name="Group 520"/>
-            <p:cNvGrpSpPr>
-              <a:grpSpLocks/>
-            </p:cNvGrpSpPr>
-            <p:nvPr/>
-          </p:nvGrpSpPr>
-          <p:grpSpPr bwMode="auto">
-            <a:xfrm>
-              <a:off x="3742" y="1164"/>
-              <a:ext cx="196" cy="199"/>
-              <a:chOff x="3176" y="1817"/>
-              <a:chExt cx="196" cy="199"/>
-            </a:xfrm>
-          </p:grpSpPr>
-          <p:grpSp>
-            <p:nvGrpSpPr>
-              <p:cNvPr id="152" name="Group 521"/>
-              <p:cNvGrpSpPr>
-                <a:grpSpLocks/>
-              </p:cNvGrpSpPr>
-              <p:nvPr/>
-            </p:nvGrpSpPr>
-            <p:grpSpPr bwMode="auto">
-              <a:xfrm>
-                <a:off x="3176" y="1940"/>
-                <a:ext cx="196" cy="76"/>
-                <a:chOff x="2895" y="2462"/>
-                <a:chExt cx="306" cy="97"/>
-              </a:xfrm>
-            </p:grpSpPr>
-            <p:grpSp>
-              <p:nvGrpSpPr>
-                <p:cNvPr id="154" name="Group 522"/>
-                <p:cNvGrpSpPr>
-                  <a:grpSpLocks/>
-                </p:cNvGrpSpPr>
-                <p:nvPr/>
-              </p:nvGrpSpPr>
-              <p:grpSpPr bwMode="auto">
-                <a:xfrm>
-                  <a:off x="2895" y="2462"/>
-                  <a:ext cx="77" cy="97"/>
-                  <a:chOff x="7916" y="7287"/>
-                  <a:chExt cx="727" cy="951"/>
-                </a:xfrm>
-              </p:grpSpPr>
-              <p:sp>
-                <p:nvSpPr>
-                  <p:cNvPr id="160" name="Freeform 523"/>
-                  <p:cNvSpPr>
-                    <a:spLocks/>
-                  </p:cNvSpPr>
-                  <p:nvPr/>
-                </p:nvSpPr>
-                <p:spPr bwMode="auto">
-                  <a:xfrm>
-                    <a:off x="7928" y="7290"/>
-                    <a:ext cx="712" cy="795"/>
-                  </a:xfrm>
-                  <a:custGeom>
-                    <a:avLst/>
-                    <a:gdLst>
-                      <a:gd name="T0" fmla="*/ 585 w 712"/>
-                      <a:gd name="T1" fmla="*/ 0 h 795"/>
-                      <a:gd name="T2" fmla="*/ 0 w 712"/>
-                      <a:gd name="T3" fmla="*/ 788 h 795"/>
-                      <a:gd name="T4" fmla="*/ 135 w 712"/>
-                      <a:gd name="T5" fmla="*/ 795 h 795"/>
-                      <a:gd name="T6" fmla="*/ 712 w 712"/>
-                      <a:gd name="T7" fmla="*/ 0 h 795"/>
-                      <a:gd name="T8" fmla="*/ 585 w 712"/>
-                      <a:gd name="T9" fmla="*/ 0 h 795"/>
-                    </a:gdLst>
-                    <a:ahLst/>
-                    <a:cxnLst>
-                      <a:cxn ang="0">
-                        <a:pos x="T0" y="T1"/>
-                      </a:cxn>
-                      <a:cxn ang="0">
-                        <a:pos x="T2" y="T3"/>
-                      </a:cxn>
-                      <a:cxn ang="0">
-                        <a:pos x="T4" y="T5"/>
-                      </a:cxn>
-                      <a:cxn ang="0">
-                        <a:pos x="T6" y="T7"/>
-                      </a:cxn>
-                      <a:cxn ang="0">
-                        <a:pos x="T8" y="T9"/>
-                      </a:cxn>
-                    </a:cxnLst>
-                    <a:rect l="0" t="0" r="r" b="b"/>
-                    <a:pathLst>
-                      <a:path w="712" h="795">
-                        <a:moveTo>
-                          <a:pt x="585" y="0"/>
-                        </a:moveTo>
-                        <a:lnTo>
-                          <a:pt x="0" y="788"/>
-                        </a:lnTo>
-                        <a:lnTo>
-                          <a:pt x="135" y="795"/>
-                        </a:lnTo>
-                        <a:lnTo>
-                          <a:pt x="712" y="0"/>
-                        </a:lnTo>
-                        <a:lnTo>
-                          <a:pt x="585" y="0"/>
-                        </a:lnTo>
-                        <a:close/>
-                      </a:path>
-                    </a:pathLst>
-                  </a:custGeom>
-                  <a:solidFill>
-                    <a:srgbClr val="3399FF"/>
-                  </a:solidFill>
-                  <a:ln w="9525">
-                    <a:solidFill>
-                      <a:srgbClr val="000000"/>
-                    </a:solidFill>
-                    <a:round/>
-                    <a:headEnd/>
-                    <a:tailEnd/>
-                  </a:ln>
-                </p:spPr>
-                <p:txBody>
-                  <a:bodyPr/>
-                  <a:lstStyle/>
-                  <a:p>
-                    <a:endParaRPr lang="en-US"/>
-                  </a:p>
-                </p:txBody>
-              </p:sp>
-              <p:sp>
-                <p:nvSpPr>
-                  <p:cNvPr id="161" name="Freeform 524"/>
-                  <p:cNvSpPr>
-                    <a:spLocks/>
-                  </p:cNvSpPr>
-                  <p:nvPr/>
-                </p:nvSpPr>
-                <p:spPr bwMode="auto">
-                  <a:xfrm>
-                    <a:off x="7916" y="8076"/>
-                    <a:ext cx="145" cy="162"/>
-                  </a:xfrm>
-                  <a:custGeom>
-                    <a:avLst/>
-                    <a:gdLst>
-                      <a:gd name="T0" fmla="*/ 0 w 129"/>
-                      <a:gd name="T1" fmla="*/ 0 h 162"/>
-                      <a:gd name="T2" fmla="*/ 0 w 129"/>
-                      <a:gd name="T3" fmla="*/ 162 h 162"/>
-                      <a:gd name="T4" fmla="*/ 129 w 129"/>
-                      <a:gd name="T5" fmla="*/ 162 h 162"/>
-                      <a:gd name="T6" fmla="*/ 129 w 129"/>
-                      <a:gd name="T7" fmla="*/ 6 h 162"/>
-                      <a:gd name="T8" fmla="*/ 0 w 129"/>
-                      <a:gd name="T9" fmla="*/ 0 h 162"/>
-                    </a:gdLst>
-                    <a:ahLst/>
-                    <a:cxnLst>
-                      <a:cxn ang="0">
-                        <a:pos x="T0" y="T1"/>
-                      </a:cxn>
-                      <a:cxn ang="0">
-                        <a:pos x="T2" y="T3"/>
-                      </a:cxn>
-                      <a:cxn ang="0">
-                        <a:pos x="T4" y="T5"/>
-                      </a:cxn>
-                      <a:cxn ang="0">
-                        <a:pos x="T6" y="T7"/>
-                      </a:cxn>
-                      <a:cxn ang="0">
-                        <a:pos x="T8" y="T9"/>
-                      </a:cxn>
-                    </a:cxnLst>
-                    <a:rect l="0" t="0" r="r" b="b"/>
-                    <a:pathLst>
-                      <a:path w="129" h="162">
-                        <a:moveTo>
-                          <a:pt x="0" y="0"/>
-                        </a:moveTo>
-                        <a:lnTo>
-                          <a:pt x="0" y="162"/>
-                        </a:lnTo>
-                        <a:lnTo>
-                          <a:pt x="129" y="162"/>
-                        </a:lnTo>
-                        <a:lnTo>
-                          <a:pt x="129" y="6"/>
-                        </a:lnTo>
-                        <a:lnTo>
-                          <a:pt x="0" y="0"/>
-                        </a:lnTo>
-                        <a:close/>
-                      </a:path>
-                    </a:pathLst>
-                  </a:custGeom>
-                  <a:solidFill>
-                    <a:srgbClr val="3399FF"/>
-                  </a:solidFill>
-                  <a:ln w="9525">
-                    <a:solidFill>
-                      <a:srgbClr val="000000"/>
-                    </a:solidFill>
-                    <a:round/>
-                    <a:headEnd/>
-                    <a:tailEnd/>
-                  </a:ln>
-                </p:spPr>
-                <p:txBody>
-                  <a:bodyPr/>
-                  <a:lstStyle/>
-                  <a:p>
-                    <a:endParaRPr lang="en-US"/>
-                  </a:p>
-                </p:txBody>
-              </p:sp>
-              <p:sp>
-                <p:nvSpPr>
-                  <p:cNvPr id="162" name="Freeform 525"/>
-                  <p:cNvSpPr>
-                    <a:spLocks/>
-                  </p:cNvSpPr>
-                  <p:nvPr/>
-                </p:nvSpPr>
-                <p:spPr bwMode="auto">
-                  <a:xfrm>
-                    <a:off x="8061" y="7287"/>
-                    <a:ext cx="582" cy="951"/>
-                  </a:xfrm>
-                  <a:custGeom>
-                    <a:avLst/>
-                    <a:gdLst>
-                      <a:gd name="T0" fmla="*/ 0 w 582"/>
-                      <a:gd name="T1" fmla="*/ 795 h 951"/>
-                      <a:gd name="T2" fmla="*/ 582 w 582"/>
-                      <a:gd name="T3" fmla="*/ 0 h 951"/>
-                      <a:gd name="T4" fmla="*/ 579 w 582"/>
-                      <a:gd name="T5" fmla="*/ 156 h 951"/>
-                      <a:gd name="T6" fmla="*/ 0 w 582"/>
-                      <a:gd name="T7" fmla="*/ 951 h 951"/>
-                      <a:gd name="T8" fmla="*/ 0 w 582"/>
-                      <a:gd name="T9" fmla="*/ 795 h 951"/>
-                    </a:gdLst>
-                    <a:ahLst/>
-                    <a:cxnLst>
-                      <a:cxn ang="0">
-                        <a:pos x="T0" y="T1"/>
-                      </a:cxn>
-                      <a:cxn ang="0">
-                        <a:pos x="T2" y="T3"/>
-                      </a:cxn>
-                      <a:cxn ang="0">
-                        <a:pos x="T4" y="T5"/>
-                      </a:cxn>
-                      <a:cxn ang="0">
-                        <a:pos x="T6" y="T7"/>
-                      </a:cxn>
-                      <a:cxn ang="0">
-                        <a:pos x="T8" y="T9"/>
-                      </a:cxn>
-                    </a:cxnLst>
-                    <a:rect l="0" t="0" r="r" b="b"/>
-                    <a:pathLst>
-                      <a:path w="582" h="951">
-                        <a:moveTo>
-                          <a:pt x="0" y="795"/>
-                        </a:moveTo>
-                        <a:lnTo>
-                          <a:pt x="582" y="0"/>
-                        </a:lnTo>
-                        <a:lnTo>
-                          <a:pt x="579" y="156"/>
-                        </a:lnTo>
-                        <a:lnTo>
-                          <a:pt x="0" y="951"/>
-                        </a:lnTo>
-                        <a:lnTo>
-                          <a:pt x="0" y="795"/>
-                        </a:lnTo>
-                        <a:close/>
-                      </a:path>
-                    </a:pathLst>
-                  </a:custGeom>
-                  <a:solidFill>
-                    <a:srgbClr val="3399FF"/>
-                  </a:solidFill>
-                  <a:ln w="9525">
-                    <a:solidFill>
-                      <a:srgbClr val="000000"/>
-                    </a:solidFill>
-                    <a:round/>
-                    <a:headEnd/>
-                    <a:tailEnd/>
-                  </a:ln>
-                </p:spPr>
-                <p:txBody>
-                  <a:bodyPr/>
-                  <a:lstStyle/>
-                  <a:p>
-                    <a:endParaRPr lang="en-US"/>
-                  </a:p>
-                </p:txBody>
-              </p:sp>
-            </p:grpSp>
-            <p:sp>
-              <p:nvSpPr>
-                <p:cNvPr id="155" name="AutoShape 526"/>
-                <p:cNvSpPr>
-                  <a:spLocks noChangeArrowheads="1"/>
-                </p:cNvSpPr>
-                <p:nvPr/>
-              </p:nvSpPr>
-              <p:spPr bwMode="auto">
-                <a:xfrm>
-                  <a:off x="2940" y="2497"/>
-                  <a:ext cx="222" cy="23"/>
-                </a:xfrm>
-                <a:prstGeom prst="cube">
-                  <a:avLst>
-                    <a:gd name="adj" fmla="val 25000"/>
-                  </a:avLst>
-                </a:prstGeom>
-                <a:solidFill>
-                  <a:srgbClr val="3399FF"/>
-                </a:solidFill>
-                <a:ln w="9525">
-                  <a:solidFill>
-                    <a:srgbClr val="000000"/>
-                  </a:solidFill>
-                  <a:miter lim="800000"/>
-                  <a:headEnd/>
-                  <a:tailEnd/>
-                </a:ln>
-              </p:spPr>
-              <p:txBody>
-                <a:bodyPr/>
-                <a:lstStyle/>
-                <a:p>
-                  <a:endParaRPr lang="en-US"/>
-                </a:p>
-              </p:txBody>
-            </p:sp>
-            <p:grpSp>
-              <p:nvGrpSpPr>
-                <p:cNvPr id="156" name="Group 527"/>
-                <p:cNvGrpSpPr>
-                  <a:grpSpLocks/>
-                </p:cNvGrpSpPr>
-                <p:nvPr/>
-              </p:nvGrpSpPr>
-              <p:grpSpPr bwMode="auto">
-                <a:xfrm>
-                  <a:off x="3124" y="2462"/>
-                  <a:ext cx="77" cy="97"/>
-                  <a:chOff x="7916" y="7287"/>
-                  <a:chExt cx="727" cy="951"/>
-                </a:xfrm>
-              </p:grpSpPr>
-              <p:sp>
-                <p:nvSpPr>
-                  <p:cNvPr id="157" name="Freeform 528"/>
-                  <p:cNvSpPr>
-                    <a:spLocks/>
-                  </p:cNvSpPr>
-                  <p:nvPr/>
-                </p:nvSpPr>
-                <p:spPr bwMode="auto">
-                  <a:xfrm>
-                    <a:off x="7928" y="7290"/>
-                    <a:ext cx="712" cy="795"/>
-                  </a:xfrm>
-                  <a:custGeom>
-                    <a:avLst/>
-                    <a:gdLst>
-                      <a:gd name="T0" fmla="*/ 585 w 712"/>
-                      <a:gd name="T1" fmla="*/ 0 h 795"/>
-                      <a:gd name="T2" fmla="*/ 0 w 712"/>
-                      <a:gd name="T3" fmla="*/ 788 h 795"/>
-                      <a:gd name="T4" fmla="*/ 135 w 712"/>
-                      <a:gd name="T5" fmla="*/ 795 h 795"/>
-                      <a:gd name="T6" fmla="*/ 712 w 712"/>
-                      <a:gd name="T7" fmla="*/ 0 h 795"/>
-                      <a:gd name="T8" fmla="*/ 585 w 712"/>
-                      <a:gd name="T9" fmla="*/ 0 h 795"/>
-                    </a:gdLst>
-                    <a:ahLst/>
-                    <a:cxnLst>
-                      <a:cxn ang="0">
-                        <a:pos x="T0" y="T1"/>
-                      </a:cxn>
-                      <a:cxn ang="0">
-                        <a:pos x="T2" y="T3"/>
-                      </a:cxn>
-                      <a:cxn ang="0">
-                        <a:pos x="T4" y="T5"/>
-                      </a:cxn>
-                      <a:cxn ang="0">
-                        <a:pos x="T6" y="T7"/>
-                      </a:cxn>
-                      <a:cxn ang="0">
-                        <a:pos x="T8" y="T9"/>
-                      </a:cxn>
-                    </a:cxnLst>
-                    <a:rect l="0" t="0" r="r" b="b"/>
-                    <a:pathLst>
-                      <a:path w="712" h="795">
-                        <a:moveTo>
-                          <a:pt x="585" y="0"/>
-                        </a:moveTo>
-                        <a:lnTo>
-                          <a:pt x="0" y="788"/>
-                        </a:lnTo>
-                        <a:lnTo>
-                          <a:pt x="135" y="795"/>
-                        </a:lnTo>
-                        <a:lnTo>
-                          <a:pt x="712" y="0"/>
-                        </a:lnTo>
-                        <a:lnTo>
-                          <a:pt x="585" y="0"/>
-                        </a:lnTo>
-                        <a:close/>
-                      </a:path>
-                    </a:pathLst>
-                  </a:custGeom>
-                  <a:solidFill>
-                    <a:srgbClr val="3399FF"/>
-                  </a:solidFill>
-                  <a:ln w="9525">
-                    <a:solidFill>
-                      <a:srgbClr val="000000"/>
-                    </a:solidFill>
-                    <a:round/>
-                    <a:headEnd/>
-                    <a:tailEnd/>
-                  </a:ln>
-                </p:spPr>
-                <p:txBody>
-                  <a:bodyPr/>
-                  <a:lstStyle/>
-                  <a:p>
-                    <a:endParaRPr lang="en-US"/>
-                  </a:p>
-                </p:txBody>
-              </p:sp>
-              <p:sp>
-                <p:nvSpPr>
-                  <p:cNvPr id="158" name="Freeform 529"/>
-                  <p:cNvSpPr>
-                    <a:spLocks/>
-                  </p:cNvSpPr>
-                  <p:nvPr/>
-                </p:nvSpPr>
-                <p:spPr bwMode="auto">
-                  <a:xfrm>
-                    <a:off x="7916" y="8076"/>
-                    <a:ext cx="145" cy="162"/>
-                  </a:xfrm>
-                  <a:custGeom>
-                    <a:avLst/>
-                    <a:gdLst>
-                      <a:gd name="T0" fmla="*/ 0 w 129"/>
-                      <a:gd name="T1" fmla="*/ 0 h 162"/>
-                      <a:gd name="T2" fmla="*/ 0 w 129"/>
-                      <a:gd name="T3" fmla="*/ 162 h 162"/>
-                      <a:gd name="T4" fmla="*/ 129 w 129"/>
-                      <a:gd name="T5" fmla="*/ 162 h 162"/>
-                      <a:gd name="T6" fmla="*/ 129 w 129"/>
-                      <a:gd name="T7" fmla="*/ 6 h 162"/>
-                      <a:gd name="T8" fmla="*/ 0 w 129"/>
-                      <a:gd name="T9" fmla="*/ 0 h 162"/>
-                    </a:gdLst>
-                    <a:ahLst/>
-                    <a:cxnLst>
-                      <a:cxn ang="0">
-                        <a:pos x="T0" y="T1"/>
-                      </a:cxn>
-                      <a:cxn ang="0">
-                        <a:pos x="T2" y="T3"/>
-                      </a:cxn>
-                      <a:cxn ang="0">
-                        <a:pos x="T4" y="T5"/>
-                      </a:cxn>
-                      <a:cxn ang="0">
-                        <a:pos x="T6" y="T7"/>
-                      </a:cxn>
-                      <a:cxn ang="0">
-                        <a:pos x="T8" y="T9"/>
-                      </a:cxn>
-                    </a:cxnLst>
-                    <a:rect l="0" t="0" r="r" b="b"/>
-                    <a:pathLst>
-                      <a:path w="129" h="162">
-                        <a:moveTo>
-                          <a:pt x="0" y="0"/>
-                        </a:moveTo>
-                        <a:lnTo>
-                          <a:pt x="0" y="162"/>
-                        </a:lnTo>
-                        <a:lnTo>
-                          <a:pt x="129" y="162"/>
-                        </a:lnTo>
-                        <a:lnTo>
-                          <a:pt x="129" y="6"/>
-                        </a:lnTo>
-                        <a:lnTo>
-                          <a:pt x="0" y="0"/>
-                        </a:lnTo>
-                        <a:close/>
-                      </a:path>
-                    </a:pathLst>
-                  </a:custGeom>
-                  <a:solidFill>
-                    <a:srgbClr val="3399FF"/>
-                  </a:solidFill>
-                  <a:ln w="9525">
-                    <a:solidFill>
-                      <a:srgbClr val="000000"/>
-                    </a:solidFill>
-                    <a:round/>
-                    <a:headEnd/>
-                    <a:tailEnd/>
-                  </a:ln>
-                </p:spPr>
-                <p:txBody>
-                  <a:bodyPr/>
-                  <a:lstStyle/>
-                  <a:p>
-                    <a:endParaRPr lang="en-US"/>
-                  </a:p>
-                </p:txBody>
-              </p:sp>
-              <p:sp>
-                <p:nvSpPr>
-                  <p:cNvPr id="159" name="Freeform 530"/>
-                  <p:cNvSpPr>
-                    <a:spLocks/>
-                  </p:cNvSpPr>
-                  <p:nvPr/>
-                </p:nvSpPr>
-                <p:spPr bwMode="auto">
-                  <a:xfrm>
-                    <a:off x="8061" y="7287"/>
-                    <a:ext cx="582" cy="951"/>
-                  </a:xfrm>
-                  <a:custGeom>
-                    <a:avLst/>
-                    <a:gdLst>
-                      <a:gd name="T0" fmla="*/ 0 w 582"/>
-                      <a:gd name="T1" fmla="*/ 795 h 951"/>
-                      <a:gd name="T2" fmla="*/ 582 w 582"/>
-                      <a:gd name="T3" fmla="*/ 0 h 951"/>
-                      <a:gd name="T4" fmla="*/ 579 w 582"/>
-                      <a:gd name="T5" fmla="*/ 156 h 951"/>
-                      <a:gd name="T6" fmla="*/ 0 w 582"/>
-                      <a:gd name="T7" fmla="*/ 951 h 951"/>
-                      <a:gd name="T8" fmla="*/ 0 w 582"/>
-                      <a:gd name="T9" fmla="*/ 795 h 951"/>
-                    </a:gdLst>
-                    <a:ahLst/>
-                    <a:cxnLst>
-                      <a:cxn ang="0">
-                        <a:pos x="T0" y="T1"/>
-                      </a:cxn>
-                      <a:cxn ang="0">
-                        <a:pos x="T2" y="T3"/>
-                      </a:cxn>
-                      <a:cxn ang="0">
-                        <a:pos x="T4" y="T5"/>
-                      </a:cxn>
-                      <a:cxn ang="0">
-                        <a:pos x="T6" y="T7"/>
-                      </a:cxn>
-                      <a:cxn ang="0">
-                        <a:pos x="T8" y="T9"/>
-                      </a:cxn>
-                    </a:cxnLst>
-                    <a:rect l="0" t="0" r="r" b="b"/>
-                    <a:pathLst>
-                      <a:path w="582" h="951">
-                        <a:moveTo>
-                          <a:pt x="0" y="795"/>
-                        </a:moveTo>
-                        <a:lnTo>
-                          <a:pt x="582" y="0"/>
-                        </a:lnTo>
-                        <a:lnTo>
-                          <a:pt x="579" y="156"/>
-                        </a:lnTo>
-                        <a:lnTo>
-                          <a:pt x="0" y="951"/>
-                        </a:lnTo>
-                        <a:lnTo>
-                          <a:pt x="0" y="795"/>
-                        </a:lnTo>
-                        <a:close/>
-                      </a:path>
-                    </a:pathLst>
-                  </a:custGeom>
-                  <a:solidFill>
-                    <a:srgbClr val="3399FF"/>
-                  </a:solidFill>
-                  <a:ln w="9525">
-                    <a:solidFill>
-                      <a:srgbClr val="000000"/>
-                    </a:solidFill>
-                    <a:round/>
-                    <a:headEnd/>
-                    <a:tailEnd/>
-                  </a:ln>
-                </p:spPr>
-                <p:txBody>
-                  <a:bodyPr/>
-                  <a:lstStyle/>
-                  <a:p>
-                    <a:endParaRPr lang="en-US"/>
-                  </a:p>
-                </p:txBody>
-              </p:sp>
-            </p:grpSp>
-          </p:grpSp>
-          <p:sp>
-            <p:nvSpPr>
-              <p:cNvPr id="153" name="Line 531"/>
-              <p:cNvSpPr>
-                <a:spLocks noChangeShapeType="1"/>
-              </p:cNvSpPr>
-              <p:nvPr/>
-            </p:nvSpPr>
-            <p:spPr bwMode="auto">
-              <a:xfrm flipH="1" flipV="1">
-                <a:off x="3278" y="1817"/>
-                <a:ext cx="0" cy="150"/>
-              </a:xfrm>
-              <a:prstGeom prst="line">
-                <a:avLst/>
-              </a:prstGeom>
-              <a:noFill/>
-              <a:ln w="38100">
-                <a:solidFill>
-                  <a:srgbClr val="000000"/>
-                </a:solidFill>
-                <a:round/>
-                <a:headEnd/>
-                <a:tailEnd/>
-              </a:ln>
-              <a:effectLst/>
-              <a:extLst>
-                <a:ext uri="{909E8E84-426E-40DD-AFC4-6F175D3DCCD1}">
-                  <a14:hiddenFill xmlns:a14="http://schemas.microsoft.com/office/drawing/2010/main">
-                    <a:noFill/>
-                  </a14:hiddenFill>
-                </a:ext>
-                <a:ext uri="{AF507438-7753-43E0-B8FC-AC1667EBCBE1}">
-                  <a14:hiddenEffects xmlns:a14="http://schemas.microsoft.com/office/drawing/2010/main">
-                    <a:effectLst>
-                      <a:outerShdw dist="35921" dir="2700000" algn="ctr" rotWithShape="0">
-                        <a:srgbClr val="808080"/>
-                      </a:outerShdw>
-                    </a:effectLst>
-                  </a14:hiddenEffects>
-                </a:ext>
-              </a:extLst>
-            </p:spPr>
-            <p:txBody>
-              <a:bodyPr/>
-              <a:lstStyle/>
-              <a:p>
-                <a:endParaRPr lang="en-US"/>
-              </a:p>
-            </p:txBody>
-          </p:sp>
-        </p:grpSp>
-        <p:grpSp>
-          <p:nvGrpSpPr>
-            <p:cNvPr id="149" name="Group 532"/>
-            <p:cNvGrpSpPr>
-              <a:grpSpLocks noChangeAspect="1"/>
-            </p:cNvGrpSpPr>
-            <p:nvPr/>
-          </p:nvGrpSpPr>
-          <p:grpSpPr bwMode="auto">
-            <a:xfrm>
-              <a:off x="3793" y="1056"/>
-              <a:ext cx="95" cy="115"/>
-              <a:chOff x="2816" y="856"/>
-              <a:chExt cx="119" cy="144"/>
-            </a:xfrm>
-          </p:grpSpPr>
-          <p:sp>
-            <p:nvSpPr>
-              <p:cNvPr id="150" name="Line 533"/>
-              <p:cNvSpPr>
-                <a:spLocks noChangeAspect="1" noChangeShapeType="1"/>
-              </p:cNvSpPr>
-              <p:nvPr/>
-            </p:nvSpPr>
-            <p:spPr bwMode="auto">
-              <a:xfrm>
-                <a:off x="2816" y="1000"/>
-                <a:ext cx="119" cy="0"/>
-              </a:xfrm>
-              <a:prstGeom prst="line">
-                <a:avLst/>
-              </a:prstGeom>
-              <a:noFill/>
-              <a:ln w="28575">
-                <a:solidFill>
-                  <a:srgbClr val="000000"/>
-                </a:solidFill>
-                <a:round/>
-                <a:headEnd/>
-                <a:tailEnd/>
-              </a:ln>
-              <a:effectLst/>
-              <a:extLst>
-                <a:ext uri="{909E8E84-426E-40DD-AFC4-6F175D3DCCD1}">
-                  <a14:hiddenFill xmlns:a14="http://schemas.microsoft.com/office/drawing/2010/main">
-                    <a:noFill/>
-                  </a14:hiddenFill>
-                </a:ext>
-                <a:ext uri="{AF507438-7753-43E0-B8FC-AC1667EBCBE1}">
-                  <a14:hiddenEffects xmlns:a14="http://schemas.microsoft.com/office/drawing/2010/main">
-                    <a:effectLst>
-                      <a:outerShdw dist="35921" dir="2700000" algn="ctr" rotWithShape="0">
-                        <a:srgbClr val="808080"/>
-                      </a:outerShdw>
-                    </a:effectLst>
-                  </a14:hiddenEffects>
-                </a:ext>
-              </a:extLst>
-            </p:spPr>
-            <p:txBody>
-              <a:bodyPr/>
-              <a:lstStyle/>
-              <a:p>
-                <a:endParaRPr lang="en-US"/>
-              </a:p>
-            </p:txBody>
-          </p:sp>
-          <p:sp>
-            <p:nvSpPr>
-              <p:cNvPr id="151" name="Rectangle 534"/>
-              <p:cNvSpPr>
-                <a:spLocks noChangeAspect="1" noChangeArrowheads="1"/>
-              </p:cNvSpPr>
-              <p:nvPr/>
-            </p:nvSpPr>
-            <p:spPr bwMode="auto">
-              <a:xfrm flipH="1">
-                <a:off x="2845" y="856"/>
-                <a:ext cx="63" cy="133"/>
-              </a:xfrm>
-              <a:prstGeom prst="rect">
-                <a:avLst/>
-              </a:prstGeom>
-              <a:solidFill>
-                <a:srgbClr val="FFFFFF"/>
-              </a:solidFill>
-              <a:ln w="15875">
-                <a:solidFill>
-                  <a:srgbClr val="000000"/>
-                </a:solidFill>
-                <a:miter lim="800000"/>
-                <a:headEnd/>
-                <a:tailEnd/>
-              </a:ln>
-              <a:effectLst/>
-              <a:extLst>
-                <a:ext uri="{AF507438-7753-43E0-B8FC-AC1667EBCBE1}">
-                  <a14:hiddenEffects xmlns:a14="http://schemas.microsoft.com/office/drawing/2010/main">
-                    <a:effectLst>
-                      <a:outerShdw dist="35921" dir="2700000" algn="ctr" rotWithShape="0">
-                        <a:srgbClr val="808080"/>
-                      </a:outerShdw>
-                    </a:effectLst>
-                  </a14:hiddenEffects>
-                </a:ext>
-              </a:extLst>
-            </p:spPr>
-            <p:txBody>
-              <a:bodyPr anchor="ctr"/>
-              <a:lstStyle/>
-              <a:p>
-                <a:endParaRPr lang="en-US"/>
-              </a:p>
-            </p:txBody>
-          </p:sp>
-        </p:grpSp>
-      </p:grpSp>
-      <p:grpSp>
-        <p:nvGrpSpPr>
-          <p:cNvPr id="163" name="Group 1427"/>
-          <p:cNvGrpSpPr>
-            <a:grpSpLocks noChangeAspect="1"/>
-          </p:cNvGrpSpPr>
-          <p:nvPr/>
-        </p:nvGrpSpPr>
-        <p:grpSpPr bwMode="auto">
-          <a:xfrm flipH="1">
-            <a:off x="-4296192" y="2968100"/>
-            <a:ext cx="129508" cy="508931"/>
-            <a:chOff x="1278" y="11644"/>
-            <a:chExt cx="703" cy="2465"/>
-          </a:xfrm>
-        </p:grpSpPr>
-        <p:grpSp>
-          <p:nvGrpSpPr>
-            <p:cNvPr id="164" name="Group 1428"/>
-            <p:cNvGrpSpPr>
-              <a:grpSpLocks noChangeAspect="1"/>
-            </p:cNvGrpSpPr>
-            <p:nvPr/>
-          </p:nvGrpSpPr>
-          <p:grpSpPr bwMode="auto">
-            <a:xfrm>
-              <a:off x="1278" y="12164"/>
-              <a:ext cx="703" cy="1945"/>
-              <a:chOff x="8576" y="2858"/>
-              <a:chExt cx="2924" cy="8038"/>
-            </a:xfrm>
-          </p:grpSpPr>
-          <p:sp>
-            <p:nvSpPr>
-              <p:cNvPr id="170" name="Freeform 1429"/>
-              <p:cNvSpPr>
-                <a:spLocks noChangeAspect="1"/>
-              </p:cNvSpPr>
-              <p:nvPr/>
-            </p:nvSpPr>
-            <p:spPr bwMode="auto">
-              <a:xfrm>
-                <a:off x="9088" y="5396"/>
-                <a:ext cx="1900" cy="5500"/>
-              </a:xfrm>
-              <a:custGeom>
-                <a:avLst/>
-                <a:gdLst>
-                  <a:gd name="T0" fmla="*/ 220 w 1900"/>
-                  <a:gd name="T1" fmla="*/ 5500 h 5500"/>
-                  <a:gd name="T2" fmla="*/ 0 w 1900"/>
-                  <a:gd name="T3" fmla="*/ 0 h 5500"/>
-                  <a:gd name="T4" fmla="*/ 1900 w 1900"/>
-                  <a:gd name="T5" fmla="*/ 40 h 5500"/>
-                  <a:gd name="T6" fmla="*/ 1680 w 1900"/>
-                  <a:gd name="T7" fmla="*/ 5480 h 5500"/>
-                  <a:gd name="T8" fmla="*/ 220 w 1900"/>
-                  <a:gd name="T9" fmla="*/ 5500 h 5500"/>
-                </a:gdLst>
-                <a:ahLst/>
-                <a:cxnLst>
-                  <a:cxn ang="0">
-                    <a:pos x="T0" y="T1"/>
-                  </a:cxn>
-                  <a:cxn ang="0">
-                    <a:pos x="T2" y="T3"/>
-                  </a:cxn>
-                  <a:cxn ang="0">
-                    <a:pos x="T4" y="T5"/>
-                  </a:cxn>
-                  <a:cxn ang="0">
-                    <a:pos x="T6" y="T7"/>
-                  </a:cxn>
-                  <a:cxn ang="0">
-                    <a:pos x="T8" y="T9"/>
-                  </a:cxn>
-                </a:cxnLst>
-                <a:rect l="0" t="0" r="r" b="b"/>
-                <a:pathLst>
-                  <a:path w="1900" h="5500">
-                    <a:moveTo>
-                      <a:pt x="220" y="5500"/>
-                    </a:moveTo>
-                    <a:lnTo>
-                      <a:pt x="0" y="0"/>
-                    </a:lnTo>
-                    <a:lnTo>
-                      <a:pt x="1900" y="40"/>
-                    </a:lnTo>
-                    <a:lnTo>
-                      <a:pt x="1680" y="5480"/>
-                    </a:lnTo>
-                    <a:lnTo>
-                      <a:pt x="220" y="5500"/>
-                    </a:lnTo>
-                    <a:close/>
-                  </a:path>
-                </a:pathLst>
-              </a:custGeom>
-              <a:solidFill>
-                <a:srgbClr val="FFFFFF"/>
-              </a:solidFill>
-              <a:ln w="9525">
-                <a:solidFill>
-                  <a:srgbClr val="000000"/>
-                </a:solidFill>
-                <a:round/>
-                <a:headEnd/>
-                <a:tailEnd/>
-              </a:ln>
-            </p:spPr>
-            <p:txBody>
-              <a:bodyPr/>
-              <a:lstStyle/>
-              <a:p>
-                <a:endParaRPr lang="en-US"/>
-              </a:p>
-            </p:txBody>
-          </p:sp>
-          <p:sp>
-            <p:nvSpPr>
-              <p:cNvPr id="171" name="Oval 1430"/>
-              <p:cNvSpPr>
-                <a:spLocks noChangeAspect="1" noChangeArrowheads="1"/>
-              </p:cNvSpPr>
-              <p:nvPr/>
-            </p:nvSpPr>
-            <p:spPr bwMode="auto">
-              <a:xfrm>
-                <a:off x="8576" y="2858"/>
-                <a:ext cx="2924" cy="2924"/>
-              </a:xfrm>
-              <a:prstGeom prst="ellipse">
-                <a:avLst/>
-              </a:prstGeom>
-              <a:solidFill>
-                <a:srgbClr val="FFFFFF"/>
-              </a:solidFill>
-              <a:ln w="9525">
-                <a:solidFill>
-                  <a:srgbClr val="000000"/>
-                </a:solidFill>
-                <a:round/>
-                <a:headEnd/>
-                <a:tailEnd/>
-              </a:ln>
-            </p:spPr>
-            <p:txBody>
-              <a:bodyPr/>
-              <a:lstStyle/>
-              <a:p>
-                <a:endParaRPr lang="en-US"/>
-              </a:p>
-            </p:txBody>
-          </p:sp>
-        </p:grpSp>
-        <p:sp>
-          <p:nvSpPr>
-            <p:cNvPr id="165" name="Oval 1431"/>
-            <p:cNvSpPr>
-              <a:spLocks noChangeAspect="1" noChangeArrowheads="1"/>
-            </p:cNvSpPr>
-            <p:nvPr/>
-          </p:nvSpPr>
-          <p:spPr bwMode="auto">
-            <a:xfrm>
-              <a:off x="1455" y="11644"/>
-              <a:ext cx="349" cy="349"/>
-            </a:xfrm>
-            <a:prstGeom prst="ellipse">
-              <a:avLst/>
-            </a:prstGeom>
-            <a:solidFill>
-              <a:srgbClr val="FFFFFF"/>
-            </a:solidFill>
-            <a:ln w="9525">
-              <a:solidFill>
-                <a:srgbClr val="000000"/>
-              </a:solidFill>
-              <a:round/>
-              <a:headEnd/>
-              <a:tailEnd/>
-            </a:ln>
-          </p:spPr>
-          <p:txBody>
-            <a:bodyPr/>
-            <a:lstStyle/>
-            <a:p>
-              <a:endParaRPr lang="en-US"/>
-            </a:p>
-          </p:txBody>
-        </p:sp>
-        <p:sp>
-          <p:nvSpPr>
-            <p:cNvPr id="166" name="Line 1432"/>
-            <p:cNvSpPr>
-              <a:spLocks noChangeAspect="1" noChangeShapeType="1"/>
-            </p:cNvSpPr>
-            <p:nvPr/>
-          </p:nvSpPr>
-          <p:spPr bwMode="auto">
-            <a:xfrm flipH="1">
-              <a:off x="1807" y="11839"/>
-              <a:ext cx="0" cy="361"/>
-            </a:xfrm>
-            <a:prstGeom prst="line">
-              <a:avLst/>
-            </a:prstGeom>
-            <a:noFill/>
-            <a:ln w="9525">
-              <a:solidFill>
-                <a:srgbClr val="000000"/>
-              </a:solidFill>
-              <a:round/>
-              <a:headEnd/>
-              <a:tailEnd/>
-            </a:ln>
-            <a:extLst>
-              <a:ext uri="{909E8E84-426E-40DD-AFC4-6F175D3DCCD1}">
-                <a14:hiddenFill xmlns:a14="http://schemas.microsoft.com/office/drawing/2010/main">
-                  <a:noFill/>
-                </a14:hiddenFill>
-              </a:ext>
-            </a:extLst>
-          </p:spPr>
-          <p:txBody>
-            <a:bodyPr/>
-            <a:lstStyle/>
-            <a:p>
-              <a:endParaRPr lang="en-US"/>
-            </a:p>
-          </p:txBody>
-        </p:sp>
-        <p:sp>
-          <p:nvSpPr>
-            <p:cNvPr id="167" name="Line 1433"/>
-            <p:cNvSpPr>
-              <a:spLocks noChangeAspect="1" noChangeShapeType="1"/>
-            </p:cNvSpPr>
-            <p:nvPr/>
-          </p:nvSpPr>
-          <p:spPr bwMode="auto">
-            <a:xfrm flipH="1">
-              <a:off x="1455" y="11849"/>
-              <a:ext cx="0" cy="361"/>
-            </a:xfrm>
-            <a:prstGeom prst="line">
-              <a:avLst/>
-            </a:prstGeom>
-            <a:noFill/>
-            <a:ln w="9525">
-              <a:solidFill>
-                <a:srgbClr val="000000"/>
-              </a:solidFill>
-              <a:round/>
-              <a:headEnd/>
-              <a:tailEnd/>
-            </a:ln>
-            <a:extLst>
-              <a:ext uri="{909E8E84-426E-40DD-AFC4-6F175D3DCCD1}">
-                <a14:hiddenFill xmlns:a14="http://schemas.microsoft.com/office/drawing/2010/main">
-                  <a:noFill/>
-                </a14:hiddenFill>
-              </a:ext>
-            </a:extLst>
-          </p:spPr>
-          <p:txBody>
-            <a:bodyPr/>
-            <a:lstStyle/>
-            <a:p>
-              <a:endParaRPr lang="en-US"/>
-            </a:p>
-          </p:txBody>
-        </p:sp>
-        <p:sp>
-          <p:nvSpPr>
-            <p:cNvPr id="168" name="Rectangle 1434"/>
-            <p:cNvSpPr>
-              <a:spLocks noChangeAspect="1" noChangeArrowheads="1"/>
-            </p:cNvSpPr>
-            <p:nvPr/>
-          </p:nvSpPr>
-          <p:spPr bwMode="auto">
-            <a:xfrm>
-              <a:off x="1488" y="11833"/>
-              <a:ext cx="287" cy="526"/>
-            </a:xfrm>
-            <a:prstGeom prst="rect">
-              <a:avLst/>
-            </a:prstGeom>
-            <a:solidFill>
-              <a:srgbClr val="FFFFFF"/>
-            </a:solidFill>
-            <a:ln w="9525">
-              <a:solidFill>
-                <a:srgbClr val="FFFFFF"/>
-              </a:solidFill>
-              <a:miter lim="800000"/>
-              <a:headEnd/>
-              <a:tailEnd/>
-            </a:ln>
-          </p:spPr>
-          <p:txBody>
-            <a:bodyPr/>
-            <a:lstStyle/>
-            <a:p>
-              <a:endParaRPr lang="en-US"/>
-            </a:p>
-          </p:txBody>
-        </p:sp>
-        <p:sp>
-          <p:nvSpPr>
-            <p:cNvPr id="169" name="Oval 1435"/>
-            <p:cNvSpPr>
-              <a:spLocks noChangeAspect="1" noChangeArrowheads="1"/>
-            </p:cNvSpPr>
-            <p:nvPr/>
-          </p:nvSpPr>
-          <p:spPr bwMode="auto">
-            <a:xfrm>
-              <a:off x="1406" y="12507"/>
-              <a:ext cx="447" cy="447"/>
-            </a:xfrm>
-            <a:prstGeom prst="ellipse">
-              <a:avLst/>
-            </a:prstGeom>
-            <a:solidFill>
-              <a:srgbClr val="FFFFFF"/>
-            </a:solidFill>
-            <a:ln w="9525">
-              <a:solidFill>
-                <a:srgbClr val="FFFFFF"/>
-              </a:solidFill>
-              <a:round/>
-              <a:headEnd/>
-              <a:tailEnd/>
-            </a:ln>
-          </p:spPr>
-          <p:txBody>
-            <a:bodyPr/>
-            <a:lstStyle/>
-            <a:p>
-              <a:endParaRPr lang="en-US"/>
-            </a:p>
-          </p:txBody>
-        </p:sp>
-      </p:grpSp>
-      <p:grpSp>
-        <p:nvGrpSpPr>
           <p:cNvPr id="172" name="Group 171"/>
           <p:cNvGrpSpPr>
             <a:grpSpLocks/>
@@ -8024,173 +6388,6 @@
           </p:txBody>
         </p:sp>
       </p:grpSp>
-      <p:sp>
-        <p:nvSpPr>
-          <p:cNvPr id="251" name="Freeform 36"/>
-          <p:cNvSpPr>
-            <a:spLocks/>
-          </p:cNvSpPr>
-          <p:nvPr/>
-        </p:nvSpPr>
-        <p:spPr bwMode="auto">
-          <a:xfrm>
-            <a:off x="-4328899" y="3643369"/>
-            <a:ext cx="290513" cy="525459"/>
-          </a:xfrm>
-          <a:custGeom>
-            <a:avLst/>
-            <a:gdLst>
-              <a:gd name="T0" fmla="*/ 1 w 277"/>
-              <a:gd name="T1" fmla="*/ 0 h 517"/>
-              <a:gd name="T2" fmla="*/ 1 w 277"/>
-              <a:gd name="T3" fmla="*/ 0 h 517"/>
-              <a:gd name="T4" fmla="*/ 1 w 277"/>
-              <a:gd name="T5" fmla="*/ 1 h 517"/>
-              <a:gd name="T6" fmla="*/ 1 w 277"/>
-              <a:gd name="T7" fmla="*/ 1 h 517"/>
-              <a:gd name="T8" fmla="*/ 1 w 277"/>
-              <a:gd name="T9" fmla="*/ 1 h 517"/>
-              <a:gd name="T10" fmla="*/ 1 w 277"/>
-              <a:gd name="T11" fmla="*/ 1 h 517"/>
-              <a:gd name="T12" fmla="*/ 1 w 277"/>
-              <a:gd name="T13" fmla="*/ 1 h 517"/>
-              <a:gd name="T14" fmla="*/ 1 w 277"/>
-              <a:gd name="T15" fmla="*/ 1 h 517"/>
-              <a:gd name="T16" fmla="*/ 0 w 277"/>
-              <a:gd name="T17" fmla="*/ 1 h 517"/>
-              <a:gd name="T18" fmla="*/ 0 w 277"/>
-              <a:gd name="T19" fmla="*/ 1 h 517"/>
-              <a:gd name="T20" fmla="*/ 1 w 277"/>
-              <a:gd name="T21" fmla="*/ 1 h 517"/>
-              <a:gd name="T22" fmla="*/ 1 w 277"/>
-              <a:gd name="T23" fmla="*/ 1 h 517"/>
-              <a:gd name="T24" fmla="*/ 1 w 277"/>
-              <a:gd name="T25" fmla="*/ 0 h 517"/>
-              <a:gd name="T26" fmla="*/ 0 60000 65536"/>
-              <a:gd name="T27" fmla="*/ 0 60000 65536"/>
-              <a:gd name="T28" fmla="*/ 0 60000 65536"/>
-              <a:gd name="T29" fmla="*/ 0 60000 65536"/>
-              <a:gd name="T30" fmla="*/ 0 60000 65536"/>
-              <a:gd name="T31" fmla="*/ 0 60000 65536"/>
-              <a:gd name="T32" fmla="*/ 0 60000 65536"/>
-              <a:gd name="T33" fmla="*/ 0 60000 65536"/>
-              <a:gd name="T34" fmla="*/ 0 60000 65536"/>
-              <a:gd name="T35" fmla="*/ 0 60000 65536"/>
-              <a:gd name="T36" fmla="*/ 0 60000 65536"/>
-              <a:gd name="T37" fmla="*/ 0 60000 65536"/>
-              <a:gd name="T38" fmla="*/ 0 60000 65536"/>
-              <a:gd name="T39" fmla="*/ 0 w 277"/>
-              <a:gd name="T40" fmla="*/ 0 h 517"/>
-              <a:gd name="T41" fmla="*/ 277 w 277"/>
-              <a:gd name="T42" fmla="*/ 517 h 517"/>
-            </a:gdLst>
-            <a:ahLst/>
-            <a:cxnLst>
-              <a:cxn ang="T26">
-                <a:pos x="T0" y="T1"/>
-              </a:cxn>
-              <a:cxn ang="T27">
-                <a:pos x="T2" y="T3"/>
-              </a:cxn>
-              <a:cxn ang="T28">
-                <a:pos x="T4" y="T5"/>
-              </a:cxn>
-              <a:cxn ang="T29">
-                <a:pos x="T6" y="T7"/>
-              </a:cxn>
-              <a:cxn ang="T30">
-                <a:pos x="T8" y="T9"/>
-              </a:cxn>
-              <a:cxn ang="T31">
-                <a:pos x="T10" y="T11"/>
-              </a:cxn>
-              <a:cxn ang="T32">
-                <a:pos x="T12" y="T13"/>
-              </a:cxn>
-              <a:cxn ang="T33">
-                <a:pos x="T14" y="T15"/>
-              </a:cxn>
-              <a:cxn ang="T34">
-                <a:pos x="T16" y="T17"/>
-              </a:cxn>
-              <a:cxn ang="T35">
-                <a:pos x="T18" y="T19"/>
-              </a:cxn>
-              <a:cxn ang="T36">
-                <a:pos x="T20" y="T21"/>
-              </a:cxn>
-              <a:cxn ang="T37">
-                <a:pos x="T22" y="T23"/>
-              </a:cxn>
-              <a:cxn ang="T38">
-                <a:pos x="T24" y="T25"/>
-              </a:cxn>
-            </a:cxnLst>
-            <a:rect l="T39" t="T40" r="T41" b="T42"/>
-            <a:pathLst>
-              <a:path w="277" h="517">
-                <a:moveTo>
-                  <a:pt x="89" y="0"/>
-                </a:moveTo>
-                <a:lnTo>
-                  <a:pt x="191" y="0"/>
-                </a:lnTo>
-                <a:lnTo>
-                  <a:pt x="191" y="105"/>
-                </a:lnTo>
-                <a:lnTo>
-                  <a:pt x="225" y="105"/>
-                </a:lnTo>
-                <a:lnTo>
-                  <a:pt x="276" y="139"/>
-                </a:lnTo>
-                <a:lnTo>
-                  <a:pt x="276" y="415"/>
-                </a:lnTo>
-                <a:lnTo>
-                  <a:pt x="225" y="516"/>
-                </a:lnTo>
-                <a:lnTo>
-                  <a:pt x="51" y="516"/>
-                </a:lnTo>
-                <a:lnTo>
-                  <a:pt x="0" y="415"/>
-                </a:lnTo>
-                <a:lnTo>
-                  <a:pt x="0" y="139"/>
-                </a:lnTo>
-                <a:lnTo>
-                  <a:pt x="51" y="105"/>
-                </a:lnTo>
-                <a:lnTo>
-                  <a:pt x="89" y="105"/>
-                </a:lnTo>
-                <a:lnTo>
-                  <a:pt x="89" y="0"/>
-                </a:lnTo>
-              </a:path>
-            </a:pathLst>
-          </a:custGeom>
-          <a:solidFill>
-            <a:schemeClr val="bg1"/>
-          </a:solidFill>
-          <a:ln w="12700" cap="rnd">
-            <a:solidFill>
-              <a:schemeClr val="tx1"/>
-            </a:solidFill>
-            <a:round/>
-            <a:headEnd/>
-            <a:tailEnd/>
-          </a:ln>
-        </p:spPr>
-        <p:txBody>
-          <a:bodyPr/>
-          <a:lstStyle/>
-          <a:p>
-            <a:endParaRPr lang="en-US"/>
-          </a:p>
-        </p:txBody>
-      </p:sp>
       <p:pic>
         <p:nvPicPr>
           <p:cNvPr id="184" name="Picture 183"/>
@@ -8221,6202 +6418,6 @@
           </a:prstGeom>
         </p:spPr>
       </p:pic>
-      <p:grpSp>
-        <p:nvGrpSpPr>
-          <p:cNvPr id="272" name="Group 271"/>
-          <p:cNvGrpSpPr/>
-          <p:nvPr/>
-        </p:nvGrpSpPr>
-        <p:grpSpPr>
-          <a:xfrm>
-            <a:off x="-3571601" y="636800"/>
-            <a:ext cx="995626" cy="658197"/>
-            <a:chOff x="-3571601" y="636800"/>
-            <a:chExt cx="995626" cy="658197"/>
-          </a:xfrm>
-        </p:grpSpPr>
-        <p:grpSp>
-          <p:nvGrpSpPr>
-            <p:cNvPr id="273" name="Group 272"/>
-            <p:cNvGrpSpPr/>
-            <p:nvPr/>
-          </p:nvGrpSpPr>
-          <p:grpSpPr>
-            <a:xfrm>
-              <a:off x="-3571601" y="636800"/>
-              <a:ext cx="973780" cy="658197"/>
-              <a:chOff x="-3199910" y="4140251"/>
-              <a:chExt cx="973780" cy="658197"/>
-            </a:xfrm>
-          </p:grpSpPr>
-          <p:sp>
-            <p:nvSpPr>
-              <p:cNvPr id="275" name="Freeform 274"/>
-              <p:cNvSpPr/>
-              <p:nvPr/>
-            </p:nvSpPr>
-            <p:spPr>
-              <a:xfrm rot="10788000">
-                <a:off x="-3112069" y="4156431"/>
-                <a:ext cx="132120" cy="131760"/>
-              </a:xfrm>
-              <a:custGeom>
-                <a:avLst/>
-                <a:gdLst>
-                  <a:gd name="f0" fmla="val 10800000"/>
-                  <a:gd name="f1" fmla="val 5400000"/>
-                  <a:gd name="f2" fmla="val 180"/>
-                  <a:gd name="f3" fmla="val w"/>
-                  <a:gd name="f4" fmla="val h"/>
-                  <a:gd name="f5" fmla="*/ 5419351 1 1725033"/>
-                  <a:gd name="f6" fmla="*/ 10800 10800 1"/>
-                  <a:gd name="f7" fmla="+- 0 0 0"/>
-                  <a:gd name="f8" fmla="+- 0 0 360"/>
-                  <a:gd name="f9" fmla="val 10800"/>
-                  <a:gd name="f10" fmla="*/ f3 1 21600"/>
-                  <a:gd name="f11" fmla="*/ f4 1 21600"/>
-                  <a:gd name="f12" fmla="*/ 0 f5 1"/>
-                  <a:gd name="f13" fmla="*/ f7 f0 1"/>
-                  <a:gd name="f14" fmla="*/ f8 f0 1"/>
-                  <a:gd name="f15" fmla="*/ 3163 f10 1"/>
-                  <a:gd name="f16" fmla="*/ 18437 f10 1"/>
-                  <a:gd name="f17" fmla="*/ 18437 f11 1"/>
-                  <a:gd name="f18" fmla="*/ 3163 f11 1"/>
-                  <a:gd name="f19" fmla="*/ f12 1 f2"/>
-                  <a:gd name="f20" fmla="*/ f13 1 f2"/>
-                  <a:gd name="f21" fmla="*/ f14 1 f2"/>
-                  <a:gd name="f22" fmla="*/ 10800 f10 1"/>
-                  <a:gd name="f23" fmla="*/ 0 f11 1"/>
-                  <a:gd name="f24" fmla="*/ 0 f10 1"/>
-                  <a:gd name="f25" fmla="*/ 10800 f11 1"/>
-                  <a:gd name="f26" fmla="*/ 21600 f11 1"/>
-                  <a:gd name="f27" fmla="*/ 21600 f10 1"/>
-                  <a:gd name="f28" fmla="+- 0 0 f19"/>
-                  <a:gd name="f29" fmla="+- f20 0 f1"/>
-                  <a:gd name="f30" fmla="+- f21 0 f1"/>
-                  <a:gd name="f31" fmla="*/ f28 f0 1"/>
-                  <a:gd name="f32" fmla="+- f30 0 f29"/>
-                  <a:gd name="f33" fmla="*/ f31 1 f5"/>
-                  <a:gd name="f34" fmla="+- f33 0 f1"/>
-                  <a:gd name="f35" fmla="cos 1 f34"/>
-                  <a:gd name="f36" fmla="sin 1 f34"/>
-                  <a:gd name="f37" fmla="+- 0 0 f35"/>
-                  <a:gd name="f38" fmla="+- 0 0 f36"/>
-                  <a:gd name="f39" fmla="*/ 10800 f37 1"/>
-                  <a:gd name="f40" fmla="*/ 10800 f38 1"/>
-                  <a:gd name="f41" fmla="*/ f39 f39 1"/>
-                  <a:gd name="f42" fmla="*/ f40 f40 1"/>
-                  <a:gd name="f43" fmla="+- f41 f42 0"/>
-                  <a:gd name="f44" fmla="sqrt f43"/>
-                  <a:gd name="f45" fmla="*/ f6 1 f44"/>
-                  <a:gd name="f46" fmla="*/ f37 f45 1"/>
-                  <a:gd name="f47" fmla="*/ f38 f45 1"/>
-                  <a:gd name="f48" fmla="+- 10800 0 f46"/>
-                  <a:gd name="f49" fmla="+- 10800 0 f47"/>
-                </a:gdLst>
-                <a:ahLst/>
-                <a:cxnLst>
-                  <a:cxn ang="3cd4">
-                    <a:pos x="hc" y="t"/>
-                  </a:cxn>
-                  <a:cxn ang="0">
-                    <a:pos x="r" y="vc"/>
-                  </a:cxn>
-                  <a:cxn ang="cd4">
-                    <a:pos x="hc" y="b"/>
-                  </a:cxn>
-                  <a:cxn ang="cd2">
-                    <a:pos x="l" y="vc"/>
-                  </a:cxn>
-                  <a:cxn ang="f29">
-                    <a:pos x="f22" y="f23"/>
-                  </a:cxn>
-                  <a:cxn ang="f29">
-                    <a:pos x="f15" y="f18"/>
-                  </a:cxn>
-                  <a:cxn ang="f29">
-                    <a:pos x="f24" y="f25"/>
-                  </a:cxn>
-                  <a:cxn ang="f29">
-                    <a:pos x="f15" y="f17"/>
-                  </a:cxn>
-                  <a:cxn ang="f29">
-                    <a:pos x="f22" y="f26"/>
-                  </a:cxn>
-                  <a:cxn ang="f29">
-                    <a:pos x="f16" y="f17"/>
-                  </a:cxn>
-                  <a:cxn ang="f29">
-                    <a:pos x="f27" y="f25"/>
-                  </a:cxn>
-                  <a:cxn ang="f29">
-                    <a:pos x="f16" y="f18"/>
-                  </a:cxn>
-                </a:cxnLst>
-                <a:rect l="f15" t="f18" r="f16" b="f17"/>
-                <a:pathLst>
-                  <a:path w="21600" h="21600">
-                    <a:moveTo>
-                      <a:pt x="f48" y="f49"/>
-                    </a:moveTo>
-                    <a:arcTo wR="f9" hR="f9" stAng="f29" swAng="f32"/>
-                    <a:close/>
-                  </a:path>
-                </a:pathLst>
-              </a:custGeom>
-              <a:solidFill>
-                <a:srgbClr val="00CCFF"/>
-              </a:solidFill>
-              <a:ln w="9360">
-                <a:solidFill>
-                  <a:srgbClr val="000000"/>
-                </a:solidFill>
-                <a:prstDash val="solid"/>
-                <a:miter/>
-              </a:ln>
-            </p:spPr>
-            <p:txBody>
-              <a:bodyPr vert="horz" wrap="square" lIns="158760" tIns="82440" rIns="158760" bIns="82440" anchor="t" anchorCtr="0" compatLnSpc="1">
-                <a:noAutofit/>
-              </a:bodyPr>
-              <a:lstStyle/>
-              <a:p>
-                <a:pPr marL="0" marR="0" lvl="0" indent="0" algn="l" rtl="0" hangingPunct="1">
-                  <a:lnSpc>
-                    <a:spcPct val="100000"/>
-                  </a:lnSpc>
-                  <a:spcBef>
-                    <a:spcPts val="0"/>
-                  </a:spcBef>
-                  <a:spcAft>
-                    <a:spcPts val="0"/>
-                  </a:spcAft>
-                  <a:buNone/>
-                  <a:tabLst>
-                    <a:tab pos="0" algn="l"/>
-                    <a:tab pos="914400" algn="l"/>
-                    <a:tab pos="1828800" algn="l"/>
-                    <a:tab pos="2743199" algn="l"/>
-                    <a:tab pos="3657600" algn="l"/>
-                    <a:tab pos="4572000" algn="l"/>
-                    <a:tab pos="5486399" algn="l"/>
-                    <a:tab pos="6400799" algn="l"/>
-                    <a:tab pos="7315200" algn="l"/>
-                    <a:tab pos="8229600" algn="l"/>
-                    <a:tab pos="9144000" algn="l"/>
-                    <a:tab pos="10058400" algn="l"/>
-                  </a:tabLst>
-                </a:pPr>
-                <a:endParaRPr lang="en-US" sz="1800" b="0" i="0" u="none" strike="noStrike" baseline="0">
-                  <a:ln>
-                    <a:noFill/>
-                  </a:ln>
-                  <a:solidFill>
-                    <a:srgbClr val="000000"/>
-                  </a:solidFill>
-                  <a:latin typeface="Arial" pitchFamily="18"/>
-                  <a:ea typeface="SimSun" pitchFamily="2"/>
-                  <a:cs typeface="Mangal" pitchFamily="2"/>
-                </a:endParaRPr>
-              </a:p>
-            </p:txBody>
-          </p:sp>
-          <p:sp>
-            <p:nvSpPr>
-              <p:cNvPr id="276" name="Freeform 275"/>
-              <p:cNvSpPr/>
-              <p:nvPr/>
-            </p:nvSpPr>
-            <p:spPr>
-              <a:xfrm rot="10788000">
-                <a:off x="-2891030" y="4156431"/>
-                <a:ext cx="132120" cy="131760"/>
-              </a:xfrm>
-              <a:custGeom>
-                <a:avLst/>
-                <a:gdLst>
-                  <a:gd name="f0" fmla="val 10800000"/>
-                  <a:gd name="f1" fmla="val 5400000"/>
-                  <a:gd name="f2" fmla="val 180"/>
-                  <a:gd name="f3" fmla="val w"/>
-                  <a:gd name="f4" fmla="val h"/>
-                  <a:gd name="f5" fmla="*/ 5419351 1 1725033"/>
-                  <a:gd name="f6" fmla="*/ 10800 10800 1"/>
-                  <a:gd name="f7" fmla="+- 0 0 0"/>
-                  <a:gd name="f8" fmla="+- 0 0 360"/>
-                  <a:gd name="f9" fmla="val 10800"/>
-                  <a:gd name="f10" fmla="*/ f3 1 21600"/>
-                  <a:gd name="f11" fmla="*/ f4 1 21600"/>
-                  <a:gd name="f12" fmla="*/ 0 f5 1"/>
-                  <a:gd name="f13" fmla="*/ f7 f0 1"/>
-                  <a:gd name="f14" fmla="*/ f8 f0 1"/>
-                  <a:gd name="f15" fmla="*/ 3163 f10 1"/>
-                  <a:gd name="f16" fmla="*/ 18437 f10 1"/>
-                  <a:gd name="f17" fmla="*/ 18437 f11 1"/>
-                  <a:gd name="f18" fmla="*/ 3163 f11 1"/>
-                  <a:gd name="f19" fmla="*/ f12 1 f2"/>
-                  <a:gd name="f20" fmla="*/ f13 1 f2"/>
-                  <a:gd name="f21" fmla="*/ f14 1 f2"/>
-                  <a:gd name="f22" fmla="*/ 10800 f10 1"/>
-                  <a:gd name="f23" fmla="*/ 0 f11 1"/>
-                  <a:gd name="f24" fmla="*/ 0 f10 1"/>
-                  <a:gd name="f25" fmla="*/ 10800 f11 1"/>
-                  <a:gd name="f26" fmla="*/ 21600 f11 1"/>
-                  <a:gd name="f27" fmla="*/ 21600 f10 1"/>
-                  <a:gd name="f28" fmla="+- 0 0 f19"/>
-                  <a:gd name="f29" fmla="+- f20 0 f1"/>
-                  <a:gd name="f30" fmla="+- f21 0 f1"/>
-                  <a:gd name="f31" fmla="*/ f28 f0 1"/>
-                  <a:gd name="f32" fmla="+- f30 0 f29"/>
-                  <a:gd name="f33" fmla="*/ f31 1 f5"/>
-                  <a:gd name="f34" fmla="+- f33 0 f1"/>
-                  <a:gd name="f35" fmla="cos 1 f34"/>
-                  <a:gd name="f36" fmla="sin 1 f34"/>
-                  <a:gd name="f37" fmla="+- 0 0 f35"/>
-                  <a:gd name="f38" fmla="+- 0 0 f36"/>
-                  <a:gd name="f39" fmla="*/ 10800 f37 1"/>
-                  <a:gd name="f40" fmla="*/ 10800 f38 1"/>
-                  <a:gd name="f41" fmla="*/ f39 f39 1"/>
-                  <a:gd name="f42" fmla="*/ f40 f40 1"/>
-                  <a:gd name="f43" fmla="+- f41 f42 0"/>
-                  <a:gd name="f44" fmla="sqrt f43"/>
-                  <a:gd name="f45" fmla="*/ f6 1 f44"/>
-                  <a:gd name="f46" fmla="*/ f37 f45 1"/>
-                  <a:gd name="f47" fmla="*/ f38 f45 1"/>
-                  <a:gd name="f48" fmla="+- 10800 0 f46"/>
-                  <a:gd name="f49" fmla="+- 10800 0 f47"/>
-                </a:gdLst>
-                <a:ahLst/>
-                <a:cxnLst>
-                  <a:cxn ang="3cd4">
-                    <a:pos x="hc" y="t"/>
-                  </a:cxn>
-                  <a:cxn ang="0">
-                    <a:pos x="r" y="vc"/>
-                  </a:cxn>
-                  <a:cxn ang="cd4">
-                    <a:pos x="hc" y="b"/>
-                  </a:cxn>
-                  <a:cxn ang="cd2">
-                    <a:pos x="l" y="vc"/>
-                  </a:cxn>
-                  <a:cxn ang="f29">
-                    <a:pos x="f22" y="f23"/>
-                  </a:cxn>
-                  <a:cxn ang="f29">
-                    <a:pos x="f15" y="f18"/>
-                  </a:cxn>
-                  <a:cxn ang="f29">
-                    <a:pos x="f24" y="f25"/>
-                  </a:cxn>
-                  <a:cxn ang="f29">
-                    <a:pos x="f15" y="f17"/>
-                  </a:cxn>
-                  <a:cxn ang="f29">
-                    <a:pos x="f22" y="f26"/>
-                  </a:cxn>
-                  <a:cxn ang="f29">
-                    <a:pos x="f16" y="f17"/>
-                  </a:cxn>
-                  <a:cxn ang="f29">
-                    <a:pos x="f27" y="f25"/>
-                  </a:cxn>
-                  <a:cxn ang="f29">
-                    <a:pos x="f16" y="f18"/>
-                  </a:cxn>
-                </a:cxnLst>
-                <a:rect l="f15" t="f18" r="f16" b="f17"/>
-                <a:pathLst>
-                  <a:path w="21600" h="21600">
-                    <a:moveTo>
-                      <a:pt x="f48" y="f49"/>
-                    </a:moveTo>
-                    <a:arcTo wR="f9" hR="f9" stAng="f29" swAng="f32"/>
-                    <a:close/>
-                  </a:path>
-                </a:pathLst>
-              </a:custGeom>
-              <a:solidFill>
-                <a:srgbClr val="00CCFF"/>
-              </a:solidFill>
-              <a:ln w="9360">
-                <a:solidFill>
-                  <a:srgbClr val="000000"/>
-                </a:solidFill>
-                <a:prstDash val="solid"/>
-                <a:miter/>
-              </a:ln>
-            </p:spPr>
-            <p:txBody>
-              <a:bodyPr vert="horz" wrap="square" lIns="158760" tIns="82440" rIns="158760" bIns="82440" anchor="t" anchorCtr="0" compatLnSpc="1">
-                <a:noAutofit/>
-              </a:bodyPr>
-              <a:lstStyle/>
-              <a:p>
-                <a:pPr marL="0" marR="0" lvl="0" indent="0" algn="l" rtl="0" hangingPunct="1">
-                  <a:lnSpc>
-                    <a:spcPct val="100000"/>
-                  </a:lnSpc>
-                  <a:spcBef>
-                    <a:spcPts val="0"/>
-                  </a:spcBef>
-                  <a:spcAft>
-                    <a:spcPts val="0"/>
-                  </a:spcAft>
-                  <a:buNone/>
-                  <a:tabLst>
-                    <a:tab pos="0" algn="l"/>
-                    <a:tab pos="914400" algn="l"/>
-                    <a:tab pos="1828800" algn="l"/>
-                    <a:tab pos="2743199" algn="l"/>
-                    <a:tab pos="3657600" algn="l"/>
-                    <a:tab pos="4572000" algn="l"/>
-                    <a:tab pos="5486399" algn="l"/>
-                    <a:tab pos="6400799" algn="l"/>
-                    <a:tab pos="7315200" algn="l"/>
-                    <a:tab pos="8229600" algn="l"/>
-                    <a:tab pos="9144000" algn="l"/>
-                    <a:tab pos="10058400" algn="l"/>
-                  </a:tabLst>
-                </a:pPr>
-                <a:endParaRPr lang="en-US" sz="1800" b="0" i="0" u="none" strike="noStrike" baseline="0">
-                  <a:ln>
-                    <a:noFill/>
-                  </a:ln>
-                  <a:solidFill>
-                    <a:srgbClr val="000000"/>
-                  </a:solidFill>
-                  <a:latin typeface="Arial" pitchFamily="18"/>
-                  <a:ea typeface="SimSun" pitchFamily="2"/>
-                  <a:cs typeface="Mangal" pitchFamily="2"/>
-                </a:endParaRPr>
-              </a:p>
-            </p:txBody>
-          </p:sp>
-          <p:sp>
-            <p:nvSpPr>
-              <p:cNvPr id="277" name="Freeform 276"/>
-              <p:cNvSpPr/>
-              <p:nvPr/>
-            </p:nvSpPr>
-            <p:spPr>
-              <a:xfrm rot="10788000">
-                <a:off x="-3199910" y="4300070"/>
-                <a:ext cx="131760" cy="132120"/>
-              </a:xfrm>
-              <a:custGeom>
-                <a:avLst/>
-                <a:gdLst>
-                  <a:gd name="f0" fmla="val 10800000"/>
-                  <a:gd name="f1" fmla="val 5400000"/>
-                  <a:gd name="f2" fmla="val 180"/>
-                  <a:gd name="f3" fmla="val w"/>
-                  <a:gd name="f4" fmla="val h"/>
-                  <a:gd name="f5" fmla="*/ 5419351 1 1725033"/>
-                  <a:gd name="f6" fmla="*/ 10800 10800 1"/>
-                  <a:gd name="f7" fmla="+- 0 0 0"/>
-                  <a:gd name="f8" fmla="+- 0 0 360"/>
-                  <a:gd name="f9" fmla="val 10800"/>
-                  <a:gd name="f10" fmla="*/ f3 1 21600"/>
-                  <a:gd name="f11" fmla="*/ f4 1 21600"/>
-                  <a:gd name="f12" fmla="*/ 0 f5 1"/>
-                  <a:gd name="f13" fmla="*/ f7 f0 1"/>
-                  <a:gd name="f14" fmla="*/ f8 f0 1"/>
-                  <a:gd name="f15" fmla="*/ 3163 f10 1"/>
-                  <a:gd name="f16" fmla="*/ 18437 f10 1"/>
-                  <a:gd name="f17" fmla="*/ 18437 f11 1"/>
-                  <a:gd name="f18" fmla="*/ 3163 f11 1"/>
-                  <a:gd name="f19" fmla="*/ f12 1 f2"/>
-                  <a:gd name="f20" fmla="*/ f13 1 f2"/>
-                  <a:gd name="f21" fmla="*/ f14 1 f2"/>
-                  <a:gd name="f22" fmla="*/ 10800 f10 1"/>
-                  <a:gd name="f23" fmla="*/ 0 f11 1"/>
-                  <a:gd name="f24" fmla="*/ 0 f10 1"/>
-                  <a:gd name="f25" fmla="*/ 10800 f11 1"/>
-                  <a:gd name="f26" fmla="*/ 21600 f11 1"/>
-                  <a:gd name="f27" fmla="*/ 21600 f10 1"/>
-                  <a:gd name="f28" fmla="+- 0 0 f19"/>
-                  <a:gd name="f29" fmla="+- f20 0 f1"/>
-                  <a:gd name="f30" fmla="+- f21 0 f1"/>
-                  <a:gd name="f31" fmla="*/ f28 f0 1"/>
-                  <a:gd name="f32" fmla="+- f30 0 f29"/>
-                  <a:gd name="f33" fmla="*/ f31 1 f5"/>
-                  <a:gd name="f34" fmla="+- f33 0 f1"/>
-                  <a:gd name="f35" fmla="cos 1 f34"/>
-                  <a:gd name="f36" fmla="sin 1 f34"/>
-                  <a:gd name="f37" fmla="+- 0 0 f35"/>
-                  <a:gd name="f38" fmla="+- 0 0 f36"/>
-                  <a:gd name="f39" fmla="*/ 10800 f37 1"/>
-                  <a:gd name="f40" fmla="*/ 10800 f38 1"/>
-                  <a:gd name="f41" fmla="*/ f39 f39 1"/>
-                  <a:gd name="f42" fmla="*/ f40 f40 1"/>
-                  <a:gd name="f43" fmla="+- f41 f42 0"/>
-                  <a:gd name="f44" fmla="sqrt f43"/>
-                  <a:gd name="f45" fmla="*/ f6 1 f44"/>
-                  <a:gd name="f46" fmla="*/ f37 f45 1"/>
-                  <a:gd name="f47" fmla="*/ f38 f45 1"/>
-                  <a:gd name="f48" fmla="+- 10800 0 f46"/>
-                  <a:gd name="f49" fmla="+- 10800 0 f47"/>
-                </a:gdLst>
-                <a:ahLst/>
-                <a:cxnLst>
-                  <a:cxn ang="3cd4">
-                    <a:pos x="hc" y="t"/>
-                  </a:cxn>
-                  <a:cxn ang="0">
-                    <a:pos x="r" y="vc"/>
-                  </a:cxn>
-                  <a:cxn ang="cd4">
-                    <a:pos x="hc" y="b"/>
-                  </a:cxn>
-                  <a:cxn ang="cd2">
-                    <a:pos x="l" y="vc"/>
-                  </a:cxn>
-                  <a:cxn ang="f29">
-                    <a:pos x="f22" y="f23"/>
-                  </a:cxn>
-                  <a:cxn ang="f29">
-                    <a:pos x="f15" y="f18"/>
-                  </a:cxn>
-                  <a:cxn ang="f29">
-                    <a:pos x="f24" y="f25"/>
-                  </a:cxn>
-                  <a:cxn ang="f29">
-                    <a:pos x="f15" y="f17"/>
-                  </a:cxn>
-                  <a:cxn ang="f29">
-                    <a:pos x="f22" y="f26"/>
-                  </a:cxn>
-                  <a:cxn ang="f29">
-                    <a:pos x="f16" y="f17"/>
-                  </a:cxn>
-                  <a:cxn ang="f29">
-                    <a:pos x="f27" y="f25"/>
-                  </a:cxn>
-                  <a:cxn ang="f29">
-                    <a:pos x="f16" y="f18"/>
-                  </a:cxn>
-                </a:cxnLst>
-                <a:rect l="f15" t="f18" r="f16" b="f17"/>
-                <a:pathLst>
-                  <a:path w="21600" h="21600">
-                    <a:moveTo>
-                      <a:pt x="f48" y="f49"/>
-                    </a:moveTo>
-                    <a:arcTo wR="f9" hR="f9" stAng="f29" swAng="f32"/>
-                    <a:close/>
-                  </a:path>
-                </a:pathLst>
-              </a:custGeom>
-              <a:solidFill>
-                <a:srgbClr val="00CCFF"/>
-              </a:solidFill>
-              <a:ln w="9360">
-                <a:solidFill>
-                  <a:srgbClr val="000000"/>
-                </a:solidFill>
-                <a:prstDash val="solid"/>
-                <a:miter/>
-              </a:ln>
-            </p:spPr>
-            <p:txBody>
-              <a:bodyPr vert="horz" wrap="square" lIns="158760" tIns="82440" rIns="158760" bIns="82440" anchor="t" anchorCtr="0" compatLnSpc="1">
-                <a:noAutofit/>
-              </a:bodyPr>
-              <a:lstStyle/>
-              <a:p>
-                <a:pPr marL="0" marR="0" lvl="0" indent="0" algn="l" rtl="0" hangingPunct="1">
-                  <a:lnSpc>
-                    <a:spcPct val="100000"/>
-                  </a:lnSpc>
-                  <a:spcBef>
-                    <a:spcPts val="0"/>
-                  </a:spcBef>
-                  <a:spcAft>
-                    <a:spcPts val="0"/>
-                  </a:spcAft>
-                  <a:buNone/>
-                  <a:tabLst>
-                    <a:tab pos="0" algn="l"/>
-                    <a:tab pos="914400" algn="l"/>
-                    <a:tab pos="1828800" algn="l"/>
-                    <a:tab pos="2743199" algn="l"/>
-                    <a:tab pos="3657600" algn="l"/>
-                    <a:tab pos="4572000" algn="l"/>
-                    <a:tab pos="5486399" algn="l"/>
-                    <a:tab pos="6400799" algn="l"/>
-                    <a:tab pos="7315200" algn="l"/>
-                    <a:tab pos="8229600" algn="l"/>
-                    <a:tab pos="9144000" algn="l"/>
-                    <a:tab pos="10058400" algn="l"/>
-                  </a:tabLst>
-                </a:pPr>
-                <a:endParaRPr lang="en-US" sz="1800" b="0" i="0" u="none" strike="noStrike" baseline="0">
-                  <a:ln>
-                    <a:noFill/>
-                  </a:ln>
-                  <a:solidFill>
-                    <a:srgbClr val="000000"/>
-                  </a:solidFill>
-                  <a:latin typeface="Arial" pitchFamily="18"/>
-                  <a:ea typeface="SimSun" pitchFamily="2"/>
-                  <a:cs typeface="Mangal" pitchFamily="2"/>
-                </a:endParaRPr>
-              </a:p>
-            </p:txBody>
-          </p:sp>
-          <p:sp>
-            <p:nvSpPr>
-              <p:cNvPr id="278" name="Freeform 277"/>
-              <p:cNvSpPr/>
-              <p:nvPr/>
-            </p:nvSpPr>
-            <p:spPr>
-              <a:xfrm rot="10788000">
-                <a:off x="-2989670" y="4300070"/>
-                <a:ext cx="131760" cy="132120"/>
-              </a:xfrm>
-              <a:custGeom>
-                <a:avLst/>
-                <a:gdLst>
-                  <a:gd name="f0" fmla="val 10800000"/>
-                  <a:gd name="f1" fmla="val 5400000"/>
-                  <a:gd name="f2" fmla="val 180"/>
-                  <a:gd name="f3" fmla="val w"/>
-                  <a:gd name="f4" fmla="val h"/>
-                  <a:gd name="f5" fmla="*/ 5419351 1 1725033"/>
-                  <a:gd name="f6" fmla="*/ 10800 10800 1"/>
-                  <a:gd name="f7" fmla="+- 0 0 0"/>
-                  <a:gd name="f8" fmla="+- 0 0 360"/>
-                  <a:gd name="f9" fmla="val 10800"/>
-                  <a:gd name="f10" fmla="*/ f3 1 21600"/>
-                  <a:gd name="f11" fmla="*/ f4 1 21600"/>
-                  <a:gd name="f12" fmla="*/ 0 f5 1"/>
-                  <a:gd name="f13" fmla="*/ f7 f0 1"/>
-                  <a:gd name="f14" fmla="*/ f8 f0 1"/>
-                  <a:gd name="f15" fmla="*/ 3163 f10 1"/>
-                  <a:gd name="f16" fmla="*/ 18437 f10 1"/>
-                  <a:gd name="f17" fmla="*/ 18437 f11 1"/>
-                  <a:gd name="f18" fmla="*/ 3163 f11 1"/>
-                  <a:gd name="f19" fmla="*/ f12 1 f2"/>
-                  <a:gd name="f20" fmla="*/ f13 1 f2"/>
-                  <a:gd name="f21" fmla="*/ f14 1 f2"/>
-                  <a:gd name="f22" fmla="*/ 10800 f10 1"/>
-                  <a:gd name="f23" fmla="*/ 0 f11 1"/>
-                  <a:gd name="f24" fmla="*/ 0 f10 1"/>
-                  <a:gd name="f25" fmla="*/ 10800 f11 1"/>
-                  <a:gd name="f26" fmla="*/ 21600 f11 1"/>
-                  <a:gd name="f27" fmla="*/ 21600 f10 1"/>
-                  <a:gd name="f28" fmla="+- 0 0 f19"/>
-                  <a:gd name="f29" fmla="+- f20 0 f1"/>
-                  <a:gd name="f30" fmla="+- f21 0 f1"/>
-                  <a:gd name="f31" fmla="*/ f28 f0 1"/>
-                  <a:gd name="f32" fmla="+- f30 0 f29"/>
-                  <a:gd name="f33" fmla="*/ f31 1 f5"/>
-                  <a:gd name="f34" fmla="+- f33 0 f1"/>
-                  <a:gd name="f35" fmla="cos 1 f34"/>
-                  <a:gd name="f36" fmla="sin 1 f34"/>
-                  <a:gd name="f37" fmla="+- 0 0 f35"/>
-                  <a:gd name="f38" fmla="+- 0 0 f36"/>
-                  <a:gd name="f39" fmla="*/ 10800 f37 1"/>
-                  <a:gd name="f40" fmla="*/ 10800 f38 1"/>
-                  <a:gd name="f41" fmla="*/ f39 f39 1"/>
-                  <a:gd name="f42" fmla="*/ f40 f40 1"/>
-                  <a:gd name="f43" fmla="+- f41 f42 0"/>
-                  <a:gd name="f44" fmla="sqrt f43"/>
-                  <a:gd name="f45" fmla="*/ f6 1 f44"/>
-                  <a:gd name="f46" fmla="*/ f37 f45 1"/>
-                  <a:gd name="f47" fmla="*/ f38 f45 1"/>
-                  <a:gd name="f48" fmla="+- 10800 0 f46"/>
-                  <a:gd name="f49" fmla="+- 10800 0 f47"/>
-                </a:gdLst>
-                <a:ahLst/>
-                <a:cxnLst>
-                  <a:cxn ang="3cd4">
-                    <a:pos x="hc" y="t"/>
-                  </a:cxn>
-                  <a:cxn ang="0">
-                    <a:pos x="r" y="vc"/>
-                  </a:cxn>
-                  <a:cxn ang="cd4">
-                    <a:pos x="hc" y="b"/>
-                  </a:cxn>
-                  <a:cxn ang="cd2">
-                    <a:pos x="l" y="vc"/>
-                  </a:cxn>
-                  <a:cxn ang="f29">
-                    <a:pos x="f22" y="f23"/>
-                  </a:cxn>
-                  <a:cxn ang="f29">
-                    <a:pos x="f15" y="f18"/>
-                  </a:cxn>
-                  <a:cxn ang="f29">
-                    <a:pos x="f24" y="f25"/>
-                  </a:cxn>
-                  <a:cxn ang="f29">
-                    <a:pos x="f15" y="f17"/>
-                  </a:cxn>
-                  <a:cxn ang="f29">
-                    <a:pos x="f22" y="f26"/>
-                  </a:cxn>
-                  <a:cxn ang="f29">
-                    <a:pos x="f16" y="f17"/>
-                  </a:cxn>
-                  <a:cxn ang="f29">
-                    <a:pos x="f27" y="f25"/>
-                  </a:cxn>
-                  <a:cxn ang="f29">
-                    <a:pos x="f16" y="f18"/>
-                  </a:cxn>
-                </a:cxnLst>
-                <a:rect l="f15" t="f18" r="f16" b="f17"/>
-                <a:pathLst>
-                  <a:path w="21600" h="21600">
-                    <a:moveTo>
-                      <a:pt x="f48" y="f49"/>
-                    </a:moveTo>
-                    <a:arcTo wR="f9" hR="f9" stAng="f29" swAng="f32"/>
-                    <a:close/>
-                  </a:path>
-                </a:pathLst>
-              </a:custGeom>
-              <a:solidFill>
-                <a:srgbClr val="00CCFF"/>
-              </a:solidFill>
-              <a:ln w="9360">
-                <a:solidFill>
-                  <a:srgbClr val="000000"/>
-                </a:solidFill>
-                <a:prstDash val="solid"/>
-                <a:miter/>
-              </a:ln>
-            </p:spPr>
-            <p:txBody>
-              <a:bodyPr vert="horz" wrap="square" lIns="158760" tIns="82440" rIns="158760" bIns="82440" anchor="t" anchorCtr="0" compatLnSpc="1">
-                <a:noAutofit/>
-              </a:bodyPr>
-              <a:lstStyle/>
-              <a:p>
-                <a:pPr marL="0" marR="0" lvl="0" indent="0" algn="l" rtl="0" hangingPunct="1">
-                  <a:lnSpc>
-                    <a:spcPct val="100000"/>
-                  </a:lnSpc>
-                  <a:spcBef>
-                    <a:spcPts val="0"/>
-                  </a:spcBef>
-                  <a:spcAft>
-                    <a:spcPts val="0"/>
-                  </a:spcAft>
-                  <a:buNone/>
-                  <a:tabLst>
-                    <a:tab pos="0" algn="l"/>
-                    <a:tab pos="914400" algn="l"/>
-                    <a:tab pos="1828800" algn="l"/>
-                    <a:tab pos="2743199" algn="l"/>
-                    <a:tab pos="3657600" algn="l"/>
-                    <a:tab pos="4572000" algn="l"/>
-                    <a:tab pos="5486399" algn="l"/>
-                    <a:tab pos="6400799" algn="l"/>
-                    <a:tab pos="7315200" algn="l"/>
-                    <a:tab pos="8229600" algn="l"/>
-                    <a:tab pos="9144000" algn="l"/>
-                    <a:tab pos="10058400" algn="l"/>
-                  </a:tabLst>
-                </a:pPr>
-                <a:endParaRPr lang="en-US" sz="1800" b="0" i="0" u="none" strike="noStrike" baseline="0">
-                  <a:ln>
-                    <a:noFill/>
-                  </a:ln>
-                  <a:solidFill>
-                    <a:srgbClr val="000000"/>
-                  </a:solidFill>
-                  <a:latin typeface="Arial" pitchFamily="18"/>
-                  <a:ea typeface="SimSun" pitchFamily="2"/>
-                  <a:cs typeface="Mangal" pitchFamily="2"/>
-                </a:endParaRPr>
-              </a:p>
-            </p:txBody>
-          </p:sp>
-          <p:sp>
-            <p:nvSpPr>
-              <p:cNvPr id="279" name="Freeform 278"/>
-              <p:cNvSpPr/>
-              <p:nvPr/>
-            </p:nvSpPr>
-            <p:spPr>
-              <a:xfrm rot="10788000">
-                <a:off x="-2647670" y="4156431"/>
-                <a:ext cx="132120" cy="131760"/>
-              </a:xfrm>
-              <a:custGeom>
-                <a:avLst/>
-                <a:gdLst>
-                  <a:gd name="f0" fmla="val 10800000"/>
-                  <a:gd name="f1" fmla="val 5400000"/>
-                  <a:gd name="f2" fmla="val 180"/>
-                  <a:gd name="f3" fmla="val w"/>
-                  <a:gd name="f4" fmla="val h"/>
-                  <a:gd name="f5" fmla="*/ 5419351 1 1725033"/>
-                  <a:gd name="f6" fmla="*/ 10800 10800 1"/>
-                  <a:gd name="f7" fmla="+- 0 0 0"/>
-                  <a:gd name="f8" fmla="+- 0 0 360"/>
-                  <a:gd name="f9" fmla="val 10800"/>
-                  <a:gd name="f10" fmla="*/ f3 1 21600"/>
-                  <a:gd name="f11" fmla="*/ f4 1 21600"/>
-                  <a:gd name="f12" fmla="*/ 0 f5 1"/>
-                  <a:gd name="f13" fmla="*/ f7 f0 1"/>
-                  <a:gd name="f14" fmla="*/ f8 f0 1"/>
-                  <a:gd name="f15" fmla="*/ 3163 f10 1"/>
-                  <a:gd name="f16" fmla="*/ 18437 f10 1"/>
-                  <a:gd name="f17" fmla="*/ 18437 f11 1"/>
-                  <a:gd name="f18" fmla="*/ 3163 f11 1"/>
-                  <a:gd name="f19" fmla="*/ f12 1 f2"/>
-                  <a:gd name="f20" fmla="*/ f13 1 f2"/>
-                  <a:gd name="f21" fmla="*/ f14 1 f2"/>
-                  <a:gd name="f22" fmla="*/ 10800 f10 1"/>
-                  <a:gd name="f23" fmla="*/ 0 f11 1"/>
-                  <a:gd name="f24" fmla="*/ 0 f10 1"/>
-                  <a:gd name="f25" fmla="*/ 10800 f11 1"/>
-                  <a:gd name="f26" fmla="*/ 21600 f11 1"/>
-                  <a:gd name="f27" fmla="*/ 21600 f10 1"/>
-                  <a:gd name="f28" fmla="+- 0 0 f19"/>
-                  <a:gd name="f29" fmla="+- f20 0 f1"/>
-                  <a:gd name="f30" fmla="+- f21 0 f1"/>
-                  <a:gd name="f31" fmla="*/ f28 f0 1"/>
-                  <a:gd name="f32" fmla="+- f30 0 f29"/>
-                  <a:gd name="f33" fmla="*/ f31 1 f5"/>
-                  <a:gd name="f34" fmla="+- f33 0 f1"/>
-                  <a:gd name="f35" fmla="cos 1 f34"/>
-                  <a:gd name="f36" fmla="sin 1 f34"/>
-                  <a:gd name="f37" fmla="+- 0 0 f35"/>
-                  <a:gd name="f38" fmla="+- 0 0 f36"/>
-                  <a:gd name="f39" fmla="*/ 10800 f37 1"/>
-                  <a:gd name="f40" fmla="*/ 10800 f38 1"/>
-                  <a:gd name="f41" fmla="*/ f39 f39 1"/>
-                  <a:gd name="f42" fmla="*/ f40 f40 1"/>
-                  <a:gd name="f43" fmla="+- f41 f42 0"/>
-                  <a:gd name="f44" fmla="sqrt f43"/>
-                  <a:gd name="f45" fmla="*/ f6 1 f44"/>
-                  <a:gd name="f46" fmla="*/ f37 f45 1"/>
-                  <a:gd name="f47" fmla="*/ f38 f45 1"/>
-                  <a:gd name="f48" fmla="+- 10800 0 f46"/>
-                  <a:gd name="f49" fmla="+- 10800 0 f47"/>
-                </a:gdLst>
-                <a:ahLst/>
-                <a:cxnLst>
-                  <a:cxn ang="3cd4">
-                    <a:pos x="hc" y="t"/>
-                  </a:cxn>
-                  <a:cxn ang="0">
-                    <a:pos x="r" y="vc"/>
-                  </a:cxn>
-                  <a:cxn ang="cd4">
-                    <a:pos x="hc" y="b"/>
-                  </a:cxn>
-                  <a:cxn ang="cd2">
-                    <a:pos x="l" y="vc"/>
-                  </a:cxn>
-                  <a:cxn ang="f29">
-                    <a:pos x="f22" y="f23"/>
-                  </a:cxn>
-                  <a:cxn ang="f29">
-                    <a:pos x="f15" y="f18"/>
-                  </a:cxn>
-                  <a:cxn ang="f29">
-                    <a:pos x="f24" y="f25"/>
-                  </a:cxn>
-                  <a:cxn ang="f29">
-                    <a:pos x="f15" y="f17"/>
-                  </a:cxn>
-                  <a:cxn ang="f29">
-                    <a:pos x="f22" y="f26"/>
-                  </a:cxn>
-                  <a:cxn ang="f29">
-                    <a:pos x="f16" y="f17"/>
-                  </a:cxn>
-                  <a:cxn ang="f29">
-                    <a:pos x="f27" y="f25"/>
-                  </a:cxn>
-                  <a:cxn ang="f29">
-                    <a:pos x="f16" y="f18"/>
-                  </a:cxn>
-                </a:cxnLst>
-                <a:rect l="f15" t="f18" r="f16" b="f17"/>
-                <a:pathLst>
-                  <a:path w="21600" h="21600">
-                    <a:moveTo>
-                      <a:pt x="f48" y="f49"/>
-                    </a:moveTo>
-                    <a:arcTo wR="f9" hR="f9" stAng="f29" swAng="f32"/>
-                    <a:close/>
-                  </a:path>
-                </a:pathLst>
-              </a:custGeom>
-              <a:solidFill>
-                <a:srgbClr val="00CCFF"/>
-              </a:solidFill>
-              <a:ln w="9360">
-                <a:solidFill>
-                  <a:srgbClr val="000000"/>
-                </a:solidFill>
-                <a:prstDash val="solid"/>
-                <a:miter/>
-              </a:ln>
-            </p:spPr>
-            <p:txBody>
-              <a:bodyPr vert="horz" wrap="square" lIns="158760" tIns="82440" rIns="158760" bIns="82440" anchor="t" anchorCtr="0" compatLnSpc="1">
-                <a:noAutofit/>
-              </a:bodyPr>
-              <a:lstStyle/>
-              <a:p>
-                <a:pPr marL="0" marR="0" lvl="0" indent="0" algn="l" rtl="0" hangingPunct="1">
-                  <a:lnSpc>
-                    <a:spcPct val="100000"/>
-                  </a:lnSpc>
-                  <a:spcBef>
-                    <a:spcPts val="0"/>
-                  </a:spcBef>
-                  <a:spcAft>
-                    <a:spcPts val="0"/>
-                  </a:spcAft>
-                  <a:buNone/>
-                  <a:tabLst>
-                    <a:tab pos="0" algn="l"/>
-                    <a:tab pos="914400" algn="l"/>
-                    <a:tab pos="1828800" algn="l"/>
-                    <a:tab pos="2743199" algn="l"/>
-                    <a:tab pos="3657600" algn="l"/>
-                    <a:tab pos="4572000" algn="l"/>
-                    <a:tab pos="5486399" algn="l"/>
-                    <a:tab pos="6400799" algn="l"/>
-                    <a:tab pos="7315200" algn="l"/>
-                    <a:tab pos="8229600" algn="l"/>
-                    <a:tab pos="9144000" algn="l"/>
-                    <a:tab pos="10058400" algn="l"/>
-                  </a:tabLst>
-                </a:pPr>
-                <a:endParaRPr lang="en-US" sz="1800" b="0" i="0" u="none" strike="noStrike" baseline="0">
-                  <a:ln>
-                    <a:noFill/>
-                  </a:ln>
-                  <a:solidFill>
-                    <a:srgbClr val="000000"/>
-                  </a:solidFill>
-                  <a:latin typeface="Arial" pitchFamily="18"/>
-                  <a:ea typeface="SimSun" pitchFamily="2"/>
-                  <a:cs typeface="Mangal" pitchFamily="2"/>
-                </a:endParaRPr>
-              </a:p>
-            </p:txBody>
-          </p:sp>
-          <p:sp>
-            <p:nvSpPr>
-              <p:cNvPr id="280" name="Freeform 279"/>
-              <p:cNvSpPr/>
-              <p:nvPr/>
-            </p:nvSpPr>
-            <p:spPr>
-              <a:xfrm rot="10788000">
-                <a:off x="-2369770" y="4140251"/>
-                <a:ext cx="143640" cy="143640"/>
-              </a:xfrm>
-              <a:custGeom>
-                <a:avLst/>
-                <a:gdLst>
-                  <a:gd name="f0" fmla="val 10800000"/>
-                  <a:gd name="f1" fmla="val 5400000"/>
-                  <a:gd name="f2" fmla="val 180"/>
-                  <a:gd name="f3" fmla="val w"/>
-                  <a:gd name="f4" fmla="val h"/>
-                  <a:gd name="f5" fmla="*/ 5419351 1 1725033"/>
-                  <a:gd name="f6" fmla="*/ 10800 10800 1"/>
-                  <a:gd name="f7" fmla="+- 0 0 0"/>
-                  <a:gd name="f8" fmla="+- 0 0 360"/>
-                  <a:gd name="f9" fmla="val 10800"/>
-                  <a:gd name="f10" fmla="*/ f3 1 21600"/>
-                  <a:gd name="f11" fmla="*/ f4 1 21600"/>
-                  <a:gd name="f12" fmla="*/ 0 f5 1"/>
-                  <a:gd name="f13" fmla="*/ f7 f0 1"/>
-                  <a:gd name="f14" fmla="*/ f8 f0 1"/>
-                  <a:gd name="f15" fmla="*/ 3163 f10 1"/>
-                  <a:gd name="f16" fmla="*/ 18437 f10 1"/>
-                  <a:gd name="f17" fmla="*/ 18437 f11 1"/>
-                  <a:gd name="f18" fmla="*/ 3163 f11 1"/>
-                  <a:gd name="f19" fmla="*/ f12 1 f2"/>
-                  <a:gd name="f20" fmla="*/ f13 1 f2"/>
-                  <a:gd name="f21" fmla="*/ f14 1 f2"/>
-                  <a:gd name="f22" fmla="*/ 10800 f10 1"/>
-                  <a:gd name="f23" fmla="*/ 0 f11 1"/>
-                  <a:gd name="f24" fmla="*/ 0 f10 1"/>
-                  <a:gd name="f25" fmla="*/ 10800 f11 1"/>
-                  <a:gd name="f26" fmla="*/ 21600 f11 1"/>
-                  <a:gd name="f27" fmla="*/ 21600 f10 1"/>
-                  <a:gd name="f28" fmla="+- 0 0 f19"/>
-                  <a:gd name="f29" fmla="+- f20 0 f1"/>
-                  <a:gd name="f30" fmla="+- f21 0 f1"/>
-                  <a:gd name="f31" fmla="*/ f28 f0 1"/>
-                  <a:gd name="f32" fmla="+- f30 0 f29"/>
-                  <a:gd name="f33" fmla="*/ f31 1 f5"/>
-                  <a:gd name="f34" fmla="+- f33 0 f1"/>
-                  <a:gd name="f35" fmla="cos 1 f34"/>
-                  <a:gd name="f36" fmla="sin 1 f34"/>
-                  <a:gd name="f37" fmla="+- 0 0 f35"/>
-                  <a:gd name="f38" fmla="+- 0 0 f36"/>
-                  <a:gd name="f39" fmla="*/ 10800 f37 1"/>
-                  <a:gd name="f40" fmla="*/ 10800 f38 1"/>
-                  <a:gd name="f41" fmla="*/ f39 f39 1"/>
-                  <a:gd name="f42" fmla="*/ f40 f40 1"/>
-                  <a:gd name="f43" fmla="+- f41 f42 0"/>
-                  <a:gd name="f44" fmla="sqrt f43"/>
-                  <a:gd name="f45" fmla="*/ f6 1 f44"/>
-                  <a:gd name="f46" fmla="*/ f37 f45 1"/>
-                  <a:gd name="f47" fmla="*/ f38 f45 1"/>
-                  <a:gd name="f48" fmla="+- 10800 0 f46"/>
-                  <a:gd name="f49" fmla="+- 10800 0 f47"/>
-                </a:gdLst>
-                <a:ahLst/>
-                <a:cxnLst>
-                  <a:cxn ang="3cd4">
-                    <a:pos x="hc" y="t"/>
-                  </a:cxn>
-                  <a:cxn ang="0">
-                    <a:pos x="r" y="vc"/>
-                  </a:cxn>
-                  <a:cxn ang="cd4">
-                    <a:pos x="hc" y="b"/>
-                  </a:cxn>
-                  <a:cxn ang="cd2">
-                    <a:pos x="l" y="vc"/>
-                  </a:cxn>
-                  <a:cxn ang="f29">
-                    <a:pos x="f22" y="f23"/>
-                  </a:cxn>
-                  <a:cxn ang="f29">
-                    <a:pos x="f15" y="f18"/>
-                  </a:cxn>
-                  <a:cxn ang="f29">
-                    <a:pos x="f24" y="f25"/>
-                  </a:cxn>
-                  <a:cxn ang="f29">
-                    <a:pos x="f15" y="f17"/>
-                  </a:cxn>
-                  <a:cxn ang="f29">
-                    <a:pos x="f22" y="f26"/>
-                  </a:cxn>
-                  <a:cxn ang="f29">
-                    <a:pos x="f16" y="f17"/>
-                  </a:cxn>
-                  <a:cxn ang="f29">
-                    <a:pos x="f27" y="f25"/>
-                  </a:cxn>
-                  <a:cxn ang="f29">
-                    <a:pos x="f16" y="f18"/>
-                  </a:cxn>
-                </a:cxnLst>
-                <a:rect l="f15" t="f18" r="f16" b="f17"/>
-                <a:pathLst>
-                  <a:path w="21600" h="21600">
-                    <a:moveTo>
-                      <a:pt x="f48" y="f49"/>
-                    </a:moveTo>
-                    <a:arcTo wR="f9" hR="f9" stAng="f29" swAng="f32"/>
-                    <a:close/>
-                  </a:path>
-                </a:pathLst>
-              </a:custGeom>
-              <a:solidFill>
-                <a:srgbClr val="00CCFF"/>
-              </a:solidFill>
-              <a:ln w="9360">
-                <a:solidFill>
-                  <a:srgbClr val="000000"/>
-                </a:solidFill>
-                <a:prstDash val="solid"/>
-                <a:miter/>
-              </a:ln>
-            </p:spPr>
-            <p:txBody>
-              <a:bodyPr vert="horz" wrap="square" lIns="158760" tIns="82440" rIns="158760" bIns="82440" anchor="t" anchorCtr="0" compatLnSpc="1">
-                <a:noAutofit/>
-              </a:bodyPr>
-              <a:lstStyle/>
-              <a:p>
-                <a:pPr marL="0" marR="0" lvl="0" indent="0" algn="l" rtl="0" hangingPunct="1">
-                  <a:lnSpc>
-                    <a:spcPct val="100000"/>
-                  </a:lnSpc>
-                  <a:spcBef>
-                    <a:spcPts val="0"/>
-                  </a:spcBef>
-                  <a:spcAft>
-                    <a:spcPts val="0"/>
-                  </a:spcAft>
-                  <a:buNone/>
-                  <a:tabLst>
-                    <a:tab pos="0" algn="l"/>
-                    <a:tab pos="914400" algn="l"/>
-                    <a:tab pos="1828800" algn="l"/>
-                    <a:tab pos="2743199" algn="l"/>
-                    <a:tab pos="3657600" algn="l"/>
-                    <a:tab pos="4572000" algn="l"/>
-                    <a:tab pos="5486399" algn="l"/>
-                    <a:tab pos="6400799" algn="l"/>
-                    <a:tab pos="7315200" algn="l"/>
-                    <a:tab pos="8229600" algn="l"/>
-                    <a:tab pos="9144000" algn="l"/>
-                    <a:tab pos="10058400" algn="l"/>
-                  </a:tabLst>
-                </a:pPr>
-                <a:endParaRPr lang="en-US" sz="1800" b="0" i="0" u="none" strike="noStrike" baseline="0">
-                  <a:ln>
-                    <a:noFill/>
-                  </a:ln>
-                  <a:solidFill>
-                    <a:srgbClr val="000000"/>
-                  </a:solidFill>
-                  <a:latin typeface="Arial" pitchFamily="18"/>
-                  <a:ea typeface="SimSun" pitchFamily="2"/>
-                  <a:cs typeface="Mangal" pitchFamily="2"/>
-                </a:endParaRPr>
-              </a:p>
-            </p:txBody>
-          </p:sp>
-          <p:sp>
-            <p:nvSpPr>
-              <p:cNvPr id="281" name="Freeform 280"/>
-              <p:cNvSpPr/>
-              <p:nvPr/>
-            </p:nvSpPr>
-            <p:spPr>
-              <a:xfrm rot="10788000">
-                <a:off x="-2559830" y="4299350"/>
-                <a:ext cx="131760" cy="132120"/>
-              </a:xfrm>
-              <a:custGeom>
-                <a:avLst/>
-                <a:gdLst>
-                  <a:gd name="f0" fmla="val 10800000"/>
-                  <a:gd name="f1" fmla="val 5400000"/>
-                  <a:gd name="f2" fmla="val 180"/>
-                  <a:gd name="f3" fmla="val w"/>
-                  <a:gd name="f4" fmla="val h"/>
-                  <a:gd name="f5" fmla="*/ 5419351 1 1725033"/>
-                  <a:gd name="f6" fmla="*/ 10800 10800 1"/>
-                  <a:gd name="f7" fmla="+- 0 0 0"/>
-                  <a:gd name="f8" fmla="+- 0 0 360"/>
-                  <a:gd name="f9" fmla="val 10800"/>
-                  <a:gd name="f10" fmla="*/ f3 1 21600"/>
-                  <a:gd name="f11" fmla="*/ f4 1 21600"/>
-                  <a:gd name="f12" fmla="*/ 0 f5 1"/>
-                  <a:gd name="f13" fmla="*/ f7 f0 1"/>
-                  <a:gd name="f14" fmla="*/ f8 f0 1"/>
-                  <a:gd name="f15" fmla="*/ 3163 f10 1"/>
-                  <a:gd name="f16" fmla="*/ 18437 f10 1"/>
-                  <a:gd name="f17" fmla="*/ 18437 f11 1"/>
-                  <a:gd name="f18" fmla="*/ 3163 f11 1"/>
-                  <a:gd name="f19" fmla="*/ f12 1 f2"/>
-                  <a:gd name="f20" fmla="*/ f13 1 f2"/>
-                  <a:gd name="f21" fmla="*/ f14 1 f2"/>
-                  <a:gd name="f22" fmla="*/ 10800 f10 1"/>
-                  <a:gd name="f23" fmla="*/ 0 f11 1"/>
-                  <a:gd name="f24" fmla="*/ 0 f10 1"/>
-                  <a:gd name="f25" fmla="*/ 10800 f11 1"/>
-                  <a:gd name="f26" fmla="*/ 21600 f11 1"/>
-                  <a:gd name="f27" fmla="*/ 21600 f10 1"/>
-                  <a:gd name="f28" fmla="+- 0 0 f19"/>
-                  <a:gd name="f29" fmla="+- f20 0 f1"/>
-                  <a:gd name="f30" fmla="+- f21 0 f1"/>
-                  <a:gd name="f31" fmla="*/ f28 f0 1"/>
-                  <a:gd name="f32" fmla="+- f30 0 f29"/>
-                  <a:gd name="f33" fmla="*/ f31 1 f5"/>
-                  <a:gd name="f34" fmla="+- f33 0 f1"/>
-                  <a:gd name="f35" fmla="cos 1 f34"/>
-                  <a:gd name="f36" fmla="sin 1 f34"/>
-                  <a:gd name="f37" fmla="+- 0 0 f35"/>
-                  <a:gd name="f38" fmla="+- 0 0 f36"/>
-                  <a:gd name="f39" fmla="*/ 10800 f37 1"/>
-                  <a:gd name="f40" fmla="*/ 10800 f38 1"/>
-                  <a:gd name="f41" fmla="*/ f39 f39 1"/>
-                  <a:gd name="f42" fmla="*/ f40 f40 1"/>
-                  <a:gd name="f43" fmla="+- f41 f42 0"/>
-                  <a:gd name="f44" fmla="sqrt f43"/>
-                  <a:gd name="f45" fmla="*/ f6 1 f44"/>
-                  <a:gd name="f46" fmla="*/ f37 f45 1"/>
-                  <a:gd name="f47" fmla="*/ f38 f45 1"/>
-                  <a:gd name="f48" fmla="+- 10800 0 f46"/>
-                  <a:gd name="f49" fmla="+- 10800 0 f47"/>
-                </a:gdLst>
-                <a:ahLst/>
-                <a:cxnLst>
-                  <a:cxn ang="3cd4">
-                    <a:pos x="hc" y="t"/>
-                  </a:cxn>
-                  <a:cxn ang="0">
-                    <a:pos x="r" y="vc"/>
-                  </a:cxn>
-                  <a:cxn ang="cd4">
-                    <a:pos x="hc" y="b"/>
-                  </a:cxn>
-                  <a:cxn ang="cd2">
-                    <a:pos x="l" y="vc"/>
-                  </a:cxn>
-                  <a:cxn ang="f29">
-                    <a:pos x="f22" y="f23"/>
-                  </a:cxn>
-                  <a:cxn ang="f29">
-                    <a:pos x="f15" y="f18"/>
-                  </a:cxn>
-                  <a:cxn ang="f29">
-                    <a:pos x="f24" y="f25"/>
-                  </a:cxn>
-                  <a:cxn ang="f29">
-                    <a:pos x="f15" y="f17"/>
-                  </a:cxn>
-                  <a:cxn ang="f29">
-                    <a:pos x="f22" y="f26"/>
-                  </a:cxn>
-                  <a:cxn ang="f29">
-                    <a:pos x="f16" y="f17"/>
-                  </a:cxn>
-                  <a:cxn ang="f29">
-                    <a:pos x="f27" y="f25"/>
-                  </a:cxn>
-                  <a:cxn ang="f29">
-                    <a:pos x="f16" y="f18"/>
-                  </a:cxn>
-                </a:cxnLst>
-                <a:rect l="f15" t="f18" r="f16" b="f17"/>
-                <a:pathLst>
-                  <a:path w="21600" h="21600">
-                    <a:moveTo>
-                      <a:pt x="f48" y="f49"/>
-                    </a:moveTo>
-                    <a:arcTo wR="f9" hR="f9" stAng="f29" swAng="f32"/>
-                    <a:close/>
-                  </a:path>
-                </a:pathLst>
-              </a:custGeom>
-              <a:solidFill>
-                <a:srgbClr val="00CCFF"/>
-              </a:solidFill>
-              <a:ln w="9360">
-                <a:solidFill>
-                  <a:srgbClr val="000000"/>
-                </a:solidFill>
-                <a:prstDash val="solid"/>
-                <a:miter/>
-              </a:ln>
-            </p:spPr>
-            <p:txBody>
-              <a:bodyPr vert="horz" wrap="square" lIns="158760" tIns="82440" rIns="158760" bIns="82440" anchor="t" anchorCtr="0" compatLnSpc="1">
-                <a:noAutofit/>
-              </a:bodyPr>
-              <a:lstStyle/>
-              <a:p>
-                <a:pPr marL="0" marR="0" lvl="0" indent="0" algn="l" rtl="0" hangingPunct="1">
-                  <a:lnSpc>
-                    <a:spcPct val="100000"/>
-                  </a:lnSpc>
-                  <a:spcBef>
-                    <a:spcPts val="0"/>
-                  </a:spcBef>
-                  <a:spcAft>
-                    <a:spcPts val="0"/>
-                  </a:spcAft>
-                  <a:buNone/>
-                  <a:tabLst>
-                    <a:tab pos="0" algn="l"/>
-                    <a:tab pos="914400" algn="l"/>
-                    <a:tab pos="1828800" algn="l"/>
-                    <a:tab pos="2743199" algn="l"/>
-                    <a:tab pos="3657600" algn="l"/>
-                    <a:tab pos="4572000" algn="l"/>
-                    <a:tab pos="5486399" algn="l"/>
-                    <a:tab pos="6400799" algn="l"/>
-                    <a:tab pos="7315200" algn="l"/>
-                    <a:tab pos="8229600" algn="l"/>
-                    <a:tab pos="9144000" algn="l"/>
-                    <a:tab pos="10058400" algn="l"/>
-                  </a:tabLst>
-                </a:pPr>
-                <a:endParaRPr lang="en-US" sz="1800" b="0" i="0" u="none" strike="noStrike" baseline="0">
-                  <a:ln>
-                    <a:noFill/>
-                  </a:ln>
-                  <a:solidFill>
-                    <a:srgbClr val="000000"/>
-                  </a:solidFill>
-                  <a:latin typeface="Arial" pitchFamily="18"/>
-                  <a:ea typeface="SimSun" pitchFamily="2"/>
-                  <a:cs typeface="Mangal" pitchFamily="2"/>
-                </a:endParaRPr>
-              </a:p>
-            </p:txBody>
-          </p:sp>
-          <p:sp>
-            <p:nvSpPr>
-              <p:cNvPr id="282" name="Freeform 281"/>
-              <p:cNvSpPr/>
-              <p:nvPr/>
-            </p:nvSpPr>
-            <p:spPr>
-              <a:xfrm rot="21564000" flipH="1">
-                <a:off x="-2558899" y="4663808"/>
-                <a:ext cx="135360" cy="134640"/>
-              </a:xfrm>
-              <a:custGeom>
-                <a:avLst>
-                  <a:gd name="f0" fmla="val 16600"/>
-                </a:avLst>
-                <a:gdLst>
-                  <a:gd name="f1" fmla="val 10800000"/>
-                  <a:gd name="f2" fmla="val 5400000"/>
-                  <a:gd name="f3" fmla="val 180"/>
-                  <a:gd name="f4" fmla="val w"/>
-                  <a:gd name="f5" fmla="val h"/>
-                  <a:gd name="f6" fmla="val ss"/>
-                  <a:gd name="f7" fmla="val 0"/>
-                  <a:gd name="f8" fmla="val -2147483647"/>
-                  <a:gd name="f9" fmla="val 2147483647"/>
-                  <a:gd name="f10" fmla="val 21600"/>
-                  <a:gd name="f11" fmla="+- 0 0 0"/>
-                  <a:gd name="f12" fmla="abs f4"/>
-                  <a:gd name="f13" fmla="abs f5"/>
-                  <a:gd name="f14" fmla="abs f6"/>
-                  <a:gd name="f15" fmla="pin 0 f0 21600"/>
-                  <a:gd name="f16" fmla="*/ f11 f1 1"/>
-                  <a:gd name="f17" fmla="?: f12 f4 1"/>
-                  <a:gd name="f18" fmla="?: f13 f5 1"/>
-                  <a:gd name="f19" fmla="?: f14 f6 1"/>
-                  <a:gd name="f20" fmla="val f15"/>
-                  <a:gd name="f21" fmla="*/ f16 1 f3"/>
-                  <a:gd name="f22" fmla="*/ f17 1 21600"/>
-                  <a:gd name="f23" fmla="*/ f18 1 21600"/>
-                  <a:gd name="f24" fmla="*/ 21600 f17 1"/>
-                  <a:gd name="f25" fmla="*/ 21600 f18 1"/>
-                  <a:gd name="f26" fmla="+- f7 f20 0"/>
-                  <a:gd name="f27" fmla="+- f21 0 f2"/>
-                  <a:gd name="f28" fmla="min f23 f22"/>
-                  <a:gd name="f29" fmla="*/ f24 1 f19"/>
-                  <a:gd name="f30" fmla="*/ f25 1 f19"/>
-                  <a:gd name="f31" fmla="+- f30 0 f20"/>
-                  <a:gd name="f32" fmla="+- f29 0 f20"/>
-                  <a:gd name="f33" fmla="+- f29 0 f26"/>
-                  <a:gd name="f34" fmla="+- f30 0 f26"/>
-                  <a:gd name="f35" fmla="val f29"/>
-                  <a:gd name="f36" fmla="val f30"/>
-                  <a:gd name="f37" fmla="*/ f7 f28 1"/>
-                  <a:gd name="f38" fmla="*/ f15 f28 1"/>
-                  <a:gd name="f39" fmla="*/ f26 f28 1"/>
-                  <a:gd name="f40" fmla="*/ f30 f28 1"/>
-                  <a:gd name="f41" fmla="*/ f29 f28 1"/>
-                  <a:gd name="f42" fmla="*/ f33 1 2"/>
-                  <a:gd name="f43" fmla="*/ f34 1 2"/>
-                  <a:gd name="f44" fmla="*/ f32 f28 1"/>
-                  <a:gd name="f45" fmla="*/ f36 f28 1"/>
-                  <a:gd name="f46" fmla="*/ f35 f28 1"/>
-                  <a:gd name="f47" fmla="*/ f31 f28 1"/>
-                  <a:gd name="f48" fmla="+- f26 f42 0"/>
-                  <a:gd name="f49" fmla="+- f26 f43 0"/>
-                  <a:gd name="f50" fmla="*/ f42 f28 1"/>
-                  <a:gd name="f51" fmla="*/ f43 f28 1"/>
-                  <a:gd name="f52" fmla="*/ f48 f28 1"/>
-                  <a:gd name="f53" fmla="*/ f49 f28 1"/>
-                </a:gdLst>
-                <a:ahLst>
-                  <a:ahXY gdRefY="f0" minY="f7" maxY="f10">
-                    <a:pos x="f37" y="f38"/>
-                  </a:ahXY>
-                </a:ahLst>
-                <a:cxnLst>
-                  <a:cxn ang="3cd4">
-                    <a:pos x="hc" y="t"/>
-                  </a:cxn>
-                  <a:cxn ang="0">
-                    <a:pos x="r" y="vc"/>
-                  </a:cxn>
-                  <a:cxn ang="cd4">
-                    <a:pos x="hc" y="b"/>
-                  </a:cxn>
-                  <a:cxn ang="cd2">
-                    <a:pos x="l" y="vc"/>
-                  </a:cxn>
-                  <a:cxn ang="f27">
-                    <a:pos x="f52" y="f37"/>
-                  </a:cxn>
-                  <a:cxn ang="f27">
-                    <a:pos x="f50" y="f39"/>
-                  </a:cxn>
-                  <a:cxn ang="f27">
-                    <a:pos x="f37" y="f53"/>
-                  </a:cxn>
-                  <a:cxn ang="f27">
-                    <a:pos x="f50" y="f40"/>
-                  </a:cxn>
-                  <a:cxn ang="f27">
-                    <a:pos x="f44" y="f53"/>
-                  </a:cxn>
-                  <a:cxn ang="f27">
-                    <a:pos x="f41" y="f51"/>
-                  </a:cxn>
-                </a:cxnLst>
-                <a:rect l="f37" t="f39" r="f44" b="f45"/>
-                <a:pathLst>
-                  <a:path>
-                    <a:moveTo>
-                      <a:pt x="f37" y="f45"/>
-                    </a:moveTo>
-                    <a:lnTo>
-                      <a:pt x="f37" y="f39"/>
-                    </a:lnTo>
-                    <a:lnTo>
-                      <a:pt x="f39" y="f37"/>
-                    </a:lnTo>
-                    <a:lnTo>
-                      <a:pt x="f46" y="f37"/>
-                    </a:lnTo>
-                    <a:lnTo>
-                      <a:pt x="f46" y="f47"/>
-                    </a:lnTo>
-                    <a:lnTo>
-                      <a:pt x="f44" y="f45"/>
-                    </a:lnTo>
-                    <a:close/>
-                  </a:path>
-                  <a:path>
-                    <a:moveTo>
-                      <a:pt x="f37" y="f39"/>
-                    </a:moveTo>
-                    <a:lnTo>
-                      <a:pt x="f39" y="f37"/>
-                    </a:lnTo>
-                    <a:lnTo>
-                      <a:pt x="f46" y="f37"/>
-                    </a:lnTo>
-                    <a:lnTo>
-                      <a:pt x="f44" y="f39"/>
-                    </a:lnTo>
-                    <a:close/>
-                  </a:path>
-                  <a:path>
-                    <a:moveTo>
-                      <a:pt x="f44" y="f45"/>
-                    </a:moveTo>
-                    <a:lnTo>
-                      <a:pt x="f44" y="f39"/>
-                    </a:lnTo>
-                    <a:lnTo>
-                      <a:pt x="f46" y="f37"/>
-                    </a:lnTo>
-                    <a:lnTo>
-                      <a:pt x="f46" y="f47"/>
-                    </a:lnTo>
-                    <a:close/>
-                  </a:path>
-                </a:pathLst>
-              </a:custGeom>
-              <a:solidFill>
-                <a:srgbClr val="333399"/>
-              </a:solidFill>
-              <a:ln w="9360">
-                <a:solidFill>
-                  <a:srgbClr val="000000"/>
-                </a:solidFill>
-                <a:prstDash val="solid"/>
-                <a:miter/>
-              </a:ln>
-            </p:spPr>
-            <p:txBody>
-              <a:bodyPr vert="horz" wrap="square" lIns="158760" tIns="82440" rIns="158760" bIns="82440" anchor="t" anchorCtr="0" compatLnSpc="1">
-                <a:noAutofit/>
-              </a:bodyPr>
-              <a:lstStyle/>
-              <a:p>
-                <a:pPr marL="0" marR="0" lvl="0" indent="0" algn="l" rtl="0" hangingPunct="1">
-                  <a:lnSpc>
-                    <a:spcPct val="100000"/>
-                  </a:lnSpc>
-                  <a:spcBef>
-                    <a:spcPts val="0"/>
-                  </a:spcBef>
-                  <a:spcAft>
-                    <a:spcPts val="0"/>
-                  </a:spcAft>
-                  <a:buNone/>
-                  <a:tabLst>
-                    <a:tab pos="0" algn="l"/>
-                    <a:tab pos="914400" algn="l"/>
-                    <a:tab pos="1828800" algn="l"/>
-                    <a:tab pos="2743199" algn="l"/>
-                    <a:tab pos="3657600" algn="l"/>
-                    <a:tab pos="4572000" algn="l"/>
-                    <a:tab pos="5486399" algn="l"/>
-                    <a:tab pos="6400799" algn="l"/>
-                    <a:tab pos="7315200" algn="l"/>
-                    <a:tab pos="8229600" algn="l"/>
-                    <a:tab pos="9144000" algn="l"/>
-                    <a:tab pos="10058400" algn="l"/>
-                  </a:tabLst>
-                </a:pPr>
-                <a:endParaRPr lang="en-US" sz="1800" b="0" i="0" u="none" strike="noStrike" baseline="0">
-                  <a:ln>
-                    <a:noFill/>
-                  </a:ln>
-                  <a:solidFill>
-                    <a:srgbClr val="000000"/>
-                  </a:solidFill>
-                  <a:latin typeface="Arial" pitchFamily="18"/>
-                  <a:ea typeface="SimSun" pitchFamily="2"/>
-                  <a:cs typeface="Mangal" pitchFamily="2"/>
-                </a:endParaRPr>
-              </a:p>
-            </p:txBody>
-          </p:sp>
-          <p:grpSp>
-            <p:nvGrpSpPr>
-              <p:cNvPr id="283" name="Group 282"/>
-              <p:cNvGrpSpPr/>
-              <p:nvPr/>
-            </p:nvGrpSpPr>
-            <p:grpSpPr>
-              <a:xfrm>
-                <a:off x="-2961719" y="4722840"/>
-                <a:ext cx="475560" cy="45000"/>
-                <a:chOff x="-2961719" y="4722840"/>
-                <a:chExt cx="475560" cy="45000"/>
-              </a:xfrm>
-            </p:grpSpPr>
-            <p:sp>
-              <p:nvSpPr>
-                <p:cNvPr id="289" name="Freeform 288"/>
-                <p:cNvSpPr/>
-                <p:nvPr/>
-              </p:nvSpPr>
-              <p:spPr>
-                <a:xfrm>
-                  <a:off x="-2961359" y="4722840"/>
-                  <a:ext cx="475200" cy="45000"/>
-                </a:xfrm>
-                <a:custGeom>
-                  <a:avLst/>
-                  <a:gdLst>
-                    <a:gd name="f0" fmla="val 0"/>
-                    <a:gd name="f1" fmla="val 4860"/>
-                    <a:gd name="f2" fmla="val 540"/>
-                    <a:gd name="f3" fmla="val 143"/>
-                    <a:gd name="f4" fmla="val 142"/>
-                    <a:gd name="f5" fmla="val 4725"/>
-                    <a:gd name="f6" fmla="val 4852"/>
-                  </a:gdLst>
-                  <a:ahLst/>
-                  <a:cxnLst>
-                    <a:cxn ang="3cd4">
-                      <a:pos x="hc" y="t"/>
-                    </a:cxn>
-                    <a:cxn ang="0">
-                      <a:pos x="r" y="vc"/>
-                    </a:cxn>
-                    <a:cxn ang="cd4">
-                      <a:pos x="hc" y="b"/>
-                    </a:cxn>
-                    <a:cxn ang="cd2">
-                      <a:pos x="l" y="vc"/>
-                    </a:cxn>
-                  </a:cxnLst>
-                  <a:rect l="l" t="t" r="r" b="b"/>
-                  <a:pathLst>
-                    <a:path w="4860" h="540">
-                      <a:moveTo>
-                        <a:pt x="f0" y="f2"/>
-                      </a:moveTo>
-                      <a:lnTo>
-                        <a:pt x="f0" y="f3"/>
-                      </a:lnTo>
-                      <a:lnTo>
-                        <a:pt x="f4" y="f0"/>
-                      </a:lnTo>
-                      <a:lnTo>
-                        <a:pt x="f5" y="f0"/>
-                      </a:lnTo>
-                      <a:lnTo>
-                        <a:pt x="f6" y="f3"/>
-                      </a:lnTo>
-                      <a:lnTo>
-                        <a:pt x="f1" y="f2"/>
-                      </a:lnTo>
-                      <a:lnTo>
-                        <a:pt x="f0" y="f2"/>
-                      </a:lnTo>
-                      <a:close/>
-                    </a:path>
-                  </a:pathLst>
-                </a:custGeom>
-                <a:solidFill>
-                  <a:srgbClr val="333399"/>
-                </a:solidFill>
-                <a:ln w="9360">
-                  <a:solidFill>
-                    <a:srgbClr val="000000"/>
-                  </a:solidFill>
-                  <a:prstDash val="solid"/>
-                  <a:round/>
-                </a:ln>
-              </p:spPr>
-              <p:txBody>
-                <a:bodyPr vert="horz" wrap="square" lIns="158760" tIns="82440" rIns="158760" bIns="82440" anchor="t" anchorCtr="0" compatLnSpc="1">
-                  <a:noAutofit/>
-                </a:bodyPr>
-                <a:lstStyle/>
-                <a:p>
-                  <a:pPr marL="0" marR="0" lvl="0" indent="0" algn="l" rtl="0" hangingPunct="1">
-                    <a:lnSpc>
-                      <a:spcPct val="100000"/>
-                    </a:lnSpc>
-                    <a:spcBef>
-                      <a:spcPts val="0"/>
-                    </a:spcBef>
-                    <a:spcAft>
-                      <a:spcPts val="0"/>
-                    </a:spcAft>
-                    <a:buNone/>
-                    <a:tabLst>
-                      <a:tab pos="0" algn="l"/>
-                      <a:tab pos="914400" algn="l"/>
-                      <a:tab pos="1828800" algn="l"/>
-                      <a:tab pos="2743199" algn="l"/>
-                      <a:tab pos="3657600" algn="l"/>
-                      <a:tab pos="4572000" algn="l"/>
-                      <a:tab pos="5486399" algn="l"/>
-                      <a:tab pos="6400799" algn="l"/>
-                      <a:tab pos="7315200" algn="l"/>
-                      <a:tab pos="8229600" algn="l"/>
-                      <a:tab pos="9144000" algn="l"/>
-                      <a:tab pos="10058400" algn="l"/>
-                    </a:tabLst>
-                  </a:pPr>
-                  <a:endParaRPr lang="en-US" sz="1800" b="0" i="0" u="none" strike="noStrike" baseline="0">
-                    <a:ln>
-                      <a:noFill/>
-                    </a:ln>
-                    <a:solidFill>
-                      <a:srgbClr val="000000"/>
-                    </a:solidFill>
-                    <a:latin typeface="Arial" pitchFamily="18"/>
-                    <a:ea typeface="SimSun" pitchFamily="2"/>
-                    <a:cs typeface="Mangal" pitchFamily="2"/>
-                  </a:endParaRPr>
-                </a:p>
-              </p:txBody>
-            </p:sp>
-            <p:sp>
-              <p:nvSpPr>
-                <p:cNvPr id="290" name="Straight Connector 289"/>
-                <p:cNvSpPr/>
-                <p:nvPr/>
-              </p:nvSpPr>
-              <p:spPr>
-                <a:xfrm>
-                  <a:off x="-2961719" y="4735440"/>
-                  <a:ext cx="473759" cy="0"/>
-                </a:xfrm>
-                <a:prstGeom prst="line">
-                  <a:avLst/>
-                </a:prstGeom>
-                <a:noFill/>
-                <a:ln w="9360">
-                  <a:solidFill>
-                    <a:srgbClr val="000000"/>
-                  </a:solidFill>
-                  <a:prstDash val="solid"/>
-                  <a:miter/>
-                </a:ln>
-              </p:spPr>
-              <p:txBody>
-                <a:bodyPr vert="horz" wrap="square" lIns="158760" tIns="82440" rIns="158760" bIns="82440" anchor="t" anchorCtr="0" compatLnSpc="1">
-                  <a:noAutofit/>
-                </a:bodyPr>
-                <a:lstStyle/>
-                <a:p>
-                  <a:pPr marL="0" marR="0" lvl="0" indent="0" algn="l" rtl="0" hangingPunct="1">
-                    <a:lnSpc>
-                      <a:spcPct val="100000"/>
-                    </a:lnSpc>
-                    <a:spcBef>
-                      <a:spcPts val="0"/>
-                    </a:spcBef>
-                    <a:spcAft>
-                      <a:spcPts val="0"/>
-                    </a:spcAft>
-                    <a:buNone/>
-                    <a:tabLst>
-                      <a:tab pos="0" algn="l"/>
-                      <a:tab pos="914400" algn="l"/>
-                      <a:tab pos="1828800" algn="l"/>
-                      <a:tab pos="2743199" algn="l"/>
-                      <a:tab pos="3657600" algn="l"/>
-                      <a:tab pos="4572000" algn="l"/>
-                      <a:tab pos="5486399" algn="l"/>
-                      <a:tab pos="6400799" algn="l"/>
-                      <a:tab pos="7315200" algn="l"/>
-                      <a:tab pos="8229600" algn="l"/>
-                      <a:tab pos="9144000" algn="l"/>
-                      <a:tab pos="10058400" algn="l"/>
-                    </a:tabLst>
-                  </a:pPr>
-                  <a:endParaRPr lang="en-US" sz="1800" b="0" i="0" u="none" strike="noStrike" baseline="0">
-                    <a:ln>
-                      <a:noFill/>
-                    </a:ln>
-                    <a:solidFill>
-                      <a:srgbClr val="000000"/>
-                    </a:solidFill>
-                    <a:latin typeface="Arial" pitchFamily="18"/>
-                    <a:ea typeface="SimSun" pitchFamily="2"/>
-                    <a:cs typeface="Mangal" pitchFamily="2"/>
-                  </a:endParaRPr>
-                </a:p>
-              </p:txBody>
-            </p:sp>
-          </p:grpSp>
-          <p:grpSp>
-            <p:nvGrpSpPr>
-              <p:cNvPr id="284" name="Group 283"/>
-              <p:cNvGrpSpPr/>
-              <p:nvPr/>
-            </p:nvGrpSpPr>
-            <p:grpSpPr>
-              <a:xfrm>
-                <a:off x="-2753280" y="4299840"/>
-                <a:ext cx="60120" cy="434880"/>
-                <a:chOff x="-2753280" y="4299840"/>
-                <a:chExt cx="60120" cy="434880"/>
-              </a:xfrm>
-            </p:grpSpPr>
-            <p:sp>
-              <p:nvSpPr>
-                <p:cNvPr id="287" name="Freeform 286"/>
-                <p:cNvSpPr/>
-                <p:nvPr/>
-              </p:nvSpPr>
-              <p:spPr>
-                <a:xfrm>
-                  <a:off x="-2753280" y="4299840"/>
-                  <a:ext cx="29880" cy="434880"/>
-                </a:xfrm>
-                <a:custGeom>
-                  <a:avLst/>
-                  <a:gdLst>
-                    <a:gd name="f0" fmla="val 0"/>
-                    <a:gd name="f1" fmla="val 21600"/>
-                  </a:gdLst>
-                  <a:ahLst/>
-                  <a:cxnLst>
-                    <a:cxn ang="3cd4">
-                      <a:pos x="hc" y="t"/>
-                    </a:cxn>
-                    <a:cxn ang="0">
-                      <a:pos x="r" y="vc"/>
-                    </a:cxn>
-                    <a:cxn ang="cd4">
-                      <a:pos x="hc" y="b"/>
-                    </a:cxn>
-                    <a:cxn ang="cd2">
-                      <a:pos x="l" y="vc"/>
-                    </a:cxn>
-                  </a:cxnLst>
-                  <a:rect l="l" t="t" r="r" b="b"/>
-                  <a:pathLst>
-                    <a:path w="21600" h="21600">
-                      <a:moveTo>
-                        <a:pt x="f0" y="f0"/>
-                      </a:moveTo>
-                      <a:lnTo>
-                        <a:pt x="f1" y="f0"/>
-                      </a:lnTo>
-                      <a:lnTo>
-                        <a:pt x="f1" y="f1"/>
-                      </a:lnTo>
-                      <a:lnTo>
-                        <a:pt x="f0" y="f1"/>
-                      </a:lnTo>
-                      <a:lnTo>
-                        <a:pt x="f0" y="f0"/>
-                      </a:lnTo>
-                      <a:close/>
-                    </a:path>
-                  </a:pathLst>
-                </a:custGeom>
-                <a:solidFill>
-                  <a:srgbClr val="333399"/>
-                </a:solidFill>
-                <a:ln w="9360">
-                  <a:solidFill>
-                    <a:srgbClr val="000000"/>
-                  </a:solidFill>
-                  <a:prstDash val="solid"/>
-                  <a:miter/>
-                </a:ln>
-              </p:spPr>
-              <p:txBody>
-                <a:bodyPr vert="horz" wrap="square" lIns="158760" tIns="82440" rIns="158760" bIns="82440" anchor="t" anchorCtr="0" compatLnSpc="1">
-                  <a:noAutofit/>
-                </a:bodyPr>
-                <a:lstStyle/>
-                <a:p>
-                  <a:pPr marL="0" marR="0" lvl="0" indent="0" algn="l" rtl="0" hangingPunct="1">
-                    <a:lnSpc>
-                      <a:spcPct val="100000"/>
-                    </a:lnSpc>
-                    <a:spcBef>
-                      <a:spcPts val="0"/>
-                    </a:spcBef>
-                    <a:spcAft>
-                      <a:spcPts val="0"/>
-                    </a:spcAft>
-                    <a:buNone/>
-                    <a:tabLst>
-                      <a:tab pos="0" algn="l"/>
-                      <a:tab pos="914400" algn="l"/>
-                      <a:tab pos="1828800" algn="l"/>
-                      <a:tab pos="2743199" algn="l"/>
-                      <a:tab pos="3657600" algn="l"/>
-                      <a:tab pos="4572000" algn="l"/>
-                      <a:tab pos="5486399" algn="l"/>
-                      <a:tab pos="6400799" algn="l"/>
-                      <a:tab pos="7315200" algn="l"/>
-                      <a:tab pos="8229600" algn="l"/>
-                      <a:tab pos="9144000" algn="l"/>
-                      <a:tab pos="10058400" algn="l"/>
-                    </a:tabLst>
-                  </a:pPr>
-                  <a:endParaRPr lang="en-US" sz="1800" b="0" i="0" u="none" strike="noStrike" baseline="0">
-                    <a:ln>
-                      <a:noFill/>
-                    </a:ln>
-                    <a:solidFill>
-                      <a:srgbClr val="000000"/>
-                    </a:solidFill>
-                    <a:latin typeface="Arial" pitchFamily="18"/>
-                    <a:ea typeface="SimSun" pitchFamily="2"/>
-                    <a:cs typeface="Mangal" pitchFamily="2"/>
-                  </a:endParaRPr>
-                </a:p>
-              </p:txBody>
-            </p:sp>
-            <p:sp>
-              <p:nvSpPr>
-                <p:cNvPr id="288" name="Freeform 287"/>
-                <p:cNvSpPr/>
-                <p:nvPr/>
-              </p:nvSpPr>
-              <p:spPr>
-                <a:xfrm>
-                  <a:off x="-2723400" y="4299840"/>
-                  <a:ext cx="30240" cy="434880"/>
-                </a:xfrm>
-                <a:custGeom>
-                  <a:avLst/>
-                  <a:gdLst>
-                    <a:gd name="f0" fmla="val 0"/>
-                    <a:gd name="f1" fmla="val 21600"/>
-                  </a:gdLst>
-                  <a:ahLst/>
-                  <a:cxnLst>
-                    <a:cxn ang="3cd4">
-                      <a:pos x="hc" y="t"/>
-                    </a:cxn>
-                    <a:cxn ang="0">
-                      <a:pos x="r" y="vc"/>
-                    </a:cxn>
-                    <a:cxn ang="cd4">
-                      <a:pos x="hc" y="b"/>
-                    </a:cxn>
-                    <a:cxn ang="cd2">
-                      <a:pos x="l" y="vc"/>
-                    </a:cxn>
-                  </a:cxnLst>
-                  <a:rect l="l" t="t" r="r" b="b"/>
-                  <a:pathLst>
-                    <a:path w="21600" h="21600">
-                      <a:moveTo>
-                        <a:pt x="f0" y="f0"/>
-                      </a:moveTo>
-                      <a:lnTo>
-                        <a:pt x="f1" y="f0"/>
-                      </a:lnTo>
-                      <a:lnTo>
-                        <a:pt x="f1" y="f1"/>
-                      </a:lnTo>
-                      <a:lnTo>
-                        <a:pt x="f0" y="f1"/>
-                      </a:lnTo>
-                      <a:lnTo>
-                        <a:pt x="f0" y="f0"/>
-                      </a:lnTo>
-                      <a:close/>
-                    </a:path>
-                  </a:pathLst>
-                </a:custGeom>
-                <a:solidFill>
-                  <a:srgbClr val="333399"/>
-                </a:solidFill>
-                <a:ln w="9360">
-                  <a:solidFill>
-                    <a:srgbClr val="000000"/>
-                  </a:solidFill>
-                  <a:prstDash val="solid"/>
-                  <a:miter/>
-                </a:ln>
-              </p:spPr>
-              <p:txBody>
-                <a:bodyPr vert="horz" wrap="square" lIns="158760" tIns="82440" rIns="158760" bIns="82440" anchor="t" anchorCtr="0" compatLnSpc="1">
-                  <a:noAutofit/>
-                </a:bodyPr>
-                <a:lstStyle/>
-                <a:p>
-                  <a:pPr marL="0" marR="0" lvl="0" indent="0" algn="l" rtl="0" hangingPunct="1">
-                    <a:lnSpc>
-                      <a:spcPct val="100000"/>
-                    </a:lnSpc>
-                    <a:spcBef>
-                      <a:spcPts val="0"/>
-                    </a:spcBef>
-                    <a:spcAft>
-                      <a:spcPts val="0"/>
-                    </a:spcAft>
-                    <a:buNone/>
-                    <a:tabLst>
-                      <a:tab pos="0" algn="l"/>
-                      <a:tab pos="914400" algn="l"/>
-                      <a:tab pos="1828800" algn="l"/>
-                      <a:tab pos="2743199" algn="l"/>
-                      <a:tab pos="3657600" algn="l"/>
-                      <a:tab pos="4572000" algn="l"/>
-                      <a:tab pos="5486399" algn="l"/>
-                      <a:tab pos="6400799" algn="l"/>
-                      <a:tab pos="7315200" algn="l"/>
-                      <a:tab pos="8229600" algn="l"/>
-                      <a:tab pos="9144000" algn="l"/>
-                      <a:tab pos="10058400" algn="l"/>
-                    </a:tabLst>
-                  </a:pPr>
-                  <a:endParaRPr lang="en-US" sz="1800" b="0" i="0" u="none" strike="noStrike" baseline="0">
-                    <a:ln>
-                      <a:noFill/>
-                    </a:ln>
-                    <a:solidFill>
-                      <a:srgbClr val="000000"/>
-                    </a:solidFill>
-                    <a:latin typeface="Arial" pitchFamily="18"/>
-                    <a:ea typeface="SimSun" pitchFamily="2"/>
-                    <a:cs typeface="Mangal" pitchFamily="2"/>
-                  </a:endParaRPr>
-                </a:p>
-              </p:txBody>
-            </p:sp>
-          </p:grpSp>
-          <p:sp>
-            <p:nvSpPr>
-              <p:cNvPr id="285" name="Freeform 284"/>
-              <p:cNvSpPr/>
-              <p:nvPr/>
-            </p:nvSpPr>
-            <p:spPr>
-              <a:xfrm rot="36000">
-                <a:off x="-3027892" y="4662289"/>
-                <a:ext cx="124560" cy="123840"/>
-              </a:xfrm>
-              <a:custGeom>
-                <a:avLst>
-                  <a:gd name="f0" fmla="val 16600"/>
-                </a:avLst>
-                <a:gdLst>
-                  <a:gd name="f1" fmla="val 10800000"/>
-                  <a:gd name="f2" fmla="val 5400000"/>
-                  <a:gd name="f3" fmla="val 180"/>
-                  <a:gd name="f4" fmla="val w"/>
-                  <a:gd name="f5" fmla="val h"/>
-                  <a:gd name="f6" fmla="val ss"/>
-                  <a:gd name="f7" fmla="val 0"/>
-                  <a:gd name="f8" fmla="val -2147483647"/>
-                  <a:gd name="f9" fmla="val 2147483647"/>
-                  <a:gd name="f10" fmla="val 21600"/>
-                  <a:gd name="f11" fmla="+- 0 0 0"/>
-                  <a:gd name="f12" fmla="abs f4"/>
-                  <a:gd name="f13" fmla="abs f5"/>
-                  <a:gd name="f14" fmla="abs f6"/>
-                  <a:gd name="f15" fmla="pin 0 f0 21600"/>
-                  <a:gd name="f16" fmla="*/ f11 f1 1"/>
-                  <a:gd name="f17" fmla="?: f12 f4 1"/>
-                  <a:gd name="f18" fmla="?: f13 f5 1"/>
-                  <a:gd name="f19" fmla="?: f14 f6 1"/>
-                  <a:gd name="f20" fmla="val f15"/>
-                  <a:gd name="f21" fmla="*/ f16 1 f3"/>
-                  <a:gd name="f22" fmla="*/ f17 1 21600"/>
-                  <a:gd name="f23" fmla="*/ f18 1 21600"/>
-                  <a:gd name="f24" fmla="*/ 21600 f17 1"/>
-                  <a:gd name="f25" fmla="*/ 21600 f18 1"/>
-                  <a:gd name="f26" fmla="+- f7 f20 0"/>
-                  <a:gd name="f27" fmla="+- f21 0 f2"/>
-                  <a:gd name="f28" fmla="min f23 f22"/>
-                  <a:gd name="f29" fmla="*/ f24 1 f19"/>
-                  <a:gd name="f30" fmla="*/ f25 1 f19"/>
-                  <a:gd name="f31" fmla="+- f30 0 f20"/>
-                  <a:gd name="f32" fmla="+- f29 0 f20"/>
-                  <a:gd name="f33" fmla="+- f29 0 f26"/>
-                  <a:gd name="f34" fmla="+- f30 0 f26"/>
-                  <a:gd name="f35" fmla="val f29"/>
-                  <a:gd name="f36" fmla="val f30"/>
-                  <a:gd name="f37" fmla="*/ f7 f28 1"/>
-                  <a:gd name="f38" fmla="*/ f15 f28 1"/>
-                  <a:gd name="f39" fmla="*/ f26 f28 1"/>
-                  <a:gd name="f40" fmla="*/ f30 f28 1"/>
-                  <a:gd name="f41" fmla="*/ f29 f28 1"/>
-                  <a:gd name="f42" fmla="*/ f33 1 2"/>
-                  <a:gd name="f43" fmla="*/ f34 1 2"/>
-                  <a:gd name="f44" fmla="*/ f32 f28 1"/>
-                  <a:gd name="f45" fmla="*/ f36 f28 1"/>
-                  <a:gd name="f46" fmla="*/ f35 f28 1"/>
-                  <a:gd name="f47" fmla="*/ f31 f28 1"/>
-                  <a:gd name="f48" fmla="+- f26 f42 0"/>
-                  <a:gd name="f49" fmla="+- f26 f43 0"/>
-                  <a:gd name="f50" fmla="*/ f42 f28 1"/>
-                  <a:gd name="f51" fmla="*/ f43 f28 1"/>
-                  <a:gd name="f52" fmla="*/ f48 f28 1"/>
-                  <a:gd name="f53" fmla="*/ f49 f28 1"/>
-                </a:gdLst>
-                <a:ahLst>
-                  <a:ahXY gdRefY="f0" minY="f7" maxY="f10">
-                    <a:pos x="f37" y="f38"/>
-                  </a:ahXY>
-                </a:ahLst>
-                <a:cxnLst>
-                  <a:cxn ang="3cd4">
-                    <a:pos x="hc" y="t"/>
-                  </a:cxn>
-                  <a:cxn ang="0">
-                    <a:pos x="r" y="vc"/>
-                  </a:cxn>
-                  <a:cxn ang="cd4">
-                    <a:pos x="hc" y="b"/>
-                  </a:cxn>
-                  <a:cxn ang="cd2">
-                    <a:pos x="l" y="vc"/>
-                  </a:cxn>
-                  <a:cxn ang="f27">
-                    <a:pos x="f52" y="f37"/>
-                  </a:cxn>
-                  <a:cxn ang="f27">
-                    <a:pos x="f50" y="f39"/>
-                  </a:cxn>
-                  <a:cxn ang="f27">
-                    <a:pos x="f37" y="f53"/>
-                  </a:cxn>
-                  <a:cxn ang="f27">
-                    <a:pos x="f50" y="f40"/>
-                  </a:cxn>
-                  <a:cxn ang="f27">
-                    <a:pos x="f44" y="f53"/>
-                  </a:cxn>
-                  <a:cxn ang="f27">
-                    <a:pos x="f41" y="f51"/>
-                  </a:cxn>
-                </a:cxnLst>
-                <a:rect l="f37" t="f39" r="f44" b="f45"/>
-                <a:pathLst>
-                  <a:path>
-                    <a:moveTo>
-                      <a:pt x="f37" y="f45"/>
-                    </a:moveTo>
-                    <a:lnTo>
-                      <a:pt x="f37" y="f39"/>
-                    </a:lnTo>
-                    <a:lnTo>
-                      <a:pt x="f39" y="f37"/>
-                    </a:lnTo>
-                    <a:lnTo>
-                      <a:pt x="f46" y="f37"/>
-                    </a:lnTo>
-                    <a:lnTo>
-                      <a:pt x="f46" y="f47"/>
-                    </a:lnTo>
-                    <a:lnTo>
-                      <a:pt x="f44" y="f45"/>
-                    </a:lnTo>
-                    <a:close/>
-                  </a:path>
-                  <a:path>
-                    <a:moveTo>
-                      <a:pt x="f37" y="f39"/>
-                    </a:moveTo>
-                    <a:lnTo>
-                      <a:pt x="f39" y="f37"/>
-                    </a:lnTo>
-                    <a:lnTo>
-                      <a:pt x="f46" y="f37"/>
-                    </a:lnTo>
-                    <a:lnTo>
-                      <a:pt x="f44" y="f39"/>
-                    </a:lnTo>
-                    <a:close/>
-                  </a:path>
-                  <a:path>
-                    <a:moveTo>
-                      <a:pt x="f44" y="f45"/>
-                    </a:moveTo>
-                    <a:lnTo>
-                      <a:pt x="f44" y="f39"/>
-                    </a:lnTo>
-                    <a:lnTo>
-                      <a:pt x="f46" y="f37"/>
-                    </a:lnTo>
-                    <a:lnTo>
-                      <a:pt x="f46" y="f47"/>
-                    </a:lnTo>
-                    <a:close/>
-                  </a:path>
-                </a:pathLst>
-              </a:custGeom>
-              <a:solidFill>
-                <a:srgbClr val="333399"/>
-              </a:solidFill>
-              <a:ln w="9360">
-                <a:solidFill>
-                  <a:srgbClr val="000000"/>
-                </a:solidFill>
-                <a:prstDash val="solid"/>
-                <a:miter/>
-              </a:ln>
-            </p:spPr>
-            <p:txBody>
-              <a:bodyPr vert="horz" wrap="square" lIns="158760" tIns="82440" rIns="158760" bIns="82440" anchor="t" anchorCtr="0" compatLnSpc="1">
-                <a:noAutofit/>
-              </a:bodyPr>
-              <a:lstStyle/>
-              <a:p>
-                <a:pPr marL="0" marR="0" lvl="0" indent="0" algn="l" rtl="0" hangingPunct="1">
-                  <a:lnSpc>
-                    <a:spcPct val="100000"/>
-                  </a:lnSpc>
-                  <a:spcBef>
-                    <a:spcPts val="0"/>
-                  </a:spcBef>
-                  <a:spcAft>
-                    <a:spcPts val="0"/>
-                  </a:spcAft>
-                  <a:buNone/>
-                  <a:tabLst>
-                    <a:tab pos="0" algn="l"/>
-                    <a:tab pos="914400" algn="l"/>
-                    <a:tab pos="1828800" algn="l"/>
-                    <a:tab pos="2743199" algn="l"/>
-                    <a:tab pos="3657600" algn="l"/>
-                    <a:tab pos="4572000" algn="l"/>
-                    <a:tab pos="5486399" algn="l"/>
-                    <a:tab pos="6400799" algn="l"/>
-                    <a:tab pos="7315200" algn="l"/>
-                    <a:tab pos="8229600" algn="l"/>
-                    <a:tab pos="9144000" algn="l"/>
-                    <a:tab pos="10058400" algn="l"/>
-                  </a:tabLst>
-                </a:pPr>
-                <a:endParaRPr lang="en-US" sz="1800" b="0" i="0" u="none" strike="noStrike" baseline="0">
-                  <a:ln>
-                    <a:noFill/>
-                  </a:ln>
-                  <a:solidFill>
-                    <a:srgbClr val="000000"/>
-                  </a:solidFill>
-                  <a:latin typeface="Arial" pitchFamily="18"/>
-                  <a:ea typeface="SimSun" pitchFamily="2"/>
-                  <a:cs typeface="Mangal" pitchFamily="2"/>
-                </a:endParaRPr>
-              </a:p>
-            </p:txBody>
-          </p:sp>
-          <p:sp>
-            <p:nvSpPr>
-              <p:cNvPr id="286" name="Freeform 285"/>
-              <p:cNvSpPr/>
-              <p:nvPr/>
-            </p:nvSpPr>
-            <p:spPr>
-              <a:xfrm>
-                <a:off x="-3133800" y="4274640"/>
-                <a:ext cx="847799" cy="25200"/>
-              </a:xfrm>
-              <a:custGeom>
-                <a:avLst/>
-                <a:gdLst>
-                  <a:gd name="f0" fmla="val 0"/>
-                  <a:gd name="f1" fmla="val 4860"/>
-                  <a:gd name="f2" fmla="val 540"/>
-                  <a:gd name="f3" fmla="val 143"/>
-                  <a:gd name="f4" fmla="val 142"/>
-                  <a:gd name="f5" fmla="val 4725"/>
-                  <a:gd name="f6" fmla="val 4852"/>
-                </a:gdLst>
-                <a:ahLst/>
-                <a:cxnLst>
-                  <a:cxn ang="3cd4">
-                    <a:pos x="hc" y="t"/>
-                  </a:cxn>
-                  <a:cxn ang="0">
-                    <a:pos x="r" y="vc"/>
-                  </a:cxn>
-                  <a:cxn ang="cd4">
-                    <a:pos x="hc" y="b"/>
-                  </a:cxn>
-                  <a:cxn ang="cd2">
-                    <a:pos x="l" y="vc"/>
-                  </a:cxn>
-                </a:cxnLst>
-                <a:rect l="l" t="t" r="r" b="b"/>
-                <a:pathLst>
-                  <a:path w="4860" h="540">
-                    <a:moveTo>
-                      <a:pt x="f0" y="f2"/>
-                    </a:moveTo>
-                    <a:lnTo>
-                      <a:pt x="f0" y="f3"/>
-                    </a:lnTo>
-                    <a:lnTo>
-                      <a:pt x="f4" y="f0"/>
-                    </a:lnTo>
-                    <a:lnTo>
-                      <a:pt x="f5" y="f0"/>
-                    </a:lnTo>
-                    <a:lnTo>
-                      <a:pt x="f6" y="f3"/>
-                    </a:lnTo>
-                    <a:lnTo>
-                      <a:pt x="f1" y="f2"/>
-                    </a:lnTo>
-                    <a:lnTo>
-                      <a:pt x="f0" y="f2"/>
-                    </a:lnTo>
-                    <a:close/>
-                  </a:path>
-                </a:pathLst>
-              </a:custGeom>
-              <a:solidFill>
-                <a:srgbClr val="333399"/>
-              </a:solidFill>
-              <a:ln w="9360">
-                <a:solidFill>
-                  <a:srgbClr val="000000"/>
-                </a:solidFill>
-                <a:prstDash val="solid"/>
-                <a:round/>
-              </a:ln>
-            </p:spPr>
-            <p:txBody>
-              <a:bodyPr vert="horz" wrap="square" lIns="158760" tIns="82440" rIns="158760" bIns="82440" anchor="t" anchorCtr="0" compatLnSpc="1">
-                <a:noAutofit/>
-              </a:bodyPr>
-              <a:lstStyle/>
-              <a:p>
-                <a:pPr marL="0" marR="0" lvl="0" indent="0" algn="l" rtl="0" hangingPunct="1">
-                  <a:lnSpc>
-                    <a:spcPct val="100000"/>
-                  </a:lnSpc>
-                  <a:spcBef>
-                    <a:spcPts val="0"/>
-                  </a:spcBef>
-                  <a:spcAft>
-                    <a:spcPts val="0"/>
-                  </a:spcAft>
-                  <a:buNone/>
-                  <a:tabLst>
-                    <a:tab pos="0" algn="l"/>
-                    <a:tab pos="914400" algn="l"/>
-                    <a:tab pos="1828800" algn="l"/>
-                    <a:tab pos="2743199" algn="l"/>
-                    <a:tab pos="3657600" algn="l"/>
-                    <a:tab pos="4572000" algn="l"/>
-                    <a:tab pos="5486399" algn="l"/>
-                    <a:tab pos="6400799" algn="l"/>
-                    <a:tab pos="7315200" algn="l"/>
-                    <a:tab pos="8229600" algn="l"/>
-                    <a:tab pos="9144000" algn="l"/>
-                    <a:tab pos="10058400" algn="l"/>
-                  </a:tabLst>
-                </a:pPr>
-                <a:endParaRPr lang="en-US" sz="1800" b="0" i="0" u="none" strike="noStrike" baseline="0">
-                  <a:ln>
-                    <a:noFill/>
-                  </a:ln>
-                  <a:solidFill>
-                    <a:srgbClr val="000000"/>
-                  </a:solidFill>
-                  <a:latin typeface="Arial" pitchFamily="18"/>
-                  <a:ea typeface="SimSun" pitchFamily="2"/>
-                  <a:cs typeface="Mangal" pitchFamily="2"/>
-                </a:endParaRPr>
-              </a:p>
-            </p:txBody>
-          </p:sp>
-        </p:grpSp>
-        <p:sp>
-          <p:nvSpPr>
-            <p:cNvPr id="274" name="Freeform 273"/>
-            <p:cNvSpPr/>
-            <p:nvPr/>
-          </p:nvSpPr>
-          <p:spPr>
-            <a:xfrm rot="10788000">
-              <a:off x="-2719615" y="809195"/>
-              <a:ext cx="143640" cy="143640"/>
-            </a:xfrm>
-            <a:custGeom>
-              <a:avLst/>
-              <a:gdLst>
-                <a:gd name="f0" fmla="val 10800000"/>
-                <a:gd name="f1" fmla="val 5400000"/>
-                <a:gd name="f2" fmla="val 180"/>
-                <a:gd name="f3" fmla="val w"/>
-                <a:gd name="f4" fmla="val h"/>
-                <a:gd name="f5" fmla="*/ 5419351 1 1725033"/>
-                <a:gd name="f6" fmla="*/ 10800 10800 1"/>
-                <a:gd name="f7" fmla="+- 0 0 0"/>
-                <a:gd name="f8" fmla="+- 0 0 360"/>
-                <a:gd name="f9" fmla="val 10800"/>
-                <a:gd name="f10" fmla="*/ f3 1 21600"/>
-                <a:gd name="f11" fmla="*/ f4 1 21600"/>
-                <a:gd name="f12" fmla="*/ 0 f5 1"/>
-                <a:gd name="f13" fmla="*/ f7 f0 1"/>
-                <a:gd name="f14" fmla="*/ f8 f0 1"/>
-                <a:gd name="f15" fmla="*/ 3163 f10 1"/>
-                <a:gd name="f16" fmla="*/ 18437 f10 1"/>
-                <a:gd name="f17" fmla="*/ 18437 f11 1"/>
-                <a:gd name="f18" fmla="*/ 3163 f11 1"/>
-                <a:gd name="f19" fmla="*/ f12 1 f2"/>
-                <a:gd name="f20" fmla="*/ f13 1 f2"/>
-                <a:gd name="f21" fmla="*/ f14 1 f2"/>
-                <a:gd name="f22" fmla="*/ 10800 f10 1"/>
-                <a:gd name="f23" fmla="*/ 0 f11 1"/>
-                <a:gd name="f24" fmla="*/ 0 f10 1"/>
-                <a:gd name="f25" fmla="*/ 10800 f11 1"/>
-                <a:gd name="f26" fmla="*/ 21600 f11 1"/>
-                <a:gd name="f27" fmla="*/ 21600 f10 1"/>
-                <a:gd name="f28" fmla="+- 0 0 f19"/>
-                <a:gd name="f29" fmla="+- f20 0 f1"/>
-                <a:gd name="f30" fmla="+- f21 0 f1"/>
-                <a:gd name="f31" fmla="*/ f28 f0 1"/>
-                <a:gd name="f32" fmla="+- f30 0 f29"/>
-                <a:gd name="f33" fmla="*/ f31 1 f5"/>
-                <a:gd name="f34" fmla="+- f33 0 f1"/>
-                <a:gd name="f35" fmla="cos 1 f34"/>
-                <a:gd name="f36" fmla="sin 1 f34"/>
-                <a:gd name="f37" fmla="+- 0 0 f35"/>
-                <a:gd name="f38" fmla="+- 0 0 f36"/>
-                <a:gd name="f39" fmla="*/ 10800 f37 1"/>
-                <a:gd name="f40" fmla="*/ 10800 f38 1"/>
-                <a:gd name="f41" fmla="*/ f39 f39 1"/>
-                <a:gd name="f42" fmla="*/ f40 f40 1"/>
-                <a:gd name="f43" fmla="+- f41 f42 0"/>
-                <a:gd name="f44" fmla="sqrt f43"/>
-                <a:gd name="f45" fmla="*/ f6 1 f44"/>
-                <a:gd name="f46" fmla="*/ f37 f45 1"/>
-                <a:gd name="f47" fmla="*/ f38 f45 1"/>
-                <a:gd name="f48" fmla="+- 10800 0 f46"/>
-                <a:gd name="f49" fmla="+- 10800 0 f47"/>
-              </a:gdLst>
-              <a:ahLst/>
-              <a:cxnLst>
-                <a:cxn ang="3cd4">
-                  <a:pos x="hc" y="t"/>
-                </a:cxn>
-                <a:cxn ang="0">
-                  <a:pos x="r" y="vc"/>
-                </a:cxn>
-                <a:cxn ang="cd4">
-                  <a:pos x="hc" y="b"/>
-                </a:cxn>
-                <a:cxn ang="cd2">
-                  <a:pos x="l" y="vc"/>
-                </a:cxn>
-                <a:cxn ang="f29">
-                  <a:pos x="f22" y="f23"/>
-                </a:cxn>
-                <a:cxn ang="f29">
-                  <a:pos x="f15" y="f18"/>
-                </a:cxn>
-                <a:cxn ang="f29">
-                  <a:pos x="f24" y="f25"/>
-                </a:cxn>
-                <a:cxn ang="f29">
-                  <a:pos x="f15" y="f17"/>
-                </a:cxn>
-                <a:cxn ang="f29">
-                  <a:pos x="f22" y="f26"/>
-                </a:cxn>
-                <a:cxn ang="f29">
-                  <a:pos x="f16" y="f17"/>
-                </a:cxn>
-                <a:cxn ang="f29">
-                  <a:pos x="f27" y="f25"/>
-                </a:cxn>
-                <a:cxn ang="f29">
-                  <a:pos x="f16" y="f18"/>
-                </a:cxn>
-              </a:cxnLst>
-              <a:rect l="f15" t="f18" r="f16" b="f17"/>
-              <a:pathLst>
-                <a:path w="21600" h="21600">
-                  <a:moveTo>
-                    <a:pt x="f48" y="f49"/>
-                  </a:moveTo>
-                  <a:arcTo wR="f9" hR="f9" stAng="f29" swAng="f32"/>
-                  <a:close/>
-                </a:path>
-              </a:pathLst>
-            </a:custGeom>
-            <a:solidFill>
-              <a:srgbClr val="00CCFF"/>
-            </a:solidFill>
-            <a:ln w="9360">
-              <a:solidFill>
-                <a:srgbClr val="000000"/>
-              </a:solidFill>
-              <a:prstDash val="solid"/>
-              <a:miter/>
-            </a:ln>
-          </p:spPr>
-          <p:txBody>
-            <a:bodyPr vert="horz" wrap="square" lIns="158760" tIns="82440" rIns="158760" bIns="82440" anchor="t" anchorCtr="0" compatLnSpc="1">
-              <a:noAutofit/>
-            </a:bodyPr>
-            <a:lstStyle/>
-            <a:p>
-              <a:pPr marL="0" marR="0" lvl="0" indent="0" algn="l" rtl="0" hangingPunct="1">
-                <a:lnSpc>
-                  <a:spcPct val="100000"/>
-                </a:lnSpc>
-                <a:spcBef>
-                  <a:spcPts val="0"/>
-                </a:spcBef>
-                <a:spcAft>
-                  <a:spcPts val="0"/>
-                </a:spcAft>
-                <a:buNone/>
-                <a:tabLst>
-                  <a:tab pos="0" algn="l"/>
-                  <a:tab pos="914400" algn="l"/>
-                  <a:tab pos="1828800" algn="l"/>
-                  <a:tab pos="2743199" algn="l"/>
-                  <a:tab pos="3657600" algn="l"/>
-                  <a:tab pos="4572000" algn="l"/>
-                  <a:tab pos="5486399" algn="l"/>
-                  <a:tab pos="6400799" algn="l"/>
-                  <a:tab pos="7315200" algn="l"/>
-                  <a:tab pos="8229600" algn="l"/>
-                  <a:tab pos="9144000" algn="l"/>
-                  <a:tab pos="10058400" algn="l"/>
-                </a:tabLst>
-              </a:pPr>
-              <a:endParaRPr lang="en-US" sz="1800" b="0" i="0" u="none" strike="noStrike" baseline="0">
-                <a:ln>
-                  <a:noFill/>
-                </a:ln>
-                <a:solidFill>
-                  <a:srgbClr val="000000"/>
-                </a:solidFill>
-                <a:latin typeface="Arial" pitchFamily="18"/>
-                <a:ea typeface="SimSun" pitchFamily="2"/>
-                <a:cs typeface="Mangal" pitchFamily="2"/>
-              </a:endParaRPr>
-            </a:p>
-          </p:txBody>
-        </p:sp>
-      </p:grpSp>
-      <p:grpSp>
-        <p:nvGrpSpPr>
-          <p:cNvPr id="291" name="Group 1552"/>
-          <p:cNvGrpSpPr/>
-          <p:nvPr/>
-        </p:nvGrpSpPr>
-        <p:grpSpPr>
-          <a:xfrm>
-            <a:off x="-4776043" y="465411"/>
-            <a:ext cx="884380" cy="585024"/>
-            <a:chOff x="-3681795" y="-21992"/>
-            <a:chExt cx="884380" cy="585024"/>
-          </a:xfrm>
-        </p:grpSpPr>
-        <p:sp>
-          <p:nvSpPr>
-            <p:cNvPr id="292" name="Freeform 1553"/>
-            <p:cNvSpPr/>
-            <p:nvPr/>
-          </p:nvSpPr>
-          <p:spPr>
-            <a:xfrm rot="10787993">
-              <a:off x="-3531632" y="-21992"/>
-              <a:ext cx="120133" cy="120133"/>
-            </a:xfrm>
-            <a:custGeom>
-              <a:avLst/>
-              <a:gdLst>
-                <a:gd name="f0" fmla="val 10800000"/>
-                <a:gd name="f1" fmla="val 5400000"/>
-                <a:gd name="f2" fmla="val 180"/>
-                <a:gd name="f3" fmla="val w"/>
-                <a:gd name="f4" fmla="val h"/>
-                <a:gd name="f5" fmla="val 0"/>
-                <a:gd name="f6" fmla="val 21600"/>
-                <a:gd name="f7" fmla="*/ 5419351 1 1725033"/>
-                <a:gd name="f8" fmla="*/ 10800 10800 1"/>
-                <a:gd name="f9" fmla="+- 0 0 360"/>
-                <a:gd name="f10" fmla="val 10800"/>
-                <a:gd name="f11" fmla="+- 0 0 0"/>
-                <a:gd name="f12" fmla="*/ f3 1 21600"/>
-                <a:gd name="f13" fmla="*/ f4 1 21600"/>
-                <a:gd name="f14" fmla="val f5"/>
-                <a:gd name="f15" fmla="val f6"/>
-                <a:gd name="f16" fmla="*/ 0 f7 1"/>
-                <a:gd name="f17" fmla="*/ f5 f0 1"/>
-                <a:gd name="f18" fmla="*/ f9 f0 1"/>
-                <a:gd name="f19" fmla="*/ f11 f0 1"/>
-                <a:gd name="f20" fmla="+- f15 0 f14"/>
-                <a:gd name="f21" fmla="*/ f16 1 f2"/>
-                <a:gd name="f22" fmla="*/ f17 1 f2"/>
-                <a:gd name="f23" fmla="*/ f18 1 f2"/>
-                <a:gd name="f24" fmla="*/ f19 1 f2"/>
-                <a:gd name="f25" fmla="*/ f20 1 21600"/>
-                <a:gd name="f26" fmla="+- 0 0 f21"/>
-                <a:gd name="f27" fmla="+- f22 0 f1"/>
-                <a:gd name="f28" fmla="+- f23 0 f1"/>
-                <a:gd name="f29" fmla="+- f24 0 f1"/>
-                <a:gd name="f30" fmla="*/ 3163 f25 1"/>
-                <a:gd name="f31" fmla="*/ 18437 f25 1"/>
-                <a:gd name="f32" fmla="*/ 10800 f25 1"/>
-                <a:gd name="f33" fmla="*/ 0 f25 1"/>
-                <a:gd name="f34" fmla="*/ 21600 f25 1"/>
-                <a:gd name="f35" fmla="*/ f26 f0 1"/>
-                <a:gd name="f36" fmla="+- f28 0 f27"/>
-                <a:gd name="f37" fmla="*/ f35 1 f7"/>
-                <a:gd name="f38" fmla="*/ f32 1 f25"/>
-                <a:gd name="f39" fmla="*/ f33 1 f25"/>
-                <a:gd name="f40" fmla="*/ f30 1 f25"/>
-                <a:gd name="f41" fmla="*/ f31 1 f25"/>
-                <a:gd name="f42" fmla="*/ f34 1 f25"/>
-                <a:gd name="f43" fmla="+- f37 0 f1"/>
-                <a:gd name="f44" fmla="*/ f40 f12 1"/>
-                <a:gd name="f45" fmla="*/ f41 f12 1"/>
-                <a:gd name="f46" fmla="*/ f41 f13 1"/>
-                <a:gd name="f47" fmla="*/ f40 f13 1"/>
-                <a:gd name="f48" fmla="*/ f38 f12 1"/>
-                <a:gd name="f49" fmla="*/ f39 f13 1"/>
-                <a:gd name="f50" fmla="*/ f39 f12 1"/>
-                <a:gd name="f51" fmla="*/ f38 f13 1"/>
-                <a:gd name="f52" fmla="*/ f42 f13 1"/>
-                <a:gd name="f53" fmla="*/ f42 f12 1"/>
-                <a:gd name="f54" fmla="+- f43 f1 0"/>
-                <a:gd name="f55" fmla="*/ f54 f7 1"/>
-                <a:gd name="f56" fmla="*/ f55 1 f0"/>
-                <a:gd name="f57" fmla="+- 0 0 f56"/>
-                <a:gd name="f58" fmla="+- 0 0 f57"/>
-                <a:gd name="f59" fmla="*/ f58 f0 1"/>
-                <a:gd name="f60" fmla="*/ f59 1 f7"/>
-                <a:gd name="f61" fmla="+- f60 0 f1"/>
-                <a:gd name="f62" fmla="cos 1 f61"/>
-                <a:gd name="f63" fmla="sin 1 f61"/>
-                <a:gd name="f64" fmla="+- 0 0 f62"/>
-                <a:gd name="f65" fmla="+- 0 0 f63"/>
-                <a:gd name="f66" fmla="+- 0 0 f64"/>
-                <a:gd name="f67" fmla="+- 0 0 f65"/>
-                <a:gd name="f68" fmla="val f66"/>
-                <a:gd name="f69" fmla="val f67"/>
-                <a:gd name="f70" fmla="+- 0 0 f68"/>
-                <a:gd name="f71" fmla="+- 0 0 f69"/>
-                <a:gd name="f72" fmla="*/ 10800 f70 1"/>
-                <a:gd name="f73" fmla="*/ 10800 f71 1"/>
-                <a:gd name="f74" fmla="*/ f72 f72 1"/>
-                <a:gd name="f75" fmla="*/ f73 f73 1"/>
-                <a:gd name="f76" fmla="+- f74 f75 0"/>
-                <a:gd name="f77" fmla="sqrt f76"/>
-                <a:gd name="f78" fmla="*/ f8 1 f77"/>
-                <a:gd name="f79" fmla="*/ f70 f78 1"/>
-                <a:gd name="f80" fmla="*/ f71 f78 1"/>
-                <a:gd name="f81" fmla="+- 10800 0 f79"/>
-                <a:gd name="f82" fmla="+- 10800 0 f80"/>
-              </a:gdLst>
-              <a:ahLst/>
-              <a:cxnLst>
-                <a:cxn ang="3cd4">
-                  <a:pos x="hc" y="t"/>
-                </a:cxn>
-                <a:cxn ang="0">
-                  <a:pos x="r" y="vc"/>
-                </a:cxn>
-                <a:cxn ang="cd4">
-                  <a:pos x="hc" y="b"/>
-                </a:cxn>
-                <a:cxn ang="cd2">
-                  <a:pos x="l" y="vc"/>
-                </a:cxn>
-                <a:cxn ang="f29">
-                  <a:pos x="f48" y="f49"/>
-                </a:cxn>
-                <a:cxn ang="f29">
-                  <a:pos x="f44" y="f47"/>
-                </a:cxn>
-                <a:cxn ang="f29">
-                  <a:pos x="f50" y="f51"/>
-                </a:cxn>
-                <a:cxn ang="f29">
-                  <a:pos x="f44" y="f46"/>
-                </a:cxn>
-                <a:cxn ang="f29">
-                  <a:pos x="f48" y="f52"/>
-                </a:cxn>
-                <a:cxn ang="f29">
-                  <a:pos x="f45" y="f46"/>
-                </a:cxn>
-                <a:cxn ang="f29">
-                  <a:pos x="f53" y="f51"/>
-                </a:cxn>
-                <a:cxn ang="f29">
-                  <a:pos x="f45" y="f47"/>
-                </a:cxn>
-              </a:cxnLst>
-              <a:rect l="f44" t="f47" r="f45" b="f46"/>
-              <a:pathLst>
-                <a:path w="21600" h="21600">
-                  <a:moveTo>
-                    <a:pt x="f81" y="f82"/>
-                  </a:moveTo>
-                  <a:arcTo wR="f10" hR="f10" stAng="f27" swAng="f36"/>
-                  <a:close/>
-                </a:path>
-              </a:pathLst>
-            </a:custGeom>
-            <a:solidFill>
-              <a:srgbClr val="00CCFF"/>
-            </a:solidFill>
-            <a:ln w="9363" cap="flat">
-              <a:solidFill>
-                <a:srgbClr val="000000"/>
-              </a:solidFill>
-              <a:prstDash val="solid"/>
-              <a:miter/>
-            </a:ln>
-          </p:spPr>
-          <p:txBody>
-            <a:bodyPr vert="horz" wrap="square" lIns="158758" tIns="82442" rIns="158758" bIns="82442" anchor="t" anchorCtr="0" compatLnSpc="1">
-              <a:noAutofit/>
-            </a:bodyPr>
-            <a:lstStyle/>
-            <a:p>
-              <a:pPr marL="0" marR="0" lvl="0" indent="0" algn="l" defTabSz="914400" rtl="0" fontAlgn="auto" hangingPunct="1">
-                <a:lnSpc>
-                  <a:spcPct val="100000"/>
-                </a:lnSpc>
-                <a:spcBef>
-                  <a:spcPts val="0"/>
-                </a:spcBef>
-                <a:spcAft>
-                  <a:spcPts val="0"/>
-                </a:spcAft>
-                <a:buNone/>
-                <a:tabLst>
-                  <a:tab pos="0" algn="l"/>
-                  <a:tab pos="914400" algn="l"/>
-                  <a:tab pos="1828800" algn="l"/>
-                  <a:tab pos="2743200" algn="l"/>
-                  <a:tab pos="3657600" algn="l"/>
-                  <a:tab pos="4572000" algn="l"/>
-                  <a:tab pos="5486400" algn="l"/>
-                  <a:tab pos="6400800" algn="l"/>
-                  <a:tab pos="7315200" algn="l"/>
-                  <a:tab pos="8229600" algn="l"/>
-                  <a:tab pos="9144000" algn="l"/>
-                  <a:tab pos="10058400" algn="l"/>
-                </a:tabLst>
-                <a:defRPr sz="1800" b="0" i="0" u="none" strike="noStrike" kern="0" cap="none" spc="0" baseline="0">
-                  <a:solidFill>
-                    <a:srgbClr val="000000"/>
-                  </a:solidFill>
-                  <a:uFillTx/>
-                </a:defRPr>
-              </a:pPr>
-              <a:endParaRPr lang="en-US" sz="1800" b="0" i="0" u="none" strike="noStrike" kern="1200" cap="none" spc="0" baseline="0">
-                <a:solidFill>
-                  <a:srgbClr val="000000"/>
-                </a:solidFill>
-                <a:uFillTx/>
-                <a:latin typeface="Arial" pitchFamily="18"/>
-                <a:ea typeface="SimSun" pitchFamily="2"/>
-                <a:cs typeface="Mangal" pitchFamily="2"/>
-              </a:endParaRPr>
-            </a:p>
-          </p:txBody>
-        </p:sp>
-        <p:sp>
-          <p:nvSpPr>
-            <p:cNvPr id="293" name="Freeform 1554"/>
-            <p:cNvSpPr/>
-            <p:nvPr/>
-          </p:nvSpPr>
-          <p:spPr>
-            <a:xfrm rot="10787993">
-              <a:off x="-3360209" y="-21992"/>
-              <a:ext cx="120133" cy="120133"/>
-            </a:xfrm>
-            <a:custGeom>
-              <a:avLst/>
-              <a:gdLst>
-                <a:gd name="f0" fmla="val 10800000"/>
-                <a:gd name="f1" fmla="val 5400000"/>
-                <a:gd name="f2" fmla="val 180"/>
-                <a:gd name="f3" fmla="val w"/>
-                <a:gd name="f4" fmla="val h"/>
-                <a:gd name="f5" fmla="val 0"/>
-                <a:gd name="f6" fmla="val 21600"/>
-                <a:gd name="f7" fmla="*/ 5419351 1 1725033"/>
-                <a:gd name="f8" fmla="*/ 10800 10800 1"/>
-                <a:gd name="f9" fmla="+- 0 0 360"/>
-                <a:gd name="f10" fmla="val 10800"/>
-                <a:gd name="f11" fmla="+- 0 0 0"/>
-                <a:gd name="f12" fmla="*/ f3 1 21600"/>
-                <a:gd name="f13" fmla="*/ f4 1 21600"/>
-                <a:gd name="f14" fmla="val f5"/>
-                <a:gd name="f15" fmla="val f6"/>
-                <a:gd name="f16" fmla="*/ 0 f7 1"/>
-                <a:gd name="f17" fmla="*/ f5 f0 1"/>
-                <a:gd name="f18" fmla="*/ f9 f0 1"/>
-                <a:gd name="f19" fmla="*/ f11 f0 1"/>
-                <a:gd name="f20" fmla="+- f15 0 f14"/>
-                <a:gd name="f21" fmla="*/ f16 1 f2"/>
-                <a:gd name="f22" fmla="*/ f17 1 f2"/>
-                <a:gd name="f23" fmla="*/ f18 1 f2"/>
-                <a:gd name="f24" fmla="*/ f19 1 f2"/>
-                <a:gd name="f25" fmla="*/ f20 1 21600"/>
-                <a:gd name="f26" fmla="+- 0 0 f21"/>
-                <a:gd name="f27" fmla="+- f22 0 f1"/>
-                <a:gd name="f28" fmla="+- f23 0 f1"/>
-                <a:gd name="f29" fmla="+- f24 0 f1"/>
-                <a:gd name="f30" fmla="*/ 3163 f25 1"/>
-                <a:gd name="f31" fmla="*/ 18437 f25 1"/>
-                <a:gd name="f32" fmla="*/ 10800 f25 1"/>
-                <a:gd name="f33" fmla="*/ 0 f25 1"/>
-                <a:gd name="f34" fmla="*/ 21600 f25 1"/>
-                <a:gd name="f35" fmla="*/ f26 f0 1"/>
-                <a:gd name="f36" fmla="+- f28 0 f27"/>
-                <a:gd name="f37" fmla="*/ f35 1 f7"/>
-                <a:gd name="f38" fmla="*/ f32 1 f25"/>
-                <a:gd name="f39" fmla="*/ f33 1 f25"/>
-                <a:gd name="f40" fmla="*/ f30 1 f25"/>
-                <a:gd name="f41" fmla="*/ f31 1 f25"/>
-                <a:gd name="f42" fmla="*/ f34 1 f25"/>
-                <a:gd name="f43" fmla="+- f37 0 f1"/>
-                <a:gd name="f44" fmla="*/ f40 f12 1"/>
-                <a:gd name="f45" fmla="*/ f41 f12 1"/>
-                <a:gd name="f46" fmla="*/ f41 f13 1"/>
-                <a:gd name="f47" fmla="*/ f40 f13 1"/>
-                <a:gd name="f48" fmla="*/ f38 f12 1"/>
-                <a:gd name="f49" fmla="*/ f39 f13 1"/>
-                <a:gd name="f50" fmla="*/ f39 f12 1"/>
-                <a:gd name="f51" fmla="*/ f38 f13 1"/>
-                <a:gd name="f52" fmla="*/ f42 f13 1"/>
-                <a:gd name="f53" fmla="*/ f42 f12 1"/>
-                <a:gd name="f54" fmla="+- f43 f1 0"/>
-                <a:gd name="f55" fmla="*/ f54 f7 1"/>
-                <a:gd name="f56" fmla="*/ f55 1 f0"/>
-                <a:gd name="f57" fmla="+- 0 0 f56"/>
-                <a:gd name="f58" fmla="+- 0 0 f57"/>
-                <a:gd name="f59" fmla="*/ f58 f0 1"/>
-                <a:gd name="f60" fmla="*/ f59 1 f7"/>
-                <a:gd name="f61" fmla="+- f60 0 f1"/>
-                <a:gd name="f62" fmla="cos 1 f61"/>
-                <a:gd name="f63" fmla="sin 1 f61"/>
-                <a:gd name="f64" fmla="+- 0 0 f62"/>
-                <a:gd name="f65" fmla="+- 0 0 f63"/>
-                <a:gd name="f66" fmla="+- 0 0 f64"/>
-                <a:gd name="f67" fmla="+- 0 0 f65"/>
-                <a:gd name="f68" fmla="val f66"/>
-                <a:gd name="f69" fmla="val f67"/>
-                <a:gd name="f70" fmla="+- 0 0 f68"/>
-                <a:gd name="f71" fmla="+- 0 0 f69"/>
-                <a:gd name="f72" fmla="*/ 10800 f70 1"/>
-                <a:gd name="f73" fmla="*/ 10800 f71 1"/>
-                <a:gd name="f74" fmla="*/ f72 f72 1"/>
-                <a:gd name="f75" fmla="*/ f73 f73 1"/>
-                <a:gd name="f76" fmla="+- f74 f75 0"/>
-                <a:gd name="f77" fmla="sqrt f76"/>
-                <a:gd name="f78" fmla="*/ f8 1 f77"/>
-                <a:gd name="f79" fmla="*/ f70 f78 1"/>
-                <a:gd name="f80" fmla="*/ f71 f78 1"/>
-                <a:gd name="f81" fmla="+- 10800 0 f79"/>
-                <a:gd name="f82" fmla="+- 10800 0 f80"/>
-              </a:gdLst>
-              <a:ahLst/>
-              <a:cxnLst>
-                <a:cxn ang="3cd4">
-                  <a:pos x="hc" y="t"/>
-                </a:cxn>
-                <a:cxn ang="0">
-                  <a:pos x="r" y="vc"/>
-                </a:cxn>
-                <a:cxn ang="cd4">
-                  <a:pos x="hc" y="b"/>
-                </a:cxn>
-                <a:cxn ang="cd2">
-                  <a:pos x="l" y="vc"/>
-                </a:cxn>
-                <a:cxn ang="f29">
-                  <a:pos x="f48" y="f49"/>
-                </a:cxn>
-                <a:cxn ang="f29">
-                  <a:pos x="f44" y="f47"/>
-                </a:cxn>
-                <a:cxn ang="f29">
-                  <a:pos x="f50" y="f51"/>
-                </a:cxn>
-                <a:cxn ang="f29">
-                  <a:pos x="f44" y="f46"/>
-                </a:cxn>
-                <a:cxn ang="f29">
-                  <a:pos x="f48" y="f52"/>
-                </a:cxn>
-                <a:cxn ang="f29">
-                  <a:pos x="f45" y="f46"/>
-                </a:cxn>
-                <a:cxn ang="f29">
-                  <a:pos x="f53" y="f51"/>
-                </a:cxn>
-                <a:cxn ang="f29">
-                  <a:pos x="f45" y="f47"/>
-                </a:cxn>
-              </a:cxnLst>
-              <a:rect l="f44" t="f47" r="f45" b="f46"/>
-              <a:pathLst>
-                <a:path w="21600" h="21600">
-                  <a:moveTo>
-                    <a:pt x="f81" y="f82"/>
-                  </a:moveTo>
-                  <a:arcTo wR="f10" hR="f10" stAng="f27" swAng="f36"/>
-                  <a:close/>
-                </a:path>
-              </a:pathLst>
-            </a:custGeom>
-            <a:solidFill>
-              <a:srgbClr val="00CCFF"/>
-            </a:solidFill>
-            <a:ln w="9363" cap="flat">
-              <a:solidFill>
-                <a:srgbClr val="000000"/>
-              </a:solidFill>
-              <a:prstDash val="solid"/>
-              <a:miter/>
-            </a:ln>
-          </p:spPr>
-          <p:txBody>
-            <a:bodyPr vert="horz" wrap="square" lIns="158758" tIns="82442" rIns="158758" bIns="82442" anchor="t" anchorCtr="0" compatLnSpc="1">
-              <a:noAutofit/>
-            </a:bodyPr>
-            <a:lstStyle/>
-            <a:p>
-              <a:pPr marL="0" marR="0" lvl="0" indent="0" algn="l" defTabSz="914400" rtl="0" fontAlgn="auto" hangingPunct="1">
-                <a:lnSpc>
-                  <a:spcPct val="100000"/>
-                </a:lnSpc>
-                <a:spcBef>
-                  <a:spcPts val="0"/>
-                </a:spcBef>
-                <a:spcAft>
-                  <a:spcPts val="0"/>
-                </a:spcAft>
-                <a:buNone/>
-                <a:tabLst>
-                  <a:tab pos="0" algn="l"/>
-                  <a:tab pos="914400" algn="l"/>
-                  <a:tab pos="1828800" algn="l"/>
-                  <a:tab pos="2743200" algn="l"/>
-                  <a:tab pos="3657600" algn="l"/>
-                  <a:tab pos="4572000" algn="l"/>
-                  <a:tab pos="5486400" algn="l"/>
-                  <a:tab pos="6400800" algn="l"/>
-                  <a:tab pos="7315200" algn="l"/>
-                  <a:tab pos="8229600" algn="l"/>
-                  <a:tab pos="9144000" algn="l"/>
-                  <a:tab pos="10058400" algn="l"/>
-                </a:tabLst>
-                <a:defRPr sz="1800" b="0" i="0" u="none" strike="noStrike" kern="0" cap="none" spc="0" baseline="0">
-                  <a:solidFill>
-                    <a:srgbClr val="000000"/>
-                  </a:solidFill>
-                  <a:uFillTx/>
-                </a:defRPr>
-              </a:pPr>
-              <a:endParaRPr lang="en-US" sz="1800" b="0" i="0" u="none" strike="noStrike" kern="1200" cap="none" spc="0" baseline="0">
-                <a:solidFill>
-                  <a:srgbClr val="000000"/>
-                </a:solidFill>
-                <a:uFillTx/>
-                <a:latin typeface="Arial" pitchFamily="18"/>
-                <a:ea typeface="SimSun" pitchFamily="2"/>
-                <a:cs typeface="Mangal" pitchFamily="2"/>
-              </a:endParaRPr>
-            </a:p>
-          </p:txBody>
-        </p:sp>
-        <p:sp>
-          <p:nvSpPr>
-            <p:cNvPr id="294" name="Freeform 1555"/>
-            <p:cNvSpPr/>
-            <p:nvPr/>
-          </p:nvSpPr>
-          <p:spPr>
-            <a:xfrm rot="10787993">
-              <a:off x="-3228984" y="-21992"/>
-              <a:ext cx="120133" cy="120133"/>
-            </a:xfrm>
-            <a:custGeom>
-              <a:avLst/>
-              <a:gdLst>
-                <a:gd name="f0" fmla="val 10800000"/>
-                <a:gd name="f1" fmla="val 5400000"/>
-                <a:gd name="f2" fmla="val 180"/>
-                <a:gd name="f3" fmla="val w"/>
-                <a:gd name="f4" fmla="val h"/>
-                <a:gd name="f5" fmla="val 0"/>
-                <a:gd name="f6" fmla="val 21600"/>
-                <a:gd name="f7" fmla="*/ 5419351 1 1725033"/>
-                <a:gd name="f8" fmla="*/ 10800 10800 1"/>
-                <a:gd name="f9" fmla="+- 0 0 360"/>
-                <a:gd name="f10" fmla="val 10800"/>
-                <a:gd name="f11" fmla="+- 0 0 0"/>
-                <a:gd name="f12" fmla="*/ f3 1 21600"/>
-                <a:gd name="f13" fmla="*/ f4 1 21600"/>
-                <a:gd name="f14" fmla="val f5"/>
-                <a:gd name="f15" fmla="val f6"/>
-                <a:gd name="f16" fmla="*/ 0 f7 1"/>
-                <a:gd name="f17" fmla="*/ f5 f0 1"/>
-                <a:gd name="f18" fmla="*/ f9 f0 1"/>
-                <a:gd name="f19" fmla="*/ f11 f0 1"/>
-                <a:gd name="f20" fmla="+- f15 0 f14"/>
-                <a:gd name="f21" fmla="*/ f16 1 f2"/>
-                <a:gd name="f22" fmla="*/ f17 1 f2"/>
-                <a:gd name="f23" fmla="*/ f18 1 f2"/>
-                <a:gd name="f24" fmla="*/ f19 1 f2"/>
-                <a:gd name="f25" fmla="*/ f20 1 21600"/>
-                <a:gd name="f26" fmla="+- 0 0 f21"/>
-                <a:gd name="f27" fmla="+- f22 0 f1"/>
-                <a:gd name="f28" fmla="+- f23 0 f1"/>
-                <a:gd name="f29" fmla="+- f24 0 f1"/>
-                <a:gd name="f30" fmla="*/ 3163 f25 1"/>
-                <a:gd name="f31" fmla="*/ 18437 f25 1"/>
-                <a:gd name="f32" fmla="*/ 10800 f25 1"/>
-                <a:gd name="f33" fmla="*/ 0 f25 1"/>
-                <a:gd name="f34" fmla="*/ 21600 f25 1"/>
-                <a:gd name="f35" fmla="*/ f26 f0 1"/>
-                <a:gd name="f36" fmla="+- f28 0 f27"/>
-                <a:gd name="f37" fmla="*/ f35 1 f7"/>
-                <a:gd name="f38" fmla="*/ f32 1 f25"/>
-                <a:gd name="f39" fmla="*/ f33 1 f25"/>
-                <a:gd name="f40" fmla="*/ f30 1 f25"/>
-                <a:gd name="f41" fmla="*/ f31 1 f25"/>
-                <a:gd name="f42" fmla="*/ f34 1 f25"/>
-                <a:gd name="f43" fmla="+- f37 0 f1"/>
-                <a:gd name="f44" fmla="*/ f40 f12 1"/>
-                <a:gd name="f45" fmla="*/ f41 f12 1"/>
-                <a:gd name="f46" fmla="*/ f41 f13 1"/>
-                <a:gd name="f47" fmla="*/ f40 f13 1"/>
-                <a:gd name="f48" fmla="*/ f38 f12 1"/>
-                <a:gd name="f49" fmla="*/ f39 f13 1"/>
-                <a:gd name="f50" fmla="*/ f39 f12 1"/>
-                <a:gd name="f51" fmla="*/ f38 f13 1"/>
-                <a:gd name="f52" fmla="*/ f42 f13 1"/>
-                <a:gd name="f53" fmla="*/ f42 f12 1"/>
-                <a:gd name="f54" fmla="+- f43 f1 0"/>
-                <a:gd name="f55" fmla="*/ f54 f7 1"/>
-                <a:gd name="f56" fmla="*/ f55 1 f0"/>
-                <a:gd name="f57" fmla="+- 0 0 f56"/>
-                <a:gd name="f58" fmla="+- 0 0 f57"/>
-                <a:gd name="f59" fmla="*/ f58 f0 1"/>
-                <a:gd name="f60" fmla="*/ f59 1 f7"/>
-                <a:gd name="f61" fmla="+- f60 0 f1"/>
-                <a:gd name="f62" fmla="cos 1 f61"/>
-                <a:gd name="f63" fmla="sin 1 f61"/>
-                <a:gd name="f64" fmla="+- 0 0 f62"/>
-                <a:gd name="f65" fmla="+- 0 0 f63"/>
-                <a:gd name="f66" fmla="+- 0 0 f64"/>
-                <a:gd name="f67" fmla="+- 0 0 f65"/>
-                <a:gd name="f68" fmla="val f66"/>
-                <a:gd name="f69" fmla="val f67"/>
-                <a:gd name="f70" fmla="+- 0 0 f68"/>
-                <a:gd name="f71" fmla="+- 0 0 f69"/>
-                <a:gd name="f72" fmla="*/ 10800 f70 1"/>
-                <a:gd name="f73" fmla="*/ 10800 f71 1"/>
-                <a:gd name="f74" fmla="*/ f72 f72 1"/>
-                <a:gd name="f75" fmla="*/ f73 f73 1"/>
-                <a:gd name="f76" fmla="+- f74 f75 0"/>
-                <a:gd name="f77" fmla="sqrt f76"/>
-                <a:gd name="f78" fmla="*/ f8 1 f77"/>
-                <a:gd name="f79" fmla="*/ f70 f78 1"/>
-                <a:gd name="f80" fmla="*/ f71 f78 1"/>
-                <a:gd name="f81" fmla="+- 10800 0 f79"/>
-                <a:gd name="f82" fmla="+- 10800 0 f80"/>
-              </a:gdLst>
-              <a:ahLst/>
-              <a:cxnLst>
-                <a:cxn ang="3cd4">
-                  <a:pos x="hc" y="t"/>
-                </a:cxn>
-                <a:cxn ang="0">
-                  <a:pos x="r" y="vc"/>
-                </a:cxn>
-                <a:cxn ang="cd4">
-                  <a:pos x="hc" y="b"/>
-                </a:cxn>
-                <a:cxn ang="cd2">
-                  <a:pos x="l" y="vc"/>
-                </a:cxn>
-                <a:cxn ang="f29">
-                  <a:pos x="f48" y="f49"/>
-                </a:cxn>
-                <a:cxn ang="f29">
-                  <a:pos x="f44" y="f47"/>
-                </a:cxn>
-                <a:cxn ang="f29">
-                  <a:pos x="f50" y="f51"/>
-                </a:cxn>
-                <a:cxn ang="f29">
-                  <a:pos x="f44" y="f46"/>
-                </a:cxn>
-                <a:cxn ang="f29">
-                  <a:pos x="f48" y="f52"/>
-                </a:cxn>
-                <a:cxn ang="f29">
-                  <a:pos x="f45" y="f46"/>
-                </a:cxn>
-                <a:cxn ang="f29">
-                  <a:pos x="f53" y="f51"/>
-                </a:cxn>
-                <a:cxn ang="f29">
-                  <a:pos x="f45" y="f47"/>
-                </a:cxn>
-              </a:cxnLst>
-              <a:rect l="f44" t="f47" r="f45" b="f46"/>
-              <a:pathLst>
-                <a:path w="21600" h="21600">
-                  <a:moveTo>
-                    <a:pt x="f81" y="f82"/>
-                  </a:moveTo>
-                  <a:arcTo wR="f10" hR="f10" stAng="f27" swAng="f36"/>
-                  <a:close/>
-                </a:path>
-              </a:pathLst>
-            </a:custGeom>
-            <a:solidFill>
-              <a:srgbClr val="00CCFF"/>
-            </a:solidFill>
-            <a:ln w="9363" cap="flat">
-              <a:solidFill>
-                <a:srgbClr val="000000"/>
-              </a:solidFill>
-              <a:prstDash val="solid"/>
-              <a:miter/>
-            </a:ln>
-          </p:spPr>
-          <p:txBody>
-            <a:bodyPr vert="horz" wrap="square" lIns="158758" tIns="82442" rIns="158758" bIns="82442" anchor="t" anchorCtr="0" compatLnSpc="1">
-              <a:noAutofit/>
-            </a:bodyPr>
-            <a:lstStyle/>
-            <a:p>
-              <a:pPr marL="0" marR="0" lvl="0" indent="0" algn="l" defTabSz="914400" rtl="0" fontAlgn="auto" hangingPunct="1">
-                <a:lnSpc>
-                  <a:spcPct val="100000"/>
-                </a:lnSpc>
-                <a:spcBef>
-                  <a:spcPts val="0"/>
-                </a:spcBef>
-                <a:spcAft>
-                  <a:spcPts val="0"/>
-                </a:spcAft>
-                <a:buNone/>
-                <a:tabLst>
-                  <a:tab pos="0" algn="l"/>
-                  <a:tab pos="914400" algn="l"/>
-                  <a:tab pos="1828800" algn="l"/>
-                  <a:tab pos="2743200" algn="l"/>
-                  <a:tab pos="3657600" algn="l"/>
-                  <a:tab pos="4572000" algn="l"/>
-                  <a:tab pos="5486400" algn="l"/>
-                  <a:tab pos="6400800" algn="l"/>
-                  <a:tab pos="7315200" algn="l"/>
-                  <a:tab pos="8229600" algn="l"/>
-                  <a:tab pos="9144000" algn="l"/>
-                  <a:tab pos="10058400" algn="l"/>
-                </a:tabLst>
-                <a:defRPr sz="1800" b="0" i="0" u="none" strike="noStrike" kern="0" cap="none" spc="0" baseline="0">
-                  <a:solidFill>
-                    <a:srgbClr val="000000"/>
-                  </a:solidFill>
-                  <a:uFillTx/>
-                </a:defRPr>
-              </a:pPr>
-              <a:endParaRPr lang="en-US" sz="1800" b="0" i="0" u="none" strike="noStrike" kern="1200" cap="none" spc="0" baseline="0">
-                <a:solidFill>
-                  <a:srgbClr val="000000"/>
-                </a:solidFill>
-                <a:uFillTx/>
-                <a:latin typeface="Arial" pitchFamily="18"/>
-                <a:ea typeface="SimSun" pitchFamily="2"/>
-                <a:cs typeface="Mangal" pitchFamily="2"/>
-              </a:endParaRPr>
-            </a:p>
-          </p:txBody>
-        </p:sp>
-        <p:sp>
-          <p:nvSpPr>
-            <p:cNvPr id="295" name="Freeform 1556"/>
-            <p:cNvSpPr/>
-            <p:nvPr/>
-          </p:nvSpPr>
-          <p:spPr>
-            <a:xfrm rot="10787993">
-              <a:off x="-3068186" y="-21992"/>
-              <a:ext cx="120133" cy="120133"/>
-            </a:xfrm>
-            <a:custGeom>
-              <a:avLst/>
-              <a:gdLst>
-                <a:gd name="f0" fmla="val 10800000"/>
-                <a:gd name="f1" fmla="val 5400000"/>
-                <a:gd name="f2" fmla="val 180"/>
-                <a:gd name="f3" fmla="val w"/>
-                <a:gd name="f4" fmla="val h"/>
-                <a:gd name="f5" fmla="val 0"/>
-                <a:gd name="f6" fmla="val 21600"/>
-                <a:gd name="f7" fmla="*/ 5419351 1 1725033"/>
-                <a:gd name="f8" fmla="*/ 10800 10800 1"/>
-                <a:gd name="f9" fmla="+- 0 0 360"/>
-                <a:gd name="f10" fmla="val 10800"/>
-                <a:gd name="f11" fmla="+- 0 0 0"/>
-                <a:gd name="f12" fmla="*/ f3 1 21600"/>
-                <a:gd name="f13" fmla="*/ f4 1 21600"/>
-                <a:gd name="f14" fmla="val f5"/>
-                <a:gd name="f15" fmla="val f6"/>
-                <a:gd name="f16" fmla="*/ 0 f7 1"/>
-                <a:gd name="f17" fmla="*/ f5 f0 1"/>
-                <a:gd name="f18" fmla="*/ f9 f0 1"/>
-                <a:gd name="f19" fmla="*/ f11 f0 1"/>
-                <a:gd name="f20" fmla="+- f15 0 f14"/>
-                <a:gd name="f21" fmla="*/ f16 1 f2"/>
-                <a:gd name="f22" fmla="*/ f17 1 f2"/>
-                <a:gd name="f23" fmla="*/ f18 1 f2"/>
-                <a:gd name="f24" fmla="*/ f19 1 f2"/>
-                <a:gd name="f25" fmla="*/ f20 1 21600"/>
-                <a:gd name="f26" fmla="+- 0 0 f21"/>
-                <a:gd name="f27" fmla="+- f22 0 f1"/>
-                <a:gd name="f28" fmla="+- f23 0 f1"/>
-                <a:gd name="f29" fmla="+- f24 0 f1"/>
-                <a:gd name="f30" fmla="*/ 3163 f25 1"/>
-                <a:gd name="f31" fmla="*/ 18437 f25 1"/>
-                <a:gd name="f32" fmla="*/ 10800 f25 1"/>
-                <a:gd name="f33" fmla="*/ 0 f25 1"/>
-                <a:gd name="f34" fmla="*/ 21600 f25 1"/>
-                <a:gd name="f35" fmla="*/ f26 f0 1"/>
-                <a:gd name="f36" fmla="+- f28 0 f27"/>
-                <a:gd name="f37" fmla="*/ f35 1 f7"/>
-                <a:gd name="f38" fmla="*/ f32 1 f25"/>
-                <a:gd name="f39" fmla="*/ f33 1 f25"/>
-                <a:gd name="f40" fmla="*/ f30 1 f25"/>
-                <a:gd name="f41" fmla="*/ f31 1 f25"/>
-                <a:gd name="f42" fmla="*/ f34 1 f25"/>
-                <a:gd name="f43" fmla="+- f37 0 f1"/>
-                <a:gd name="f44" fmla="*/ f40 f12 1"/>
-                <a:gd name="f45" fmla="*/ f41 f12 1"/>
-                <a:gd name="f46" fmla="*/ f41 f13 1"/>
-                <a:gd name="f47" fmla="*/ f40 f13 1"/>
-                <a:gd name="f48" fmla="*/ f38 f12 1"/>
-                <a:gd name="f49" fmla="*/ f39 f13 1"/>
-                <a:gd name="f50" fmla="*/ f39 f12 1"/>
-                <a:gd name="f51" fmla="*/ f38 f13 1"/>
-                <a:gd name="f52" fmla="*/ f42 f13 1"/>
-                <a:gd name="f53" fmla="*/ f42 f12 1"/>
-                <a:gd name="f54" fmla="+- f43 f1 0"/>
-                <a:gd name="f55" fmla="*/ f54 f7 1"/>
-                <a:gd name="f56" fmla="*/ f55 1 f0"/>
-                <a:gd name="f57" fmla="+- 0 0 f56"/>
-                <a:gd name="f58" fmla="+- 0 0 f57"/>
-                <a:gd name="f59" fmla="*/ f58 f0 1"/>
-                <a:gd name="f60" fmla="*/ f59 1 f7"/>
-                <a:gd name="f61" fmla="+- f60 0 f1"/>
-                <a:gd name="f62" fmla="cos 1 f61"/>
-                <a:gd name="f63" fmla="sin 1 f61"/>
-                <a:gd name="f64" fmla="+- 0 0 f62"/>
-                <a:gd name="f65" fmla="+- 0 0 f63"/>
-                <a:gd name="f66" fmla="+- 0 0 f64"/>
-                <a:gd name="f67" fmla="+- 0 0 f65"/>
-                <a:gd name="f68" fmla="val f66"/>
-                <a:gd name="f69" fmla="val f67"/>
-                <a:gd name="f70" fmla="+- 0 0 f68"/>
-                <a:gd name="f71" fmla="+- 0 0 f69"/>
-                <a:gd name="f72" fmla="*/ 10800 f70 1"/>
-                <a:gd name="f73" fmla="*/ 10800 f71 1"/>
-                <a:gd name="f74" fmla="*/ f72 f72 1"/>
-                <a:gd name="f75" fmla="*/ f73 f73 1"/>
-                <a:gd name="f76" fmla="+- f74 f75 0"/>
-                <a:gd name="f77" fmla="sqrt f76"/>
-                <a:gd name="f78" fmla="*/ f8 1 f77"/>
-                <a:gd name="f79" fmla="*/ f70 f78 1"/>
-                <a:gd name="f80" fmla="*/ f71 f78 1"/>
-                <a:gd name="f81" fmla="+- 10800 0 f79"/>
-                <a:gd name="f82" fmla="+- 10800 0 f80"/>
-              </a:gdLst>
-              <a:ahLst/>
-              <a:cxnLst>
-                <a:cxn ang="3cd4">
-                  <a:pos x="hc" y="t"/>
-                </a:cxn>
-                <a:cxn ang="0">
-                  <a:pos x="r" y="vc"/>
-                </a:cxn>
-                <a:cxn ang="cd4">
-                  <a:pos x="hc" y="b"/>
-                </a:cxn>
-                <a:cxn ang="cd2">
-                  <a:pos x="l" y="vc"/>
-                </a:cxn>
-                <a:cxn ang="f29">
-                  <a:pos x="f48" y="f49"/>
-                </a:cxn>
-                <a:cxn ang="f29">
-                  <a:pos x="f44" y="f47"/>
-                </a:cxn>
-                <a:cxn ang="f29">
-                  <a:pos x="f50" y="f51"/>
-                </a:cxn>
-                <a:cxn ang="f29">
-                  <a:pos x="f44" y="f46"/>
-                </a:cxn>
-                <a:cxn ang="f29">
-                  <a:pos x="f48" y="f52"/>
-                </a:cxn>
-                <a:cxn ang="f29">
-                  <a:pos x="f45" y="f46"/>
-                </a:cxn>
-                <a:cxn ang="f29">
-                  <a:pos x="f53" y="f51"/>
-                </a:cxn>
-                <a:cxn ang="f29">
-                  <a:pos x="f45" y="f47"/>
-                </a:cxn>
-              </a:cxnLst>
-              <a:rect l="f44" t="f47" r="f45" b="f46"/>
-              <a:pathLst>
-                <a:path w="21600" h="21600">
-                  <a:moveTo>
-                    <a:pt x="f81" y="f82"/>
-                  </a:moveTo>
-                  <a:arcTo wR="f10" hR="f10" stAng="f27" swAng="f36"/>
-                  <a:close/>
-                </a:path>
-              </a:pathLst>
-            </a:custGeom>
-            <a:solidFill>
-              <a:srgbClr val="00CCFF"/>
-            </a:solidFill>
-            <a:ln w="9363" cap="flat">
-              <a:solidFill>
-                <a:srgbClr val="000000"/>
-              </a:solidFill>
-              <a:prstDash val="solid"/>
-              <a:miter/>
-            </a:ln>
-          </p:spPr>
-          <p:txBody>
-            <a:bodyPr vert="horz" wrap="square" lIns="158758" tIns="82442" rIns="158758" bIns="82442" anchor="t" anchorCtr="0" compatLnSpc="1">
-              <a:noAutofit/>
-            </a:bodyPr>
-            <a:lstStyle/>
-            <a:p>
-              <a:pPr marL="0" marR="0" lvl="0" indent="0" algn="l" defTabSz="914400" rtl="0" fontAlgn="auto" hangingPunct="1">
-                <a:lnSpc>
-                  <a:spcPct val="100000"/>
-                </a:lnSpc>
-                <a:spcBef>
-                  <a:spcPts val="0"/>
-                </a:spcBef>
-                <a:spcAft>
-                  <a:spcPts val="0"/>
-                </a:spcAft>
-                <a:buNone/>
-                <a:tabLst>
-                  <a:tab pos="0" algn="l"/>
-                  <a:tab pos="914400" algn="l"/>
-                  <a:tab pos="1828800" algn="l"/>
-                  <a:tab pos="2743200" algn="l"/>
-                  <a:tab pos="3657600" algn="l"/>
-                  <a:tab pos="4572000" algn="l"/>
-                  <a:tab pos="5486400" algn="l"/>
-                  <a:tab pos="6400800" algn="l"/>
-                  <a:tab pos="7315200" algn="l"/>
-                  <a:tab pos="8229600" algn="l"/>
-                  <a:tab pos="9144000" algn="l"/>
-                  <a:tab pos="10058400" algn="l"/>
-                </a:tabLst>
-                <a:defRPr sz="1800" b="0" i="0" u="none" strike="noStrike" kern="0" cap="none" spc="0" baseline="0">
-                  <a:solidFill>
-                    <a:srgbClr val="000000"/>
-                  </a:solidFill>
-                  <a:uFillTx/>
-                </a:defRPr>
-              </a:pPr>
-              <a:endParaRPr lang="en-US" sz="1800" b="0" i="0" u="none" strike="noStrike" kern="1200" cap="none" spc="0" baseline="0">
-                <a:solidFill>
-                  <a:srgbClr val="000000"/>
-                </a:solidFill>
-                <a:uFillTx/>
-                <a:latin typeface="Arial" pitchFamily="18"/>
-                <a:ea typeface="SimSun" pitchFamily="2"/>
-                <a:cs typeface="Mangal" pitchFamily="2"/>
-              </a:endParaRPr>
-            </a:p>
-          </p:txBody>
-        </p:sp>
-        <p:grpSp>
-          <p:nvGrpSpPr>
-            <p:cNvPr id="296" name="Group 1557"/>
-            <p:cNvGrpSpPr/>
-            <p:nvPr/>
-          </p:nvGrpSpPr>
-          <p:grpSpPr>
-            <a:xfrm>
-              <a:off x="-3514916" y="108557"/>
-              <a:ext cx="544616" cy="454475"/>
-              <a:chOff x="-3514916" y="108557"/>
-              <a:chExt cx="544616" cy="454475"/>
-            </a:xfrm>
-          </p:grpSpPr>
-          <p:grpSp>
-            <p:nvGrpSpPr>
-              <p:cNvPr id="300" name="Group 1561"/>
-              <p:cNvGrpSpPr/>
-              <p:nvPr/>
-            </p:nvGrpSpPr>
-            <p:grpSpPr>
-              <a:xfrm>
-                <a:off x="-3514916" y="108557"/>
-                <a:ext cx="544616" cy="454475"/>
-                <a:chOff x="-3514916" y="108557"/>
-                <a:chExt cx="544616" cy="454475"/>
-              </a:xfrm>
-            </p:grpSpPr>
-            <p:grpSp>
-              <p:nvGrpSpPr>
-                <p:cNvPr id="301" name="Group 1562"/>
-                <p:cNvGrpSpPr/>
-                <p:nvPr/>
-              </p:nvGrpSpPr>
-              <p:grpSpPr>
-                <a:xfrm>
-                  <a:off x="-3454722" y="108557"/>
-                  <a:ext cx="484422" cy="454475"/>
-                  <a:chOff x="-3454722" y="108557"/>
-                  <a:chExt cx="484422" cy="454475"/>
-                </a:xfrm>
-              </p:grpSpPr>
-              <p:sp>
-                <p:nvSpPr>
-                  <p:cNvPr id="303" name="Freeform 1564"/>
-                  <p:cNvSpPr/>
-                  <p:nvPr/>
-                </p:nvSpPr>
-                <p:spPr>
-                  <a:xfrm rot="21564007" flipH="1">
-                    <a:off x="-3093670" y="440128"/>
-                    <a:ext cx="123370" cy="122904"/>
-                  </a:xfrm>
-                  <a:custGeom>
-                    <a:avLst>
-                      <a:gd name="f8" fmla="val 16600"/>
-                    </a:avLst>
-                    <a:gdLst>
-                      <a:gd name="f1" fmla="val 10800000"/>
-                      <a:gd name="f2" fmla="val 5400000"/>
-                      <a:gd name="f3" fmla="val 180"/>
-                      <a:gd name="f4" fmla="val w"/>
-                      <a:gd name="f5" fmla="val h"/>
-                      <a:gd name="f6" fmla="val ss"/>
-                      <a:gd name="f7" fmla="val 0"/>
-                      <a:gd name="f8" fmla="val 16600"/>
-                      <a:gd name="f9" fmla="+- 0 0 0"/>
-                      <a:gd name="f10" fmla="abs f4"/>
-                      <a:gd name="f11" fmla="abs f5"/>
-                      <a:gd name="f12" fmla="abs f6"/>
-                      <a:gd name="f13" fmla="val f8"/>
-                      <a:gd name="f14" fmla="*/ f9 f1 1"/>
-                      <a:gd name="f15" fmla="?: f10 f4 1"/>
-                      <a:gd name="f16" fmla="?: f11 f5 1"/>
-                      <a:gd name="f17" fmla="?: f12 f6 1"/>
-                      <a:gd name="f18" fmla="+- f7 f13 0"/>
-                      <a:gd name="f19" fmla="*/ f14 1 f3"/>
-                      <a:gd name="f20" fmla="*/ f15 1 21600"/>
-                      <a:gd name="f21" fmla="*/ f16 1 21600"/>
-                      <a:gd name="f22" fmla="*/ 21600 f15 1"/>
-                      <a:gd name="f23" fmla="*/ 21600 f16 1"/>
-                      <a:gd name="f24" fmla="+- f19 0 f2"/>
-                      <a:gd name="f25" fmla="min f21 f20"/>
-                      <a:gd name="f26" fmla="*/ f22 1 f17"/>
-                      <a:gd name="f27" fmla="*/ f23 1 f17"/>
-                      <a:gd name="f28" fmla="val f26"/>
-                      <a:gd name="f29" fmla="val f27"/>
-                      <a:gd name="f30" fmla="*/ f7 f25 1"/>
-                      <a:gd name="f31" fmla="*/ f18 f25 1"/>
-                      <a:gd name="f32" fmla="+- f29 0 f13"/>
-                      <a:gd name="f33" fmla="+- f28 0 f13"/>
-                      <a:gd name="f34" fmla="+- f28 0 f18"/>
-                      <a:gd name="f35" fmla="+- f29 0 f18"/>
-                      <a:gd name="f36" fmla="*/ f29 f25 1"/>
-                      <a:gd name="f37" fmla="*/ f28 f25 1"/>
-                      <a:gd name="f38" fmla="*/ f34 1 2"/>
-                      <a:gd name="f39" fmla="*/ f35 1 2"/>
-                      <a:gd name="f40" fmla="*/ f33 f25 1"/>
-                      <a:gd name="f41" fmla="*/ f32 f25 1"/>
-                      <a:gd name="f42" fmla="+- f18 f38 0"/>
-                      <a:gd name="f43" fmla="+- f18 f39 0"/>
-                      <a:gd name="f44" fmla="*/ f38 f25 1"/>
-                      <a:gd name="f45" fmla="*/ f39 f25 1"/>
-                      <a:gd name="f46" fmla="*/ f42 f25 1"/>
-                      <a:gd name="f47" fmla="*/ f43 f25 1"/>
-                    </a:gdLst>
-                    <a:ahLst/>
-                    <a:cxnLst>
-                      <a:cxn ang="3cd4">
-                        <a:pos x="hc" y="t"/>
-                      </a:cxn>
-                      <a:cxn ang="0">
-                        <a:pos x="r" y="vc"/>
-                      </a:cxn>
-                      <a:cxn ang="cd4">
-                        <a:pos x="hc" y="b"/>
-                      </a:cxn>
-                      <a:cxn ang="cd2">
-                        <a:pos x="l" y="vc"/>
-                      </a:cxn>
-                      <a:cxn ang="f24">
-                        <a:pos x="f46" y="f30"/>
-                      </a:cxn>
-                      <a:cxn ang="f24">
-                        <a:pos x="f44" y="f31"/>
-                      </a:cxn>
-                      <a:cxn ang="f24">
-                        <a:pos x="f30" y="f47"/>
-                      </a:cxn>
-                      <a:cxn ang="f24">
-                        <a:pos x="f44" y="f36"/>
-                      </a:cxn>
-                      <a:cxn ang="f24">
-                        <a:pos x="f40" y="f47"/>
-                      </a:cxn>
-                      <a:cxn ang="f24">
-                        <a:pos x="f37" y="f45"/>
-                      </a:cxn>
-                    </a:cxnLst>
-                    <a:rect l="f30" t="f31" r="f40" b="f36"/>
-                    <a:pathLst>
-                      <a:path>
-                        <a:moveTo>
-                          <a:pt x="f30" y="f36"/>
-                        </a:moveTo>
-                        <a:lnTo>
-                          <a:pt x="f30" y="f31"/>
-                        </a:lnTo>
-                        <a:lnTo>
-                          <a:pt x="f31" y="f30"/>
-                        </a:lnTo>
-                        <a:lnTo>
-                          <a:pt x="f37" y="f30"/>
-                        </a:lnTo>
-                        <a:lnTo>
-                          <a:pt x="f37" y="f41"/>
-                        </a:lnTo>
-                        <a:lnTo>
-                          <a:pt x="f40" y="f36"/>
-                        </a:lnTo>
-                        <a:close/>
-                      </a:path>
-                      <a:path>
-                        <a:moveTo>
-                          <a:pt x="f30" y="f31"/>
-                        </a:moveTo>
-                        <a:lnTo>
-                          <a:pt x="f31" y="f30"/>
-                        </a:lnTo>
-                        <a:lnTo>
-                          <a:pt x="f37" y="f30"/>
-                        </a:lnTo>
-                        <a:lnTo>
-                          <a:pt x="f40" y="f31"/>
-                        </a:lnTo>
-                        <a:close/>
-                      </a:path>
-                      <a:path>
-                        <a:moveTo>
-                          <a:pt x="f40" y="f36"/>
-                        </a:moveTo>
-                        <a:lnTo>
-                          <a:pt x="f40" y="f31"/>
-                        </a:lnTo>
-                        <a:lnTo>
-                          <a:pt x="f37" y="f30"/>
-                        </a:lnTo>
-                        <a:lnTo>
-                          <a:pt x="f37" y="f41"/>
-                        </a:lnTo>
-                        <a:close/>
-                      </a:path>
-                    </a:pathLst>
-                  </a:custGeom>
-                  <a:solidFill>
-                    <a:srgbClr val="333399"/>
-                  </a:solidFill>
-                  <a:ln w="9363" cap="flat">
-                    <a:solidFill>
-                      <a:srgbClr val="000000"/>
-                    </a:solidFill>
-                    <a:prstDash val="solid"/>
-                    <a:miter/>
-                  </a:ln>
-                </p:spPr>
-                <p:txBody>
-                  <a:bodyPr vert="horz" wrap="square" lIns="158758" tIns="82442" rIns="158758" bIns="82442" anchor="t" anchorCtr="0" compatLnSpc="1">
-                    <a:noAutofit/>
-                  </a:bodyPr>
-                  <a:lstStyle/>
-                  <a:p>
-                    <a:pPr marL="0" marR="0" lvl="0" indent="0" algn="l" defTabSz="914400" rtl="0" fontAlgn="auto" hangingPunct="1">
-                      <a:lnSpc>
-                        <a:spcPct val="100000"/>
-                      </a:lnSpc>
-                      <a:spcBef>
-                        <a:spcPts val="0"/>
-                      </a:spcBef>
-                      <a:spcAft>
-                        <a:spcPts val="0"/>
-                      </a:spcAft>
-                      <a:buNone/>
-                      <a:tabLst>
-                        <a:tab pos="0" algn="l"/>
-                        <a:tab pos="914400" algn="l"/>
-                        <a:tab pos="1828800" algn="l"/>
-                        <a:tab pos="2743200" algn="l"/>
-                        <a:tab pos="3657600" algn="l"/>
-                        <a:tab pos="4572000" algn="l"/>
-                        <a:tab pos="5486400" algn="l"/>
-                        <a:tab pos="6400800" algn="l"/>
-                        <a:tab pos="7315200" algn="l"/>
-                        <a:tab pos="8229600" algn="l"/>
-                        <a:tab pos="9144000" algn="l"/>
-                        <a:tab pos="10058400" algn="l"/>
-                      </a:tabLst>
-                      <a:defRPr sz="1800" b="0" i="0" u="none" strike="noStrike" kern="0" cap="none" spc="0" baseline="0">
-                        <a:solidFill>
-                          <a:srgbClr val="000000"/>
-                        </a:solidFill>
-                        <a:uFillTx/>
-                      </a:defRPr>
-                    </a:pPr>
-                    <a:endParaRPr lang="en-US" sz="1800" b="0" i="0" u="none" strike="noStrike" kern="1200" cap="none" spc="0" baseline="0">
-                      <a:solidFill>
-                        <a:srgbClr val="000000"/>
-                      </a:solidFill>
-                      <a:uFillTx/>
-                      <a:latin typeface="Arial" pitchFamily="18"/>
-                      <a:ea typeface="SimSun" pitchFamily="2"/>
-                      <a:cs typeface="Mangal" pitchFamily="2"/>
-                    </a:endParaRPr>
-                  </a:p>
-                </p:txBody>
-              </p:sp>
-              <p:grpSp>
-                <p:nvGrpSpPr>
-                  <p:cNvPr id="304" name="Group 1565"/>
-                  <p:cNvGrpSpPr/>
-                  <p:nvPr/>
-                </p:nvGrpSpPr>
-                <p:grpSpPr>
-                  <a:xfrm>
-                    <a:off x="-3454722" y="108557"/>
-                    <a:ext cx="432483" cy="426018"/>
-                    <a:chOff x="-3454722" y="108557"/>
-                    <a:chExt cx="432483" cy="426018"/>
-                  </a:xfrm>
-                </p:grpSpPr>
-                <p:grpSp>
-                  <p:nvGrpSpPr>
-                    <p:cNvPr id="305" name="Group 1566"/>
-                    <p:cNvGrpSpPr/>
-                    <p:nvPr/>
-                  </p:nvGrpSpPr>
-                  <p:grpSpPr>
-                    <a:xfrm>
-                      <a:off x="-3454722" y="493455"/>
-                      <a:ext cx="432483" cy="41120"/>
-                      <a:chOff x="-3454722" y="493455"/>
-                      <a:chExt cx="432483" cy="41120"/>
-                    </a:xfrm>
-                  </p:grpSpPr>
-                  <p:sp>
-                    <p:nvSpPr>
-                      <p:cNvPr id="309" name="Freeform 1570"/>
-                      <p:cNvSpPr/>
-                      <p:nvPr/>
-                    </p:nvSpPr>
-                    <p:spPr>
-                      <a:xfrm>
-                        <a:off x="-3454722" y="493455"/>
-                        <a:ext cx="432483" cy="41120"/>
-                      </a:xfrm>
-                      <a:custGeom>
-                        <a:avLst/>
-                        <a:gdLst>
-                          <a:gd name="f0" fmla="val w"/>
-                          <a:gd name="f1" fmla="val h"/>
-                          <a:gd name="f2" fmla="val 0"/>
-                          <a:gd name="f3" fmla="val 4860"/>
-                          <a:gd name="f4" fmla="val 540"/>
-                          <a:gd name="f5" fmla="val 143"/>
-                          <a:gd name="f6" fmla="val 142"/>
-                          <a:gd name="f7" fmla="val 4725"/>
-                          <a:gd name="f8" fmla="val 4852"/>
-                          <a:gd name="f9" fmla="*/ f0 1 4860"/>
-                          <a:gd name="f10" fmla="*/ f1 1 540"/>
-                          <a:gd name="f11" fmla="val f2"/>
-                          <a:gd name="f12" fmla="val f3"/>
-                          <a:gd name="f13" fmla="val f4"/>
-                          <a:gd name="f14" fmla="+- f13 0 f11"/>
-                          <a:gd name="f15" fmla="+- f12 0 f11"/>
-                          <a:gd name="f16" fmla="*/ f15 1 4860"/>
-                          <a:gd name="f17" fmla="*/ f14 1 540"/>
-                          <a:gd name="f18" fmla="*/ f11 1 f16"/>
-                          <a:gd name="f19" fmla="*/ f12 1 f16"/>
-                          <a:gd name="f20" fmla="*/ f11 1 f17"/>
-                          <a:gd name="f21" fmla="*/ f13 1 f17"/>
-                          <a:gd name="f22" fmla="*/ f18 f9 1"/>
-                          <a:gd name="f23" fmla="*/ f19 f9 1"/>
-                          <a:gd name="f24" fmla="*/ f21 f10 1"/>
-                          <a:gd name="f25" fmla="*/ f20 f10 1"/>
-                        </a:gdLst>
-                        <a:ahLst/>
-                        <a:cxnLst>
-                          <a:cxn ang="3cd4">
-                            <a:pos x="hc" y="t"/>
-                          </a:cxn>
-                          <a:cxn ang="0">
-                            <a:pos x="r" y="vc"/>
-                          </a:cxn>
-                          <a:cxn ang="cd4">
-                            <a:pos x="hc" y="b"/>
-                          </a:cxn>
-                          <a:cxn ang="cd2">
-                            <a:pos x="l" y="vc"/>
-                          </a:cxn>
-                        </a:cxnLst>
-                        <a:rect l="f22" t="f25" r="f23" b="f24"/>
-                        <a:pathLst>
-                          <a:path w="4860" h="540">
-                            <a:moveTo>
-                              <a:pt x="f2" y="f4"/>
-                            </a:moveTo>
-                            <a:lnTo>
-                              <a:pt x="f2" y="f5"/>
-                            </a:lnTo>
-                            <a:lnTo>
-                              <a:pt x="f6" y="f2"/>
-                            </a:lnTo>
-                            <a:lnTo>
-                              <a:pt x="f7" y="f2"/>
-                            </a:lnTo>
-                            <a:lnTo>
-                              <a:pt x="f8" y="f5"/>
-                            </a:lnTo>
-                            <a:lnTo>
-                              <a:pt x="f3" y="f4"/>
-                            </a:lnTo>
-                            <a:lnTo>
-                              <a:pt x="f2" y="f4"/>
-                            </a:lnTo>
-                            <a:close/>
-                          </a:path>
-                        </a:pathLst>
-                      </a:custGeom>
-                      <a:solidFill>
-                        <a:srgbClr val="333399"/>
-                      </a:solidFill>
-                      <a:ln w="9363" cap="flat">
-                        <a:solidFill>
-                          <a:srgbClr val="000000"/>
-                        </a:solidFill>
-                        <a:prstDash val="solid"/>
-                        <a:round/>
-                      </a:ln>
-                    </p:spPr>
-                    <p:txBody>
-                      <a:bodyPr vert="horz" wrap="square" lIns="158758" tIns="82442" rIns="158758" bIns="82442" anchor="t" anchorCtr="0" compatLnSpc="1">
-                        <a:noAutofit/>
-                      </a:bodyPr>
-                      <a:lstStyle/>
-                      <a:p>
-                        <a:pPr marL="0" marR="0" lvl="0" indent="0" algn="l" defTabSz="914400" rtl="0" fontAlgn="auto" hangingPunct="1">
-                          <a:lnSpc>
-                            <a:spcPct val="100000"/>
-                          </a:lnSpc>
-                          <a:spcBef>
-                            <a:spcPts val="0"/>
-                          </a:spcBef>
-                          <a:spcAft>
-                            <a:spcPts val="0"/>
-                          </a:spcAft>
-                          <a:buNone/>
-                          <a:tabLst>
-                            <a:tab pos="0" algn="l"/>
-                            <a:tab pos="914400" algn="l"/>
-                            <a:tab pos="1828800" algn="l"/>
-                            <a:tab pos="2743200" algn="l"/>
-                            <a:tab pos="3657600" algn="l"/>
-                            <a:tab pos="4572000" algn="l"/>
-                            <a:tab pos="5486400" algn="l"/>
-                            <a:tab pos="6400800" algn="l"/>
-                            <a:tab pos="7315200" algn="l"/>
-                            <a:tab pos="8229600" algn="l"/>
-                            <a:tab pos="9144000" algn="l"/>
-                            <a:tab pos="10058400" algn="l"/>
-                          </a:tabLst>
-                          <a:defRPr sz="1800" b="0" i="0" u="none" strike="noStrike" kern="0" cap="none" spc="0" baseline="0">
-                            <a:solidFill>
-                              <a:srgbClr val="000000"/>
-                            </a:solidFill>
-                            <a:uFillTx/>
-                          </a:defRPr>
-                        </a:pPr>
-                        <a:endParaRPr lang="en-US" sz="1800" b="0" i="0" u="none" strike="noStrike" kern="1200" cap="none" spc="0" baseline="0">
-                          <a:solidFill>
-                            <a:srgbClr val="000000"/>
-                          </a:solidFill>
-                          <a:uFillTx/>
-                          <a:latin typeface="Arial" pitchFamily="18"/>
-                          <a:ea typeface="SimSun" pitchFamily="2"/>
-                          <a:cs typeface="Mangal" pitchFamily="2"/>
-                        </a:endParaRPr>
-                      </a:p>
-                    </p:txBody>
-                  </p:sp>
-                  <p:sp>
-                    <p:nvSpPr>
-                      <p:cNvPr id="310" name="Straight Connector 1571"/>
-                      <p:cNvSpPr/>
-                      <p:nvPr/>
-                    </p:nvSpPr>
-                    <p:spPr>
-                      <a:xfrm>
-                        <a:off x="-3454722" y="505471"/>
-                        <a:ext cx="431103" cy="0"/>
-                      </a:xfrm>
-                      <a:custGeom>
-                        <a:avLst/>
-                        <a:gdLst>
-                          <a:gd name="f0" fmla="val 10800000"/>
-                          <a:gd name="f1" fmla="val 5400000"/>
-                          <a:gd name="f2" fmla="val 180"/>
-                          <a:gd name="f3" fmla="val w"/>
-                          <a:gd name="f4" fmla="val h"/>
-                          <a:gd name="f5" fmla="val ss"/>
-                          <a:gd name="f6" fmla="val 0"/>
-                          <a:gd name="f7" fmla="+- 0 0 -180"/>
-                          <a:gd name="f8" fmla="+- 0 0 -360"/>
-                          <a:gd name="f9" fmla="abs f3"/>
-                          <a:gd name="f10" fmla="abs f4"/>
-                          <a:gd name="f11" fmla="abs f5"/>
-                          <a:gd name="f12" fmla="val f6"/>
-                          <a:gd name="f13" fmla="*/ f7 f0 1"/>
-                          <a:gd name="f14" fmla="*/ f8 f0 1"/>
-                          <a:gd name="f15" fmla="?: f9 f3 1"/>
-                          <a:gd name="f16" fmla="?: f10 f4 1"/>
-                          <a:gd name="f17" fmla="?: f11 f5 1"/>
-                          <a:gd name="f18" fmla="*/ f13 1 f2"/>
-                          <a:gd name="f19" fmla="*/ f14 1 f2"/>
-                          <a:gd name="f20" fmla="*/ f15 1 21600"/>
-                          <a:gd name="f21" fmla="*/ f16 1 21600"/>
-                          <a:gd name="f22" fmla="*/ 21600 f15 1"/>
-                          <a:gd name="f23" fmla="*/ 21600 f16 1"/>
-                          <a:gd name="f24" fmla="+- f18 0 f1"/>
-                          <a:gd name="f25" fmla="+- f19 0 f1"/>
-                          <a:gd name="f26" fmla="min f21 f20"/>
-                          <a:gd name="f27" fmla="*/ f22 1 f17"/>
-                          <a:gd name="f28" fmla="*/ f23 1 f17"/>
-                          <a:gd name="f29" fmla="val f27"/>
-                          <a:gd name="f30" fmla="val f28"/>
-                          <a:gd name="f31" fmla="*/ f6 f26 1"/>
-                          <a:gd name="f32" fmla="*/ f27 f26 1"/>
-                          <a:gd name="f33" fmla="*/ f28 f26 1"/>
-                          <a:gd name="f34" fmla="*/ f12 f26 1"/>
-                          <a:gd name="f35" fmla="*/ f29 f26 1"/>
-                          <a:gd name="f36" fmla="*/ f30 f26 1"/>
-                        </a:gdLst>
-                        <a:ahLst/>
-                        <a:cxnLst>
-                          <a:cxn ang="3cd4">
-                            <a:pos x="hc" y="t"/>
-                          </a:cxn>
-                          <a:cxn ang="0">
-                            <a:pos x="r" y="vc"/>
-                          </a:cxn>
-                          <a:cxn ang="cd4">
-                            <a:pos x="hc" y="b"/>
-                          </a:cxn>
-                          <a:cxn ang="cd2">
-                            <a:pos x="l" y="vc"/>
-                          </a:cxn>
-                          <a:cxn ang="f24">
-                            <a:pos x="f34" y="f34"/>
-                          </a:cxn>
-                          <a:cxn ang="f25">
-                            <a:pos x="f35" y="f36"/>
-                          </a:cxn>
-                        </a:cxnLst>
-                        <a:rect l="f31" t="f31" r="f32" b="f33"/>
-                        <a:pathLst>
-                          <a:path>
-                            <a:moveTo>
-                              <a:pt x="f34" y="f34"/>
-                            </a:moveTo>
-                            <a:lnTo>
-                              <a:pt x="f35" y="f36"/>
-                            </a:lnTo>
-                          </a:path>
-                        </a:pathLst>
-                      </a:custGeom>
-                      <a:noFill/>
-                      <a:ln w="9363" cap="flat">
-                        <a:solidFill>
-                          <a:srgbClr val="000000"/>
-                        </a:solidFill>
-                        <a:prstDash val="solid"/>
-                        <a:miter/>
-                      </a:ln>
-                    </p:spPr>
-                    <p:txBody>
-                      <a:bodyPr vert="horz" wrap="square" lIns="158758" tIns="82442" rIns="158758" bIns="82442" anchor="t" anchorCtr="0" compatLnSpc="1">
-                        <a:noAutofit/>
-                      </a:bodyPr>
-                      <a:lstStyle/>
-                      <a:p>
-                        <a:pPr marL="0" marR="0" lvl="0" indent="0" algn="l" defTabSz="914400" rtl="0" fontAlgn="auto" hangingPunct="1">
-                          <a:lnSpc>
-                            <a:spcPct val="100000"/>
-                          </a:lnSpc>
-                          <a:spcBef>
-                            <a:spcPts val="0"/>
-                          </a:spcBef>
-                          <a:spcAft>
-                            <a:spcPts val="0"/>
-                          </a:spcAft>
-                          <a:buNone/>
-                          <a:tabLst>
-                            <a:tab pos="0" algn="l"/>
-                            <a:tab pos="914400" algn="l"/>
-                            <a:tab pos="1828800" algn="l"/>
-                            <a:tab pos="2743200" algn="l"/>
-                            <a:tab pos="3657600" algn="l"/>
-                            <a:tab pos="4572000" algn="l"/>
-                            <a:tab pos="5486400" algn="l"/>
-                            <a:tab pos="6400800" algn="l"/>
-                            <a:tab pos="7315200" algn="l"/>
-                            <a:tab pos="8229600" algn="l"/>
-                            <a:tab pos="9144000" algn="l"/>
-                            <a:tab pos="10058400" algn="l"/>
-                          </a:tabLst>
-                          <a:defRPr sz="1800" b="0" i="0" u="none" strike="noStrike" kern="0" cap="none" spc="0" baseline="0">
-                            <a:solidFill>
-                              <a:srgbClr val="000000"/>
-                            </a:solidFill>
-                            <a:uFillTx/>
-                          </a:defRPr>
-                        </a:pPr>
-                        <a:endParaRPr lang="en-US" sz="1800" b="0" i="0" u="none" strike="noStrike" kern="1200" cap="none" spc="0" baseline="0">
-                          <a:solidFill>
-                            <a:srgbClr val="000000"/>
-                          </a:solidFill>
-                          <a:uFillTx/>
-                          <a:latin typeface="Arial" pitchFamily="18"/>
-                          <a:ea typeface="SimSun" pitchFamily="2"/>
-                          <a:cs typeface="Mangal" pitchFamily="2"/>
-                        </a:endParaRPr>
-                      </a:p>
-                    </p:txBody>
-                  </p:sp>
-                </p:grpSp>
-                <p:grpSp>
-                  <p:nvGrpSpPr>
-                    <p:cNvPr id="306" name="Group 1567"/>
-                    <p:cNvGrpSpPr/>
-                    <p:nvPr/>
-                  </p:nvGrpSpPr>
-                  <p:grpSpPr>
-                    <a:xfrm>
-                      <a:off x="-3264810" y="108557"/>
-                      <a:ext cx="54525" cy="395980"/>
-                      <a:chOff x="-3264810" y="108557"/>
-                      <a:chExt cx="54525" cy="395980"/>
-                    </a:xfrm>
-                  </p:grpSpPr>
-                  <p:sp>
-                    <p:nvSpPr>
-                      <p:cNvPr id="307" name="Freeform 1568"/>
-                      <p:cNvSpPr/>
-                      <p:nvPr/>
-                    </p:nvSpPr>
-                    <p:spPr>
-                      <a:xfrm>
-                        <a:off x="-3264810" y="108557"/>
-                        <a:ext cx="26801" cy="395980"/>
-                      </a:xfrm>
-                      <a:custGeom>
-                        <a:avLst/>
-                        <a:gdLst>
-                          <a:gd name="f0" fmla="val w"/>
-                          <a:gd name="f1" fmla="val h"/>
-                          <a:gd name="f2" fmla="val 0"/>
-                          <a:gd name="f3" fmla="val 21600"/>
-                          <a:gd name="f4" fmla="*/ f0 1 21600"/>
-                          <a:gd name="f5" fmla="*/ f1 1 21600"/>
-                          <a:gd name="f6" fmla="val f2"/>
-                          <a:gd name="f7" fmla="val f3"/>
-                          <a:gd name="f8" fmla="+- f7 0 f6"/>
-                          <a:gd name="f9" fmla="*/ f8 1 21600"/>
-                          <a:gd name="f10" fmla="*/ f6 1 f9"/>
-                          <a:gd name="f11" fmla="*/ f7 1 f9"/>
-                          <a:gd name="f12" fmla="*/ f10 f4 1"/>
-                          <a:gd name="f13" fmla="*/ f11 f4 1"/>
-                          <a:gd name="f14" fmla="*/ f11 f5 1"/>
-                          <a:gd name="f15" fmla="*/ f10 f5 1"/>
-                        </a:gdLst>
-                        <a:ahLst/>
-                        <a:cxnLst>
-                          <a:cxn ang="3cd4">
-                            <a:pos x="hc" y="t"/>
-                          </a:cxn>
-                          <a:cxn ang="0">
-                            <a:pos x="r" y="vc"/>
-                          </a:cxn>
-                          <a:cxn ang="cd4">
-                            <a:pos x="hc" y="b"/>
-                          </a:cxn>
-                          <a:cxn ang="cd2">
-                            <a:pos x="l" y="vc"/>
-                          </a:cxn>
-                        </a:cxnLst>
-                        <a:rect l="f12" t="f15" r="f13" b="f14"/>
-                        <a:pathLst>
-                          <a:path w="21600" h="21600">
-                            <a:moveTo>
-                              <a:pt x="f2" y="f2"/>
-                            </a:moveTo>
-                            <a:lnTo>
-                              <a:pt x="f3" y="f2"/>
-                            </a:lnTo>
-                            <a:lnTo>
-                              <a:pt x="f3" y="f3"/>
-                            </a:lnTo>
-                            <a:lnTo>
-                              <a:pt x="f2" y="f3"/>
-                            </a:lnTo>
-                            <a:lnTo>
-                              <a:pt x="f2" y="f2"/>
-                            </a:lnTo>
-                            <a:close/>
-                          </a:path>
-                        </a:pathLst>
-                      </a:custGeom>
-                      <a:solidFill>
-                        <a:srgbClr val="333399"/>
-                      </a:solidFill>
-                      <a:ln w="9363" cap="flat">
-                        <a:solidFill>
-                          <a:srgbClr val="000000"/>
-                        </a:solidFill>
-                        <a:prstDash val="solid"/>
-                        <a:miter/>
-                      </a:ln>
-                    </p:spPr>
-                    <p:txBody>
-                      <a:bodyPr vert="horz" wrap="square" lIns="158758" tIns="82442" rIns="158758" bIns="82442" anchor="t" anchorCtr="0" compatLnSpc="1">
-                        <a:noAutofit/>
-                      </a:bodyPr>
-                      <a:lstStyle/>
-                      <a:p>
-                        <a:pPr marL="0" marR="0" lvl="0" indent="0" algn="l" defTabSz="914400" rtl="0" fontAlgn="auto" hangingPunct="1">
-                          <a:lnSpc>
-                            <a:spcPct val="100000"/>
-                          </a:lnSpc>
-                          <a:spcBef>
-                            <a:spcPts val="0"/>
-                          </a:spcBef>
-                          <a:spcAft>
-                            <a:spcPts val="0"/>
-                          </a:spcAft>
-                          <a:buNone/>
-                          <a:tabLst>
-                            <a:tab pos="0" algn="l"/>
-                            <a:tab pos="914400" algn="l"/>
-                            <a:tab pos="1828800" algn="l"/>
-                            <a:tab pos="2743200" algn="l"/>
-                            <a:tab pos="3657600" algn="l"/>
-                            <a:tab pos="4572000" algn="l"/>
-                            <a:tab pos="5486400" algn="l"/>
-                            <a:tab pos="6400800" algn="l"/>
-                            <a:tab pos="7315200" algn="l"/>
-                            <a:tab pos="8229600" algn="l"/>
-                            <a:tab pos="9144000" algn="l"/>
-                            <a:tab pos="10058400" algn="l"/>
-                          </a:tabLst>
-                          <a:defRPr sz="1800" b="0" i="0" u="none" strike="noStrike" kern="0" cap="none" spc="0" baseline="0">
-                            <a:solidFill>
-                              <a:srgbClr val="000000"/>
-                            </a:solidFill>
-                            <a:uFillTx/>
-                          </a:defRPr>
-                        </a:pPr>
-                        <a:endParaRPr lang="en-US" sz="1800" b="0" i="0" u="none" strike="noStrike" kern="1200" cap="none" spc="0" baseline="0">
-                          <a:solidFill>
-                            <a:srgbClr val="000000"/>
-                          </a:solidFill>
-                          <a:uFillTx/>
-                          <a:latin typeface="Arial" pitchFamily="18"/>
-                          <a:ea typeface="SimSun" pitchFamily="2"/>
-                          <a:cs typeface="Mangal" pitchFamily="2"/>
-                        </a:endParaRPr>
-                      </a:p>
-                    </p:txBody>
-                  </p:sp>
-                  <p:sp>
-                    <p:nvSpPr>
-                      <p:cNvPr id="308" name="Freeform 1569"/>
-                      <p:cNvSpPr/>
-                      <p:nvPr/>
-                    </p:nvSpPr>
-                    <p:spPr>
-                      <a:xfrm>
-                        <a:off x="-3238009" y="108557"/>
-                        <a:ext cx="27724" cy="395980"/>
-                      </a:xfrm>
-                      <a:custGeom>
-                        <a:avLst/>
-                        <a:gdLst>
-                          <a:gd name="f0" fmla="val w"/>
-                          <a:gd name="f1" fmla="val h"/>
-                          <a:gd name="f2" fmla="val 0"/>
-                          <a:gd name="f3" fmla="val 21600"/>
-                          <a:gd name="f4" fmla="*/ f0 1 21600"/>
-                          <a:gd name="f5" fmla="*/ f1 1 21600"/>
-                          <a:gd name="f6" fmla="val f2"/>
-                          <a:gd name="f7" fmla="val f3"/>
-                          <a:gd name="f8" fmla="+- f7 0 f6"/>
-                          <a:gd name="f9" fmla="*/ f8 1 21600"/>
-                          <a:gd name="f10" fmla="*/ f6 1 f9"/>
-                          <a:gd name="f11" fmla="*/ f7 1 f9"/>
-                          <a:gd name="f12" fmla="*/ f10 f4 1"/>
-                          <a:gd name="f13" fmla="*/ f11 f4 1"/>
-                          <a:gd name="f14" fmla="*/ f11 f5 1"/>
-                          <a:gd name="f15" fmla="*/ f10 f5 1"/>
-                        </a:gdLst>
-                        <a:ahLst/>
-                        <a:cxnLst>
-                          <a:cxn ang="3cd4">
-                            <a:pos x="hc" y="t"/>
-                          </a:cxn>
-                          <a:cxn ang="0">
-                            <a:pos x="r" y="vc"/>
-                          </a:cxn>
-                          <a:cxn ang="cd4">
-                            <a:pos x="hc" y="b"/>
-                          </a:cxn>
-                          <a:cxn ang="cd2">
-                            <a:pos x="l" y="vc"/>
-                          </a:cxn>
-                        </a:cxnLst>
-                        <a:rect l="f12" t="f15" r="f13" b="f14"/>
-                        <a:pathLst>
-                          <a:path w="21600" h="21600">
-                            <a:moveTo>
-                              <a:pt x="f2" y="f2"/>
-                            </a:moveTo>
-                            <a:lnTo>
-                              <a:pt x="f3" y="f2"/>
-                            </a:lnTo>
-                            <a:lnTo>
-                              <a:pt x="f3" y="f3"/>
-                            </a:lnTo>
-                            <a:lnTo>
-                              <a:pt x="f2" y="f3"/>
-                            </a:lnTo>
-                            <a:lnTo>
-                              <a:pt x="f2" y="f2"/>
-                            </a:lnTo>
-                            <a:close/>
-                          </a:path>
-                        </a:pathLst>
-                      </a:custGeom>
-                      <a:solidFill>
-                        <a:srgbClr val="333399"/>
-                      </a:solidFill>
-                      <a:ln w="9363" cap="flat">
-                        <a:solidFill>
-                          <a:srgbClr val="000000"/>
-                        </a:solidFill>
-                        <a:prstDash val="solid"/>
-                        <a:miter/>
-                      </a:ln>
-                    </p:spPr>
-                    <p:txBody>
-                      <a:bodyPr vert="horz" wrap="square" lIns="158758" tIns="82442" rIns="158758" bIns="82442" anchor="t" anchorCtr="0" compatLnSpc="1">
-                        <a:noAutofit/>
-                      </a:bodyPr>
-                      <a:lstStyle/>
-                      <a:p>
-                        <a:pPr marL="0" marR="0" lvl="0" indent="0" algn="l" defTabSz="914400" rtl="0" fontAlgn="auto" hangingPunct="1">
-                          <a:lnSpc>
-                            <a:spcPct val="100000"/>
-                          </a:lnSpc>
-                          <a:spcBef>
-                            <a:spcPts val="0"/>
-                          </a:spcBef>
-                          <a:spcAft>
-                            <a:spcPts val="0"/>
-                          </a:spcAft>
-                          <a:buNone/>
-                          <a:tabLst>
-                            <a:tab pos="0" algn="l"/>
-                            <a:tab pos="914400" algn="l"/>
-                            <a:tab pos="1828800" algn="l"/>
-                            <a:tab pos="2743200" algn="l"/>
-                            <a:tab pos="3657600" algn="l"/>
-                            <a:tab pos="4572000" algn="l"/>
-                            <a:tab pos="5486400" algn="l"/>
-                            <a:tab pos="6400800" algn="l"/>
-                            <a:tab pos="7315200" algn="l"/>
-                            <a:tab pos="8229600" algn="l"/>
-                            <a:tab pos="9144000" algn="l"/>
-                            <a:tab pos="10058400" algn="l"/>
-                          </a:tabLst>
-                          <a:defRPr sz="1800" b="0" i="0" u="none" strike="noStrike" kern="0" cap="none" spc="0" baseline="0">
-                            <a:solidFill>
-                              <a:srgbClr val="000000"/>
-                            </a:solidFill>
-                            <a:uFillTx/>
-                          </a:defRPr>
-                        </a:pPr>
-                        <a:endParaRPr lang="en-US" sz="1800" b="0" i="0" u="none" strike="noStrike" kern="1200" cap="none" spc="0" baseline="0">
-                          <a:solidFill>
-                            <a:srgbClr val="000000"/>
-                          </a:solidFill>
-                          <a:uFillTx/>
-                          <a:latin typeface="Arial" pitchFamily="18"/>
-                          <a:ea typeface="SimSun" pitchFamily="2"/>
-                          <a:cs typeface="Mangal" pitchFamily="2"/>
-                        </a:endParaRPr>
-                      </a:p>
-                    </p:txBody>
-                  </p:sp>
-                </p:grpSp>
-              </p:grpSp>
-            </p:grpSp>
-            <p:sp>
-              <p:nvSpPr>
-                <p:cNvPr id="302" name="Freeform 1563"/>
-                <p:cNvSpPr/>
-                <p:nvPr/>
-              </p:nvSpPr>
-              <p:spPr>
-                <a:xfrm rot="35993">
-                  <a:off x="-3514916" y="438592"/>
-                  <a:ext cx="113202" cy="112745"/>
-                </a:xfrm>
-                <a:custGeom>
-                  <a:avLst>
-                    <a:gd name="f8" fmla="val 16600"/>
-                  </a:avLst>
-                  <a:gdLst>
-                    <a:gd name="f1" fmla="val 10800000"/>
-                    <a:gd name="f2" fmla="val 5400000"/>
-                    <a:gd name="f3" fmla="val 180"/>
-                    <a:gd name="f4" fmla="val w"/>
-                    <a:gd name="f5" fmla="val h"/>
-                    <a:gd name="f6" fmla="val ss"/>
-                    <a:gd name="f7" fmla="val 0"/>
-                    <a:gd name="f8" fmla="val 16600"/>
-                    <a:gd name="f9" fmla="+- 0 0 0"/>
-                    <a:gd name="f10" fmla="abs f4"/>
-                    <a:gd name="f11" fmla="abs f5"/>
-                    <a:gd name="f12" fmla="abs f6"/>
-                    <a:gd name="f13" fmla="val f8"/>
-                    <a:gd name="f14" fmla="*/ f9 f1 1"/>
-                    <a:gd name="f15" fmla="?: f10 f4 1"/>
-                    <a:gd name="f16" fmla="?: f11 f5 1"/>
-                    <a:gd name="f17" fmla="?: f12 f6 1"/>
-                    <a:gd name="f18" fmla="+- f7 f13 0"/>
-                    <a:gd name="f19" fmla="*/ f14 1 f3"/>
-                    <a:gd name="f20" fmla="*/ f15 1 21600"/>
-                    <a:gd name="f21" fmla="*/ f16 1 21600"/>
-                    <a:gd name="f22" fmla="*/ 21600 f15 1"/>
-                    <a:gd name="f23" fmla="*/ 21600 f16 1"/>
-                    <a:gd name="f24" fmla="+- f19 0 f2"/>
-                    <a:gd name="f25" fmla="min f21 f20"/>
-                    <a:gd name="f26" fmla="*/ f22 1 f17"/>
-                    <a:gd name="f27" fmla="*/ f23 1 f17"/>
-                    <a:gd name="f28" fmla="val f26"/>
-                    <a:gd name="f29" fmla="val f27"/>
-                    <a:gd name="f30" fmla="*/ f7 f25 1"/>
-                    <a:gd name="f31" fmla="*/ f18 f25 1"/>
-                    <a:gd name="f32" fmla="+- f29 0 f13"/>
-                    <a:gd name="f33" fmla="+- f28 0 f13"/>
-                    <a:gd name="f34" fmla="+- f28 0 f18"/>
-                    <a:gd name="f35" fmla="+- f29 0 f18"/>
-                    <a:gd name="f36" fmla="*/ f29 f25 1"/>
-                    <a:gd name="f37" fmla="*/ f28 f25 1"/>
-                    <a:gd name="f38" fmla="*/ f34 1 2"/>
-                    <a:gd name="f39" fmla="*/ f35 1 2"/>
-                    <a:gd name="f40" fmla="*/ f33 f25 1"/>
-                    <a:gd name="f41" fmla="*/ f32 f25 1"/>
-                    <a:gd name="f42" fmla="+- f18 f38 0"/>
-                    <a:gd name="f43" fmla="+- f18 f39 0"/>
-                    <a:gd name="f44" fmla="*/ f38 f25 1"/>
-                    <a:gd name="f45" fmla="*/ f39 f25 1"/>
-                    <a:gd name="f46" fmla="*/ f42 f25 1"/>
-                    <a:gd name="f47" fmla="*/ f43 f25 1"/>
-                  </a:gdLst>
-                  <a:ahLst/>
-                  <a:cxnLst>
-                    <a:cxn ang="3cd4">
-                      <a:pos x="hc" y="t"/>
-                    </a:cxn>
-                    <a:cxn ang="0">
-                      <a:pos x="r" y="vc"/>
-                    </a:cxn>
-                    <a:cxn ang="cd4">
-                      <a:pos x="hc" y="b"/>
-                    </a:cxn>
-                    <a:cxn ang="cd2">
-                      <a:pos x="l" y="vc"/>
-                    </a:cxn>
-                    <a:cxn ang="f24">
-                      <a:pos x="f46" y="f30"/>
-                    </a:cxn>
-                    <a:cxn ang="f24">
-                      <a:pos x="f44" y="f31"/>
-                    </a:cxn>
-                    <a:cxn ang="f24">
-                      <a:pos x="f30" y="f47"/>
-                    </a:cxn>
-                    <a:cxn ang="f24">
-                      <a:pos x="f44" y="f36"/>
-                    </a:cxn>
-                    <a:cxn ang="f24">
-                      <a:pos x="f40" y="f47"/>
-                    </a:cxn>
-                    <a:cxn ang="f24">
-                      <a:pos x="f37" y="f45"/>
-                    </a:cxn>
-                  </a:cxnLst>
-                  <a:rect l="f30" t="f31" r="f40" b="f36"/>
-                  <a:pathLst>
-                    <a:path>
-                      <a:moveTo>
-                        <a:pt x="f30" y="f36"/>
-                      </a:moveTo>
-                      <a:lnTo>
-                        <a:pt x="f30" y="f31"/>
-                      </a:lnTo>
-                      <a:lnTo>
-                        <a:pt x="f31" y="f30"/>
-                      </a:lnTo>
-                      <a:lnTo>
-                        <a:pt x="f37" y="f30"/>
-                      </a:lnTo>
-                      <a:lnTo>
-                        <a:pt x="f37" y="f41"/>
-                      </a:lnTo>
-                      <a:lnTo>
-                        <a:pt x="f40" y="f36"/>
-                      </a:lnTo>
-                      <a:close/>
-                    </a:path>
-                    <a:path>
-                      <a:moveTo>
-                        <a:pt x="f30" y="f31"/>
-                      </a:moveTo>
-                      <a:lnTo>
-                        <a:pt x="f31" y="f30"/>
-                      </a:lnTo>
-                      <a:lnTo>
-                        <a:pt x="f37" y="f30"/>
-                      </a:lnTo>
-                      <a:lnTo>
-                        <a:pt x="f40" y="f31"/>
-                      </a:lnTo>
-                      <a:close/>
-                    </a:path>
-                    <a:path>
-                      <a:moveTo>
-                        <a:pt x="f40" y="f36"/>
-                      </a:moveTo>
-                      <a:lnTo>
-                        <a:pt x="f40" y="f31"/>
-                      </a:lnTo>
-                      <a:lnTo>
-                        <a:pt x="f37" y="f30"/>
-                      </a:lnTo>
-                      <a:lnTo>
-                        <a:pt x="f37" y="f41"/>
-                      </a:lnTo>
-                      <a:close/>
-                    </a:path>
-                  </a:pathLst>
-                </a:custGeom>
-                <a:solidFill>
-                  <a:srgbClr val="333399"/>
-                </a:solidFill>
-                <a:ln w="9363" cap="flat">
-                  <a:solidFill>
-                    <a:srgbClr val="000000"/>
-                  </a:solidFill>
-                  <a:prstDash val="solid"/>
-                  <a:miter/>
-                </a:ln>
-              </p:spPr>
-              <p:txBody>
-                <a:bodyPr vert="horz" wrap="square" lIns="158758" tIns="82442" rIns="158758" bIns="82442" anchor="t" anchorCtr="0" compatLnSpc="1">
-                  <a:noAutofit/>
-                </a:bodyPr>
-                <a:lstStyle/>
-                <a:p>
-                  <a:pPr marL="0" marR="0" lvl="0" indent="0" algn="l" defTabSz="914400" rtl="0" fontAlgn="auto" hangingPunct="1">
-                    <a:lnSpc>
-                      <a:spcPct val="100000"/>
-                    </a:lnSpc>
-                    <a:spcBef>
-                      <a:spcPts val="0"/>
-                    </a:spcBef>
-                    <a:spcAft>
-                      <a:spcPts val="0"/>
-                    </a:spcAft>
-                    <a:buNone/>
-                    <a:tabLst>
-                      <a:tab pos="0" algn="l"/>
-                      <a:tab pos="914400" algn="l"/>
-                      <a:tab pos="1828800" algn="l"/>
-                      <a:tab pos="2743200" algn="l"/>
-                      <a:tab pos="3657600" algn="l"/>
-                      <a:tab pos="4572000" algn="l"/>
-                      <a:tab pos="5486400" algn="l"/>
-                      <a:tab pos="6400800" algn="l"/>
-                      <a:tab pos="7315200" algn="l"/>
-                      <a:tab pos="8229600" algn="l"/>
-                      <a:tab pos="9144000" algn="l"/>
-                      <a:tab pos="10058400" algn="l"/>
-                    </a:tabLst>
-                    <a:defRPr sz="1800" b="0" i="0" u="none" strike="noStrike" kern="0" cap="none" spc="0" baseline="0">
-                      <a:solidFill>
-                        <a:srgbClr val="000000"/>
-                      </a:solidFill>
-                      <a:uFillTx/>
-                    </a:defRPr>
-                  </a:pPr>
-                  <a:endParaRPr lang="en-US" sz="1800" b="0" i="0" u="none" strike="noStrike" kern="1200" cap="none" spc="0" baseline="0">
-                    <a:solidFill>
-                      <a:srgbClr val="000000"/>
-                    </a:solidFill>
-                    <a:uFillTx/>
-                    <a:latin typeface="Arial" pitchFamily="18"/>
-                    <a:ea typeface="SimSun" pitchFamily="2"/>
-                    <a:cs typeface="Mangal" pitchFamily="2"/>
-                  </a:endParaRPr>
-                </a:p>
-              </p:txBody>
-            </p:sp>
-          </p:grpSp>
-        </p:grpSp>
-        <p:sp>
-          <p:nvSpPr>
-            <p:cNvPr id="297" name="Freeform 1558"/>
-            <p:cNvSpPr/>
-            <p:nvPr/>
-          </p:nvSpPr>
-          <p:spPr>
-            <a:xfrm>
-              <a:off x="-3641854" y="85917"/>
-              <a:ext cx="772101" cy="22640"/>
-            </a:xfrm>
-            <a:custGeom>
-              <a:avLst/>
-              <a:gdLst>
-                <a:gd name="f0" fmla="val w"/>
-                <a:gd name="f1" fmla="val h"/>
-                <a:gd name="f2" fmla="val 0"/>
-                <a:gd name="f3" fmla="val 4860"/>
-                <a:gd name="f4" fmla="val 540"/>
-                <a:gd name="f5" fmla="val 143"/>
-                <a:gd name="f6" fmla="val 142"/>
-                <a:gd name="f7" fmla="val 4725"/>
-                <a:gd name="f8" fmla="val 4852"/>
-                <a:gd name="f9" fmla="*/ f0 1 4860"/>
-                <a:gd name="f10" fmla="*/ f1 1 540"/>
-                <a:gd name="f11" fmla="val f2"/>
-                <a:gd name="f12" fmla="val f3"/>
-                <a:gd name="f13" fmla="val f4"/>
-                <a:gd name="f14" fmla="+- f13 0 f11"/>
-                <a:gd name="f15" fmla="+- f12 0 f11"/>
-                <a:gd name="f16" fmla="*/ f15 1 4860"/>
-                <a:gd name="f17" fmla="*/ f14 1 540"/>
-                <a:gd name="f18" fmla="*/ f11 1 f16"/>
-                <a:gd name="f19" fmla="*/ f12 1 f16"/>
-                <a:gd name="f20" fmla="*/ f11 1 f17"/>
-                <a:gd name="f21" fmla="*/ f13 1 f17"/>
-                <a:gd name="f22" fmla="*/ f18 f9 1"/>
-                <a:gd name="f23" fmla="*/ f19 f9 1"/>
-                <a:gd name="f24" fmla="*/ f21 f10 1"/>
-                <a:gd name="f25" fmla="*/ f20 f10 1"/>
-              </a:gdLst>
-              <a:ahLst/>
-              <a:cxnLst>
-                <a:cxn ang="3cd4">
-                  <a:pos x="hc" y="t"/>
-                </a:cxn>
-                <a:cxn ang="0">
-                  <a:pos x="r" y="vc"/>
-                </a:cxn>
-                <a:cxn ang="cd4">
-                  <a:pos x="hc" y="b"/>
-                </a:cxn>
-                <a:cxn ang="cd2">
-                  <a:pos x="l" y="vc"/>
-                </a:cxn>
-              </a:cxnLst>
-              <a:rect l="f22" t="f25" r="f23" b="f24"/>
-              <a:pathLst>
-                <a:path w="4860" h="540">
-                  <a:moveTo>
-                    <a:pt x="f2" y="f4"/>
-                  </a:moveTo>
-                  <a:lnTo>
-                    <a:pt x="f2" y="f5"/>
-                  </a:lnTo>
-                  <a:lnTo>
-                    <a:pt x="f6" y="f2"/>
-                  </a:lnTo>
-                  <a:lnTo>
-                    <a:pt x="f7" y="f2"/>
-                  </a:lnTo>
-                  <a:lnTo>
-                    <a:pt x="f8" y="f5"/>
-                  </a:lnTo>
-                  <a:lnTo>
-                    <a:pt x="f3" y="f4"/>
-                  </a:lnTo>
-                  <a:lnTo>
-                    <a:pt x="f2" y="f4"/>
-                  </a:lnTo>
-                  <a:close/>
-                </a:path>
-              </a:pathLst>
-            </a:custGeom>
-            <a:solidFill>
-              <a:srgbClr val="333399"/>
-            </a:solidFill>
-            <a:ln w="9363" cap="flat">
-              <a:solidFill>
-                <a:srgbClr val="000000"/>
-              </a:solidFill>
-              <a:prstDash val="solid"/>
-              <a:round/>
-            </a:ln>
-          </p:spPr>
-          <p:txBody>
-            <a:bodyPr vert="horz" wrap="square" lIns="158758" tIns="82442" rIns="158758" bIns="82442" anchor="t" anchorCtr="0" compatLnSpc="1">
-              <a:noAutofit/>
-            </a:bodyPr>
-            <a:lstStyle/>
-            <a:p>
-              <a:pPr marL="0" marR="0" lvl="0" indent="0" algn="l" defTabSz="914400" rtl="0" fontAlgn="auto" hangingPunct="1">
-                <a:lnSpc>
-                  <a:spcPct val="100000"/>
-                </a:lnSpc>
-                <a:spcBef>
-                  <a:spcPts val="0"/>
-                </a:spcBef>
-                <a:spcAft>
-                  <a:spcPts val="0"/>
-                </a:spcAft>
-                <a:buNone/>
-                <a:tabLst>
-                  <a:tab pos="0" algn="l"/>
-                  <a:tab pos="914400" algn="l"/>
-                  <a:tab pos="1828800" algn="l"/>
-                  <a:tab pos="2743200" algn="l"/>
-                  <a:tab pos="3657600" algn="l"/>
-                  <a:tab pos="4572000" algn="l"/>
-                  <a:tab pos="5486400" algn="l"/>
-                  <a:tab pos="6400800" algn="l"/>
-                  <a:tab pos="7315200" algn="l"/>
-                  <a:tab pos="8229600" algn="l"/>
-                  <a:tab pos="9144000" algn="l"/>
-                  <a:tab pos="10058400" algn="l"/>
-                </a:tabLst>
-                <a:defRPr sz="1800" b="0" i="0" u="none" strike="noStrike" kern="0" cap="none" spc="0" baseline="0">
-                  <a:solidFill>
-                    <a:srgbClr val="000000"/>
-                  </a:solidFill>
-                  <a:uFillTx/>
-                </a:defRPr>
-              </a:pPr>
-              <a:endParaRPr lang="en-US" sz="1800" b="0" i="0" u="none" strike="noStrike" kern="1200" cap="none" spc="0" baseline="0">
-                <a:solidFill>
-                  <a:srgbClr val="000000"/>
-                </a:solidFill>
-                <a:uFillTx/>
-                <a:latin typeface="Arial" pitchFamily="18"/>
-                <a:ea typeface="SimSun" pitchFamily="2"/>
-                <a:cs typeface="Mangal" pitchFamily="2"/>
-              </a:endParaRPr>
-            </a:p>
-          </p:txBody>
-        </p:sp>
-        <p:sp>
-          <p:nvSpPr>
-            <p:cNvPr id="298" name="Freeform 1559"/>
-            <p:cNvSpPr/>
-            <p:nvPr/>
-          </p:nvSpPr>
-          <p:spPr>
-            <a:xfrm rot="10787993">
-              <a:off x="-2917091" y="-21992"/>
-              <a:ext cx="119676" cy="120133"/>
-            </a:xfrm>
-            <a:custGeom>
-              <a:avLst/>
-              <a:gdLst>
-                <a:gd name="f0" fmla="val 10800000"/>
-                <a:gd name="f1" fmla="val 5400000"/>
-                <a:gd name="f2" fmla="val 180"/>
-                <a:gd name="f3" fmla="val w"/>
-                <a:gd name="f4" fmla="val h"/>
-                <a:gd name="f5" fmla="val 0"/>
-                <a:gd name="f6" fmla="val 21600"/>
-                <a:gd name="f7" fmla="*/ 5419351 1 1725033"/>
-                <a:gd name="f8" fmla="*/ 10800 10800 1"/>
-                <a:gd name="f9" fmla="+- 0 0 360"/>
-                <a:gd name="f10" fmla="val 10800"/>
-                <a:gd name="f11" fmla="+- 0 0 0"/>
-                <a:gd name="f12" fmla="*/ f3 1 21600"/>
-                <a:gd name="f13" fmla="*/ f4 1 21600"/>
-                <a:gd name="f14" fmla="val f5"/>
-                <a:gd name="f15" fmla="val f6"/>
-                <a:gd name="f16" fmla="*/ 0 f7 1"/>
-                <a:gd name="f17" fmla="*/ f5 f0 1"/>
-                <a:gd name="f18" fmla="*/ f9 f0 1"/>
-                <a:gd name="f19" fmla="*/ f11 f0 1"/>
-                <a:gd name="f20" fmla="+- f15 0 f14"/>
-                <a:gd name="f21" fmla="*/ f16 1 f2"/>
-                <a:gd name="f22" fmla="*/ f17 1 f2"/>
-                <a:gd name="f23" fmla="*/ f18 1 f2"/>
-                <a:gd name="f24" fmla="*/ f19 1 f2"/>
-                <a:gd name="f25" fmla="*/ f20 1 21600"/>
-                <a:gd name="f26" fmla="+- 0 0 f21"/>
-                <a:gd name="f27" fmla="+- f22 0 f1"/>
-                <a:gd name="f28" fmla="+- f23 0 f1"/>
-                <a:gd name="f29" fmla="+- f24 0 f1"/>
-                <a:gd name="f30" fmla="*/ 3163 f25 1"/>
-                <a:gd name="f31" fmla="*/ 18437 f25 1"/>
-                <a:gd name="f32" fmla="*/ 10800 f25 1"/>
-                <a:gd name="f33" fmla="*/ 0 f25 1"/>
-                <a:gd name="f34" fmla="*/ 21600 f25 1"/>
-                <a:gd name="f35" fmla="*/ f26 f0 1"/>
-                <a:gd name="f36" fmla="+- f28 0 f27"/>
-                <a:gd name="f37" fmla="*/ f35 1 f7"/>
-                <a:gd name="f38" fmla="*/ f32 1 f25"/>
-                <a:gd name="f39" fmla="*/ f33 1 f25"/>
-                <a:gd name="f40" fmla="*/ f30 1 f25"/>
-                <a:gd name="f41" fmla="*/ f31 1 f25"/>
-                <a:gd name="f42" fmla="*/ f34 1 f25"/>
-                <a:gd name="f43" fmla="+- f37 0 f1"/>
-                <a:gd name="f44" fmla="*/ f40 f12 1"/>
-                <a:gd name="f45" fmla="*/ f41 f12 1"/>
-                <a:gd name="f46" fmla="*/ f41 f13 1"/>
-                <a:gd name="f47" fmla="*/ f40 f13 1"/>
-                <a:gd name="f48" fmla="*/ f38 f12 1"/>
-                <a:gd name="f49" fmla="*/ f39 f13 1"/>
-                <a:gd name="f50" fmla="*/ f39 f12 1"/>
-                <a:gd name="f51" fmla="*/ f38 f13 1"/>
-                <a:gd name="f52" fmla="*/ f42 f13 1"/>
-                <a:gd name="f53" fmla="*/ f42 f12 1"/>
-                <a:gd name="f54" fmla="+- f43 f1 0"/>
-                <a:gd name="f55" fmla="*/ f54 f7 1"/>
-                <a:gd name="f56" fmla="*/ f55 1 f0"/>
-                <a:gd name="f57" fmla="+- 0 0 f56"/>
-                <a:gd name="f58" fmla="+- 0 0 f57"/>
-                <a:gd name="f59" fmla="*/ f58 f0 1"/>
-                <a:gd name="f60" fmla="*/ f59 1 f7"/>
-                <a:gd name="f61" fmla="+- f60 0 f1"/>
-                <a:gd name="f62" fmla="cos 1 f61"/>
-                <a:gd name="f63" fmla="sin 1 f61"/>
-                <a:gd name="f64" fmla="+- 0 0 f62"/>
-                <a:gd name="f65" fmla="+- 0 0 f63"/>
-                <a:gd name="f66" fmla="+- 0 0 f64"/>
-                <a:gd name="f67" fmla="+- 0 0 f65"/>
-                <a:gd name="f68" fmla="val f66"/>
-                <a:gd name="f69" fmla="val f67"/>
-                <a:gd name="f70" fmla="+- 0 0 f68"/>
-                <a:gd name="f71" fmla="+- 0 0 f69"/>
-                <a:gd name="f72" fmla="*/ 10800 f70 1"/>
-                <a:gd name="f73" fmla="*/ 10800 f71 1"/>
-                <a:gd name="f74" fmla="*/ f72 f72 1"/>
-                <a:gd name="f75" fmla="*/ f73 f73 1"/>
-                <a:gd name="f76" fmla="+- f74 f75 0"/>
-                <a:gd name="f77" fmla="sqrt f76"/>
-                <a:gd name="f78" fmla="*/ f8 1 f77"/>
-                <a:gd name="f79" fmla="*/ f70 f78 1"/>
-                <a:gd name="f80" fmla="*/ f71 f78 1"/>
-                <a:gd name="f81" fmla="+- 10800 0 f79"/>
-                <a:gd name="f82" fmla="+- 10800 0 f80"/>
-              </a:gdLst>
-              <a:ahLst/>
-              <a:cxnLst>
-                <a:cxn ang="3cd4">
-                  <a:pos x="hc" y="t"/>
-                </a:cxn>
-                <a:cxn ang="0">
-                  <a:pos x="r" y="vc"/>
-                </a:cxn>
-                <a:cxn ang="cd4">
-                  <a:pos x="hc" y="b"/>
-                </a:cxn>
-                <a:cxn ang="cd2">
-                  <a:pos x="l" y="vc"/>
-                </a:cxn>
-                <a:cxn ang="f29">
-                  <a:pos x="f48" y="f49"/>
-                </a:cxn>
-                <a:cxn ang="f29">
-                  <a:pos x="f44" y="f47"/>
-                </a:cxn>
-                <a:cxn ang="f29">
-                  <a:pos x="f50" y="f51"/>
-                </a:cxn>
-                <a:cxn ang="f29">
-                  <a:pos x="f44" y="f46"/>
-                </a:cxn>
-                <a:cxn ang="f29">
-                  <a:pos x="f48" y="f52"/>
-                </a:cxn>
-                <a:cxn ang="f29">
-                  <a:pos x="f45" y="f46"/>
-                </a:cxn>
-                <a:cxn ang="f29">
-                  <a:pos x="f53" y="f51"/>
-                </a:cxn>
-                <a:cxn ang="f29">
-                  <a:pos x="f45" y="f47"/>
-                </a:cxn>
-              </a:cxnLst>
-              <a:rect l="f44" t="f47" r="f45" b="f46"/>
-              <a:pathLst>
-                <a:path w="21600" h="21600">
-                  <a:moveTo>
-                    <a:pt x="f81" y="f82"/>
-                  </a:moveTo>
-                  <a:arcTo wR="f10" hR="f10" stAng="f27" swAng="f36"/>
-                  <a:close/>
-                </a:path>
-              </a:pathLst>
-            </a:custGeom>
-            <a:solidFill>
-              <a:srgbClr val="00CCFF"/>
-            </a:solidFill>
-            <a:ln w="9363" cap="flat">
-              <a:solidFill>
-                <a:srgbClr val="000000"/>
-              </a:solidFill>
-              <a:prstDash val="solid"/>
-              <a:miter/>
-            </a:ln>
-          </p:spPr>
-          <p:txBody>
-            <a:bodyPr vert="horz" wrap="square" lIns="158758" tIns="82442" rIns="158758" bIns="82442" anchor="t" anchorCtr="0" compatLnSpc="1">
-              <a:noAutofit/>
-            </a:bodyPr>
-            <a:lstStyle/>
-            <a:p>
-              <a:pPr marL="0" marR="0" lvl="0" indent="0" algn="l" defTabSz="914400" rtl="0" fontAlgn="auto" hangingPunct="1">
-                <a:lnSpc>
-                  <a:spcPct val="100000"/>
-                </a:lnSpc>
-                <a:spcBef>
-                  <a:spcPts val="0"/>
-                </a:spcBef>
-                <a:spcAft>
-                  <a:spcPts val="0"/>
-                </a:spcAft>
-                <a:buNone/>
-                <a:tabLst>
-                  <a:tab pos="0" algn="l"/>
-                  <a:tab pos="914400" algn="l"/>
-                  <a:tab pos="1828800" algn="l"/>
-                  <a:tab pos="2743200" algn="l"/>
-                  <a:tab pos="3657600" algn="l"/>
-                  <a:tab pos="4572000" algn="l"/>
-                  <a:tab pos="5486400" algn="l"/>
-                  <a:tab pos="6400800" algn="l"/>
-                  <a:tab pos="7315200" algn="l"/>
-                  <a:tab pos="8229600" algn="l"/>
-                  <a:tab pos="9144000" algn="l"/>
-                  <a:tab pos="10058400" algn="l"/>
-                </a:tabLst>
-                <a:defRPr sz="1800" b="0" i="0" u="none" strike="noStrike" kern="0" cap="none" spc="0" baseline="0">
-                  <a:solidFill>
-                    <a:srgbClr val="000000"/>
-                  </a:solidFill>
-                  <a:uFillTx/>
-                </a:defRPr>
-              </a:pPr>
-              <a:endParaRPr lang="en-US" sz="1800" b="0" i="0" u="none" strike="noStrike" kern="1200" cap="none" spc="0" baseline="0">
-                <a:solidFill>
-                  <a:srgbClr val="000000"/>
-                </a:solidFill>
-                <a:uFillTx/>
-                <a:latin typeface="Arial" pitchFamily="18"/>
-                <a:ea typeface="SimSun" pitchFamily="2"/>
-                <a:cs typeface="Mangal" pitchFamily="2"/>
-              </a:endParaRPr>
-            </a:p>
-          </p:txBody>
-        </p:sp>
-        <p:sp>
-          <p:nvSpPr>
-            <p:cNvPr id="299" name="Freeform 1560"/>
-            <p:cNvSpPr/>
-            <p:nvPr/>
-          </p:nvSpPr>
-          <p:spPr>
-            <a:xfrm rot="10787993">
-              <a:off x="-3681795" y="-21992"/>
-              <a:ext cx="120133" cy="120133"/>
-            </a:xfrm>
-            <a:custGeom>
-              <a:avLst/>
-              <a:gdLst>
-                <a:gd name="f0" fmla="val 10800000"/>
-                <a:gd name="f1" fmla="val 5400000"/>
-                <a:gd name="f2" fmla="val 180"/>
-                <a:gd name="f3" fmla="val w"/>
-                <a:gd name="f4" fmla="val h"/>
-                <a:gd name="f5" fmla="val 0"/>
-                <a:gd name="f6" fmla="val 21600"/>
-                <a:gd name="f7" fmla="*/ 5419351 1 1725033"/>
-                <a:gd name="f8" fmla="*/ 10800 10800 1"/>
-                <a:gd name="f9" fmla="+- 0 0 360"/>
-                <a:gd name="f10" fmla="val 10800"/>
-                <a:gd name="f11" fmla="+- 0 0 0"/>
-                <a:gd name="f12" fmla="*/ f3 1 21600"/>
-                <a:gd name="f13" fmla="*/ f4 1 21600"/>
-                <a:gd name="f14" fmla="val f5"/>
-                <a:gd name="f15" fmla="val f6"/>
-                <a:gd name="f16" fmla="*/ 0 f7 1"/>
-                <a:gd name="f17" fmla="*/ f5 f0 1"/>
-                <a:gd name="f18" fmla="*/ f9 f0 1"/>
-                <a:gd name="f19" fmla="*/ f11 f0 1"/>
-                <a:gd name="f20" fmla="+- f15 0 f14"/>
-                <a:gd name="f21" fmla="*/ f16 1 f2"/>
-                <a:gd name="f22" fmla="*/ f17 1 f2"/>
-                <a:gd name="f23" fmla="*/ f18 1 f2"/>
-                <a:gd name="f24" fmla="*/ f19 1 f2"/>
-                <a:gd name="f25" fmla="*/ f20 1 21600"/>
-                <a:gd name="f26" fmla="+- 0 0 f21"/>
-                <a:gd name="f27" fmla="+- f22 0 f1"/>
-                <a:gd name="f28" fmla="+- f23 0 f1"/>
-                <a:gd name="f29" fmla="+- f24 0 f1"/>
-                <a:gd name="f30" fmla="*/ 3163 f25 1"/>
-                <a:gd name="f31" fmla="*/ 18437 f25 1"/>
-                <a:gd name="f32" fmla="*/ 10800 f25 1"/>
-                <a:gd name="f33" fmla="*/ 0 f25 1"/>
-                <a:gd name="f34" fmla="*/ 21600 f25 1"/>
-                <a:gd name="f35" fmla="*/ f26 f0 1"/>
-                <a:gd name="f36" fmla="+- f28 0 f27"/>
-                <a:gd name="f37" fmla="*/ f35 1 f7"/>
-                <a:gd name="f38" fmla="*/ f32 1 f25"/>
-                <a:gd name="f39" fmla="*/ f33 1 f25"/>
-                <a:gd name="f40" fmla="*/ f30 1 f25"/>
-                <a:gd name="f41" fmla="*/ f31 1 f25"/>
-                <a:gd name="f42" fmla="*/ f34 1 f25"/>
-                <a:gd name="f43" fmla="+- f37 0 f1"/>
-                <a:gd name="f44" fmla="*/ f40 f12 1"/>
-                <a:gd name="f45" fmla="*/ f41 f12 1"/>
-                <a:gd name="f46" fmla="*/ f41 f13 1"/>
-                <a:gd name="f47" fmla="*/ f40 f13 1"/>
-                <a:gd name="f48" fmla="*/ f38 f12 1"/>
-                <a:gd name="f49" fmla="*/ f39 f13 1"/>
-                <a:gd name="f50" fmla="*/ f39 f12 1"/>
-                <a:gd name="f51" fmla="*/ f38 f13 1"/>
-                <a:gd name="f52" fmla="*/ f42 f13 1"/>
-                <a:gd name="f53" fmla="*/ f42 f12 1"/>
-                <a:gd name="f54" fmla="+- f43 f1 0"/>
-                <a:gd name="f55" fmla="*/ f54 f7 1"/>
-                <a:gd name="f56" fmla="*/ f55 1 f0"/>
-                <a:gd name="f57" fmla="+- 0 0 f56"/>
-                <a:gd name="f58" fmla="+- 0 0 f57"/>
-                <a:gd name="f59" fmla="*/ f58 f0 1"/>
-                <a:gd name="f60" fmla="*/ f59 1 f7"/>
-                <a:gd name="f61" fmla="+- f60 0 f1"/>
-                <a:gd name="f62" fmla="cos 1 f61"/>
-                <a:gd name="f63" fmla="sin 1 f61"/>
-                <a:gd name="f64" fmla="+- 0 0 f62"/>
-                <a:gd name="f65" fmla="+- 0 0 f63"/>
-                <a:gd name="f66" fmla="+- 0 0 f64"/>
-                <a:gd name="f67" fmla="+- 0 0 f65"/>
-                <a:gd name="f68" fmla="val f66"/>
-                <a:gd name="f69" fmla="val f67"/>
-                <a:gd name="f70" fmla="+- 0 0 f68"/>
-                <a:gd name="f71" fmla="+- 0 0 f69"/>
-                <a:gd name="f72" fmla="*/ 10800 f70 1"/>
-                <a:gd name="f73" fmla="*/ 10800 f71 1"/>
-                <a:gd name="f74" fmla="*/ f72 f72 1"/>
-                <a:gd name="f75" fmla="*/ f73 f73 1"/>
-                <a:gd name="f76" fmla="+- f74 f75 0"/>
-                <a:gd name="f77" fmla="sqrt f76"/>
-                <a:gd name="f78" fmla="*/ f8 1 f77"/>
-                <a:gd name="f79" fmla="*/ f70 f78 1"/>
-                <a:gd name="f80" fmla="*/ f71 f78 1"/>
-                <a:gd name="f81" fmla="+- 10800 0 f79"/>
-                <a:gd name="f82" fmla="+- 10800 0 f80"/>
-              </a:gdLst>
-              <a:ahLst/>
-              <a:cxnLst>
-                <a:cxn ang="3cd4">
-                  <a:pos x="hc" y="t"/>
-                </a:cxn>
-                <a:cxn ang="0">
-                  <a:pos x="r" y="vc"/>
-                </a:cxn>
-                <a:cxn ang="cd4">
-                  <a:pos x="hc" y="b"/>
-                </a:cxn>
-                <a:cxn ang="cd2">
-                  <a:pos x="l" y="vc"/>
-                </a:cxn>
-                <a:cxn ang="f29">
-                  <a:pos x="f48" y="f49"/>
-                </a:cxn>
-                <a:cxn ang="f29">
-                  <a:pos x="f44" y="f47"/>
-                </a:cxn>
-                <a:cxn ang="f29">
-                  <a:pos x="f50" y="f51"/>
-                </a:cxn>
-                <a:cxn ang="f29">
-                  <a:pos x="f44" y="f46"/>
-                </a:cxn>
-                <a:cxn ang="f29">
-                  <a:pos x="f48" y="f52"/>
-                </a:cxn>
-                <a:cxn ang="f29">
-                  <a:pos x="f45" y="f46"/>
-                </a:cxn>
-                <a:cxn ang="f29">
-                  <a:pos x="f53" y="f51"/>
-                </a:cxn>
-                <a:cxn ang="f29">
-                  <a:pos x="f45" y="f47"/>
-                </a:cxn>
-              </a:cxnLst>
-              <a:rect l="f44" t="f47" r="f45" b="f46"/>
-              <a:pathLst>
-                <a:path w="21600" h="21600">
-                  <a:moveTo>
-                    <a:pt x="f81" y="f82"/>
-                  </a:moveTo>
-                  <a:arcTo wR="f10" hR="f10" stAng="f27" swAng="f36"/>
-                  <a:close/>
-                </a:path>
-              </a:pathLst>
-            </a:custGeom>
-            <a:solidFill>
-              <a:srgbClr val="00CCFF"/>
-            </a:solidFill>
-            <a:ln w="9363" cap="flat">
-              <a:solidFill>
-                <a:srgbClr val="000000"/>
-              </a:solidFill>
-              <a:prstDash val="solid"/>
-              <a:miter/>
-            </a:ln>
-          </p:spPr>
-          <p:txBody>
-            <a:bodyPr vert="horz" wrap="square" lIns="158758" tIns="82442" rIns="158758" bIns="82442" anchor="t" anchorCtr="0" compatLnSpc="1">
-              <a:noAutofit/>
-            </a:bodyPr>
-            <a:lstStyle/>
-            <a:p>
-              <a:pPr marL="0" marR="0" lvl="0" indent="0" algn="l" defTabSz="914400" rtl="0" fontAlgn="auto" hangingPunct="1">
-                <a:lnSpc>
-                  <a:spcPct val="100000"/>
-                </a:lnSpc>
-                <a:spcBef>
-                  <a:spcPts val="0"/>
-                </a:spcBef>
-                <a:spcAft>
-                  <a:spcPts val="0"/>
-                </a:spcAft>
-                <a:buNone/>
-                <a:tabLst>
-                  <a:tab pos="0" algn="l"/>
-                  <a:tab pos="914400" algn="l"/>
-                  <a:tab pos="1828800" algn="l"/>
-                  <a:tab pos="2743200" algn="l"/>
-                  <a:tab pos="3657600" algn="l"/>
-                  <a:tab pos="4572000" algn="l"/>
-                  <a:tab pos="5486400" algn="l"/>
-                  <a:tab pos="6400800" algn="l"/>
-                  <a:tab pos="7315200" algn="l"/>
-                  <a:tab pos="8229600" algn="l"/>
-                  <a:tab pos="9144000" algn="l"/>
-                  <a:tab pos="10058400" algn="l"/>
-                </a:tabLst>
-                <a:defRPr sz="1800" b="0" i="0" u="none" strike="noStrike" kern="0" cap="none" spc="0" baseline="0">
-                  <a:solidFill>
-                    <a:srgbClr val="000000"/>
-                  </a:solidFill>
-                  <a:uFillTx/>
-                </a:defRPr>
-              </a:pPr>
-              <a:endParaRPr lang="en-US" sz="1800" b="0" i="0" u="none" strike="noStrike" kern="1200" cap="none" spc="0" baseline="0">
-                <a:solidFill>
-                  <a:srgbClr val="000000"/>
-                </a:solidFill>
-                <a:uFillTx/>
-                <a:latin typeface="Arial" pitchFamily="18"/>
-                <a:ea typeface="SimSun" pitchFamily="2"/>
-                <a:cs typeface="Mangal" pitchFamily="2"/>
-              </a:endParaRPr>
-            </a:p>
-          </p:txBody>
-        </p:sp>
-      </p:grpSp>
-      <p:grpSp>
-        <p:nvGrpSpPr>
-          <p:cNvPr id="509" name="Group 3"/>
-          <p:cNvGrpSpPr/>
-          <p:nvPr/>
-        </p:nvGrpSpPr>
-        <p:grpSpPr>
-          <a:xfrm>
-            <a:off x="-1566804" y="7616568"/>
-            <a:ext cx="457199" cy="1142999"/>
-            <a:chOff x="3429000" y="7543800"/>
-            <a:chExt cx="457199" cy="1142999"/>
-          </a:xfrm>
-        </p:grpSpPr>
-        <p:sp>
-          <p:nvSpPr>
-            <p:cNvPr id="510" name="Freeform 4"/>
-            <p:cNvSpPr/>
-            <p:nvPr/>
-          </p:nvSpPr>
-          <p:spPr>
-            <a:xfrm>
-              <a:off x="3491636" y="8600398"/>
-              <a:ext cx="338757" cy="86401"/>
-            </a:xfrm>
-            <a:custGeom>
-              <a:avLst/>
-              <a:gdLst>
-                <a:gd name="f0" fmla="val w"/>
-                <a:gd name="f1" fmla="val h"/>
-                <a:gd name="f2" fmla="val 0"/>
-                <a:gd name="f3" fmla="val 21600"/>
-                <a:gd name="f4" fmla="*/ f0 1 21600"/>
-                <a:gd name="f5" fmla="*/ f1 1 21600"/>
-                <a:gd name="f6" fmla="+- f3 0 f2"/>
-                <a:gd name="f7" fmla="*/ f6 1 21600"/>
-                <a:gd name="f8" fmla="*/ f2 1 f7"/>
-                <a:gd name="f9" fmla="*/ f3 1 f7"/>
-                <a:gd name="f10" fmla="*/ f8 f4 1"/>
-                <a:gd name="f11" fmla="*/ f9 f4 1"/>
-                <a:gd name="f12" fmla="*/ f9 f5 1"/>
-                <a:gd name="f13" fmla="*/ f8 f5 1"/>
-              </a:gdLst>
-              <a:ahLst/>
-              <a:cxnLst>
-                <a:cxn ang="3cd4">
-                  <a:pos x="hc" y="t"/>
-                </a:cxn>
-                <a:cxn ang="0">
-                  <a:pos x="r" y="vc"/>
-                </a:cxn>
-                <a:cxn ang="cd4">
-                  <a:pos x="hc" y="b"/>
-                </a:cxn>
-                <a:cxn ang="cd2">
-                  <a:pos x="l" y="vc"/>
-                </a:cxn>
-              </a:cxnLst>
-              <a:rect l="f10" t="f13" r="f11" b="f12"/>
-              <a:pathLst>
-                <a:path w="21600" h="21600">
-                  <a:moveTo>
-                    <a:pt x="f2" y="f2"/>
-                  </a:moveTo>
-                  <a:lnTo>
-                    <a:pt x="f3" y="f2"/>
-                  </a:lnTo>
-                  <a:lnTo>
-                    <a:pt x="f3" y="f3"/>
-                  </a:lnTo>
-                  <a:lnTo>
-                    <a:pt x="f2" y="f3"/>
-                  </a:lnTo>
-                  <a:lnTo>
-                    <a:pt x="f2" y="f2"/>
-                  </a:lnTo>
-                  <a:close/>
-                </a:path>
-              </a:pathLst>
-            </a:custGeom>
-            <a:noFill/>
-            <a:ln w="9363" cap="flat">
-              <a:solidFill>
-                <a:srgbClr val="000000"/>
-              </a:solidFill>
-              <a:prstDash val="solid"/>
-              <a:miter/>
-            </a:ln>
-          </p:spPr>
-          <p:txBody>
-            <a:bodyPr vert="horz" wrap="square" lIns="90004" tIns="46798" rIns="90004" bIns="46798" anchor="t" anchorCtr="0" compatLnSpc="1">
-              <a:noAutofit/>
-            </a:bodyPr>
-            <a:lstStyle/>
-            <a:p>
-              <a:pPr marL="0" marR="0" lvl="0" indent="0" algn="l" defTabSz="914400" rtl="0" fontAlgn="auto" hangingPunct="1">
-                <a:lnSpc>
-                  <a:spcPct val="100000"/>
-                </a:lnSpc>
-                <a:spcBef>
-                  <a:spcPts val="0"/>
-                </a:spcBef>
-                <a:spcAft>
-                  <a:spcPts val="0"/>
-                </a:spcAft>
-                <a:buNone/>
-                <a:tabLst>
-                  <a:tab pos="0" algn="l"/>
-                  <a:tab pos="914400" algn="l"/>
-                  <a:tab pos="1828800" algn="l"/>
-                  <a:tab pos="2743200" algn="l"/>
-                  <a:tab pos="3657600" algn="l"/>
-                  <a:tab pos="4572000" algn="l"/>
-                  <a:tab pos="5486400" algn="l"/>
-                  <a:tab pos="6400800" algn="l"/>
-                  <a:tab pos="7315200" algn="l"/>
-                  <a:tab pos="8229600" algn="l"/>
-                  <a:tab pos="9144000" algn="l"/>
-                  <a:tab pos="10058400" algn="l"/>
-                </a:tabLst>
-                <a:defRPr sz="1800" b="0" i="0" u="none" strike="noStrike" kern="0" cap="none" spc="0" baseline="0">
-                  <a:solidFill>
-                    <a:srgbClr val="000000"/>
-                  </a:solidFill>
-                  <a:uFillTx/>
-                </a:defRPr>
-              </a:pPr>
-              <a:endParaRPr lang="en-US" sz="1800" b="0" i="0" u="none" strike="noStrike" kern="1200" cap="none" spc="0" baseline="0">
-                <a:solidFill>
-                  <a:srgbClr val="000000"/>
-                </a:solidFill>
-                <a:uFillTx/>
-                <a:latin typeface="Arial" pitchFamily="18"/>
-                <a:ea typeface="SimSun" pitchFamily="2"/>
-                <a:cs typeface="Mangal" pitchFamily="2"/>
-              </a:endParaRPr>
-            </a:p>
-          </p:txBody>
-        </p:sp>
-        <p:sp>
-          <p:nvSpPr>
-            <p:cNvPr id="511" name="Freeform 5"/>
-            <p:cNvSpPr/>
-            <p:nvPr/>
-          </p:nvSpPr>
-          <p:spPr>
-            <a:xfrm>
-              <a:off x="3485875" y="7544156"/>
-              <a:ext cx="339480" cy="86401"/>
-            </a:xfrm>
-            <a:custGeom>
-              <a:avLst/>
-              <a:gdLst>
-                <a:gd name="f0" fmla="val w"/>
-                <a:gd name="f1" fmla="val h"/>
-                <a:gd name="f2" fmla="val 0"/>
-                <a:gd name="f3" fmla="val 21600"/>
-                <a:gd name="f4" fmla="*/ f0 1 21600"/>
-                <a:gd name="f5" fmla="*/ f1 1 21600"/>
-                <a:gd name="f6" fmla="+- f3 0 f2"/>
-                <a:gd name="f7" fmla="*/ f6 1 21600"/>
-                <a:gd name="f8" fmla="*/ f2 1 f7"/>
-                <a:gd name="f9" fmla="*/ f3 1 f7"/>
-                <a:gd name="f10" fmla="*/ f8 f4 1"/>
-                <a:gd name="f11" fmla="*/ f9 f4 1"/>
-                <a:gd name="f12" fmla="*/ f9 f5 1"/>
-                <a:gd name="f13" fmla="*/ f8 f5 1"/>
-              </a:gdLst>
-              <a:ahLst/>
-              <a:cxnLst>
-                <a:cxn ang="3cd4">
-                  <a:pos x="hc" y="t"/>
-                </a:cxn>
-                <a:cxn ang="0">
-                  <a:pos x="r" y="vc"/>
-                </a:cxn>
-                <a:cxn ang="cd4">
-                  <a:pos x="hc" y="b"/>
-                </a:cxn>
-                <a:cxn ang="cd2">
-                  <a:pos x="l" y="vc"/>
-                </a:cxn>
-              </a:cxnLst>
-              <a:rect l="f10" t="f13" r="f11" b="f12"/>
-              <a:pathLst>
-                <a:path w="21600" h="21600">
-                  <a:moveTo>
-                    <a:pt x="f2" y="f2"/>
-                  </a:moveTo>
-                  <a:lnTo>
-                    <a:pt x="f3" y="f2"/>
-                  </a:lnTo>
-                  <a:lnTo>
-                    <a:pt x="f3" y="f3"/>
-                  </a:lnTo>
-                  <a:lnTo>
-                    <a:pt x="f2" y="f3"/>
-                  </a:lnTo>
-                  <a:lnTo>
-                    <a:pt x="f2" y="f2"/>
-                  </a:lnTo>
-                  <a:close/>
-                </a:path>
-              </a:pathLst>
-            </a:custGeom>
-            <a:noFill/>
-            <a:ln w="9363" cap="flat">
-              <a:solidFill>
-                <a:srgbClr val="000000"/>
-              </a:solidFill>
-              <a:prstDash val="solid"/>
-              <a:miter/>
-            </a:ln>
-          </p:spPr>
-          <p:txBody>
-            <a:bodyPr vert="horz" wrap="square" lIns="90004" tIns="46798" rIns="90004" bIns="46798" anchor="t" anchorCtr="0" compatLnSpc="1">
-              <a:noAutofit/>
-            </a:bodyPr>
-            <a:lstStyle/>
-            <a:p>
-              <a:pPr marL="0" marR="0" lvl="0" indent="0" algn="l" defTabSz="914400" rtl="0" fontAlgn="auto" hangingPunct="1">
-                <a:lnSpc>
-                  <a:spcPct val="100000"/>
-                </a:lnSpc>
-                <a:spcBef>
-                  <a:spcPts val="0"/>
-                </a:spcBef>
-                <a:spcAft>
-                  <a:spcPts val="0"/>
-                </a:spcAft>
-                <a:buNone/>
-                <a:tabLst>
-                  <a:tab pos="0" algn="l"/>
-                  <a:tab pos="914400" algn="l"/>
-                  <a:tab pos="1828800" algn="l"/>
-                  <a:tab pos="2743200" algn="l"/>
-                  <a:tab pos="3657600" algn="l"/>
-                  <a:tab pos="4572000" algn="l"/>
-                  <a:tab pos="5486400" algn="l"/>
-                  <a:tab pos="6400800" algn="l"/>
-                  <a:tab pos="7315200" algn="l"/>
-                  <a:tab pos="8229600" algn="l"/>
-                  <a:tab pos="9144000" algn="l"/>
-                  <a:tab pos="10058400" algn="l"/>
-                </a:tabLst>
-                <a:defRPr sz="1800" b="0" i="0" u="none" strike="noStrike" kern="0" cap="none" spc="0" baseline="0">
-                  <a:solidFill>
-                    <a:srgbClr val="000000"/>
-                  </a:solidFill>
-                  <a:uFillTx/>
-                </a:defRPr>
-              </a:pPr>
-              <a:endParaRPr lang="en-US" sz="1800" b="0" i="0" u="none" strike="noStrike" kern="1200" cap="none" spc="0" baseline="0">
-                <a:solidFill>
-                  <a:srgbClr val="000000"/>
-                </a:solidFill>
-                <a:uFillTx/>
-                <a:latin typeface="Arial" pitchFamily="18"/>
-                <a:ea typeface="SimSun" pitchFamily="2"/>
-                <a:cs typeface="Mangal" pitchFamily="2"/>
-              </a:endParaRPr>
-            </a:p>
-          </p:txBody>
-        </p:sp>
-        <p:sp>
-          <p:nvSpPr>
-            <p:cNvPr id="512" name="Freeform 6"/>
-            <p:cNvSpPr/>
-            <p:nvPr/>
-          </p:nvSpPr>
-          <p:spPr>
-            <a:xfrm>
-              <a:off x="3485875" y="8077315"/>
-              <a:ext cx="339480" cy="86401"/>
-            </a:xfrm>
-            <a:custGeom>
-              <a:avLst/>
-              <a:gdLst>
-                <a:gd name="f0" fmla="val w"/>
-                <a:gd name="f1" fmla="val h"/>
-                <a:gd name="f2" fmla="val 0"/>
-                <a:gd name="f3" fmla="val 21600"/>
-                <a:gd name="f4" fmla="*/ f0 1 21600"/>
-                <a:gd name="f5" fmla="*/ f1 1 21600"/>
-                <a:gd name="f6" fmla="+- f3 0 f2"/>
-                <a:gd name="f7" fmla="*/ f6 1 21600"/>
-                <a:gd name="f8" fmla="*/ f2 1 f7"/>
-                <a:gd name="f9" fmla="*/ f3 1 f7"/>
-                <a:gd name="f10" fmla="*/ f8 f4 1"/>
-                <a:gd name="f11" fmla="*/ f9 f4 1"/>
-                <a:gd name="f12" fmla="*/ f9 f5 1"/>
-                <a:gd name="f13" fmla="*/ f8 f5 1"/>
-              </a:gdLst>
-              <a:ahLst/>
-              <a:cxnLst>
-                <a:cxn ang="3cd4">
-                  <a:pos x="hc" y="t"/>
-                </a:cxn>
-                <a:cxn ang="0">
-                  <a:pos x="r" y="vc"/>
-                </a:cxn>
-                <a:cxn ang="cd4">
-                  <a:pos x="hc" y="b"/>
-                </a:cxn>
-                <a:cxn ang="cd2">
-                  <a:pos x="l" y="vc"/>
-                </a:cxn>
-              </a:cxnLst>
-              <a:rect l="f10" t="f13" r="f11" b="f12"/>
-              <a:pathLst>
-                <a:path w="21600" h="21600">
-                  <a:moveTo>
-                    <a:pt x="f2" y="f2"/>
-                  </a:moveTo>
-                  <a:lnTo>
-                    <a:pt x="f3" y="f2"/>
-                  </a:lnTo>
-                  <a:lnTo>
-                    <a:pt x="f3" y="f3"/>
-                  </a:lnTo>
-                  <a:lnTo>
-                    <a:pt x="f2" y="f3"/>
-                  </a:lnTo>
-                  <a:lnTo>
-                    <a:pt x="f2" y="f2"/>
-                  </a:lnTo>
-                  <a:close/>
-                </a:path>
-              </a:pathLst>
-            </a:custGeom>
-            <a:noFill/>
-            <a:ln w="9363" cap="flat">
-              <a:solidFill>
-                <a:srgbClr val="000000"/>
-              </a:solidFill>
-              <a:prstDash val="solid"/>
-              <a:miter/>
-            </a:ln>
-          </p:spPr>
-          <p:txBody>
-            <a:bodyPr vert="horz" wrap="square" lIns="90004" tIns="46798" rIns="90004" bIns="46798" anchor="t" anchorCtr="0" compatLnSpc="1">
-              <a:noAutofit/>
-            </a:bodyPr>
-            <a:lstStyle/>
-            <a:p>
-              <a:pPr marL="0" marR="0" lvl="0" indent="0" algn="l" defTabSz="914400" rtl="0" fontAlgn="auto" hangingPunct="1">
-                <a:lnSpc>
-                  <a:spcPct val="100000"/>
-                </a:lnSpc>
-                <a:spcBef>
-                  <a:spcPts val="0"/>
-                </a:spcBef>
-                <a:spcAft>
-                  <a:spcPts val="0"/>
-                </a:spcAft>
-                <a:buNone/>
-                <a:tabLst>
-                  <a:tab pos="0" algn="l"/>
-                  <a:tab pos="914400" algn="l"/>
-                  <a:tab pos="1828800" algn="l"/>
-                  <a:tab pos="2743200" algn="l"/>
-                  <a:tab pos="3657600" algn="l"/>
-                  <a:tab pos="4572000" algn="l"/>
-                  <a:tab pos="5486400" algn="l"/>
-                  <a:tab pos="6400800" algn="l"/>
-                  <a:tab pos="7315200" algn="l"/>
-                  <a:tab pos="8229600" algn="l"/>
-                  <a:tab pos="9144000" algn="l"/>
-                  <a:tab pos="10058400" algn="l"/>
-                </a:tabLst>
-                <a:defRPr sz="1800" b="0" i="0" u="none" strike="noStrike" kern="0" cap="none" spc="0" baseline="0">
-                  <a:solidFill>
-                    <a:srgbClr val="000000"/>
-                  </a:solidFill>
-                  <a:uFillTx/>
-                </a:defRPr>
-              </a:pPr>
-              <a:endParaRPr lang="en-US" sz="1800" b="0" i="0" u="none" strike="noStrike" kern="1200" cap="none" spc="0" baseline="0">
-                <a:solidFill>
-                  <a:srgbClr val="000000"/>
-                </a:solidFill>
-                <a:uFillTx/>
-                <a:latin typeface="Arial" pitchFamily="18"/>
-                <a:ea typeface="SimSun" pitchFamily="2"/>
-                <a:cs typeface="Mangal" pitchFamily="2"/>
-              </a:endParaRPr>
-            </a:p>
-          </p:txBody>
-        </p:sp>
-        <p:grpSp>
-          <p:nvGrpSpPr>
-            <p:cNvPr id="513" name="Group 7"/>
-            <p:cNvGrpSpPr/>
-            <p:nvPr/>
-          </p:nvGrpSpPr>
-          <p:grpSpPr>
-            <a:xfrm>
-              <a:off x="3429000" y="7543800"/>
-              <a:ext cx="457199" cy="1142999"/>
-              <a:chOff x="3429000" y="7543800"/>
-              <a:chExt cx="457199" cy="1142999"/>
-            </a:xfrm>
-          </p:grpSpPr>
-          <p:sp>
-            <p:nvSpPr>
-              <p:cNvPr id="514" name="Freeform 8"/>
-              <p:cNvSpPr/>
-              <p:nvPr/>
-            </p:nvSpPr>
-            <p:spPr>
-              <a:xfrm>
-                <a:off x="3429000" y="7544156"/>
-                <a:ext cx="69841" cy="1142643"/>
-              </a:xfrm>
-              <a:custGeom>
-                <a:avLst/>
-                <a:gdLst>
-                  <a:gd name="f0" fmla="val w"/>
-                  <a:gd name="f1" fmla="val h"/>
-                  <a:gd name="f2" fmla="val 0"/>
-                  <a:gd name="f3" fmla="val 21600"/>
-                  <a:gd name="f4" fmla="*/ f0 1 21600"/>
-                  <a:gd name="f5" fmla="*/ f1 1 21600"/>
-                  <a:gd name="f6" fmla="+- f3 0 f2"/>
-                  <a:gd name="f7" fmla="*/ f6 1 21600"/>
-                  <a:gd name="f8" fmla="*/ f2 1 f7"/>
-                  <a:gd name="f9" fmla="*/ f3 1 f7"/>
-                  <a:gd name="f10" fmla="*/ f8 f4 1"/>
-                  <a:gd name="f11" fmla="*/ f9 f4 1"/>
-                  <a:gd name="f12" fmla="*/ f9 f5 1"/>
-                  <a:gd name="f13" fmla="*/ f8 f5 1"/>
-                </a:gdLst>
-                <a:ahLst/>
-                <a:cxnLst>
-                  <a:cxn ang="3cd4">
-                    <a:pos x="hc" y="t"/>
-                  </a:cxn>
-                  <a:cxn ang="0">
-                    <a:pos x="r" y="vc"/>
-                  </a:cxn>
-                  <a:cxn ang="cd4">
-                    <a:pos x="hc" y="b"/>
-                  </a:cxn>
-                  <a:cxn ang="cd2">
-                    <a:pos x="l" y="vc"/>
-                  </a:cxn>
-                </a:cxnLst>
-                <a:rect l="f10" t="f13" r="f11" b="f12"/>
-                <a:pathLst>
-                  <a:path w="21600" h="21600">
-                    <a:moveTo>
-                      <a:pt x="f2" y="f2"/>
-                    </a:moveTo>
-                    <a:lnTo>
-                      <a:pt x="f3" y="f2"/>
-                    </a:lnTo>
-                    <a:lnTo>
-                      <a:pt x="f3" y="f3"/>
-                    </a:lnTo>
-                    <a:lnTo>
-                      <a:pt x="f2" y="f3"/>
-                    </a:lnTo>
-                    <a:lnTo>
-                      <a:pt x="f2" y="f2"/>
-                    </a:lnTo>
-                    <a:close/>
-                  </a:path>
-                </a:pathLst>
-              </a:custGeom>
-              <a:noFill/>
-              <a:ln w="9363" cap="flat">
-                <a:solidFill>
-                  <a:srgbClr val="000000"/>
-                </a:solidFill>
-                <a:prstDash val="solid"/>
-                <a:miter/>
-              </a:ln>
-            </p:spPr>
-            <p:txBody>
-              <a:bodyPr vert="horz" wrap="square" lIns="90004" tIns="46798" rIns="90004" bIns="46798" anchor="t" anchorCtr="0" compatLnSpc="1">
-                <a:noAutofit/>
-              </a:bodyPr>
-              <a:lstStyle/>
-              <a:p>
-                <a:pPr marL="0" marR="0" lvl="0" indent="0" algn="l" defTabSz="914400" rtl="0" fontAlgn="auto" hangingPunct="1">
-                  <a:lnSpc>
-                    <a:spcPct val="100000"/>
-                  </a:lnSpc>
-                  <a:spcBef>
-                    <a:spcPts val="0"/>
-                  </a:spcBef>
-                  <a:spcAft>
-                    <a:spcPts val="0"/>
-                  </a:spcAft>
-                  <a:buNone/>
-                  <a:tabLst>
-                    <a:tab pos="0" algn="l"/>
-                    <a:tab pos="914400" algn="l"/>
-                    <a:tab pos="1828800" algn="l"/>
-                    <a:tab pos="2743200" algn="l"/>
-                    <a:tab pos="3657600" algn="l"/>
-                    <a:tab pos="4572000" algn="l"/>
-                    <a:tab pos="5486400" algn="l"/>
-                    <a:tab pos="6400800" algn="l"/>
-                    <a:tab pos="7315200" algn="l"/>
-                    <a:tab pos="8229600" algn="l"/>
-                    <a:tab pos="9144000" algn="l"/>
-                    <a:tab pos="10058400" algn="l"/>
-                  </a:tabLst>
-                  <a:defRPr sz="1800" b="0" i="0" u="none" strike="noStrike" kern="0" cap="none" spc="0" baseline="0">
-                    <a:solidFill>
-                      <a:srgbClr val="000000"/>
-                    </a:solidFill>
-                    <a:uFillTx/>
-                  </a:defRPr>
-                </a:pPr>
-                <a:endParaRPr lang="en-US" sz="1800" b="0" i="0" u="none" strike="noStrike" kern="1200" cap="none" spc="0" baseline="0">
-                  <a:solidFill>
-                    <a:srgbClr val="000000"/>
-                  </a:solidFill>
-                  <a:uFillTx/>
-                  <a:latin typeface="Arial" pitchFamily="18"/>
-                  <a:ea typeface="SimSun" pitchFamily="2"/>
-                  <a:cs typeface="Mangal" pitchFamily="2"/>
-                </a:endParaRPr>
-              </a:p>
-            </p:txBody>
-          </p:sp>
-          <p:sp>
-            <p:nvSpPr>
-              <p:cNvPr id="515" name="Freeform 9"/>
-              <p:cNvSpPr/>
-              <p:nvPr/>
-            </p:nvSpPr>
-            <p:spPr>
-              <a:xfrm>
-                <a:off x="3525834" y="7544156"/>
-                <a:ext cx="70198" cy="1142643"/>
-              </a:xfrm>
-              <a:custGeom>
-                <a:avLst/>
-                <a:gdLst>
-                  <a:gd name="f0" fmla="val w"/>
-                  <a:gd name="f1" fmla="val h"/>
-                  <a:gd name="f2" fmla="val 0"/>
-                  <a:gd name="f3" fmla="val 21600"/>
-                  <a:gd name="f4" fmla="*/ f0 1 21600"/>
-                  <a:gd name="f5" fmla="*/ f1 1 21600"/>
-                  <a:gd name="f6" fmla="+- f3 0 f2"/>
-                  <a:gd name="f7" fmla="*/ f6 1 21600"/>
-                  <a:gd name="f8" fmla="*/ f2 1 f7"/>
-                  <a:gd name="f9" fmla="*/ f3 1 f7"/>
-                  <a:gd name="f10" fmla="*/ f8 f4 1"/>
-                  <a:gd name="f11" fmla="*/ f9 f4 1"/>
-                  <a:gd name="f12" fmla="*/ f9 f5 1"/>
-                  <a:gd name="f13" fmla="*/ f8 f5 1"/>
-                </a:gdLst>
-                <a:ahLst/>
-                <a:cxnLst>
-                  <a:cxn ang="3cd4">
-                    <a:pos x="hc" y="t"/>
-                  </a:cxn>
-                  <a:cxn ang="0">
-                    <a:pos x="r" y="vc"/>
-                  </a:cxn>
-                  <a:cxn ang="cd4">
-                    <a:pos x="hc" y="b"/>
-                  </a:cxn>
-                  <a:cxn ang="cd2">
-                    <a:pos x="l" y="vc"/>
-                  </a:cxn>
-                </a:cxnLst>
-                <a:rect l="f10" t="f13" r="f11" b="f12"/>
-                <a:pathLst>
-                  <a:path w="21600" h="21600">
-                    <a:moveTo>
-                      <a:pt x="f2" y="f2"/>
-                    </a:moveTo>
-                    <a:lnTo>
-                      <a:pt x="f3" y="f2"/>
-                    </a:lnTo>
-                    <a:lnTo>
-                      <a:pt x="f3" y="f3"/>
-                    </a:lnTo>
-                    <a:lnTo>
-                      <a:pt x="f2" y="f3"/>
-                    </a:lnTo>
-                    <a:lnTo>
-                      <a:pt x="f2" y="f2"/>
-                    </a:lnTo>
-                    <a:close/>
-                  </a:path>
-                </a:pathLst>
-              </a:custGeom>
-              <a:noFill/>
-              <a:ln w="9363" cap="flat">
-                <a:solidFill>
-                  <a:srgbClr val="000000"/>
-                </a:solidFill>
-                <a:prstDash val="solid"/>
-                <a:miter/>
-              </a:ln>
-            </p:spPr>
-            <p:txBody>
-              <a:bodyPr vert="horz" wrap="square" lIns="90004" tIns="46798" rIns="90004" bIns="46798" anchor="t" anchorCtr="0" compatLnSpc="1">
-                <a:noAutofit/>
-              </a:bodyPr>
-              <a:lstStyle/>
-              <a:p>
-                <a:pPr marL="0" marR="0" lvl="0" indent="0" algn="l" defTabSz="914400" rtl="0" fontAlgn="auto" hangingPunct="1">
-                  <a:lnSpc>
-                    <a:spcPct val="100000"/>
-                  </a:lnSpc>
-                  <a:spcBef>
-                    <a:spcPts val="0"/>
-                  </a:spcBef>
-                  <a:spcAft>
-                    <a:spcPts val="0"/>
-                  </a:spcAft>
-                  <a:buNone/>
-                  <a:tabLst>
-                    <a:tab pos="0" algn="l"/>
-                    <a:tab pos="914400" algn="l"/>
-                    <a:tab pos="1828800" algn="l"/>
-                    <a:tab pos="2743200" algn="l"/>
-                    <a:tab pos="3657600" algn="l"/>
-                    <a:tab pos="4572000" algn="l"/>
-                    <a:tab pos="5486400" algn="l"/>
-                    <a:tab pos="6400800" algn="l"/>
-                    <a:tab pos="7315200" algn="l"/>
-                    <a:tab pos="8229600" algn="l"/>
-                    <a:tab pos="9144000" algn="l"/>
-                    <a:tab pos="10058400" algn="l"/>
-                  </a:tabLst>
-                  <a:defRPr sz="1800" b="0" i="0" u="none" strike="noStrike" kern="0" cap="none" spc="0" baseline="0">
-                    <a:solidFill>
-                      <a:srgbClr val="000000"/>
-                    </a:solidFill>
-                    <a:uFillTx/>
-                  </a:defRPr>
-                </a:pPr>
-                <a:endParaRPr lang="en-US" sz="1800" b="0" i="0" u="none" strike="noStrike" kern="1200" cap="none" spc="0" baseline="0">
-                  <a:solidFill>
-                    <a:srgbClr val="000000"/>
-                  </a:solidFill>
-                  <a:uFillTx/>
-                  <a:latin typeface="Arial" pitchFamily="18"/>
-                  <a:ea typeface="SimSun" pitchFamily="2"/>
-                  <a:cs typeface="Mangal" pitchFamily="2"/>
-                </a:endParaRPr>
-              </a:p>
-            </p:txBody>
-          </p:sp>
-          <p:sp>
-            <p:nvSpPr>
-              <p:cNvPr id="516" name="Freeform 10"/>
-              <p:cNvSpPr/>
-              <p:nvPr/>
-            </p:nvSpPr>
-            <p:spPr>
-              <a:xfrm>
-                <a:off x="3623035" y="7544156"/>
-                <a:ext cx="69119" cy="1142643"/>
-              </a:xfrm>
-              <a:custGeom>
-                <a:avLst/>
-                <a:gdLst>
-                  <a:gd name="f0" fmla="val w"/>
-                  <a:gd name="f1" fmla="val h"/>
-                  <a:gd name="f2" fmla="val 0"/>
-                  <a:gd name="f3" fmla="val 21600"/>
-                  <a:gd name="f4" fmla="*/ f0 1 21600"/>
-                  <a:gd name="f5" fmla="*/ f1 1 21600"/>
-                  <a:gd name="f6" fmla="+- f3 0 f2"/>
-                  <a:gd name="f7" fmla="*/ f6 1 21600"/>
-                  <a:gd name="f8" fmla="*/ f2 1 f7"/>
-                  <a:gd name="f9" fmla="*/ f3 1 f7"/>
-                  <a:gd name="f10" fmla="*/ f8 f4 1"/>
-                  <a:gd name="f11" fmla="*/ f9 f4 1"/>
-                  <a:gd name="f12" fmla="*/ f9 f5 1"/>
-                  <a:gd name="f13" fmla="*/ f8 f5 1"/>
-                </a:gdLst>
-                <a:ahLst/>
-                <a:cxnLst>
-                  <a:cxn ang="3cd4">
-                    <a:pos x="hc" y="t"/>
-                  </a:cxn>
-                  <a:cxn ang="0">
-                    <a:pos x="r" y="vc"/>
-                  </a:cxn>
-                  <a:cxn ang="cd4">
-                    <a:pos x="hc" y="b"/>
-                  </a:cxn>
-                  <a:cxn ang="cd2">
-                    <a:pos x="l" y="vc"/>
-                  </a:cxn>
-                </a:cxnLst>
-                <a:rect l="f10" t="f13" r="f11" b="f12"/>
-                <a:pathLst>
-                  <a:path w="21600" h="21600">
-                    <a:moveTo>
-                      <a:pt x="f2" y="f2"/>
-                    </a:moveTo>
-                    <a:lnTo>
-                      <a:pt x="f3" y="f2"/>
-                    </a:lnTo>
-                    <a:lnTo>
-                      <a:pt x="f3" y="f3"/>
-                    </a:lnTo>
-                    <a:lnTo>
-                      <a:pt x="f2" y="f3"/>
-                    </a:lnTo>
-                    <a:lnTo>
-                      <a:pt x="f2" y="f2"/>
-                    </a:lnTo>
-                    <a:close/>
-                  </a:path>
-                </a:pathLst>
-              </a:custGeom>
-              <a:noFill/>
-              <a:ln w="9363" cap="flat">
-                <a:solidFill>
-                  <a:srgbClr val="000000"/>
-                </a:solidFill>
-                <a:prstDash val="solid"/>
-                <a:miter/>
-              </a:ln>
-            </p:spPr>
-            <p:txBody>
-              <a:bodyPr vert="horz" wrap="square" lIns="90004" tIns="46798" rIns="90004" bIns="46798" anchor="t" anchorCtr="0" compatLnSpc="1">
-                <a:noAutofit/>
-              </a:bodyPr>
-              <a:lstStyle/>
-              <a:p>
-                <a:pPr marL="0" marR="0" lvl="0" indent="0" algn="l" defTabSz="914400" rtl="0" fontAlgn="auto" hangingPunct="1">
-                  <a:lnSpc>
-                    <a:spcPct val="100000"/>
-                  </a:lnSpc>
-                  <a:spcBef>
-                    <a:spcPts val="0"/>
-                  </a:spcBef>
-                  <a:spcAft>
-                    <a:spcPts val="0"/>
-                  </a:spcAft>
-                  <a:buNone/>
-                  <a:tabLst>
-                    <a:tab pos="0" algn="l"/>
-                    <a:tab pos="914400" algn="l"/>
-                    <a:tab pos="1828800" algn="l"/>
-                    <a:tab pos="2743200" algn="l"/>
-                    <a:tab pos="3657600" algn="l"/>
-                    <a:tab pos="4572000" algn="l"/>
-                    <a:tab pos="5486400" algn="l"/>
-                    <a:tab pos="6400800" algn="l"/>
-                    <a:tab pos="7315200" algn="l"/>
-                    <a:tab pos="8229600" algn="l"/>
-                    <a:tab pos="9144000" algn="l"/>
-                    <a:tab pos="10058400" algn="l"/>
-                  </a:tabLst>
-                  <a:defRPr sz="1800" b="0" i="0" u="none" strike="noStrike" kern="0" cap="none" spc="0" baseline="0">
-                    <a:solidFill>
-                      <a:srgbClr val="000000"/>
-                    </a:solidFill>
-                    <a:uFillTx/>
-                  </a:defRPr>
-                </a:pPr>
-                <a:endParaRPr lang="en-US" sz="1800" b="0" i="0" u="none" strike="noStrike" kern="1200" cap="none" spc="0" baseline="0">
-                  <a:solidFill>
-                    <a:srgbClr val="000000"/>
-                  </a:solidFill>
-                  <a:uFillTx/>
-                  <a:latin typeface="Arial" pitchFamily="18"/>
-                  <a:ea typeface="SimSun" pitchFamily="2"/>
-                  <a:cs typeface="Mangal" pitchFamily="2"/>
-                </a:endParaRPr>
-              </a:p>
-            </p:txBody>
-          </p:sp>
-          <p:sp>
-            <p:nvSpPr>
-              <p:cNvPr id="517" name="Freeform 11"/>
-              <p:cNvSpPr/>
-              <p:nvPr/>
-            </p:nvSpPr>
-            <p:spPr>
-              <a:xfrm>
-                <a:off x="3719157" y="7544156"/>
-                <a:ext cx="70198" cy="1142643"/>
-              </a:xfrm>
-              <a:custGeom>
-                <a:avLst/>
-                <a:gdLst>
-                  <a:gd name="f0" fmla="val w"/>
-                  <a:gd name="f1" fmla="val h"/>
-                  <a:gd name="f2" fmla="val 0"/>
-                  <a:gd name="f3" fmla="val 21600"/>
-                  <a:gd name="f4" fmla="*/ f0 1 21600"/>
-                  <a:gd name="f5" fmla="*/ f1 1 21600"/>
-                  <a:gd name="f6" fmla="+- f3 0 f2"/>
-                  <a:gd name="f7" fmla="*/ f6 1 21600"/>
-                  <a:gd name="f8" fmla="*/ f2 1 f7"/>
-                  <a:gd name="f9" fmla="*/ f3 1 f7"/>
-                  <a:gd name="f10" fmla="*/ f8 f4 1"/>
-                  <a:gd name="f11" fmla="*/ f9 f4 1"/>
-                  <a:gd name="f12" fmla="*/ f9 f5 1"/>
-                  <a:gd name="f13" fmla="*/ f8 f5 1"/>
-                </a:gdLst>
-                <a:ahLst/>
-                <a:cxnLst>
-                  <a:cxn ang="3cd4">
-                    <a:pos x="hc" y="t"/>
-                  </a:cxn>
-                  <a:cxn ang="0">
-                    <a:pos x="r" y="vc"/>
-                  </a:cxn>
-                  <a:cxn ang="cd4">
-                    <a:pos x="hc" y="b"/>
-                  </a:cxn>
-                  <a:cxn ang="cd2">
-                    <a:pos x="l" y="vc"/>
-                  </a:cxn>
-                </a:cxnLst>
-                <a:rect l="f10" t="f13" r="f11" b="f12"/>
-                <a:pathLst>
-                  <a:path w="21600" h="21600">
-                    <a:moveTo>
-                      <a:pt x="f2" y="f2"/>
-                    </a:moveTo>
-                    <a:lnTo>
-                      <a:pt x="f3" y="f2"/>
-                    </a:lnTo>
-                    <a:lnTo>
-                      <a:pt x="f3" y="f3"/>
-                    </a:lnTo>
-                    <a:lnTo>
-                      <a:pt x="f2" y="f3"/>
-                    </a:lnTo>
-                    <a:lnTo>
-                      <a:pt x="f2" y="f2"/>
-                    </a:lnTo>
-                    <a:close/>
-                  </a:path>
-                </a:pathLst>
-              </a:custGeom>
-              <a:noFill/>
-              <a:ln w="9363" cap="flat">
-                <a:solidFill>
-                  <a:srgbClr val="000000"/>
-                </a:solidFill>
-                <a:prstDash val="solid"/>
-                <a:miter/>
-              </a:ln>
-            </p:spPr>
-            <p:txBody>
-              <a:bodyPr vert="horz" wrap="square" lIns="90004" tIns="46798" rIns="90004" bIns="46798" anchor="t" anchorCtr="0" compatLnSpc="1">
-                <a:noAutofit/>
-              </a:bodyPr>
-              <a:lstStyle/>
-              <a:p>
-                <a:pPr marL="0" marR="0" lvl="0" indent="0" algn="l" defTabSz="914400" rtl="0" fontAlgn="auto" hangingPunct="1">
-                  <a:lnSpc>
-                    <a:spcPct val="100000"/>
-                  </a:lnSpc>
-                  <a:spcBef>
-                    <a:spcPts val="0"/>
-                  </a:spcBef>
-                  <a:spcAft>
-                    <a:spcPts val="0"/>
-                  </a:spcAft>
-                  <a:buNone/>
-                  <a:tabLst>
-                    <a:tab pos="0" algn="l"/>
-                    <a:tab pos="914400" algn="l"/>
-                    <a:tab pos="1828800" algn="l"/>
-                    <a:tab pos="2743200" algn="l"/>
-                    <a:tab pos="3657600" algn="l"/>
-                    <a:tab pos="4572000" algn="l"/>
-                    <a:tab pos="5486400" algn="l"/>
-                    <a:tab pos="6400800" algn="l"/>
-                    <a:tab pos="7315200" algn="l"/>
-                    <a:tab pos="8229600" algn="l"/>
-                    <a:tab pos="9144000" algn="l"/>
-                    <a:tab pos="10058400" algn="l"/>
-                  </a:tabLst>
-                  <a:defRPr sz="1800" b="0" i="0" u="none" strike="noStrike" kern="0" cap="none" spc="0" baseline="0">
-                    <a:solidFill>
-                      <a:srgbClr val="000000"/>
-                    </a:solidFill>
-                    <a:uFillTx/>
-                  </a:defRPr>
-                </a:pPr>
-                <a:endParaRPr lang="en-US" sz="1800" b="0" i="0" u="none" strike="noStrike" kern="1200" cap="none" spc="0" baseline="0">
-                  <a:solidFill>
-                    <a:srgbClr val="000000"/>
-                  </a:solidFill>
-                  <a:uFillTx/>
-                  <a:latin typeface="Arial" pitchFamily="18"/>
-                  <a:ea typeface="SimSun" pitchFamily="2"/>
-                  <a:cs typeface="Mangal" pitchFamily="2"/>
-                </a:endParaRPr>
-              </a:p>
-            </p:txBody>
-          </p:sp>
-          <p:sp>
-            <p:nvSpPr>
-              <p:cNvPr id="518" name="Freeform 12"/>
-              <p:cNvSpPr/>
-              <p:nvPr/>
-            </p:nvSpPr>
-            <p:spPr>
-              <a:xfrm>
-                <a:off x="3816358" y="7544156"/>
-                <a:ext cx="69841" cy="1142643"/>
-              </a:xfrm>
-              <a:custGeom>
-                <a:avLst/>
-                <a:gdLst>
-                  <a:gd name="f0" fmla="val w"/>
-                  <a:gd name="f1" fmla="val h"/>
-                  <a:gd name="f2" fmla="val 0"/>
-                  <a:gd name="f3" fmla="val 21600"/>
-                  <a:gd name="f4" fmla="*/ f0 1 21600"/>
-                  <a:gd name="f5" fmla="*/ f1 1 21600"/>
-                  <a:gd name="f6" fmla="+- f3 0 f2"/>
-                  <a:gd name="f7" fmla="*/ f6 1 21600"/>
-                  <a:gd name="f8" fmla="*/ f2 1 f7"/>
-                  <a:gd name="f9" fmla="*/ f3 1 f7"/>
-                  <a:gd name="f10" fmla="*/ f8 f4 1"/>
-                  <a:gd name="f11" fmla="*/ f9 f4 1"/>
-                  <a:gd name="f12" fmla="*/ f9 f5 1"/>
-                  <a:gd name="f13" fmla="*/ f8 f5 1"/>
-                </a:gdLst>
-                <a:ahLst/>
-                <a:cxnLst>
-                  <a:cxn ang="3cd4">
-                    <a:pos x="hc" y="t"/>
-                  </a:cxn>
-                  <a:cxn ang="0">
-                    <a:pos x="r" y="vc"/>
-                  </a:cxn>
-                  <a:cxn ang="cd4">
-                    <a:pos x="hc" y="b"/>
-                  </a:cxn>
-                  <a:cxn ang="cd2">
-                    <a:pos x="l" y="vc"/>
-                  </a:cxn>
-                </a:cxnLst>
-                <a:rect l="f10" t="f13" r="f11" b="f12"/>
-                <a:pathLst>
-                  <a:path w="21600" h="21600">
-                    <a:moveTo>
-                      <a:pt x="f2" y="f2"/>
-                    </a:moveTo>
-                    <a:lnTo>
-                      <a:pt x="f3" y="f2"/>
-                    </a:lnTo>
-                    <a:lnTo>
-                      <a:pt x="f3" y="f3"/>
-                    </a:lnTo>
-                    <a:lnTo>
-                      <a:pt x="f2" y="f3"/>
-                    </a:lnTo>
-                    <a:lnTo>
-                      <a:pt x="f2" y="f2"/>
-                    </a:lnTo>
-                    <a:close/>
-                  </a:path>
-                </a:pathLst>
-              </a:custGeom>
-              <a:noFill/>
-              <a:ln w="9363" cap="flat">
-                <a:solidFill>
-                  <a:srgbClr val="000000"/>
-                </a:solidFill>
-                <a:prstDash val="solid"/>
-                <a:miter/>
-              </a:ln>
-            </p:spPr>
-            <p:txBody>
-              <a:bodyPr vert="horz" wrap="square" lIns="90004" tIns="46798" rIns="90004" bIns="46798" anchor="t" anchorCtr="0" compatLnSpc="1">
-                <a:noAutofit/>
-              </a:bodyPr>
-              <a:lstStyle/>
-              <a:p>
-                <a:pPr marL="0" marR="0" lvl="0" indent="0" algn="l" defTabSz="914400" rtl="0" fontAlgn="auto" hangingPunct="1">
-                  <a:lnSpc>
-                    <a:spcPct val="100000"/>
-                  </a:lnSpc>
-                  <a:spcBef>
-                    <a:spcPts val="0"/>
-                  </a:spcBef>
-                  <a:spcAft>
-                    <a:spcPts val="0"/>
-                  </a:spcAft>
-                  <a:buNone/>
-                  <a:tabLst>
-                    <a:tab pos="0" algn="l"/>
-                    <a:tab pos="914400" algn="l"/>
-                    <a:tab pos="1828800" algn="l"/>
-                    <a:tab pos="2743200" algn="l"/>
-                    <a:tab pos="3657600" algn="l"/>
-                    <a:tab pos="4572000" algn="l"/>
-                    <a:tab pos="5486400" algn="l"/>
-                    <a:tab pos="6400800" algn="l"/>
-                    <a:tab pos="7315200" algn="l"/>
-                    <a:tab pos="8229600" algn="l"/>
-                    <a:tab pos="9144000" algn="l"/>
-                    <a:tab pos="10058400" algn="l"/>
-                  </a:tabLst>
-                  <a:defRPr sz="1800" b="0" i="0" u="none" strike="noStrike" kern="0" cap="none" spc="0" baseline="0">
-                    <a:solidFill>
-                      <a:srgbClr val="000000"/>
-                    </a:solidFill>
-                    <a:uFillTx/>
-                  </a:defRPr>
-                </a:pPr>
-                <a:endParaRPr lang="en-US" sz="1800" b="0" i="0" u="none" strike="noStrike" kern="1200" cap="none" spc="0" baseline="0">
-                  <a:solidFill>
-                    <a:srgbClr val="000000"/>
-                  </a:solidFill>
-                  <a:uFillTx/>
-                  <a:latin typeface="Arial" pitchFamily="18"/>
-                  <a:ea typeface="SimSun" pitchFamily="2"/>
-                  <a:cs typeface="Mangal" pitchFamily="2"/>
-                </a:endParaRPr>
-              </a:p>
-            </p:txBody>
-          </p:sp>
-          <p:sp>
-            <p:nvSpPr>
-              <p:cNvPr id="519" name="Straight Connector 13"/>
-              <p:cNvSpPr/>
-              <p:nvPr/>
-            </p:nvSpPr>
-            <p:spPr>
-              <a:xfrm flipV="1">
-                <a:off x="3477600" y="7543800"/>
-                <a:ext cx="348843" cy="356"/>
-              </a:xfrm>
-              <a:custGeom>
-                <a:avLst/>
-                <a:gdLst>
-                  <a:gd name="f0" fmla="val 10800000"/>
-                  <a:gd name="f1" fmla="val 5400000"/>
-                  <a:gd name="f2" fmla="val 180"/>
-                  <a:gd name="f3" fmla="val w"/>
-                  <a:gd name="f4" fmla="val h"/>
-                  <a:gd name="f5" fmla="val ss"/>
-                  <a:gd name="f6" fmla="val 0"/>
-                  <a:gd name="f7" fmla="+- 0 0 -180"/>
-                  <a:gd name="f8" fmla="+- 0 0 -360"/>
-                  <a:gd name="f9" fmla="abs f3"/>
-                  <a:gd name="f10" fmla="abs f4"/>
-                  <a:gd name="f11" fmla="abs f5"/>
-                  <a:gd name="f12" fmla="*/ f7 f0 1"/>
-                  <a:gd name="f13" fmla="*/ f8 f0 1"/>
-                  <a:gd name="f14" fmla="?: f9 f3 1"/>
-                  <a:gd name="f15" fmla="?: f10 f4 1"/>
-                  <a:gd name="f16" fmla="?: f11 f5 1"/>
-                  <a:gd name="f17" fmla="*/ f12 1 f2"/>
-                  <a:gd name="f18" fmla="*/ f13 1 f2"/>
-                  <a:gd name="f19" fmla="*/ f14 1 21600"/>
-                  <a:gd name="f20" fmla="*/ f15 1 21600"/>
-                  <a:gd name="f21" fmla="*/ 21600 f14 1"/>
-                  <a:gd name="f22" fmla="*/ 21600 f15 1"/>
-                  <a:gd name="f23" fmla="+- f17 0 f1"/>
-                  <a:gd name="f24" fmla="+- f18 0 f1"/>
-                  <a:gd name="f25" fmla="min f20 f19"/>
-                  <a:gd name="f26" fmla="*/ f21 1 f16"/>
-                  <a:gd name="f27" fmla="*/ f22 1 f16"/>
-                  <a:gd name="f28" fmla="val f26"/>
-                  <a:gd name="f29" fmla="val f27"/>
-                  <a:gd name="f30" fmla="*/ f6 f25 1"/>
-                  <a:gd name="f31" fmla="*/ f28 f25 1"/>
-                  <a:gd name="f32" fmla="*/ f29 f25 1"/>
-                </a:gdLst>
-                <a:ahLst/>
-                <a:cxnLst>
-                  <a:cxn ang="3cd4">
-                    <a:pos x="hc" y="t"/>
-                  </a:cxn>
-                  <a:cxn ang="0">
-                    <a:pos x="r" y="vc"/>
-                  </a:cxn>
-                  <a:cxn ang="cd4">
-                    <a:pos x="hc" y="b"/>
-                  </a:cxn>
-                  <a:cxn ang="cd2">
-                    <a:pos x="l" y="vc"/>
-                  </a:cxn>
-                  <a:cxn ang="f23">
-                    <a:pos x="f30" y="f30"/>
-                  </a:cxn>
-                  <a:cxn ang="f24">
-                    <a:pos x="f31" y="f32"/>
-                  </a:cxn>
-                </a:cxnLst>
-                <a:rect l="f30" t="f30" r="f31" b="f32"/>
-                <a:pathLst>
-                  <a:path>
-                    <a:moveTo>
-                      <a:pt x="f30" y="f30"/>
-                    </a:moveTo>
-                    <a:lnTo>
-                      <a:pt x="f31" y="f32"/>
-                    </a:lnTo>
-                  </a:path>
-                </a:pathLst>
-              </a:custGeom>
-              <a:noFill/>
-              <a:ln w="9363" cap="flat">
-                <a:solidFill>
-                  <a:srgbClr val="000000"/>
-                </a:solidFill>
-                <a:prstDash val="solid"/>
-                <a:miter/>
-              </a:ln>
-            </p:spPr>
-            <p:txBody>
-              <a:bodyPr vert="horz" wrap="square" lIns="90004" tIns="46798" rIns="90004" bIns="46798" anchor="t" anchorCtr="0" compatLnSpc="1">
-                <a:noAutofit/>
-              </a:bodyPr>
-              <a:lstStyle/>
-              <a:p>
-                <a:pPr marL="0" marR="0" lvl="0" indent="0" algn="l" defTabSz="914400" rtl="0" fontAlgn="auto" hangingPunct="1">
-                  <a:lnSpc>
-                    <a:spcPct val="100000"/>
-                  </a:lnSpc>
-                  <a:spcBef>
-                    <a:spcPts val="0"/>
-                  </a:spcBef>
-                  <a:spcAft>
-                    <a:spcPts val="0"/>
-                  </a:spcAft>
-                  <a:buNone/>
-                  <a:tabLst>
-                    <a:tab pos="0" algn="l"/>
-                    <a:tab pos="914400" algn="l"/>
-                    <a:tab pos="1828800" algn="l"/>
-                    <a:tab pos="2743200" algn="l"/>
-                    <a:tab pos="3657600" algn="l"/>
-                    <a:tab pos="4572000" algn="l"/>
-                    <a:tab pos="5486400" algn="l"/>
-                    <a:tab pos="6400800" algn="l"/>
-                    <a:tab pos="7315200" algn="l"/>
-                    <a:tab pos="8229600" algn="l"/>
-                    <a:tab pos="9144000" algn="l"/>
-                    <a:tab pos="10058400" algn="l"/>
-                  </a:tabLst>
-                  <a:defRPr sz="1800" b="0" i="0" u="none" strike="noStrike" kern="0" cap="none" spc="0" baseline="0">
-                    <a:solidFill>
-                      <a:srgbClr val="000000"/>
-                    </a:solidFill>
-                    <a:uFillTx/>
-                  </a:defRPr>
-                </a:pPr>
-                <a:endParaRPr lang="en-US" sz="1800" b="0" i="0" u="none" strike="noStrike" kern="1200" cap="none" spc="0" baseline="0">
-                  <a:solidFill>
-                    <a:srgbClr val="000000"/>
-                  </a:solidFill>
-                  <a:uFillTx/>
-                  <a:latin typeface="Arial" pitchFamily="18"/>
-                  <a:ea typeface="SimSun" pitchFamily="2"/>
-                  <a:cs typeface="Mangal" pitchFamily="2"/>
-                </a:endParaRPr>
-              </a:p>
-            </p:txBody>
-          </p:sp>
-          <p:sp>
-            <p:nvSpPr>
-              <p:cNvPr id="520" name="Straight Connector 14"/>
-              <p:cNvSpPr/>
-              <p:nvPr/>
-            </p:nvSpPr>
-            <p:spPr>
-              <a:xfrm flipV="1">
-                <a:off x="3477600" y="8682118"/>
-                <a:ext cx="359276" cy="4681"/>
-              </a:xfrm>
-              <a:custGeom>
-                <a:avLst/>
-                <a:gdLst>
-                  <a:gd name="f0" fmla="val 10800000"/>
-                  <a:gd name="f1" fmla="val 5400000"/>
-                  <a:gd name="f2" fmla="val 180"/>
-                  <a:gd name="f3" fmla="val w"/>
-                  <a:gd name="f4" fmla="val h"/>
-                  <a:gd name="f5" fmla="val ss"/>
-                  <a:gd name="f6" fmla="val 0"/>
-                  <a:gd name="f7" fmla="+- 0 0 -180"/>
-                  <a:gd name="f8" fmla="+- 0 0 -360"/>
-                  <a:gd name="f9" fmla="abs f3"/>
-                  <a:gd name="f10" fmla="abs f4"/>
-                  <a:gd name="f11" fmla="abs f5"/>
-                  <a:gd name="f12" fmla="*/ f7 f0 1"/>
-                  <a:gd name="f13" fmla="*/ f8 f0 1"/>
-                  <a:gd name="f14" fmla="?: f9 f3 1"/>
-                  <a:gd name="f15" fmla="?: f10 f4 1"/>
-                  <a:gd name="f16" fmla="?: f11 f5 1"/>
-                  <a:gd name="f17" fmla="*/ f12 1 f2"/>
-                  <a:gd name="f18" fmla="*/ f13 1 f2"/>
-                  <a:gd name="f19" fmla="*/ f14 1 21600"/>
-                  <a:gd name="f20" fmla="*/ f15 1 21600"/>
-                  <a:gd name="f21" fmla="*/ 21600 f14 1"/>
-                  <a:gd name="f22" fmla="*/ 21600 f15 1"/>
-                  <a:gd name="f23" fmla="+- f17 0 f1"/>
-                  <a:gd name="f24" fmla="+- f18 0 f1"/>
-                  <a:gd name="f25" fmla="min f20 f19"/>
-                  <a:gd name="f26" fmla="*/ f21 1 f16"/>
-                  <a:gd name="f27" fmla="*/ f22 1 f16"/>
-                  <a:gd name="f28" fmla="val f26"/>
-                  <a:gd name="f29" fmla="val f27"/>
-                  <a:gd name="f30" fmla="*/ f6 f25 1"/>
-                  <a:gd name="f31" fmla="*/ f28 f25 1"/>
-                  <a:gd name="f32" fmla="*/ f29 f25 1"/>
-                </a:gdLst>
-                <a:ahLst/>
-                <a:cxnLst>
-                  <a:cxn ang="3cd4">
-                    <a:pos x="hc" y="t"/>
-                  </a:cxn>
-                  <a:cxn ang="0">
-                    <a:pos x="r" y="vc"/>
-                  </a:cxn>
-                  <a:cxn ang="cd4">
-                    <a:pos x="hc" y="b"/>
-                  </a:cxn>
-                  <a:cxn ang="cd2">
-                    <a:pos x="l" y="vc"/>
-                  </a:cxn>
-                  <a:cxn ang="f23">
-                    <a:pos x="f30" y="f30"/>
-                  </a:cxn>
-                  <a:cxn ang="f24">
-                    <a:pos x="f31" y="f32"/>
-                  </a:cxn>
-                </a:cxnLst>
-                <a:rect l="f30" t="f30" r="f31" b="f32"/>
-                <a:pathLst>
-                  <a:path>
-                    <a:moveTo>
-                      <a:pt x="f30" y="f30"/>
-                    </a:moveTo>
-                    <a:lnTo>
-                      <a:pt x="f31" y="f32"/>
-                    </a:lnTo>
-                  </a:path>
-                </a:pathLst>
-              </a:custGeom>
-              <a:noFill/>
-              <a:ln w="9363" cap="flat">
-                <a:solidFill>
-                  <a:srgbClr val="000000"/>
-                </a:solidFill>
-                <a:prstDash val="solid"/>
-                <a:miter/>
-              </a:ln>
-            </p:spPr>
-            <p:txBody>
-              <a:bodyPr vert="horz" wrap="square" lIns="90004" tIns="46798" rIns="90004" bIns="46798" anchor="t" anchorCtr="0" compatLnSpc="1">
-                <a:noAutofit/>
-              </a:bodyPr>
-              <a:lstStyle/>
-              <a:p>
-                <a:pPr marL="0" marR="0" lvl="0" indent="0" algn="l" defTabSz="914400" rtl="0" fontAlgn="auto" hangingPunct="1">
-                  <a:lnSpc>
-                    <a:spcPct val="100000"/>
-                  </a:lnSpc>
-                  <a:spcBef>
-                    <a:spcPts val="0"/>
-                  </a:spcBef>
-                  <a:spcAft>
-                    <a:spcPts val="0"/>
-                  </a:spcAft>
-                  <a:buNone/>
-                  <a:tabLst>
-                    <a:tab pos="0" algn="l"/>
-                    <a:tab pos="914400" algn="l"/>
-                    <a:tab pos="1828800" algn="l"/>
-                    <a:tab pos="2743200" algn="l"/>
-                    <a:tab pos="3657600" algn="l"/>
-                    <a:tab pos="4572000" algn="l"/>
-                    <a:tab pos="5486400" algn="l"/>
-                    <a:tab pos="6400800" algn="l"/>
-                    <a:tab pos="7315200" algn="l"/>
-                    <a:tab pos="8229600" algn="l"/>
-                    <a:tab pos="9144000" algn="l"/>
-                    <a:tab pos="10058400" algn="l"/>
-                  </a:tabLst>
-                  <a:defRPr sz="1800" b="0" i="0" u="none" strike="noStrike" kern="0" cap="none" spc="0" baseline="0">
-                    <a:solidFill>
-                      <a:srgbClr val="000000"/>
-                    </a:solidFill>
-                    <a:uFillTx/>
-                  </a:defRPr>
-                </a:pPr>
-                <a:endParaRPr lang="en-US" sz="1800" b="0" i="0" u="none" strike="noStrike" kern="1200" cap="none" spc="0" baseline="0">
-                  <a:solidFill>
-                    <a:srgbClr val="000000"/>
-                  </a:solidFill>
-                  <a:uFillTx/>
-                  <a:latin typeface="Arial" pitchFamily="18"/>
-                  <a:ea typeface="SimSun" pitchFamily="2"/>
-                  <a:cs typeface="Mangal" pitchFamily="2"/>
-                </a:endParaRPr>
-              </a:p>
-            </p:txBody>
-          </p:sp>
-        </p:grpSp>
-      </p:grpSp>
       <p:sp>
         <p:nvSpPr>
           <p:cNvPr id="626" name="Freeform 2040"/>
@@ -14544,694 +6545,6 @@
           </a:p>
         </p:txBody>
       </p:sp>
-      <p:sp>
-        <p:nvSpPr>
-          <p:cNvPr id="656" name="Freeform 6"/>
-          <p:cNvSpPr>
-            <a:spLocks/>
-          </p:cNvSpPr>
-          <p:nvPr/>
-        </p:nvSpPr>
-        <p:spPr bwMode="auto">
-          <a:xfrm rot="16200000">
-            <a:off x="-5362751" y="7930328"/>
-            <a:ext cx="1211604" cy="306822"/>
-          </a:xfrm>
-          <a:custGeom>
-            <a:avLst/>
-            <a:gdLst>
-              <a:gd name="T0" fmla="*/ 2147483647 w 528"/>
-              <a:gd name="T1" fmla="*/ 2147483647 h 288"/>
-              <a:gd name="T2" fmla="*/ 0 w 528"/>
-              <a:gd name="T3" fmla="*/ 2147483647 h 288"/>
-              <a:gd name="T4" fmla="*/ 0 w 528"/>
-              <a:gd name="T5" fmla="*/ 0 h 288"/>
-              <a:gd name="T6" fmla="*/ 2147483647 w 528"/>
-              <a:gd name="T7" fmla="*/ 0 h 288"/>
-              <a:gd name="T8" fmla="*/ 2147483647 w 528"/>
-              <a:gd name="T9" fmla="*/ 2147483647 h 288"/>
-              <a:gd name="T10" fmla="*/ 0 60000 65536"/>
-              <a:gd name="T11" fmla="*/ 0 60000 65536"/>
-              <a:gd name="T12" fmla="*/ 0 60000 65536"/>
-              <a:gd name="T13" fmla="*/ 0 60000 65536"/>
-              <a:gd name="T14" fmla="*/ 0 60000 65536"/>
-              <a:gd name="T15" fmla="*/ 0 w 528"/>
-              <a:gd name="T16" fmla="*/ 0 h 288"/>
-              <a:gd name="T17" fmla="*/ 528 w 528"/>
-              <a:gd name="T18" fmla="*/ 288 h 288"/>
-            </a:gdLst>
-            <a:ahLst/>
-            <a:cxnLst>
-              <a:cxn ang="T10">
-                <a:pos x="T0" y="T1"/>
-              </a:cxn>
-              <a:cxn ang="T11">
-                <a:pos x="T2" y="T3"/>
-              </a:cxn>
-              <a:cxn ang="T12">
-                <a:pos x="T4" y="T5"/>
-              </a:cxn>
-              <a:cxn ang="T13">
-                <a:pos x="T6" y="T7"/>
-              </a:cxn>
-              <a:cxn ang="T14">
-                <a:pos x="T8" y="T9"/>
-              </a:cxn>
-            </a:cxnLst>
-            <a:rect l="T15" t="T16" r="T17" b="T18"/>
-            <a:pathLst>
-              <a:path w="528" h="288">
-                <a:moveTo>
-                  <a:pt x="528" y="288"/>
-                </a:moveTo>
-                <a:lnTo>
-                  <a:pt x="0" y="288"/>
-                </a:lnTo>
-                <a:lnTo>
-                  <a:pt x="0" y="0"/>
-                </a:lnTo>
-                <a:lnTo>
-                  <a:pt x="528" y="0"/>
-                </a:lnTo>
-                <a:lnTo>
-                  <a:pt x="528" y="288"/>
-                </a:lnTo>
-                <a:close/>
-              </a:path>
-            </a:pathLst>
-          </a:custGeom>
-          <a:pattFill prst="solidDmnd">
-            <a:fgClr>
-              <a:schemeClr val="accent1"/>
-            </a:fgClr>
-            <a:bgClr>
-              <a:schemeClr val="bg1"/>
-            </a:bgClr>
-          </a:pattFill>
-          <a:ln w="9525">
-            <a:solidFill>
-              <a:schemeClr val="tx1"/>
-            </a:solidFill>
-            <a:round/>
-            <a:headEnd/>
-            <a:tailEnd/>
-          </a:ln>
-        </p:spPr>
-        <p:txBody>
-          <a:bodyPr wrap="none" anchor="ctr"/>
-          <a:lstStyle/>
-          <a:p>
-            <a:endParaRPr lang="en-US"/>
-          </a:p>
-        </p:txBody>
-      </p:sp>
-      <p:sp>
-        <p:nvSpPr>
-          <p:cNvPr id="653" name="Freeform 6"/>
-          <p:cNvSpPr>
-            <a:spLocks/>
-          </p:cNvSpPr>
-          <p:nvPr/>
-        </p:nvSpPr>
-        <p:spPr bwMode="auto">
-          <a:xfrm>
-            <a:off x="-4431547" y="8366344"/>
-            <a:ext cx="1211604" cy="306822"/>
-          </a:xfrm>
-          <a:custGeom>
-            <a:avLst/>
-            <a:gdLst>
-              <a:gd name="T0" fmla="*/ 2147483647 w 528"/>
-              <a:gd name="T1" fmla="*/ 2147483647 h 288"/>
-              <a:gd name="T2" fmla="*/ 0 w 528"/>
-              <a:gd name="T3" fmla="*/ 2147483647 h 288"/>
-              <a:gd name="T4" fmla="*/ 0 w 528"/>
-              <a:gd name="T5" fmla="*/ 0 h 288"/>
-              <a:gd name="T6" fmla="*/ 2147483647 w 528"/>
-              <a:gd name="T7" fmla="*/ 0 h 288"/>
-              <a:gd name="T8" fmla="*/ 2147483647 w 528"/>
-              <a:gd name="T9" fmla="*/ 2147483647 h 288"/>
-              <a:gd name="T10" fmla="*/ 0 60000 65536"/>
-              <a:gd name="T11" fmla="*/ 0 60000 65536"/>
-              <a:gd name="T12" fmla="*/ 0 60000 65536"/>
-              <a:gd name="T13" fmla="*/ 0 60000 65536"/>
-              <a:gd name="T14" fmla="*/ 0 60000 65536"/>
-              <a:gd name="T15" fmla="*/ 0 w 528"/>
-              <a:gd name="T16" fmla="*/ 0 h 288"/>
-              <a:gd name="T17" fmla="*/ 528 w 528"/>
-              <a:gd name="T18" fmla="*/ 288 h 288"/>
-            </a:gdLst>
-            <a:ahLst/>
-            <a:cxnLst>
-              <a:cxn ang="T10">
-                <a:pos x="T0" y="T1"/>
-              </a:cxn>
-              <a:cxn ang="T11">
-                <a:pos x="T2" y="T3"/>
-              </a:cxn>
-              <a:cxn ang="T12">
-                <a:pos x="T4" y="T5"/>
-              </a:cxn>
-              <a:cxn ang="T13">
-                <a:pos x="T6" y="T7"/>
-              </a:cxn>
-              <a:cxn ang="T14">
-                <a:pos x="T8" y="T9"/>
-              </a:cxn>
-            </a:cxnLst>
-            <a:rect l="T15" t="T16" r="T17" b="T18"/>
-            <a:pathLst>
-              <a:path w="528" h="288">
-                <a:moveTo>
-                  <a:pt x="528" y="288"/>
-                </a:moveTo>
-                <a:lnTo>
-                  <a:pt x="0" y="288"/>
-                </a:lnTo>
-                <a:lnTo>
-                  <a:pt x="0" y="0"/>
-                </a:lnTo>
-                <a:lnTo>
-                  <a:pt x="528" y="0"/>
-                </a:lnTo>
-                <a:lnTo>
-                  <a:pt x="528" y="288"/>
-                </a:lnTo>
-                <a:close/>
-              </a:path>
-            </a:pathLst>
-          </a:custGeom>
-          <a:pattFill prst="solidDmnd">
-            <a:fgClr>
-              <a:schemeClr val="accent1"/>
-            </a:fgClr>
-            <a:bgClr>
-              <a:schemeClr val="bg1"/>
-            </a:bgClr>
-          </a:pattFill>
-          <a:ln w="9525">
-            <a:solidFill>
-              <a:schemeClr val="tx1"/>
-            </a:solidFill>
-            <a:round/>
-            <a:headEnd/>
-            <a:tailEnd/>
-          </a:ln>
-        </p:spPr>
-        <p:txBody>
-          <a:bodyPr wrap="none" anchor="ctr"/>
-          <a:lstStyle/>
-          <a:p>
-            <a:endParaRPr lang="en-US"/>
-          </a:p>
-        </p:txBody>
-      </p:sp>
-      <p:grpSp>
-        <p:nvGrpSpPr>
-          <p:cNvPr id="650" name="Group 649"/>
-          <p:cNvGrpSpPr/>
-          <p:nvPr/>
-        </p:nvGrpSpPr>
-        <p:grpSpPr>
-          <a:xfrm>
-            <a:off x="-4477745" y="7838223"/>
-            <a:ext cx="1211605" cy="306822"/>
-            <a:chOff x="1879614" y="5296924"/>
-            <a:chExt cx="1211605" cy="306822"/>
-          </a:xfrm>
-        </p:grpSpPr>
-        <p:sp>
-          <p:nvSpPr>
-            <p:cNvPr id="651" name="Freeform 6"/>
-            <p:cNvSpPr>
-              <a:spLocks/>
-            </p:cNvSpPr>
-            <p:nvPr/>
-          </p:nvSpPr>
-          <p:spPr bwMode="auto">
-            <a:xfrm>
-              <a:off x="1879614" y="5296924"/>
-              <a:ext cx="1211605" cy="306822"/>
-            </a:xfrm>
-            <a:custGeom>
-              <a:avLst/>
-              <a:gdLst>
-                <a:gd name="T0" fmla="*/ 2147483647 w 528"/>
-                <a:gd name="T1" fmla="*/ 2147483647 h 288"/>
-                <a:gd name="T2" fmla="*/ 0 w 528"/>
-                <a:gd name="T3" fmla="*/ 2147483647 h 288"/>
-                <a:gd name="T4" fmla="*/ 0 w 528"/>
-                <a:gd name="T5" fmla="*/ 0 h 288"/>
-                <a:gd name="T6" fmla="*/ 2147483647 w 528"/>
-                <a:gd name="T7" fmla="*/ 0 h 288"/>
-                <a:gd name="T8" fmla="*/ 2147483647 w 528"/>
-                <a:gd name="T9" fmla="*/ 2147483647 h 288"/>
-                <a:gd name="T10" fmla="*/ 0 60000 65536"/>
-                <a:gd name="T11" fmla="*/ 0 60000 65536"/>
-                <a:gd name="T12" fmla="*/ 0 60000 65536"/>
-                <a:gd name="T13" fmla="*/ 0 60000 65536"/>
-                <a:gd name="T14" fmla="*/ 0 60000 65536"/>
-                <a:gd name="T15" fmla="*/ 0 w 528"/>
-                <a:gd name="T16" fmla="*/ 0 h 288"/>
-                <a:gd name="T17" fmla="*/ 528 w 528"/>
-                <a:gd name="T18" fmla="*/ 288 h 288"/>
-              </a:gdLst>
-              <a:ahLst/>
-              <a:cxnLst>
-                <a:cxn ang="T10">
-                  <a:pos x="T0" y="T1"/>
-                </a:cxn>
-                <a:cxn ang="T11">
-                  <a:pos x="T2" y="T3"/>
-                </a:cxn>
-                <a:cxn ang="T12">
-                  <a:pos x="T4" y="T5"/>
-                </a:cxn>
-                <a:cxn ang="T13">
-                  <a:pos x="T6" y="T7"/>
-                </a:cxn>
-                <a:cxn ang="T14">
-                  <a:pos x="T8" y="T9"/>
-                </a:cxn>
-              </a:cxnLst>
-              <a:rect l="T15" t="T16" r="T17" b="T18"/>
-              <a:pathLst>
-                <a:path w="528" h="288">
-                  <a:moveTo>
-                    <a:pt x="528" y="288"/>
-                  </a:moveTo>
-                  <a:lnTo>
-                    <a:pt x="0" y="288"/>
-                  </a:lnTo>
-                  <a:lnTo>
-                    <a:pt x="0" y="0"/>
-                  </a:lnTo>
-                  <a:lnTo>
-                    <a:pt x="528" y="0"/>
-                  </a:lnTo>
-                  <a:lnTo>
-                    <a:pt x="528" y="288"/>
-                  </a:lnTo>
-                  <a:close/>
-                </a:path>
-              </a:pathLst>
-            </a:custGeom>
-            <a:pattFill prst="solidDmnd">
-              <a:fgClr>
-                <a:schemeClr val="accent1"/>
-              </a:fgClr>
-              <a:bgClr>
-                <a:schemeClr val="bg1"/>
-              </a:bgClr>
-            </a:pattFill>
-            <a:ln w="9525">
-              <a:solidFill>
-                <a:schemeClr val="tx1"/>
-              </a:solidFill>
-              <a:round/>
-              <a:headEnd/>
-              <a:tailEnd/>
-            </a:ln>
-          </p:spPr>
-          <p:txBody>
-            <a:bodyPr wrap="none" anchor="ctr"/>
-            <a:lstStyle/>
-            <a:p>
-              <a:endParaRPr lang="en-US"/>
-            </a:p>
-          </p:txBody>
-        </p:sp>
-        <p:sp>
-          <p:nvSpPr>
-            <p:cNvPr id="652" name="Freeform 773"/>
-            <p:cNvSpPr/>
-            <p:nvPr/>
-          </p:nvSpPr>
-          <p:spPr>
-            <a:xfrm>
-              <a:off x="2471314" y="5305921"/>
-              <a:ext cx="85038" cy="285785"/>
-            </a:xfrm>
-            <a:custGeom>
-              <a:avLst/>
-              <a:gdLst>
-                <a:gd name="f0" fmla="val w"/>
-                <a:gd name="f1" fmla="val h"/>
-                <a:gd name="f2" fmla="val 0"/>
-                <a:gd name="f3" fmla="val 21600"/>
-                <a:gd name="f4" fmla="*/ f0 1 21600"/>
-                <a:gd name="f5" fmla="*/ f1 1 21600"/>
-                <a:gd name="f6" fmla="+- f3 0 f2"/>
-                <a:gd name="f7" fmla="*/ f6 1 21600"/>
-                <a:gd name="f8" fmla="*/ f2 1 f7"/>
-                <a:gd name="f9" fmla="*/ f3 1 f7"/>
-                <a:gd name="f10" fmla="*/ f8 f4 1"/>
-                <a:gd name="f11" fmla="*/ f9 f4 1"/>
-                <a:gd name="f12" fmla="*/ f9 f5 1"/>
-                <a:gd name="f13" fmla="*/ f8 f5 1"/>
-              </a:gdLst>
-              <a:ahLst/>
-              <a:cxnLst>
-                <a:cxn ang="3cd4">
-                  <a:pos x="hc" y="t"/>
-                </a:cxn>
-                <a:cxn ang="0">
-                  <a:pos x="r" y="vc"/>
-                </a:cxn>
-                <a:cxn ang="cd4">
-                  <a:pos x="hc" y="b"/>
-                </a:cxn>
-                <a:cxn ang="cd2">
-                  <a:pos x="l" y="vc"/>
-                </a:cxn>
-              </a:cxnLst>
-              <a:rect l="f10" t="f13" r="f11" b="f12"/>
-              <a:pathLst>
-                <a:path w="21600" h="21600">
-                  <a:moveTo>
-                    <a:pt x="f2" y="f2"/>
-                  </a:moveTo>
-                  <a:lnTo>
-                    <a:pt x="f3" y="f2"/>
-                  </a:lnTo>
-                  <a:lnTo>
-                    <a:pt x="f3" y="f3"/>
-                  </a:lnTo>
-                  <a:lnTo>
-                    <a:pt x="f2" y="f3"/>
-                  </a:lnTo>
-                  <a:lnTo>
-                    <a:pt x="f2" y="f2"/>
-                  </a:lnTo>
-                  <a:close/>
-                </a:path>
-              </a:pathLst>
-            </a:custGeom>
-            <a:solidFill>
-              <a:schemeClr val="bg1"/>
-            </a:solidFill>
-            <a:ln w="28437" cap="flat">
-              <a:solidFill>
-                <a:srgbClr val="000000"/>
-              </a:solidFill>
-              <a:prstDash val="solid"/>
-              <a:miter/>
-            </a:ln>
-          </p:spPr>
-          <p:txBody>
-            <a:bodyPr vert="horz" wrap="none" lIns="90004" tIns="46798" rIns="90004" bIns="46798" anchor="ctr" anchorCtr="0" compatLnSpc="1">
-              <a:noAutofit/>
-            </a:bodyPr>
-            <a:lstStyle/>
-            <a:p>
-              <a:pPr marL="0" marR="0" lvl="0" indent="0" algn="l" defTabSz="914400" rtl="0" fontAlgn="auto" hangingPunct="1">
-                <a:lnSpc>
-                  <a:spcPct val="100000"/>
-                </a:lnSpc>
-                <a:spcBef>
-                  <a:spcPts val="0"/>
-                </a:spcBef>
-                <a:spcAft>
-                  <a:spcPts val="0"/>
-                </a:spcAft>
-                <a:buNone/>
-                <a:tabLst>
-                  <a:tab pos="0" algn="l"/>
-                  <a:tab pos="914400" algn="l"/>
-                  <a:tab pos="1828800" algn="l"/>
-                  <a:tab pos="2743200" algn="l"/>
-                  <a:tab pos="3657600" algn="l"/>
-                  <a:tab pos="4572000" algn="l"/>
-                  <a:tab pos="5486400" algn="l"/>
-                  <a:tab pos="6400800" algn="l"/>
-                  <a:tab pos="7315200" algn="l"/>
-                  <a:tab pos="8229600" algn="l"/>
-                  <a:tab pos="9144000" algn="l"/>
-                  <a:tab pos="10058400" algn="l"/>
-                </a:tabLst>
-                <a:defRPr sz="1800" b="0" i="0" u="none" strike="noStrike" kern="0" cap="none" spc="0" baseline="0">
-                  <a:solidFill>
-                    <a:srgbClr val="000000"/>
-                  </a:solidFill>
-                  <a:uFillTx/>
-                </a:defRPr>
-              </a:pPr>
-              <a:endParaRPr lang="en-US" sz="1800" b="0" i="0" u="none" strike="noStrike" kern="1200" cap="none" spc="0" baseline="0">
-                <a:solidFill>
-                  <a:srgbClr val="000000"/>
-                </a:solidFill>
-                <a:uFillTx/>
-                <a:latin typeface="Arial" pitchFamily="18"/>
-                <a:ea typeface="SimSun" pitchFamily="2"/>
-                <a:cs typeface="Mangal" pitchFamily="2"/>
-              </a:endParaRPr>
-            </a:p>
-          </p:txBody>
-        </p:sp>
-      </p:grpSp>
-      <p:grpSp>
-        <p:nvGrpSpPr>
-          <p:cNvPr id="654" name="Group 653"/>
-          <p:cNvGrpSpPr/>
-          <p:nvPr/>
-        </p:nvGrpSpPr>
-        <p:grpSpPr>
-          <a:xfrm rot="16200000">
-            <a:off x="-5817931" y="7931769"/>
-            <a:ext cx="1211605" cy="306822"/>
-            <a:chOff x="1879614" y="5296924"/>
-            <a:chExt cx="1211605" cy="306822"/>
-          </a:xfrm>
-        </p:grpSpPr>
-        <p:sp>
-          <p:nvSpPr>
-            <p:cNvPr id="655" name="Freeform 6"/>
-            <p:cNvSpPr>
-              <a:spLocks/>
-            </p:cNvSpPr>
-            <p:nvPr/>
-          </p:nvSpPr>
-          <p:spPr bwMode="auto">
-            <a:xfrm>
-              <a:off x="1879614" y="5296924"/>
-              <a:ext cx="1211605" cy="306822"/>
-            </a:xfrm>
-            <a:custGeom>
-              <a:avLst/>
-              <a:gdLst>
-                <a:gd name="T0" fmla="*/ 2147483647 w 528"/>
-                <a:gd name="T1" fmla="*/ 2147483647 h 288"/>
-                <a:gd name="T2" fmla="*/ 0 w 528"/>
-                <a:gd name="T3" fmla="*/ 2147483647 h 288"/>
-                <a:gd name="T4" fmla="*/ 0 w 528"/>
-                <a:gd name="T5" fmla="*/ 0 h 288"/>
-                <a:gd name="T6" fmla="*/ 2147483647 w 528"/>
-                <a:gd name="T7" fmla="*/ 0 h 288"/>
-                <a:gd name="T8" fmla="*/ 2147483647 w 528"/>
-                <a:gd name="T9" fmla="*/ 2147483647 h 288"/>
-                <a:gd name="T10" fmla="*/ 0 60000 65536"/>
-                <a:gd name="T11" fmla="*/ 0 60000 65536"/>
-                <a:gd name="T12" fmla="*/ 0 60000 65536"/>
-                <a:gd name="T13" fmla="*/ 0 60000 65536"/>
-                <a:gd name="T14" fmla="*/ 0 60000 65536"/>
-                <a:gd name="T15" fmla="*/ 0 w 528"/>
-                <a:gd name="T16" fmla="*/ 0 h 288"/>
-                <a:gd name="T17" fmla="*/ 528 w 528"/>
-                <a:gd name="T18" fmla="*/ 288 h 288"/>
-              </a:gdLst>
-              <a:ahLst/>
-              <a:cxnLst>
-                <a:cxn ang="T10">
-                  <a:pos x="T0" y="T1"/>
-                </a:cxn>
-                <a:cxn ang="T11">
-                  <a:pos x="T2" y="T3"/>
-                </a:cxn>
-                <a:cxn ang="T12">
-                  <a:pos x="T4" y="T5"/>
-                </a:cxn>
-                <a:cxn ang="T13">
-                  <a:pos x="T6" y="T7"/>
-                </a:cxn>
-                <a:cxn ang="T14">
-                  <a:pos x="T8" y="T9"/>
-                </a:cxn>
-              </a:cxnLst>
-              <a:rect l="T15" t="T16" r="T17" b="T18"/>
-              <a:pathLst>
-                <a:path w="528" h="288">
-                  <a:moveTo>
-                    <a:pt x="528" y="288"/>
-                  </a:moveTo>
-                  <a:lnTo>
-                    <a:pt x="0" y="288"/>
-                  </a:lnTo>
-                  <a:lnTo>
-                    <a:pt x="0" y="0"/>
-                  </a:lnTo>
-                  <a:lnTo>
-                    <a:pt x="528" y="0"/>
-                  </a:lnTo>
-                  <a:lnTo>
-                    <a:pt x="528" y="288"/>
-                  </a:lnTo>
-                  <a:close/>
-                </a:path>
-              </a:pathLst>
-            </a:custGeom>
-            <a:pattFill prst="solidDmnd">
-              <a:fgClr>
-                <a:schemeClr val="accent1"/>
-              </a:fgClr>
-              <a:bgClr>
-                <a:schemeClr val="bg1"/>
-              </a:bgClr>
-            </a:pattFill>
-            <a:ln w="9525">
-              <a:solidFill>
-                <a:schemeClr val="tx1"/>
-              </a:solidFill>
-              <a:round/>
-              <a:headEnd/>
-              <a:tailEnd/>
-            </a:ln>
-          </p:spPr>
-          <p:txBody>
-            <a:bodyPr wrap="none" anchor="ctr"/>
-            <a:lstStyle/>
-            <a:p>
-              <a:endParaRPr lang="en-US"/>
-            </a:p>
-          </p:txBody>
-        </p:sp>
-        <p:sp>
-          <p:nvSpPr>
-            <p:cNvPr id="657" name="Freeform 773"/>
-            <p:cNvSpPr/>
-            <p:nvPr/>
-          </p:nvSpPr>
-          <p:spPr>
-            <a:xfrm>
-              <a:off x="2471314" y="5305921"/>
-              <a:ext cx="85038" cy="285785"/>
-            </a:xfrm>
-            <a:custGeom>
-              <a:avLst/>
-              <a:gdLst>
-                <a:gd name="f0" fmla="val w"/>
-                <a:gd name="f1" fmla="val h"/>
-                <a:gd name="f2" fmla="val 0"/>
-                <a:gd name="f3" fmla="val 21600"/>
-                <a:gd name="f4" fmla="*/ f0 1 21600"/>
-                <a:gd name="f5" fmla="*/ f1 1 21600"/>
-                <a:gd name="f6" fmla="+- f3 0 f2"/>
-                <a:gd name="f7" fmla="*/ f6 1 21600"/>
-                <a:gd name="f8" fmla="*/ f2 1 f7"/>
-                <a:gd name="f9" fmla="*/ f3 1 f7"/>
-                <a:gd name="f10" fmla="*/ f8 f4 1"/>
-                <a:gd name="f11" fmla="*/ f9 f4 1"/>
-                <a:gd name="f12" fmla="*/ f9 f5 1"/>
-                <a:gd name="f13" fmla="*/ f8 f5 1"/>
-              </a:gdLst>
-              <a:ahLst/>
-              <a:cxnLst>
-                <a:cxn ang="3cd4">
-                  <a:pos x="hc" y="t"/>
-                </a:cxn>
-                <a:cxn ang="0">
-                  <a:pos x="r" y="vc"/>
-                </a:cxn>
-                <a:cxn ang="cd4">
-                  <a:pos x="hc" y="b"/>
-                </a:cxn>
-                <a:cxn ang="cd2">
-                  <a:pos x="l" y="vc"/>
-                </a:cxn>
-              </a:cxnLst>
-              <a:rect l="f10" t="f13" r="f11" b="f12"/>
-              <a:pathLst>
-                <a:path w="21600" h="21600">
-                  <a:moveTo>
-                    <a:pt x="f2" y="f2"/>
-                  </a:moveTo>
-                  <a:lnTo>
-                    <a:pt x="f3" y="f2"/>
-                  </a:lnTo>
-                  <a:lnTo>
-                    <a:pt x="f3" y="f3"/>
-                  </a:lnTo>
-                  <a:lnTo>
-                    <a:pt x="f2" y="f3"/>
-                  </a:lnTo>
-                  <a:lnTo>
-                    <a:pt x="f2" y="f2"/>
-                  </a:lnTo>
-                  <a:close/>
-                </a:path>
-              </a:pathLst>
-            </a:custGeom>
-            <a:solidFill>
-              <a:schemeClr val="bg1"/>
-            </a:solidFill>
-            <a:ln w="28437" cap="flat">
-              <a:solidFill>
-                <a:srgbClr val="000000"/>
-              </a:solidFill>
-              <a:prstDash val="solid"/>
-              <a:miter/>
-            </a:ln>
-          </p:spPr>
-          <p:txBody>
-            <a:bodyPr vert="horz" wrap="none" lIns="90004" tIns="46798" rIns="90004" bIns="46798" anchor="ctr" anchorCtr="0" compatLnSpc="1">
-              <a:noAutofit/>
-            </a:bodyPr>
-            <a:lstStyle/>
-            <a:p>
-              <a:pPr marL="0" marR="0" lvl="0" indent="0" algn="l" defTabSz="914400" rtl="0" fontAlgn="auto" hangingPunct="1">
-                <a:lnSpc>
-                  <a:spcPct val="100000"/>
-                </a:lnSpc>
-                <a:spcBef>
-                  <a:spcPts val="0"/>
-                </a:spcBef>
-                <a:spcAft>
-                  <a:spcPts val="0"/>
-                </a:spcAft>
-                <a:buNone/>
-                <a:tabLst>
-                  <a:tab pos="0" algn="l"/>
-                  <a:tab pos="914400" algn="l"/>
-                  <a:tab pos="1828800" algn="l"/>
-                  <a:tab pos="2743200" algn="l"/>
-                  <a:tab pos="3657600" algn="l"/>
-                  <a:tab pos="4572000" algn="l"/>
-                  <a:tab pos="5486400" algn="l"/>
-                  <a:tab pos="6400800" algn="l"/>
-                  <a:tab pos="7315200" algn="l"/>
-                  <a:tab pos="8229600" algn="l"/>
-                  <a:tab pos="9144000" algn="l"/>
-                  <a:tab pos="10058400" algn="l"/>
-                </a:tabLst>
-                <a:defRPr sz="1800" b="0" i="0" u="none" strike="noStrike" kern="0" cap="none" spc="0" baseline="0">
-                  <a:solidFill>
-                    <a:srgbClr val="000000"/>
-                  </a:solidFill>
-                  <a:uFillTx/>
-                </a:defRPr>
-              </a:pPr>
-              <a:endParaRPr lang="en-US" sz="1800" b="0" i="0" u="none" strike="noStrike" kern="1200" cap="none" spc="0" baseline="0">
-                <a:solidFill>
-                  <a:srgbClr val="000000"/>
-                </a:solidFill>
-                <a:uFillTx/>
-                <a:latin typeface="Arial" pitchFamily="18"/>
-                <a:ea typeface="SimSun" pitchFamily="2"/>
-                <a:cs typeface="Mangal" pitchFamily="2"/>
-              </a:endParaRPr>
-            </a:p>
-          </p:txBody>
-        </p:sp>
-      </p:grpSp>
       <p:sp>
         <p:nvSpPr>
           <p:cNvPr id="777" name="Rectangle 534"/>
@@ -15653,14 +6966,11 @@
                   <a:spcPts val="800"/>
                 </a:spcAft>
               </a:pPr>
-              <a:r>
-                <a:rPr lang="en-US" sz="1100" dirty="0">
-                  <a:latin typeface="Calibri" panose="020F0502020204030204" pitchFamily="34" charset="0"/>
-                  <a:ea typeface="Times New Roman" panose="02020603050405020304" pitchFamily="18" charset="0"/>
-                  <a:cs typeface="Times New Roman" panose="02020603050405020304" pitchFamily="18" charset="0"/>
-                </a:rPr>
-                <a:t>P1</a:t>
-              </a:r>
+              <a:endParaRPr lang="en-US" sz="1100" dirty="0">
+                <a:latin typeface="Calibri" panose="020F0502020204030204" pitchFamily="34" charset="0"/>
+                <a:ea typeface="Times New Roman" panose="02020603050405020304" pitchFamily="18" charset="0"/>
+                <a:cs typeface="Times New Roman" panose="02020603050405020304" pitchFamily="18" charset="0"/>
+              </a:endParaRPr>
             </a:p>
             <a:p>
               <a:pPr marL="0" marR="0" algn="ctr">
@@ -15680,700 +6990,6 @@
                 <a:ea typeface="Times New Roman" panose="02020603050405020304" pitchFamily="18" charset="0"/>
                 <a:cs typeface="Times New Roman" panose="02020603050405020304" pitchFamily="18" charset="0"/>
               </a:endParaRPr>
-            </a:p>
-          </p:txBody>
-        </p:sp>
-      </p:grpSp>
-      <p:grpSp>
-        <p:nvGrpSpPr>
-          <p:cNvPr id="191" name="Group 1427"/>
-          <p:cNvGrpSpPr>
-            <a:grpSpLocks noChangeAspect="1"/>
-          </p:cNvGrpSpPr>
-          <p:nvPr/>
-        </p:nvGrpSpPr>
-        <p:grpSpPr bwMode="auto">
-          <a:xfrm flipH="1">
-            <a:off x="-4794227" y="2175219"/>
-            <a:ext cx="129508" cy="508931"/>
-            <a:chOff x="1278" y="11644"/>
-            <a:chExt cx="703" cy="2465"/>
-          </a:xfrm>
-        </p:grpSpPr>
-        <p:grpSp>
-          <p:nvGrpSpPr>
-            <p:cNvPr id="192" name="Group 1428"/>
-            <p:cNvGrpSpPr>
-              <a:grpSpLocks noChangeAspect="1"/>
-            </p:cNvGrpSpPr>
-            <p:nvPr/>
-          </p:nvGrpSpPr>
-          <p:grpSpPr bwMode="auto">
-            <a:xfrm>
-              <a:off x="1278" y="12164"/>
-              <a:ext cx="703" cy="1945"/>
-              <a:chOff x="8576" y="2858"/>
-              <a:chExt cx="2924" cy="8038"/>
-            </a:xfrm>
-          </p:grpSpPr>
-          <p:sp>
-            <p:nvSpPr>
-              <p:cNvPr id="198" name="Freeform 1429"/>
-              <p:cNvSpPr>
-                <a:spLocks noChangeAspect="1"/>
-              </p:cNvSpPr>
-              <p:nvPr/>
-            </p:nvSpPr>
-            <p:spPr bwMode="auto">
-              <a:xfrm>
-                <a:off x="9088" y="5396"/>
-                <a:ext cx="1900" cy="5500"/>
-              </a:xfrm>
-              <a:custGeom>
-                <a:avLst/>
-                <a:gdLst>
-                  <a:gd name="T0" fmla="*/ 220 w 1900"/>
-                  <a:gd name="T1" fmla="*/ 5500 h 5500"/>
-                  <a:gd name="T2" fmla="*/ 0 w 1900"/>
-                  <a:gd name="T3" fmla="*/ 0 h 5500"/>
-                  <a:gd name="T4" fmla="*/ 1900 w 1900"/>
-                  <a:gd name="T5" fmla="*/ 40 h 5500"/>
-                  <a:gd name="T6" fmla="*/ 1680 w 1900"/>
-                  <a:gd name="T7" fmla="*/ 5480 h 5500"/>
-                  <a:gd name="T8" fmla="*/ 220 w 1900"/>
-                  <a:gd name="T9" fmla="*/ 5500 h 5500"/>
-                </a:gdLst>
-                <a:ahLst/>
-                <a:cxnLst>
-                  <a:cxn ang="0">
-                    <a:pos x="T0" y="T1"/>
-                  </a:cxn>
-                  <a:cxn ang="0">
-                    <a:pos x="T2" y="T3"/>
-                  </a:cxn>
-                  <a:cxn ang="0">
-                    <a:pos x="T4" y="T5"/>
-                  </a:cxn>
-                  <a:cxn ang="0">
-                    <a:pos x="T6" y="T7"/>
-                  </a:cxn>
-                  <a:cxn ang="0">
-                    <a:pos x="T8" y="T9"/>
-                  </a:cxn>
-                </a:cxnLst>
-                <a:rect l="0" t="0" r="r" b="b"/>
-                <a:pathLst>
-                  <a:path w="1900" h="5500">
-                    <a:moveTo>
-                      <a:pt x="220" y="5500"/>
-                    </a:moveTo>
-                    <a:lnTo>
-                      <a:pt x="0" y="0"/>
-                    </a:lnTo>
-                    <a:lnTo>
-                      <a:pt x="1900" y="40"/>
-                    </a:lnTo>
-                    <a:lnTo>
-                      <a:pt x="1680" y="5480"/>
-                    </a:lnTo>
-                    <a:lnTo>
-                      <a:pt x="220" y="5500"/>
-                    </a:lnTo>
-                    <a:close/>
-                  </a:path>
-                </a:pathLst>
-              </a:custGeom>
-              <a:solidFill>
-                <a:srgbClr val="FFFFFF"/>
-              </a:solidFill>
-              <a:ln w="9525">
-                <a:solidFill>
-                  <a:srgbClr val="000000"/>
-                </a:solidFill>
-                <a:round/>
-                <a:headEnd/>
-                <a:tailEnd/>
-              </a:ln>
-            </p:spPr>
-            <p:txBody>
-              <a:bodyPr/>
-              <a:lstStyle/>
-              <a:p>
-                <a:endParaRPr lang="en-US"/>
-              </a:p>
-            </p:txBody>
-          </p:sp>
-          <p:sp>
-            <p:nvSpPr>
-              <p:cNvPr id="199" name="Oval 1430"/>
-              <p:cNvSpPr>
-                <a:spLocks noChangeAspect="1" noChangeArrowheads="1"/>
-              </p:cNvSpPr>
-              <p:nvPr/>
-            </p:nvSpPr>
-            <p:spPr bwMode="auto">
-              <a:xfrm>
-                <a:off x="8576" y="2858"/>
-                <a:ext cx="2924" cy="2924"/>
-              </a:xfrm>
-              <a:prstGeom prst="ellipse">
-                <a:avLst/>
-              </a:prstGeom>
-              <a:solidFill>
-                <a:srgbClr val="FFFFFF"/>
-              </a:solidFill>
-              <a:ln w="9525">
-                <a:solidFill>
-                  <a:srgbClr val="000000"/>
-                </a:solidFill>
-                <a:round/>
-                <a:headEnd/>
-                <a:tailEnd/>
-              </a:ln>
-            </p:spPr>
-            <p:txBody>
-              <a:bodyPr/>
-              <a:lstStyle/>
-              <a:p>
-                <a:endParaRPr lang="en-US"/>
-              </a:p>
-            </p:txBody>
-          </p:sp>
-        </p:grpSp>
-        <p:sp>
-          <p:nvSpPr>
-            <p:cNvPr id="193" name="Oval 1431"/>
-            <p:cNvSpPr>
-              <a:spLocks noChangeAspect="1" noChangeArrowheads="1"/>
-            </p:cNvSpPr>
-            <p:nvPr/>
-          </p:nvSpPr>
-          <p:spPr bwMode="auto">
-            <a:xfrm>
-              <a:off x="1455" y="11644"/>
-              <a:ext cx="349" cy="349"/>
-            </a:xfrm>
-            <a:prstGeom prst="ellipse">
-              <a:avLst/>
-            </a:prstGeom>
-            <a:solidFill>
-              <a:srgbClr val="FFFFFF"/>
-            </a:solidFill>
-            <a:ln w="9525">
-              <a:solidFill>
-                <a:srgbClr val="000000"/>
-              </a:solidFill>
-              <a:round/>
-              <a:headEnd/>
-              <a:tailEnd/>
-            </a:ln>
-          </p:spPr>
-          <p:txBody>
-            <a:bodyPr/>
-            <a:lstStyle/>
-            <a:p>
-              <a:endParaRPr lang="en-US"/>
-            </a:p>
-          </p:txBody>
-        </p:sp>
-        <p:sp>
-          <p:nvSpPr>
-            <p:cNvPr id="194" name="Line 1432"/>
-            <p:cNvSpPr>
-              <a:spLocks noChangeAspect="1" noChangeShapeType="1"/>
-            </p:cNvSpPr>
-            <p:nvPr/>
-          </p:nvSpPr>
-          <p:spPr bwMode="auto">
-            <a:xfrm flipH="1">
-              <a:off x="1807" y="11839"/>
-              <a:ext cx="0" cy="361"/>
-            </a:xfrm>
-            <a:prstGeom prst="line">
-              <a:avLst/>
-            </a:prstGeom>
-            <a:noFill/>
-            <a:ln w="9525">
-              <a:solidFill>
-                <a:srgbClr val="000000"/>
-              </a:solidFill>
-              <a:round/>
-              <a:headEnd/>
-              <a:tailEnd/>
-            </a:ln>
-            <a:extLst>
-              <a:ext uri="{909E8E84-426E-40DD-AFC4-6F175D3DCCD1}">
-                <a14:hiddenFill xmlns:a14="http://schemas.microsoft.com/office/drawing/2010/main">
-                  <a:noFill/>
-                </a14:hiddenFill>
-              </a:ext>
-            </a:extLst>
-          </p:spPr>
-          <p:txBody>
-            <a:bodyPr/>
-            <a:lstStyle/>
-            <a:p>
-              <a:endParaRPr lang="en-US"/>
-            </a:p>
-          </p:txBody>
-        </p:sp>
-        <p:sp>
-          <p:nvSpPr>
-            <p:cNvPr id="195" name="Line 1433"/>
-            <p:cNvSpPr>
-              <a:spLocks noChangeAspect="1" noChangeShapeType="1"/>
-            </p:cNvSpPr>
-            <p:nvPr/>
-          </p:nvSpPr>
-          <p:spPr bwMode="auto">
-            <a:xfrm flipH="1">
-              <a:off x="1455" y="11849"/>
-              <a:ext cx="0" cy="361"/>
-            </a:xfrm>
-            <a:prstGeom prst="line">
-              <a:avLst/>
-            </a:prstGeom>
-            <a:noFill/>
-            <a:ln w="9525">
-              <a:solidFill>
-                <a:srgbClr val="000000"/>
-              </a:solidFill>
-              <a:round/>
-              <a:headEnd/>
-              <a:tailEnd/>
-            </a:ln>
-            <a:extLst>
-              <a:ext uri="{909E8E84-426E-40DD-AFC4-6F175D3DCCD1}">
-                <a14:hiddenFill xmlns:a14="http://schemas.microsoft.com/office/drawing/2010/main">
-                  <a:noFill/>
-                </a14:hiddenFill>
-              </a:ext>
-            </a:extLst>
-          </p:spPr>
-          <p:txBody>
-            <a:bodyPr/>
-            <a:lstStyle/>
-            <a:p>
-              <a:endParaRPr lang="en-US"/>
-            </a:p>
-          </p:txBody>
-        </p:sp>
-        <p:sp>
-          <p:nvSpPr>
-            <p:cNvPr id="196" name="Rectangle 1434"/>
-            <p:cNvSpPr>
-              <a:spLocks noChangeAspect="1" noChangeArrowheads="1"/>
-            </p:cNvSpPr>
-            <p:nvPr/>
-          </p:nvSpPr>
-          <p:spPr bwMode="auto">
-            <a:xfrm>
-              <a:off x="1488" y="11833"/>
-              <a:ext cx="287" cy="526"/>
-            </a:xfrm>
-            <a:prstGeom prst="rect">
-              <a:avLst/>
-            </a:prstGeom>
-            <a:solidFill>
-              <a:srgbClr val="FFFFFF"/>
-            </a:solidFill>
-            <a:ln w="9525">
-              <a:solidFill>
-                <a:srgbClr val="FFFFFF"/>
-              </a:solidFill>
-              <a:miter lim="800000"/>
-              <a:headEnd/>
-              <a:tailEnd/>
-            </a:ln>
-          </p:spPr>
-          <p:txBody>
-            <a:bodyPr/>
-            <a:lstStyle/>
-            <a:p>
-              <a:endParaRPr lang="en-US"/>
-            </a:p>
-          </p:txBody>
-        </p:sp>
-        <p:sp>
-          <p:nvSpPr>
-            <p:cNvPr id="197" name="Oval 1435"/>
-            <p:cNvSpPr>
-              <a:spLocks noChangeAspect="1" noChangeArrowheads="1"/>
-            </p:cNvSpPr>
-            <p:nvPr/>
-          </p:nvSpPr>
-          <p:spPr bwMode="auto">
-            <a:xfrm>
-              <a:off x="1406" y="12507"/>
-              <a:ext cx="447" cy="447"/>
-            </a:xfrm>
-            <a:prstGeom prst="ellipse">
-              <a:avLst/>
-            </a:prstGeom>
-            <a:solidFill>
-              <a:srgbClr val="FFFFFF"/>
-            </a:solidFill>
-            <a:ln w="9525">
-              <a:solidFill>
-                <a:srgbClr val="FFFFFF"/>
-              </a:solidFill>
-              <a:round/>
-              <a:headEnd/>
-              <a:tailEnd/>
-            </a:ln>
-          </p:spPr>
-          <p:txBody>
-            <a:bodyPr/>
-            <a:lstStyle/>
-            <a:p>
-              <a:endParaRPr lang="en-US"/>
-            </a:p>
-          </p:txBody>
-        </p:sp>
-      </p:grpSp>
-      <p:grpSp>
-        <p:nvGrpSpPr>
-          <p:cNvPr id="200" name="Group 1427"/>
-          <p:cNvGrpSpPr>
-            <a:grpSpLocks noChangeAspect="1"/>
-          </p:cNvGrpSpPr>
-          <p:nvPr/>
-        </p:nvGrpSpPr>
-        <p:grpSpPr bwMode="auto">
-          <a:xfrm flipH="1">
-            <a:off x="-5286682" y="2306902"/>
-            <a:ext cx="89244" cy="350706"/>
-            <a:chOff x="1278" y="11644"/>
-            <a:chExt cx="703" cy="2465"/>
-          </a:xfrm>
-        </p:grpSpPr>
-        <p:grpSp>
-          <p:nvGrpSpPr>
-            <p:cNvPr id="201" name="Group 1428"/>
-            <p:cNvGrpSpPr>
-              <a:grpSpLocks noChangeAspect="1"/>
-            </p:cNvGrpSpPr>
-            <p:nvPr/>
-          </p:nvGrpSpPr>
-          <p:grpSpPr bwMode="auto">
-            <a:xfrm>
-              <a:off x="1278" y="12164"/>
-              <a:ext cx="703" cy="1945"/>
-              <a:chOff x="8576" y="2858"/>
-              <a:chExt cx="2924" cy="8038"/>
-            </a:xfrm>
-          </p:grpSpPr>
-          <p:sp>
-            <p:nvSpPr>
-              <p:cNvPr id="207" name="Freeform 1429"/>
-              <p:cNvSpPr>
-                <a:spLocks noChangeAspect="1"/>
-              </p:cNvSpPr>
-              <p:nvPr/>
-            </p:nvSpPr>
-            <p:spPr bwMode="auto">
-              <a:xfrm>
-                <a:off x="9088" y="5396"/>
-                <a:ext cx="1900" cy="5500"/>
-              </a:xfrm>
-              <a:custGeom>
-                <a:avLst/>
-                <a:gdLst>
-                  <a:gd name="T0" fmla="*/ 220 w 1900"/>
-                  <a:gd name="T1" fmla="*/ 5500 h 5500"/>
-                  <a:gd name="T2" fmla="*/ 0 w 1900"/>
-                  <a:gd name="T3" fmla="*/ 0 h 5500"/>
-                  <a:gd name="T4" fmla="*/ 1900 w 1900"/>
-                  <a:gd name="T5" fmla="*/ 40 h 5500"/>
-                  <a:gd name="T6" fmla="*/ 1680 w 1900"/>
-                  <a:gd name="T7" fmla="*/ 5480 h 5500"/>
-                  <a:gd name="T8" fmla="*/ 220 w 1900"/>
-                  <a:gd name="T9" fmla="*/ 5500 h 5500"/>
-                </a:gdLst>
-                <a:ahLst/>
-                <a:cxnLst>
-                  <a:cxn ang="0">
-                    <a:pos x="T0" y="T1"/>
-                  </a:cxn>
-                  <a:cxn ang="0">
-                    <a:pos x="T2" y="T3"/>
-                  </a:cxn>
-                  <a:cxn ang="0">
-                    <a:pos x="T4" y="T5"/>
-                  </a:cxn>
-                  <a:cxn ang="0">
-                    <a:pos x="T6" y="T7"/>
-                  </a:cxn>
-                  <a:cxn ang="0">
-                    <a:pos x="T8" y="T9"/>
-                  </a:cxn>
-                </a:cxnLst>
-                <a:rect l="0" t="0" r="r" b="b"/>
-                <a:pathLst>
-                  <a:path w="1900" h="5500">
-                    <a:moveTo>
-                      <a:pt x="220" y="5500"/>
-                    </a:moveTo>
-                    <a:lnTo>
-                      <a:pt x="0" y="0"/>
-                    </a:lnTo>
-                    <a:lnTo>
-                      <a:pt x="1900" y="40"/>
-                    </a:lnTo>
-                    <a:lnTo>
-                      <a:pt x="1680" y="5480"/>
-                    </a:lnTo>
-                    <a:lnTo>
-                      <a:pt x="220" y="5500"/>
-                    </a:lnTo>
-                    <a:close/>
-                  </a:path>
-                </a:pathLst>
-              </a:custGeom>
-              <a:solidFill>
-                <a:srgbClr val="FFFFFF"/>
-              </a:solidFill>
-              <a:ln w="9525">
-                <a:solidFill>
-                  <a:srgbClr val="000000"/>
-                </a:solidFill>
-                <a:round/>
-                <a:headEnd/>
-                <a:tailEnd/>
-              </a:ln>
-            </p:spPr>
-            <p:txBody>
-              <a:bodyPr/>
-              <a:lstStyle/>
-              <a:p>
-                <a:endParaRPr lang="en-US"/>
-              </a:p>
-            </p:txBody>
-          </p:sp>
-          <p:sp>
-            <p:nvSpPr>
-              <p:cNvPr id="208" name="Oval 1430"/>
-              <p:cNvSpPr>
-                <a:spLocks noChangeAspect="1" noChangeArrowheads="1"/>
-              </p:cNvSpPr>
-              <p:nvPr/>
-            </p:nvSpPr>
-            <p:spPr bwMode="auto">
-              <a:xfrm>
-                <a:off x="8576" y="2858"/>
-                <a:ext cx="2924" cy="2924"/>
-              </a:xfrm>
-              <a:prstGeom prst="ellipse">
-                <a:avLst/>
-              </a:prstGeom>
-              <a:solidFill>
-                <a:srgbClr val="FFFFFF"/>
-              </a:solidFill>
-              <a:ln w="9525">
-                <a:solidFill>
-                  <a:srgbClr val="000000"/>
-                </a:solidFill>
-                <a:round/>
-                <a:headEnd/>
-                <a:tailEnd/>
-              </a:ln>
-            </p:spPr>
-            <p:txBody>
-              <a:bodyPr/>
-              <a:lstStyle/>
-              <a:p>
-                <a:endParaRPr lang="en-US"/>
-              </a:p>
-            </p:txBody>
-          </p:sp>
-        </p:grpSp>
-        <p:sp>
-          <p:nvSpPr>
-            <p:cNvPr id="202" name="Oval 1431"/>
-            <p:cNvSpPr>
-              <a:spLocks noChangeAspect="1" noChangeArrowheads="1"/>
-            </p:cNvSpPr>
-            <p:nvPr/>
-          </p:nvSpPr>
-          <p:spPr bwMode="auto">
-            <a:xfrm>
-              <a:off x="1455" y="11644"/>
-              <a:ext cx="349" cy="349"/>
-            </a:xfrm>
-            <a:prstGeom prst="ellipse">
-              <a:avLst/>
-            </a:prstGeom>
-            <a:solidFill>
-              <a:srgbClr val="FFFFFF"/>
-            </a:solidFill>
-            <a:ln w="9525">
-              <a:solidFill>
-                <a:srgbClr val="000000"/>
-              </a:solidFill>
-              <a:round/>
-              <a:headEnd/>
-              <a:tailEnd/>
-            </a:ln>
-          </p:spPr>
-          <p:txBody>
-            <a:bodyPr/>
-            <a:lstStyle/>
-            <a:p>
-              <a:endParaRPr lang="en-US"/>
-            </a:p>
-          </p:txBody>
-        </p:sp>
-        <p:sp>
-          <p:nvSpPr>
-            <p:cNvPr id="203" name="Line 1432"/>
-            <p:cNvSpPr>
-              <a:spLocks noChangeAspect="1" noChangeShapeType="1"/>
-            </p:cNvSpPr>
-            <p:nvPr/>
-          </p:nvSpPr>
-          <p:spPr bwMode="auto">
-            <a:xfrm flipH="1">
-              <a:off x="1807" y="11839"/>
-              <a:ext cx="0" cy="361"/>
-            </a:xfrm>
-            <a:prstGeom prst="line">
-              <a:avLst/>
-            </a:prstGeom>
-            <a:noFill/>
-            <a:ln w="9525">
-              <a:solidFill>
-                <a:srgbClr val="000000"/>
-              </a:solidFill>
-              <a:round/>
-              <a:headEnd/>
-              <a:tailEnd/>
-            </a:ln>
-            <a:extLst>
-              <a:ext uri="{909E8E84-426E-40DD-AFC4-6F175D3DCCD1}">
-                <a14:hiddenFill xmlns:a14="http://schemas.microsoft.com/office/drawing/2010/main">
-                  <a:noFill/>
-                </a14:hiddenFill>
-              </a:ext>
-            </a:extLst>
-          </p:spPr>
-          <p:txBody>
-            <a:bodyPr/>
-            <a:lstStyle/>
-            <a:p>
-              <a:endParaRPr lang="en-US"/>
-            </a:p>
-          </p:txBody>
-        </p:sp>
-        <p:sp>
-          <p:nvSpPr>
-            <p:cNvPr id="204" name="Line 1433"/>
-            <p:cNvSpPr>
-              <a:spLocks noChangeAspect="1" noChangeShapeType="1"/>
-            </p:cNvSpPr>
-            <p:nvPr/>
-          </p:nvSpPr>
-          <p:spPr bwMode="auto">
-            <a:xfrm flipH="1">
-              <a:off x="1455" y="11849"/>
-              <a:ext cx="0" cy="361"/>
-            </a:xfrm>
-            <a:prstGeom prst="line">
-              <a:avLst/>
-            </a:prstGeom>
-            <a:noFill/>
-            <a:ln w="9525">
-              <a:solidFill>
-                <a:srgbClr val="000000"/>
-              </a:solidFill>
-              <a:round/>
-              <a:headEnd/>
-              <a:tailEnd/>
-            </a:ln>
-            <a:extLst>
-              <a:ext uri="{909E8E84-426E-40DD-AFC4-6F175D3DCCD1}">
-                <a14:hiddenFill xmlns:a14="http://schemas.microsoft.com/office/drawing/2010/main">
-                  <a:noFill/>
-                </a14:hiddenFill>
-              </a:ext>
-            </a:extLst>
-          </p:spPr>
-          <p:txBody>
-            <a:bodyPr/>
-            <a:lstStyle/>
-            <a:p>
-              <a:endParaRPr lang="en-US"/>
-            </a:p>
-          </p:txBody>
-        </p:sp>
-        <p:sp>
-          <p:nvSpPr>
-            <p:cNvPr id="205" name="Rectangle 1434"/>
-            <p:cNvSpPr>
-              <a:spLocks noChangeAspect="1" noChangeArrowheads="1"/>
-            </p:cNvSpPr>
-            <p:nvPr/>
-          </p:nvSpPr>
-          <p:spPr bwMode="auto">
-            <a:xfrm>
-              <a:off x="1488" y="11833"/>
-              <a:ext cx="287" cy="526"/>
-            </a:xfrm>
-            <a:prstGeom prst="rect">
-              <a:avLst/>
-            </a:prstGeom>
-            <a:solidFill>
-              <a:srgbClr val="FFFFFF"/>
-            </a:solidFill>
-            <a:ln w="9525">
-              <a:solidFill>
-                <a:srgbClr val="FFFFFF"/>
-              </a:solidFill>
-              <a:miter lim="800000"/>
-              <a:headEnd/>
-              <a:tailEnd/>
-            </a:ln>
-          </p:spPr>
-          <p:txBody>
-            <a:bodyPr/>
-            <a:lstStyle/>
-            <a:p>
-              <a:endParaRPr lang="en-US"/>
-            </a:p>
-          </p:txBody>
-        </p:sp>
-        <p:sp>
-          <p:nvSpPr>
-            <p:cNvPr id="206" name="Oval 1435"/>
-            <p:cNvSpPr>
-              <a:spLocks noChangeAspect="1" noChangeArrowheads="1"/>
-            </p:cNvSpPr>
-            <p:nvPr/>
-          </p:nvSpPr>
-          <p:spPr bwMode="auto">
-            <a:xfrm>
-              <a:off x="1406" y="12507"/>
-              <a:ext cx="447" cy="447"/>
-            </a:xfrm>
-            <a:prstGeom prst="ellipse">
-              <a:avLst/>
-            </a:prstGeom>
-            <a:solidFill>
-              <a:srgbClr val="FFFFFF"/>
-            </a:solidFill>
-            <a:ln w="9525">
-              <a:solidFill>
-                <a:srgbClr val="FFFFFF"/>
-              </a:solidFill>
-              <a:round/>
-              <a:headEnd/>
-              <a:tailEnd/>
-            </a:ln>
-          </p:spPr>
-          <p:txBody>
-            <a:bodyPr/>
-            <a:lstStyle/>
-            <a:p>
-              <a:endParaRPr lang="en-US"/>
             </a:p>
           </p:txBody>
         </p:sp>
